--- a/BIO247Project/BIO247ProjectSubmissions/DomicoBIO247Poster.pptx
+++ b/BIO247Project/BIO247ProjectSubmissions/DomicoBIO247Poster.pptx
@@ -132,7 +132,7 @@
 <file path=ppt/revisionInfo.xml><?xml version="1.0" encoding="utf-8"?>
 <p1510:revInfo xmlns:a="http://schemas.openxmlformats.org/drawingml/2006/main" xmlns:r="http://schemas.openxmlformats.org/officeDocument/2006/relationships" xmlns:p1510="http://schemas.microsoft.com/office/powerpoint/2015/10/main">
   <p1510:revLst>
-    <p1510:client id="{AA562EA7-7899-42CA-A535-56DF33526A93}" v="906" dt="2022-11-14T02:47:43.409"/>
+    <p1510:client id="{AA562EA7-7899-42CA-A535-56DF33526A93}" v="1232" dt="2022-11-16T18:34:07.919"/>
   </p1510:revLst>
 </p1510:revInfo>
 </file>
@@ -142,16 +142,32 @@
   <pc:docChgLst>
     <pc:chgData name="Whitney Domico" userId="8e56c0a1657867c1" providerId="LiveId" clId="{AA562EA7-7899-42CA-A535-56DF33526A93}"/>
     <pc:docChg chg="undo custSel modSld">
-      <pc:chgData name="Whitney Domico" userId="8e56c0a1657867c1" providerId="LiveId" clId="{AA562EA7-7899-42CA-A535-56DF33526A93}" dt="2022-11-14T03:30:29.678" v="3372" actId="27918"/>
+      <pc:chgData name="Whitney Domico" userId="8e56c0a1657867c1" providerId="LiveId" clId="{AA562EA7-7899-42CA-A535-56DF33526A93}" dt="2022-11-16T18:34:07.918" v="5783" actId="164"/>
       <pc:docMkLst>
         <pc:docMk/>
       </pc:docMkLst>
       <pc:sldChg chg="addSp delSp modSp mod">
-        <pc:chgData name="Whitney Domico" userId="8e56c0a1657867c1" providerId="LiveId" clId="{AA562EA7-7899-42CA-A535-56DF33526A93}" dt="2022-11-14T03:30:29.678" v="3372" actId="27918"/>
+        <pc:chgData name="Whitney Domico" userId="8e56c0a1657867c1" providerId="LiveId" clId="{AA562EA7-7899-42CA-A535-56DF33526A93}" dt="2022-11-16T18:34:07.918" v="5783" actId="164"/>
         <pc:sldMkLst>
           <pc:docMk/>
           <pc:sldMk cId="2475882334" sldId="260"/>
         </pc:sldMkLst>
+        <pc:spChg chg="mod">
+          <ac:chgData name="Whitney Domico" userId="8e56c0a1657867c1" providerId="LiveId" clId="{AA562EA7-7899-42CA-A535-56DF33526A93}" dt="2022-11-16T18:34:07.918" v="5783" actId="164"/>
+          <ac:spMkLst>
+            <pc:docMk/>
+            <pc:sldMk cId="2475882334" sldId="260"/>
+            <ac:spMk id="2" creationId="{02B9A90D-78CF-496A-A662-5FF0FB6F0206}"/>
+          </ac:spMkLst>
+        </pc:spChg>
+        <pc:spChg chg="add mod">
+          <ac:chgData name="Whitney Domico" userId="8e56c0a1657867c1" providerId="LiveId" clId="{AA562EA7-7899-42CA-A535-56DF33526A93}" dt="2022-11-16T18:34:07.918" v="5783" actId="164"/>
+          <ac:spMkLst>
+            <pc:docMk/>
+            <pc:sldMk cId="2475882334" sldId="260"/>
+            <ac:spMk id="3" creationId="{94758D2D-7B0E-AB10-0C1A-9B611FB7D965}"/>
+          </ac:spMkLst>
+        </pc:spChg>
         <pc:spChg chg="add del mod">
           <ac:chgData name="Whitney Domico" userId="8e56c0a1657867c1" providerId="LiveId" clId="{AA562EA7-7899-42CA-A535-56DF33526A93}" dt="2022-11-14T02:35:39.540" v="3263" actId="478"/>
           <ac:spMkLst>
@@ -160,8 +176,16 @@
             <ac:spMk id="3" creationId="{BF952FE5-844A-3683-661C-9DA229B1EFFD}"/>
           </ac:spMkLst>
         </pc:spChg>
-        <pc:spChg chg="add mod">
-          <ac:chgData name="Whitney Domico" userId="8e56c0a1657867c1" providerId="LiveId" clId="{AA562EA7-7899-42CA-A535-56DF33526A93}" dt="2022-11-14T02:17:04.501" v="3257" actId="14100"/>
+        <pc:spChg chg="add del mod">
+          <ac:chgData name="Whitney Domico" userId="8e56c0a1657867c1" providerId="LiveId" clId="{AA562EA7-7899-42CA-A535-56DF33526A93}" dt="2022-11-14T18:59:48.352" v="5028"/>
+          <ac:spMkLst>
+            <pc:docMk/>
+            <pc:sldMk cId="2475882334" sldId="260"/>
+            <ac:spMk id="4" creationId="{0C129F3D-5FDD-8BB4-A723-20BE4D0F293E}"/>
+          </ac:spMkLst>
+        </pc:spChg>
+        <pc:spChg chg="add del mod">
+          <ac:chgData name="Whitney Domico" userId="8e56c0a1657867c1" providerId="LiveId" clId="{AA562EA7-7899-42CA-A535-56DF33526A93}" dt="2022-11-14T15:22:14.181" v="3653" actId="478"/>
           <ac:spMkLst>
             <pc:docMk/>
             <pc:sldMk cId="2475882334" sldId="260"/>
@@ -169,15 +193,71 @@
           </ac:spMkLst>
         </pc:spChg>
         <pc:spChg chg="add mod">
-          <ac:chgData name="Whitney Domico" userId="8e56c0a1657867c1" providerId="LiveId" clId="{AA562EA7-7899-42CA-A535-56DF33526A93}" dt="2022-11-14T02:07:42.619" v="2660" actId="20577"/>
+          <ac:chgData name="Whitney Domico" userId="8e56c0a1657867c1" providerId="LiveId" clId="{AA562EA7-7899-42CA-A535-56DF33526A93}" dt="2022-11-16T18:34:07.918" v="5783" actId="164"/>
+          <ac:spMkLst>
+            <pc:docMk/>
+            <pc:sldMk cId="2475882334" sldId="260"/>
+            <ac:spMk id="4" creationId="{592F3E7D-E1F7-C0AA-FE44-A3F967E88A83}"/>
+          </ac:spMkLst>
+        </pc:spChg>
+        <pc:spChg chg="add mod">
+          <ac:chgData name="Whitney Domico" userId="8e56c0a1657867c1" providerId="LiveId" clId="{AA562EA7-7899-42CA-A535-56DF33526A93}" dt="2022-11-16T18:33:47.649" v="5781" actId="164"/>
           <ac:spMkLst>
             <pc:docMk/>
             <pc:sldMk cId="2475882334" sldId="260"/>
             <ac:spMk id="7" creationId="{79AC7C38-5AEA-D9F4-E8E5-13B518E215E6}"/>
           </ac:spMkLst>
         </pc:spChg>
+        <pc:spChg chg="add mod topLvl">
+          <ac:chgData name="Whitney Domico" userId="8e56c0a1657867c1" providerId="LiveId" clId="{AA562EA7-7899-42CA-A535-56DF33526A93}" dt="2022-11-16T18:30:30.521" v="5776" actId="207"/>
+          <ac:spMkLst>
+            <pc:docMk/>
+            <pc:sldMk cId="2475882334" sldId="260"/>
+            <ac:spMk id="16" creationId="{F6546A72-91E4-1BED-B6DE-B4E3A8095E5B}"/>
+          </ac:spMkLst>
+        </pc:spChg>
+        <pc:spChg chg="add mod topLvl">
+          <ac:chgData name="Whitney Domico" userId="8e56c0a1657867c1" providerId="LiveId" clId="{AA562EA7-7899-42CA-A535-56DF33526A93}" dt="2022-11-16T18:29:59.343" v="5774" actId="1036"/>
+          <ac:spMkLst>
+            <pc:docMk/>
+            <pc:sldMk cId="2475882334" sldId="260"/>
+            <ac:spMk id="17" creationId="{536F245E-3DA5-3A1E-9DD8-E8A91FC704B3}"/>
+          </ac:spMkLst>
+        </pc:spChg>
+        <pc:spChg chg="add mod topLvl">
+          <ac:chgData name="Whitney Domico" userId="8e56c0a1657867c1" providerId="LiveId" clId="{AA562EA7-7899-42CA-A535-56DF33526A93}" dt="2022-11-16T18:29:34.753" v="5768" actId="1076"/>
+          <ac:spMkLst>
+            <pc:docMk/>
+            <pc:sldMk cId="2475882334" sldId="260"/>
+            <ac:spMk id="18" creationId="{DD3CAB15-A8FB-A3F4-204D-60C2BA403CEA}"/>
+          </ac:spMkLst>
+        </pc:spChg>
+        <pc:spChg chg="add del mod">
+          <ac:chgData name="Whitney Domico" userId="8e56c0a1657867c1" providerId="LiveId" clId="{AA562EA7-7899-42CA-A535-56DF33526A93}" dt="2022-11-14T15:21:20.219" v="3637"/>
+          <ac:spMkLst>
+            <pc:docMk/>
+            <pc:sldMk cId="2475882334" sldId="260"/>
+            <ac:spMk id="20" creationId="{6DDA31FE-653B-A87C-18E9-1263D17F789A}"/>
+          </ac:spMkLst>
+        </pc:spChg>
+        <pc:spChg chg="add mod">
+          <ac:chgData name="Whitney Domico" userId="8e56c0a1657867c1" providerId="LiveId" clId="{AA562EA7-7899-42CA-A535-56DF33526A93}" dt="2022-11-16T18:34:07.918" v="5783" actId="164"/>
+          <ac:spMkLst>
+            <pc:docMk/>
+            <pc:sldMk cId="2475882334" sldId="260"/>
+            <ac:spMk id="21" creationId="{0D2D0237-D973-CB3F-A3F1-9F0805F7EE57}"/>
+          </ac:spMkLst>
+        </pc:spChg>
+        <pc:spChg chg="add mod">
+          <ac:chgData name="Whitney Domico" userId="8e56c0a1657867c1" providerId="LiveId" clId="{AA562EA7-7899-42CA-A535-56DF33526A93}" dt="2022-11-16T18:34:07.918" v="5783" actId="164"/>
+          <ac:spMkLst>
+            <pc:docMk/>
+            <pc:sldMk cId="2475882334" sldId="260"/>
+            <ac:spMk id="22" creationId="{A675FEAC-BB8C-9AB5-6A97-20BCD705272A}"/>
+          </ac:spMkLst>
+        </pc:spChg>
         <pc:spChg chg="mod">
-          <ac:chgData name="Whitney Domico" userId="8e56c0a1657867c1" providerId="LiveId" clId="{AA562EA7-7899-42CA-A535-56DF33526A93}" dt="2022-11-14T00:52:22.940" v="1384" actId="20577"/>
+          <ac:chgData name="Whitney Domico" userId="8e56c0a1657867c1" providerId="LiveId" clId="{AA562EA7-7899-42CA-A535-56DF33526A93}" dt="2022-11-16T18:33:53.633" v="5782" actId="164"/>
           <ac:spMkLst>
             <pc:docMk/>
             <pc:sldMk cId="2475882334" sldId="260"/>
@@ -185,7 +265,7 @@
           </ac:spMkLst>
         </pc:spChg>
         <pc:spChg chg="mod">
-          <ac:chgData name="Whitney Domico" userId="8e56c0a1657867c1" providerId="LiveId" clId="{AA562EA7-7899-42CA-A535-56DF33526A93}" dt="2022-11-14T01:07:18.215" v="2336" actId="20577"/>
+          <ac:chgData name="Whitney Domico" userId="8e56c0a1657867c1" providerId="LiveId" clId="{AA562EA7-7899-42CA-A535-56DF33526A93}" dt="2022-11-16T18:26:23.136" v="5738" actId="207"/>
           <ac:spMkLst>
             <pc:docMk/>
             <pc:sldMk cId="2475882334" sldId="260"/>
@@ -193,11 +273,35 @@
           </ac:spMkLst>
         </pc:spChg>
         <pc:spChg chg="mod">
-          <ac:chgData name="Whitney Domico" userId="8e56c0a1657867c1" providerId="LiveId" clId="{AA562EA7-7899-42CA-A535-56DF33526A93}" dt="2022-11-14T02:04:45.928" v="2571"/>
+          <ac:chgData name="Whitney Domico" userId="8e56c0a1657867c1" providerId="LiveId" clId="{AA562EA7-7899-42CA-A535-56DF33526A93}" dt="2022-11-16T18:33:53.633" v="5782" actId="164"/>
+          <ac:spMkLst>
+            <pc:docMk/>
+            <pc:sldMk cId="2475882334" sldId="260"/>
+            <ac:spMk id="48" creationId="{768B6E46-5BEE-472A-9B3D-03FBF389B835}"/>
+          </ac:spMkLst>
+        </pc:spChg>
+        <pc:spChg chg="mod">
+          <ac:chgData name="Whitney Domico" userId="8e56c0a1657867c1" providerId="LiveId" clId="{AA562EA7-7899-42CA-A535-56DF33526A93}" dt="2022-11-16T18:33:47.649" v="5781" actId="164"/>
           <ac:spMkLst>
             <pc:docMk/>
             <pc:sldMk cId="2475882334" sldId="260"/>
             <ac:spMk id="51" creationId="{01C23284-D674-4478-9CB0-A3C75420A05D}"/>
+          </ac:spMkLst>
+        </pc:spChg>
+        <pc:spChg chg="mod">
+          <ac:chgData name="Whitney Domico" userId="8e56c0a1657867c1" providerId="LiveId" clId="{AA562EA7-7899-42CA-A535-56DF33526A93}" dt="2022-11-16T18:33:47.649" v="5781" actId="164"/>
+          <ac:spMkLst>
+            <pc:docMk/>
+            <pc:sldMk cId="2475882334" sldId="260"/>
+            <ac:spMk id="52" creationId="{3BBDE86C-EF45-4D75-AA32-87BE79906AD5}"/>
+          </ac:spMkLst>
+        </pc:spChg>
+        <pc:spChg chg="mod">
+          <ac:chgData name="Whitney Domico" userId="8e56c0a1657867c1" providerId="LiveId" clId="{AA562EA7-7899-42CA-A535-56DF33526A93}" dt="2022-11-16T18:33:37.524" v="5780" actId="164"/>
+          <ac:spMkLst>
+            <pc:docMk/>
+            <pc:sldMk cId="2475882334" sldId="260"/>
+            <ac:spMk id="55" creationId="{8C153193-5525-4D94-B630-79C8222FD287}"/>
           </ac:spMkLst>
         </pc:spChg>
         <pc:spChg chg="del mod">
@@ -225,7 +329,7 @@
           </ac:spMkLst>
         </pc:spChg>
         <pc:spChg chg="mod">
-          <ac:chgData name="Whitney Domico" userId="8e56c0a1657867c1" providerId="LiveId" clId="{AA562EA7-7899-42CA-A535-56DF33526A93}" dt="2022-11-14T02:14:49.169" v="3256" actId="20577"/>
+          <ac:chgData name="Whitney Domico" userId="8e56c0a1657867c1" providerId="LiveId" clId="{AA562EA7-7899-42CA-A535-56DF33526A93}" dt="2022-11-16T18:34:07.918" v="5783" actId="164"/>
           <ac:spMkLst>
             <pc:docMk/>
             <pc:sldMk cId="2475882334" sldId="260"/>
@@ -233,11 +337,27 @@
           </ac:spMkLst>
         </pc:spChg>
         <pc:spChg chg="mod">
-          <ac:chgData name="Whitney Domico" userId="8e56c0a1657867c1" providerId="LiveId" clId="{AA562EA7-7899-42CA-A535-56DF33526A93}" dt="2022-11-14T00:33:43.211" v="12" actId="20577"/>
+          <ac:chgData name="Whitney Domico" userId="8e56c0a1657867c1" providerId="LiveId" clId="{AA562EA7-7899-42CA-A535-56DF33526A93}" dt="2022-11-16T18:34:07.918" v="5783" actId="164"/>
+          <ac:spMkLst>
+            <pc:docMk/>
+            <pc:sldMk cId="2475882334" sldId="260"/>
+            <ac:spMk id="61" creationId="{C0E1695A-5CF8-43B9-A2FF-512CD78280E2}"/>
+          </ac:spMkLst>
+        </pc:spChg>
+        <pc:spChg chg="del mod">
+          <ac:chgData name="Whitney Domico" userId="8e56c0a1657867c1" providerId="LiveId" clId="{AA562EA7-7899-42CA-A535-56DF33526A93}" dt="2022-11-14T15:21:57.549" v="3651" actId="478"/>
           <ac:spMkLst>
             <pc:docMk/>
             <pc:sldMk cId="2475882334" sldId="260"/>
             <ac:spMk id="62" creationId="{D44089E8-D180-48A0-81EA-5AA926E49466}"/>
+          </ac:spMkLst>
+        </pc:spChg>
+        <pc:spChg chg="del">
+          <ac:chgData name="Whitney Domico" userId="8e56c0a1657867c1" providerId="LiveId" clId="{AA562EA7-7899-42CA-A535-56DF33526A93}" dt="2022-11-14T15:21:52.534" v="3650" actId="478"/>
+          <ac:spMkLst>
+            <pc:docMk/>
+            <pc:sldMk cId="2475882334" sldId="260"/>
+            <ac:spMk id="65" creationId="{ADF07862-959B-4CA3-AE0C-BFF7CDB3A100}"/>
           </ac:spMkLst>
         </pc:spChg>
         <pc:spChg chg="del mod">
@@ -248,6 +368,102 @@
             <ac:spMk id="66" creationId="{61FF3336-9204-4B92-BE9F-01EE115B6D22}"/>
           </ac:spMkLst>
         </pc:spChg>
+        <pc:spChg chg="mod">
+          <ac:chgData name="Whitney Domico" userId="8e56c0a1657867c1" providerId="LiveId" clId="{AA562EA7-7899-42CA-A535-56DF33526A93}" dt="2022-11-16T18:34:07.918" v="5783" actId="164"/>
+          <ac:spMkLst>
+            <pc:docMk/>
+            <pc:sldMk cId="2475882334" sldId="260"/>
+            <ac:spMk id="67" creationId="{12DCA909-9C58-496E-AA38-3F763995EEA7}"/>
+          </ac:spMkLst>
+        </pc:spChg>
+        <pc:grpChg chg="add mod ord topLvl">
+          <ac:chgData name="Whitney Domico" userId="8e56c0a1657867c1" providerId="LiveId" clId="{AA562EA7-7899-42CA-A535-56DF33526A93}" dt="2022-11-16T18:31:36.532" v="5779" actId="164"/>
+          <ac:grpSpMkLst>
+            <pc:docMk/>
+            <pc:sldMk cId="2475882334" sldId="260"/>
+            <ac:grpSpMk id="9" creationId="{23DCB799-1D91-F2DB-8E6E-508E10904247}"/>
+          </ac:grpSpMkLst>
+        </pc:grpChg>
+        <pc:grpChg chg="add del mod ord">
+          <ac:chgData name="Whitney Domico" userId="8e56c0a1657867c1" providerId="LiveId" clId="{AA562EA7-7899-42CA-A535-56DF33526A93}" dt="2022-11-16T18:27:22.530" v="5740" actId="165"/>
+          <ac:grpSpMkLst>
+            <pc:docMk/>
+            <pc:sldMk cId="2475882334" sldId="260"/>
+            <ac:grpSpMk id="10" creationId="{72377187-E29A-BDFF-668A-6AEFD79199AE}"/>
+          </ac:grpSpMkLst>
+        </pc:grpChg>
+        <pc:grpChg chg="add mod">
+          <ac:chgData name="Whitney Domico" userId="8e56c0a1657867c1" providerId="LiveId" clId="{AA562EA7-7899-42CA-A535-56DF33526A93}" dt="2022-11-16T18:33:37.524" v="5780" actId="164"/>
+          <ac:grpSpMkLst>
+            <pc:docMk/>
+            <pc:sldMk cId="2475882334" sldId="260"/>
+            <ac:grpSpMk id="13" creationId="{66D784EE-46EC-B3AB-426B-325A0F65F268}"/>
+          </ac:grpSpMkLst>
+        </pc:grpChg>
+        <pc:grpChg chg="add mod">
+          <ac:chgData name="Whitney Domico" userId="8e56c0a1657867c1" providerId="LiveId" clId="{AA562EA7-7899-42CA-A535-56DF33526A93}" dt="2022-11-16T18:33:37.524" v="5780" actId="164"/>
+          <ac:grpSpMkLst>
+            <pc:docMk/>
+            <pc:sldMk cId="2475882334" sldId="260"/>
+            <ac:grpSpMk id="15" creationId="{9764D7D3-5450-AA88-8E99-7E915E77BF69}"/>
+          </ac:grpSpMkLst>
+        </pc:grpChg>
+        <pc:grpChg chg="add del mod">
+          <ac:chgData name="Whitney Domico" userId="8e56c0a1657867c1" providerId="LiveId" clId="{AA562EA7-7899-42CA-A535-56DF33526A93}" dt="2022-11-14T15:59:56.320" v="4425" actId="165"/>
+          <ac:grpSpMkLst>
+            <pc:docMk/>
+            <pc:sldMk cId="2475882334" sldId="260"/>
+            <ac:grpSpMk id="19" creationId="{1E0F377F-D609-568C-11BC-DDAD6E1BB793}"/>
+          </ac:grpSpMkLst>
+        </pc:grpChg>
+        <pc:grpChg chg="add mod">
+          <ac:chgData name="Whitney Domico" userId="8e56c0a1657867c1" providerId="LiveId" clId="{AA562EA7-7899-42CA-A535-56DF33526A93}" dt="2022-11-16T18:33:47.649" v="5781" actId="164"/>
+          <ac:grpSpMkLst>
+            <pc:docMk/>
+            <pc:sldMk cId="2475882334" sldId="260"/>
+            <ac:grpSpMk id="19" creationId="{5F16ECAD-2530-E735-1AC3-BC201EFA4E44}"/>
+          </ac:grpSpMkLst>
+        </pc:grpChg>
+        <pc:grpChg chg="add mod">
+          <ac:chgData name="Whitney Domico" userId="8e56c0a1657867c1" providerId="LiveId" clId="{AA562EA7-7899-42CA-A535-56DF33526A93}" dt="2022-11-16T18:33:53.633" v="5782" actId="164"/>
+          <ac:grpSpMkLst>
+            <pc:docMk/>
+            <pc:sldMk cId="2475882334" sldId="260"/>
+            <ac:grpSpMk id="20" creationId="{BDDEE017-989C-04C2-E669-D2A1E67B19D7}"/>
+          </ac:grpSpMkLst>
+        </pc:grpChg>
+        <pc:grpChg chg="add mod">
+          <ac:chgData name="Whitney Domico" userId="8e56c0a1657867c1" providerId="LiveId" clId="{AA562EA7-7899-42CA-A535-56DF33526A93}" dt="2022-11-16T18:34:07.918" v="5783" actId="164"/>
+          <ac:grpSpMkLst>
+            <pc:docMk/>
+            <pc:sldMk cId="2475882334" sldId="260"/>
+            <ac:grpSpMk id="23" creationId="{D9D9CDC4-CCE9-64E4-EE94-3F8FBE9F8912}"/>
+          </ac:grpSpMkLst>
+        </pc:grpChg>
+        <pc:grpChg chg="add mod">
+          <ac:chgData name="Whitney Domico" userId="8e56c0a1657867c1" providerId="LiveId" clId="{AA562EA7-7899-42CA-A535-56DF33526A93}" dt="2022-11-16T18:27:22.530" v="5740" actId="165"/>
+          <ac:grpSpMkLst>
+            <pc:docMk/>
+            <pc:sldMk cId="2475882334" sldId="260"/>
+            <ac:grpSpMk id="27" creationId="{8AFE825D-F400-CB14-5A3E-A33B2A91F408}"/>
+          </ac:grpSpMkLst>
+        </pc:grpChg>
+        <pc:graphicFrameChg chg="add del mod">
+          <ac:chgData name="Whitney Domico" userId="8e56c0a1657867c1" providerId="LiveId" clId="{AA562EA7-7899-42CA-A535-56DF33526A93}" dt="2022-11-14T15:00:59.583" v="3376" actId="478"/>
+          <ac:graphicFrameMkLst>
+            <pc:docMk/>
+            <pc:sldMk cId="2475882334" sldId="260"/>
+            <ac:graphicFrameMk id="3" creationId="{267FF879-69DB-A031-8C40-379911374E1C}"/>
+          </ac:graphicFrameMkLst>
+        </pc:graphicFrameChg>
+        <pc:graphicFrameChg chg="add del mod topLvl">
+          <ac:chgData name="Whitney Domico" userId="8e56c0a1657867c1" providerId="LiveId" clId="{AA562EA7-7899-42CA-A535-56DF33526A93}" dt="2022-11-14T16:00:17.330" v="4427" actId="478"/>
+          <ac:graphicFrameMkLst>
+            <pc:docMk/>
+            <pc:sldMk cId="2475882334" sldId="260"/>
+            <ac:graphicFrameMk id="5" creationId="{267FF879-69DB-A031-8C40-379911374E1C}"/>
+          </ac:graphicFrameMkLst>
+        </pc:graphicFrameChg>
         <pc:graphicFrameChg chg="add del modGraphic">
           <ac:chgData name="Whitney Domico" userId="8e56c0a1657867c1" providerId="LiveId" clId="{AA562EA7-7899-42CA-A535-56DF33526A93}" dt="2022-11-14T00:58:03.799" v="1549" actId="478"/>
           <ac:graphicFrameMkLst>
@@ -256,8 +472,8 @@
             <ac:graphicFrameMk id="5" creationId="{ABA69886-D16B-DBD2-0D9A-4803DE7C6879}"/>
           </ac:graphicFrameMkLst>
         </pc:graphicFrameChg>
-        <pc:graphicFrameChg chg="add mod">
-          <ac:chgData name="Whitney Domico" userId="8e56c0a1657867c1" providerId="LiveId" clId="{AA562EA7-7899-42CA-A535-56DF33526A93}" dt="2022-11-14T02:07:17.175" v="2626" actId="14100"/>
+        <pc:graphicFrameChg chg="add mod modGraphic">
+          <ac:chgData name="Whitney Domico" userId="8e56c0a1657867c1" providerId="LiveId" clId="{AA562EA7-7899-42CA-A535-56DF33526A93}" dt="2022-11-16T18:33:47.649" v="5781" actId="164"/>
           <ac:graphicFrameMkLst>
             <pc:docMk/>
             <pc:sldMk cId="2475882334" sldId="260"/>
@@ -272,20 +488,44 @@
             <ac:graphicFrameMk id="8" creationId="{E30D4B47-8CA4-E276-B406-DCFF5D513FEA}"/>
           </ac:graphicFrameMkLst>
         </pc:graphicFrameChg>
-        <pc:graphicFrameChg chg="add mod">
-          <ac:chgData name="Whitney Domico" userId="8e56c0a1657867c1" providerId="LiveId" clId="{AA562EA7-7899-42CA-A535-56DF33526A93}" dt="2022-11-14T02:48:33.201" v="3327" actId="14100"/>
+        <pc:graphicFrameChg chg="add del mod">
+          <ac:chgData name="Whitney Domico" userId="8e56c0a1657867c1" providerId="LiveId" clId="{AA562EA7-7899-42CA-A535-56DF33526A93}" dt="2022-11-14T15:45:41.349" v="4360" actId="478"/>
           <ac:graphicFrameMkLst>
             <pc:docMk/>
             <pc:sldMk cId="2475882334" sldId="260"/>
             <ac:graphicFrameMk id="9" creationId="{B8C1C5E6-E2EB-D62E-48B5-622F08B0612F}"/>
           </ac:graphicFrameMkLst>
         </pc:graphicFrameChg>
-        <pc:graphicFrameChg chg="add mod">
-          <ac:chgData name="Whitney Domico" userId="8e56c0a1657867c1" providerId="LiveId" clId="{AA562EA7-7899-42CA-A535-56DF33526A93}" dt="2022-11-14T02:48:41.004" v="3328" actId="14100"/>
+        <pc:graphicFrameChg chg="add del mod">
+          <ac:chgData name="Whitney Domico" userId="8e56c0a1657867c1" providerId="LiveId" clId="{AA562EA7-7899-42CA-A535-56DF33526A93}" dt="2022-11-14T15:37:42.859" v="4322" actId="478"/>
           <ac:graphicFrameMkLst>
             <pc:docMk/>
             <pc:sldMk cId="2475882334" sldId="260"/>
             <ac:graphicFrameMk id="10" creationId="{A301776B-562C-D9E5-350E-4F67339AE9DF}"/>
+          </ac:graphicFrameMkLst>
+        </pc:graphicFrameChg>
+        <pc:graphicFrameChg chg="add mod topLvl">
+          <ac:chgData name="Whitney Domico" userId="8e56c0a1657867c1" providerId="LiveId" clId="{AA562EA7-7899-42CA-A535-56DF33526A93}" dt="2022-11-16T18:31:36.532" v="5779" actId="164"/>
+          <ac:graphicFrameMkLst>
+            <pc:docMk/>
+            <pc:sldMk cId="2475882334" sldId="260"/>
+            <ac:graphicFrameMk id="24" creationId="{A301776B-562C-D9E5-350E-4F67339AE9DF}"/>
+          </ac:graphicFrameMkLst>
+        </pc:graphicFrameChg>
+        <pc:graphicFrameChg chg="add mod topLvl">
+          <ac:chgData name="Whitney Domico" userId="8e56c0a1657867c1" providerId="LiveId" clId="{AA562EA7-7899-42CA-A535-56DF33526A93}" dt="2022-11-16T18:31:36.532" v="5779" actId="164"/>
+          <ac:graphicFrameMkLst>
+            <pc:docMk/>
+            <pc:sldMk cId="2475882334" sldId="260"/>
+            <ac:graphicFrameMk id="25" creationId="{B8C1C5E6-E2EB-D62E-48B5-622F08B0612F}"/>
+          </ac:graphicFrameMkLst>
+        </pc:graphicFrameChg>
+        <pc:graphicFrameChg chg="add mod ord">
+          <ac:chgData name="Whitney Domico" userId="8e56c0a1657867c1" providerId="LiveId" clId="{AA562EA7-7899-42CA-A535-56DF33526A93}" dt="2022-11-16T18:28:40.317" v="5755" actId="1038"/>
+          <ac:graphicFrameMkLst>
+            <pc:docMk/>
+            <pc:sldMk cId="2475882334" sldId="260"/>
+            <ac:graphicFrameMk id="26" creationId="{267FF879-69DB-A031-8C40-379911374E1C}"/>
           </ac:graphicFrameMkLst>
         </pc:graphicFrameChg>
         <pc:graphicFrameChg chg="del">
@@ -304,6 +544,46 @@
             <ac:graphicFrameMk id="58" creationId="{F3074EBF-4843-4787-B34E-4CD6617432B4}"/>
           </ac:graphicFrameMkLst>
         </pc:graphicFrameChg>
+        <pc:picChg chg="add mod">
+          <ac:chgData name="Whitney Domico" userId="8e56c0a1657867c1" providerId="LiveId" clId="{AA562EA7-7899-42CA-A535-56DF33526A93}" dt="2022-11-16T18:34:07.918" v="5783" actId="164"/>
+          <ac:picMkLst>
+            <pc:docMk/>
+            <pc:sldMk cId="2475882334" sldId="260"/>
+            <ac:picMk id="8" creationId="{2865B2A5-8B00-FDFB-7646-7403CBABDEF8}"/>
+          </ac:picMkLst>
+        </pc:picChg>
+        <pc:cxnChg chg="add mod topLvl">
+          <ac:chgData name="Whitney Domico" userId="8e56c0a1657867c1" providerId="LiveId" clId="{AA562EA7-7899-42CA-A535-56DF33526A93}" dt="2022-11-16T18:29:45.109" v="5771" actId="1035"/>
+          <ac:cxnSpMkLst>
+            <pc:docMk/>
+            <pc:sldMk cId="2475882334" sldId="260"/>
+            <ac:cxnSpMk id="11" creationId="{79F3088E-BDCA-BC9A-8B05-B2702DCD3BA2}"/>
+          </ac:cxnSpMkLst>
+        </pc:cxnChg>
+        <pc:cxnChg chg="add mod topLvl">
+          <ac:chgData name="Whitney Domico" userId="8e56c0a1657867c1" providerId="LiveId" clId="{AA562EA7-7899-42CA-A535-56DF33526A93}" dt="2022-11-16T18:29:42.710" v="5770" actId="1036"/>
+          <ac:cxnSpMkLst>
+            <pc:docMk/>
+            <pc:sldMk cId="2475882334" sldId="260"/>
+            <ac:cxnSpMk id="12" creationId="{0C74AF53-AD8A-2BE3-C01A-6D5E81654097}"/>
+          </ac:cxnSpMkLst>
+        </pc:cxnChg>
+        <pc:cxnChg chg="add mod topLvl">
+          <ac:chgData name="Whitney Domico" userId="8e56c0a1657867c1" providerId="LiveId" clId="{AA562EA7-7899-42CA-A535-56DF33526A93}" dt="2022-11-16T18:28:31.033" v="5751" actId="1037"/>
+          <ac:cxnSpMkLst>
+            <pc:docMk/>
+            <pc:sldMk cId="2475882334" sldId="260"/>
+            <ac:cxnSpMk id="14" creationId="{BEC0E7E2-D9E4-03CF-5CCE-9E8B3ABFCF78}"/>
+          </ac:cxnSpMkLst>
+        </pc:cxnChg>
+        <pc:cxnChg chg="add del">
+          <ac:chgData name="Whitney Domico" userId="8e56c0a1657867c1" providerId="LiveId" clId="{AA562EA7-7899-42CA-A535-56DF33526A93}" dt="2022-11-14T21:54:19.887" v="5613" actId="478"/>
+          <ac:cxnSpMkLst>
+            <pc:docMk/>
+            <pc:sldMk cId="2475882334" sldId="260"/>
+            <ac:cxnSpMk id="15" creationId="{2F635743-B8BA-FC56-DFC6-514BCAFA094E}"/>
+          </ac:cxnSpMkLst>
+        </pc:cxnChg>
       </pc:sldChg>
     </pc:docChg>
   </pc:docChgLst>
@@ -327,6 +607,817 @@
     <c:autoTitleDeleted val="1"/>
     <c:plotArea>
       <c:layout/>
+      <c:scatterChart>
+        <c:scatterStyle val="lineMarker"/>
+        <c:varyColors val="0"/>
+        <c:ser>
+          <c:idx val="2"/>
+          <c:order val="0"/>
+          <c:spPr>
+            <a:ln w="25400" cap="rnd">
+              <a:noFill/>
+              <a:round/>
+            </a:ln>
+            <a:effectLst/>
+          </c:spPr>
+          <c:marker>
+            <c:symbol val="x"/>
+            <c:size val="9"/>
+            <c:spPr>
+              <a:noFill/>
+              <a:ln w="12700">
+                <a:solidFill>
+                  <a:schemeClr val="tx1"/>
+                </a:solidFill>
+              </a:ln>
+              <a:effectLst/>
+            </c:spPr>
+          </c:marker>
+          <c:dPt>
+            <c:idx val="0"/>
+            <c:marker>
+              <c:symbol val="dash"/>
+              <c:size val="9"/>
+              <c:spPr>
+                <a:solidFill>
+                  <a:schemeClr val="tx1"/>
+                </a:solidFill>
+                <a:ln w="12700">
+                  <a:solidFill>
+                    <a:schemeClr val="tx1"/>
+                  </a:solidFill>
+                </a:ln>
+                <a:effectLst/>
+              </c:spPr>
+            </c:marker>
+            <c:bubble3D val="0"/>
+            <c:extLst>
+              <c:ext xmlns:c16="http://schemas.microsoft.com/office/drawing/2014/chart" uri="{C3380CC4-5D6E-409C-BE32-E72D297353CC}">
+                <c16:uniqueId val="{00000000-A3F5-43D2-A33A-3EA8E3A61B0D}"/>
+              </c:ext>
+            </c:extLst>
+          </c:dPt>
+          <c:dPt>
+            <c:idx val="39"/>
+            <c:marker>
+              <c:symbol val="dash"/>
+              <c:size val="9"/>
+              <c:spPr>
+                <a:solidFill>
+                  <a:schemeClr val="tx1"/>
+                </a:solidFill>
+                <a:ln w="12700">
+                  <a:solidFill>
+                    <a:schemeClr val="tx1"/>
+                  </a:solidFill>
+                </a:ln>
+                <a:effectLst/>
+              </c:spPr>
+            </c:marker>
+            <c:bubble3D val="0"/>
+            <c:extLst>
+              <c:ext xmlns:c16="http://schemas.microsoft.com/office/drawing/2014/chart" uri="{C3380CC4-5D6E-409C-BE32-E72D297353CC}">
+                <c16:uniqueId val="{00000001-A3F5-43D2-A33A-3EA8E3A61B0D}"/>
+              </c:ext>
+            </c:extLst>
+          </c:dPt>
+          <c:dPt>
+            <c:idx val="40"/>
+            <c:marker>
+              <c:symbol val="dash"/>
+              <c:size val="9"/>
+              <c:spPr>
+                <a:solidFill>
+                  <a:schemeClr val="tx1"/>
+                </a:solidFill>
+                <a:ln w="12700">
+                  <a:solidFill>
+                    <a:schemeClr val="tx1"/>
+                  </a:solidFill>
+                </a:ln>
+                <a:effectLst/>
+              </c:spPr>
+            </c:marker>
+            <c:bubble3D val="0"/>
+            <c:extLst>
+              <c:ext xmlns:c16="http://schemas.microsoft.com/office/drawing/2014/chart" uri="{C3380CC4-5D6E-409C-BE32-E72D297353CC}">
+                <c16:uniqueId val="{00000002-A3F5-43D2-A33A-3EA8E3A61B0D}"/>
+              </c:ext>
+            </c:extLst>
+          </c:dPt>
+          <c:dPt>
+            <c:idx val="41"/>
+            <c:marker>
+              <c:symbol val="dash"/>
+              <c:size val="9"/>
+              <c:spPr>
+                <a:solidFill>
+                  <a:schemeClr val="tx1"/>
+                </a:solidFill>
+                <a:ln w="12700">
+                  <a:solidFill>
+                    <a:schemeClr val="tx1"/>
+                  </a:solidFill>
+                </a:ln>
+                <a:effectLst/>
+              </c:spPr>
+            </c:marker>
+            <c:bubble3D val="0"/>
+            <c:extLst>
+              <c:ext xmlns:c16="http://schemas.microsoft.com/office/drawing/2014/chart" uri="{C3380CC4-5D6E-409C-BE32-E72D297353CC}">
+                <c16:uniqueId val="{00000003-A3F5-43D2-A33A-3EA8E3A61B0D}"/>
+              </c:ext>
+            </c:extLst>
+          </c:dPt>
+          <c:dPt>
+            <c:idx val="42"/>
+            <c:marker>
+              <c:symbol val="dash"/>
+              <c:size val="9"/>
+              <c:spPr>
+                <a:solidFill>
+                  <a:schemeClr val="tx1"/>
+                </a:solidFill>
+                <a:ln w="12700">
+                  <a:solidFill>
+                    <a:schemeClr val="tx1"/>
+                  </a:solidFill>
+                </a:ln>
+                <a:effectLst/>
+              </c:spPr>
+            </c:marker>
+            <c:bubble3D val="0"/>
+            <c:extLst>
+              <c:ext xmlns:c16="http://schemas.microsoft.com/office/drawing/2014/chart" uri="{C3380CC4-5D6E-409C-BE32-E72D297353CC}">
+                <c16:uniqueId val="{00000004-A3F5-43D2-A33A-3EA8E3A61B0D}"/>
+              </c:ext>
+            </c:extLst>
+          </c:dPt>
+          <c:xVal>
+            <c:numRef>
+              <c:f>Sheet1!$L$32:$L$74</c:f>
+              <c:numCache>
+                <c:formatCode>General</c:formatCode>
+                <c:ptCount val="43"/>
+                <c:pt idx="0">
+                  <c:v>1</c:v>
+                </c:pt>
+                <c:pt idx="1">
+                  <c:v>1.21</c:v>
+                </c:pt>
+                <c:pt idx="2">
+                  <c:v>1.42</c:v>
+                </c:pt>
+                <c:pt idx="3">
+                  <c:v>1.63</c:v>
+                </c:pt>
+                <c:pt idx="4">
+                  <c:v>1.84</c:v>
+                </c:pt>
+                <c:pt idx="5">
+                  <c:v>2.0499999999999998</c:v>
+                </c:pt>
+                <c:pt idx="6">
+                  <c:v>2.2599999999999998</c:v>
+                </c:pt>
+                <c:pt idx="7">
+                  <c:v>2.4700000000000002</c:v>
+                </c:pt>
+                <c:pt idx="8">
+                  <c:v>2.68</c:v>
+                </c:pt>
+                <c:pt idx="9">
+                  <c:v>2.89</c:v>
+                </c:pt>
+                <c:pt idx="10">
+                  <c:v>3.1</c:v>
+                </c:pt>
+                <c:pt idx="11">
+                  <c:v>3.31</c:v>
+                </c:pt>
+                <c:pt idx="12">
+                  <c:v>3.52</c:v>
+                </c:pt>
+                <c:pt idx="13">
+                  <c:v>3.73</c:v>
+                </c:pt>
+                <c:pt idx="14">
+                  <c:v>3.94</c:v>
+                </c:pt>
+                <c:pt idx="15">
+                  <c:v>4.1500000000000004</c:v>
+                </c:pt>
+                <c:pt idx="16">
+                  <c:v>4.3600000000000003</c:v>
+                </c:pt>
+                <c:pt idx="17">
+                  <c:v>4.57</c:v>
+                </c:pt>
+                <c:pt idx="18">
+                  <c:v>4.78</c:v>
+                </c:pt>
+                <c:pt idx="19">
+                  <c:v>4.99</c:v>
+                </c:pt>
+                <c:pt idx="20">
+                  <c:v>5.2</c:v>
+                </c:pt>
+                <c:pt idx="21">
+                  <c:v>5.41</c:v>
+                </c:pt>
+                <c:pt idx="22">
+                  <c:v>5.62</c:v>
+                </c:pt>
+                <c:pt idx="23">
+                  <c:v>5.83</c:v>
+                </c:pt>
+                <c:pt idx="24">
+                  <c:v>6.04</c:v>
+                </c:pt>
+                <c:pt idx="25">
+                  <c:v>6.25</c:v>
+                </c:pt>
+                <c:pt idx="26">
+                  <c:v>6.46</c:v>
+                </c:pt>
+                <c:pt idx="27">
+                  <c:v>6.67</c:v>
+                </c:pt>
+                <c:pt idx="28">
+                  <c:v>6.88</c:v>
+                </c:pt>
+                <c:pt idx="29">
+                  <c:v>7.09</c:v>
+                </c:pt>
+                <c:pt idx="30">
+                  <c:v>7.3</c:v>
+                </c:pt>
+                <c:pt idx="31">
+                  <c:v>7.51</c:v>
+                </c:pt>
+                <c:pt idx="32">
+                  <c:v>7.72</c:v>
+                </c:pt>
+                <c:pt idx="33">
+                  <c:v>7.93</c:v>
+                </c:pt>
+                <c:pt idx="34">
+                  <c:v>8.14</c:v>
+                </c:pt>
+                <c:pt idx="35">
+                  <c:v>8.35</c:v>
+                </c:pt>
+                <c:pt idx="36">
+                  <c:v>8.56</c:v>
+                </c:pt>
+                <c:pt idx="37">
+                  <c:v>8.77</c:v>
+                </c:pt>
+                <c:pt idx="38">
+                  <c:v>8.98</c:v>
+                </c:pt>
+                <c:pt idx="39">
+                  <c:v>9.19</c:v>
+                </c:pt>
+                <c:pt idx="40">
+                  <c:v>9.4</c:v>
+                </c:pt>
+                <c:pt idx="41">
+                  <c:v>9.61</c:v>
+                </c:pt>
+                <c:pt idx="42">
+                  <c:v>9.82</c:v>
+                </c:pt>
+              </c:numCache>
+            </c:numRef>
+          </c:xVal>
+          <c:yVal>
+            <c:numRef>
+              <c:f>Sheet1!$G$32:$G$74</c:f>
+              <c:numCache>
+                <c:formatCode>General</c:formatCode>
+                <c:ptCount val="43"/>
+                <c:pt idx="0">
+                  <c:v>25.545964999999999</c:v>
+                </c:pt>
+                <c:pt idx="1">
+                  <c:v>25.815149999999999</c:v>
+                </c:pt>
+                <c:pt idx="2">
+                  <c:v>26.473324999999999</c:v>
+                </c:pt>
+                <c:pt idx="3">
+                  <c:v>26.484811000000001</c:v>
+                </c:pt>
+                <c:pt idx="4">
+                  <c:v>27.2</c:v>
+                </c:pt>
+                <c:pt idx="5">
+                  <c:v>27.251861999999999</c:v>
+                </c:pt>
+                <c:pt idx="6">
+                  <c:v>27.364080999999999</c:v>
+                </c:pt>
+                <c:pt idx="7">
+                  <c:v>27.4</c:v>
+                </c:pt>
+                <c:pt idx="8">
+                  <c:v>27.818144</c:v>
+                </c:pt>
+                <c:pt idx="9">
+                  <c:v>28.323425</c:v>
+                </c:pt>
+                <c:pt idx="10">
+                  <c:v>28.335583</c:v>
+                </c:pt>
+                <c:pt idx="11">
+                  <c:v>28.358892000000001</c:v>
+                </c:pt>
+                <c:pt idx="12">
+                  <c:v>28.4</c:v>
+                </c:pt>
+                <c:pt idx="13">
+                  <c:v>28.503485000000001</c:v>
+                </c:pt>
+                <c:pt idx="14">
+                  <c:v>28.650499</c:v>
+                </c:pt>
+                <c:pt idx="15">
+                  <c:v>29.338661999999999</c:v>
+                </c:pt>
+                <c:pt idx="16">
+                  <c:v>29.812294999999999</c:v>
+                </c:pt>
+                <c:pt idx="17">
+                  <c:v>30.273251999999999</c:v>
+                </c:pt>
+                <c:pt idx="18">
+                  <c:v>30.282109999999999</c:v>
+                </c:pt>
+                <c:pt idx="19">
+                  <c:v>30.429711000000001</c:v>
+                </c:pt>
+                <c:pt idx="20">
+                  <c:v>30.579498999999998</c:v>
+                </c:pt>
+                <c:pt idx="21">
+                  <c:v>30.806519999999999</c:v>
+                </c:pt>
+                <c:pt idx="22">
+                  <c:v>31.061084000000001</c:v>
+                </c:pt>
+                <c:pt idx="23">
+                  <c:v>31.2</c:v>
+                </c:pt>
+                <c:pt idx="24">
+                  <c:v>31.213391999999999</c:v>
+                </c:pt>
+                <c:pt idx="25">
+                  <c:v>31.542090000000002</c:v>
+                </c:pt>
+                <c:pt idx="26">
+                  <c:v>31.6</c:v>
+                </c:pt>
+                <c:pt idx="27">
+                  <c:v>31.837337999999999</c:v>
+                </c:pt>
+                <c:pt idx="28">
+                  <c:v>32.217956999999998</c:v>
+                </c:pt>
+                <c:pt idx="29">
+                  <c:v>32.269829999999999</c:v>
+                </c:pt>
+                <c:pt idx="30">
+                  <c:v>32.299999999999997</c:v>
+                </c:pt>
+                <c:pt idx="31">
+                  <c:v>32.4</c:v>
+                </c:pt>
+                <c:pt idx="32">
+                  <c:v>32.431961999999999</c:v>
+                </c:pt>
+                <c:pt idx="33">
+                  <c:v>32.447625000000002</c:v>
+                </c:pt>
+                <c:pt idx="34">
+                  <c:v>32.537697000000001</c:v>
+                </c:pt>
+                <c:pt idx="35">
+                  <c:v>32.538952999999999</c:v>
+                </c:pt>
+                <c:pt idx="36">
+                  <c:v>32.556576999999997</c:v>
+                </c:pt>
+                <c:pt idx="37">
+                  <c:v>32.703037999999999</c:v>
+                </c:pt>
+                <c:pt idx="38">
+                  <c:v>32.707977</c:v>
+                </c:pt>
+                <c:pt idx="39">
+                  <c:v>32.863267999999998</c:v>
+                </c:pt>
+                <c:pt idx="40">
+                  <c:v>32.9</c:v>
+                </c:pt>
+                <c:pt idx="41">
+                  <c:v>33.038772999999999</c:v>
+                </c:pt>
+                <c:pt idx="42">
+                  <c:v>33.512042000000001</c:v>
+                </c:pt>
+              </c:numCache>
+            </c:numRef>
+          </c:yVal>
+          <c:smooth val="0"/>
+          <c:extLst>
+            <c:ext xmlns:c16="http://schemas.microsoft.com/office/drawing/2014/chart" uri="{C3380CC4-5D6E-409C-BE32-E72D297353CC}">
+              <c16:uniqueId val="{00000005-A3F5-43D2-A33A-3EA8E3A61B0D}"/>
+            </c:ext>
+          </c:extLst>
+        </c:ser>
+        <c:dLbls>
+          <c:showLegendKey val="0"/>
+          <c:showVal val="0"/>
+          <c:showCatName val="0"/>
+          <c:showSerName val="0"/>
+          <c:showPercent val="0"/>
+          <c:showBubbleSize val="0"/>
+        </c:dLbls>
+        <c:axId val="738915384"/>
+        <c:axId val="738916664"/>
+      </c:scatterChart>
+      <c:scatterChart>
+        <c:scatterStyle val="smoothMarker"/>
+        <c:varyColors val="0"/>
+        <c:ser>
+          <c:idx val="0"/>
+          <c:order val="1"/>
+          <c:spPr>
+            <a:ln w="57150" cap="rnd">
+              <a:solidFill>
+                <a:schemeClr val="tx1"/>
+              </a:solidFill>
+              <a:round/>
+            </a:ln>
+            <a:effectLst/>
+          </c:spPr>
+          <c:marker>
+            <c:symbol val="none"/>
+          </c:marker>
+          <c:xVal>
+            <c:numRef>
+              <c:f>(Sheet1!$H$29,Sheet1!$H$35,Sheet1!$H$41,Sheet1!$H$48,Sheet1!$H$54,Sheet1!$H$60,Sheet1!$H$67,Sheet1!$H$74,Sheet1!$H$80)</c:f>
+              <c:numCache>
+                <c:formatCode>General</c:formatCode>
+                <c:ptCount val="9"/>
+                <c:pt idx="0">
+                  <c:v>0.7</c:v>
+                </c:pt>
+                <c:pt idx="1">
+                  <c:v>1.25</c:v>
+                </c:pt>
+                <c:pt idx="2">
+                  <c:v>1.5</c:v>
+                </c:pt>
+                <c:pt idx="3">
+                  <c:v>2</c:v>
+                </c:pt>
+                <c:pt idx="4">
+                  <c:v>3</c:v>
+                </c:pt>
+                <c:pt idx="5">
+                  <c:v>4</c:v>
+                </c:pt>
+                <c:pt idx="6">
+                  <c:v>5</c:v>
+                </c:pt>
+                <c:pt idx="7">
+                  <c:v>10</c:v>
+                </c:pt>
+              </c:numCache>
+            </c:numRef>
+          </c:xVal>
+          <c:yVal>
+            <c:numRef>
+              <c:f>(Sheet1!$I$29,Sheet1!$I$35,Sheet1!$I$41,Sheet1!$I$48,Sheet1!$I$54,Sheet1!$I$60,Sheet1!$I$67,Sheet1!$I$74,Sheet1!$I$80)</c:f>
+              <c:numCache>
+                <c:formatCode>General</c:formatCode>
+                <c:ptCount val="9"/>
+                <c:pt idx="0">
+                  <c:v>25.788899000000001</c:v>
+                </c:pt>
+                <c:pt idx="1">
+                  <c:v>25.789676</c:v>
+                </c:pt>
+                <c:pt idx="2">
+                  <c:v>26.079851999999999</c:v>
+                </c:pt>
+                <c:pt idx="3">
+                  <c:v>26.083257</c:v>
+                </c:pt>
+                <c:pt idx="4">
+                  <c:v>26.084446</c:v>
+                </c:pt>
+                <c:pt idx="5">
+                  <c:v>26.334959999999999</c:v>
+                </c:pt>
+                <c:pt idx="6">
+                  <c:v>27.162687999999999</c:v>
+                </c:pt>
+                <c:pt idx="7">
+                  <c:v>27.840381000000001</c:v>
+                </c:pt>
+                <c:pt idx="8">
+                  <c:v>27.854424999999999</c:v>
+                </c:pt>
+              </c:numCache>
+            </c:numRef>
+          </c:yVal>
+          <c:smooth val="1"/>
+          <c:extLst>
+            <c:ext xmlns:c16="http://schemas.microsoft.com/office/drawing/2014/chart" uri="{C3380CC4-5D6E-409C-BE32-E72D297353CC}">
+              <c16:uniqueId val="{00000006-A3F5-43D2-A33A-3EA8E3A61B0D}"/>
+            </c:ext>
+          </c:extLst>
+        </c:ser>
+        <c:ser>
+          <c:idx val="1"/>
+          <c:order val="2"/>
+          <c:spPr>
+            <a:ln w="57150" cap="rnd">
+              <a:solidFill>
+                <a:schemeClr val="tx1"/>
+              </a:solidFill>
+              <a:round/>
+            </a:ln>
+            <a:effectLst/>
+          </c:spPr>
+          <c:marker>
+            <c:symbol val="none"/>
+          </c:marker>
+          <c:xVal>
+            <c:numRef>
+              <c:f>(Sheet1!$H$29,Sheet1!$H$35,Sheet1!$H$41,Sheet1!$H$48,Sheet1!$H$54,Sheet1!$H$60,Sheet1!$H$67,Sheet1!$H$74,Sheet1!$H$80)</c:f>
+              <c:numCache>
+                <c:formatCode>General</c:formatCode>
+                <c:ptCount val="9"/>
+                <c:pt idx="0">
+                  <c:v>0.7</c:v>
+                </c:pt>
+                <c:pt idx="1">
+                  <c:v>1.25</c:v>
+                </c:pt>
+                <c:pt idx="2">
+                  <c:v>1.5</c:v>
+                </c:pt>
+                <c:pt idx="3">
+                  <c:v>2</c:v>
+                </c:pt>
+                <c:pt idx="4">
+                  <c:v>3</c:v>
+                </c:pt>
+                <c:pt idx="5">
+                  <c:v>4</c:v>
+                </c:pt>
+                <c:pt idx="6">
+                  <c:v>5</c:v>
+                </c:pt>
+                <c:pt idx="7">
+                  <c:v>10</c:v>
+                </c:pt>
+              </c:numCache>
+            </c:numRef>
+          </c:xVal>
+          <c:yVal>
+            <c:numRef>
+              <c:f>(Sheet1!$J$29,Sheet1!$J$35,Sheet1!$J$41,Sheet1!$J$48,Sheet1!$J$54,Sheet1!$J$60,Sheet1!$J$67,Sheet1!$J$74,Sheet1!$J$80)</c:f>
+              <c:numCache>
+                <c:formatCode>General</c:formatCode>
+                <c:ptCount val="9"/>
+                <c:pt idx="0">
+                  <c:v>30.788899000000001</c:v>
+                </c:pt>
+                <c:pt idx="1">
+                  <c:v>30.789676</c:v>
+                </c:pt>
+                <c:pt idx="2">
+                  <c:v>31.079851999999999</c:v>
+                </c:pt>
+                <c:pt idx="3">
+                  <c:v>31.083257</c:v>
+                </c:pt>
+                <c:pt idx="4">
+                  <c:v>31.084446</c:v>
+                </c:pt>
+                <c:pt idx="5">
+                  <c:v>31.334959999999999</c:v>
+                </c:pt>
+                <c:pt idx="6">
+                  <c:v>32.162688000000003</c:v>
+                </c:pt>
+                <c:pt idx="7">
+                  <c:v>32.840381000000001</c:v>
+                </c:pt>
+                <c:pt idx="8">
+                  <c:v>32.854424999999999</c:v>
+                </c:pt>
+              </c:numCache>
+            </c:numRef>
+          </c:yVal>
+          <c:smooth val="1"/>
+          <c:extLst>
+            <c:ext xmlns:c16="http://schemas.microsoft.com/office/drawing/2014/chart" uri="{C3380CC4-5D6E-409C-BE32-E72D297353CC}">
+              <c16:uniqueId val="{00000007-A3F5-43D2-A33A-3EA8E3A61B0D}"/>
+            </c:ext>
+          </c:extLst>
+        </c:ser>
+        <c:dLbls>
+          <c:showLegendKey val="0"/>
+          <c:showVal val="0"/>
+          <c:showCatName val="0"/>
+          <c:showSerName val="0"/>
+          <c:showPercent val="0"/>
+          <c:showBubbleSize val="0"/>
+        </c:dLbls>
+        <c:axId val="738915384"/>
+        <c:axId val="738916664"/>
+      </c:scatterChart>
+      <c:valAx>
+        <c:axId val="738915384"/>
+        <c:scaling>
+          <c:orientation val="minMax"/>
+        </c:scaling>
+        <c:delete val="1"/>
+        <c:axPos val="b"/>
+        <c:numFmt formatCode="General" sourceLinked="1"/>
+        <c:majorTickMark val="none"/>
+        <c:minorTickMark val="none"/>
+        <c:tickLblPos val="nextTo"/>
+        <c:crossAx val="738916664"/>
+        <c:crosses val="autoZero"/>
+        <c:crossBetween val="midCat"/>
+      </c:valAx>
+      <c:valAx>
+        <c:axId val="738916664"/>
+        <c:scaling>
+          <c:orientation val="minMax"/>
+          <c:min val="24"/>
+        </c:scaling>
+        <c:delete val="0"/>
+        <c:axPos val="l"/>
+        <c:title>
+          <c:tx>
+            <c:rich>
+              <a:bodyPr rot="-5400000" spcFirstLastPara="1" vertOverflow="ellipsis" vert="horz" wrap="square" anchor="ctr" anchorCtr="1"/>
+              <a:lstStyle/>
+              <a:p>
+                <a:pPr>
+                  <a:defRPr sz="2000" b="0" i="0" u="none" strike="noStrike" kern="1200" baseline="0">
+                    <a:solidFill>
+                      <a:schemeClr val="tx1"/>
+                    </a:solidFill>
+                    <a:latin typeface="+mn-lt"/>
+                    <a:ea typeface="+mn-ea"/>
+                    <a:cs typeface="+mn-cs"/>
+                  </a:defRPr>
+                </a:pPr>
+                <a:r>
+                  <a:rPr lang="en-US" dirty="0">
+                    <a:solidFill>
+                      <a:schemeClr val="tx1"/>
+                    </a:solidFill>
+                  </a:rPr>
+                  <a:t>Chr6 Position (Mb)</a:t>
+                </a:r>
+              </a:p>
+            </c:rich>
+          </c:tx>
+          <c:layout>
+            <c:manualLayout>
+              <c:xMode val="edge"/>
+              <c:yMode val="edge"/>
+              <c:x val="1.854144523995842E-3"/>
+              <c:y val="0.31184311812785048"/>
+            </c:manualLayout>
+          </c:layout>
+          <c:overlay val="0"/>
+          <c:spPr>
+            <a:noFill/>
+            <a:ln>
+              <a:noFill/>
+            </a:ln>
+            <a:effectLst/>
+          </c:spPr>
+          <c:txPr>
+            <a:bodyPr rot="-5400000" spcFirstLastPara="1" vertOverflow="ellipsis" vert="horz" wrap="square" anchor="ctr" anchorCtr="1"/>
+            <a:lstStyle/>
+            <a:p>
+              <a:pPr>
+                <a:defRPr sz="2000" b="0" i="0" u="none" strike="noStrike" kern="1200" baseline="0">
+                  <a:solidFill>
+                    <a:schemeClr val="tx1"/>
+                  </a:solidFill>
+                  <a:latin typeface="+mn-lt"/>
+                  <a:ea typeface="+mn-ea"/>
+                  <a:cs typeface="+mn-cs"/>
+                </a:defRPr>
+              </a:pPr>
+              <a:endParaRPr lang="en-US"/>
+            </a:p>
+          </c:txPr>
+        </c:title>
+        <c:numFmt formatCode="General" sourceLinked="1"/>
+        <c:majorTickMark val="none"/>
+        <c:minorTickMark val="none"/>
+        <c:tickLblPos val="nextTo"/>
+        <c:spPr>
+          <a:noFill/>
+          <a:ln>
+            <a:noFill/>
+          </a:ln>
+          <a:effectLst/>
+        </c:spPr>
+        <c:txPr>
+          <a:bodyPr rot="-60000000" spcFirstLastPara="1" vertOverflow="ellipsis" vert="horz" wrap="square" anchor="ctr" anchorCtr="1"/>
+          <a:lstStyle/>
+          <a:p>
+            <a:pPr>
+              <a:defRPr sz="2000" b="0" i="0" u="none" strike="noStrike" kern="1200" baseline="0">
+                <a:solidFill>
+                  <a:schemeClr val="tx1"/>
+                </a:solidFill>
+                <a:latin typeface="+mn-lt"/>
+                <a:ea typeface="+mn-ea"/>
+                <a:cs typeface="+mn-cs"/>
+              </a:defRPr>
+            </a:pPr>
+            <a:endParaRPr lang="en-US"/>
+          </a:p>
+        </c:txPr>
+        <c:crossAx val="738915384"/>
+        <c:crosses val="autoZero"/>
+        <c:crossBetween val="midCat"/>
+      </c:valAx>
+      <c:spPr>
+        <a:noFill/>
+        <a:ln>
+          <a:noFill/>
+        </a:ln>
+        <a:effectLst/>
+      </c:spPr>
+    </c:plotArea>
+    <c:plotVisOnly val="1"/>
+    <c:dispBlanksAs val="gap"/>
+    <c:extLst>
+      <c:ext xmlns:c16r3="http://schemas.microsoft.com/office/drawing/2017/03/chart" uri="{56B9EC1D-385E-4148-901F-78D8002777C0}">
+        <c16r3:dataDisplayOptions16>
+          <c16r3:dispNaAsBlank val="1"/>
+        </c16r3:dataDisplayOptions16>
+      </c:ext>
+    </c:extLst>
+    <c:showDLblsOverMax val="0"/>
+  </c:chart>
+  <c:spPr>
+    <a:noFill/>
+    <a:ln>
+      <a:noFill/>
+    </a:ln>
+    <a:effectLst/>
+  </c:spPr>
+  <c:txPr>
+    <a:bodyPr/>
+    <a:lstStyle/>
+    <a:p>
+      <a:pPr>
+        <a:defRPr sz="2000"/>
+      </a:pPr>
+      <a:endParaRPr lang="en-US"/>
+    </a:p>
+  </c:txPr>
+  <c:externalData r:id="rId3">
+    <c:autoUpdate val="0"/>
+  </c:externalData>
+</c:chartSpace>
+</file>
+
+<file path=ppt/charts/chart2.xml><?xml version="1.0" encoding="utf-8"?>
+<c:chartSpace xmlns:c="http://schemas.openxmlformats.org/drawingml/2006/chart" xmlns:a="http://schemas.openxmlformats.org/drawingml/2006/main" xmlns:r="http://schemas.openxmlformats.org/officeDocument/2006/relationships" xmlns:c16r2="http://schemas.microsoft.com/office/drawing/2015/06/chart">
+  <c:date1904 val="0"/>
+  <c:lang val="en-US"/>
+  <c:roundedCorners val="0"/>
+  <mc:AlternateContent xmlns:mc="http://schemas.openxmlformats.org/markup-compatibility/2006">
+    <mc:Choice xmlns:c14="http://schemas.microsoft.com/office/drawing/2007/8/2/chart" Requires="c14">
+      <c14:style val="107"/>
+    </mc:Choice>
+    <mc:Fallback>
+      <c:style val="7"/>
+    </mc:Fallback>
+  </mc:AlternateContent>
+  <c:chart>
+    <c:autoTitleDeleted val="1"/>
+    <c:plotArea>
+      <c:layout/>
       <c:barChart>
         <c:barDir val="col"/>
         <c:grouping val="clustered"/>
@@ -336,7 +1427,10 @@
           <c:order val="0"/>
           <c:spPr>
             <a:solidFill>
-              <a:srgbClr val="A4343A"/>
+              <a:schemeClr val="accent5">
+                <a:lumMod val="60000"/>
+                <a:lumOff val="40000"/>
+              </a:schemeClr>
             </a:solidFill>
             <a:ln>
               <a:noFill/>
@@ -344,6 +1438,506 @@
             <a:effectLst/>
           </c:spPr>
           <c:invertIfNegative val="0"/>
+          <c:dLbls>
+            <c:dLbl>
+              <c:idx val="0"/>
+              <c:numFmt formatCode="0.0%" sourceLinked="0"/>
+              <c:spPr>
+                <a:noFill/>
+                <a:ln>
+                  <a:noFill/>
+                </a:ln>
+                <a:effectLst/>
+              </c:spPr>
+              <c:txPr>
+                <a:bodyPr rot="0" spcFirstLastPara="1" vertOverflow="ellipsis" vert="horz" wrap="square" anchor="ctr" anchorCtr="1"/>
+                <a:lstStyle/>
+                <a:p>
+                  <a:pPr>
+                    <a:defRPr sz="2000" b="0" i="0" u="none" strike="noStrike" kern="1200" baseline="0">
+                      <a:solidFill>
+                        <a:schemeClr val="tx1"/>
+                      </a:solidFill>
+                      <a:latin typeface="+mn-lt"/>
+                      <a:ea typeface="+mn-ea"/>
+                      <a:cs typeface="+mn-cs"/>
+                    </a:defRPr>
+                  </a:pPr>
+                  <a:endParaRPr lang="en-US"/>
+                </a:p>
+              </c:txPr>
+              <c:dLblPos val="outEnd"/>
+              <c:showLegendKey val="0"/>
+              <c:showVal val="1"/>
+              <c:showCatName val="0"/>
+              <c:showSerName val="0"/>
+              <c:showPercent val="0"/>
+              <c:showBubbleSize val="0"/>
+              <c:extLst>
+                <c:ext xmlns:c16="http://schemas.microsoft.com/office/drawing/2014/chart" uri="{C3380CC4-5D6E-409C-BE32-E72D297353CC}">
+                  <c16:uniqueId val="{00000001-6266-4084-92C3-B99AD3EF74FB}"/>
+                </c:ext>
+              </c:extLst>
+            </c:dLbl>
+            <c:dLbl>
+              <c:idx val="1"/>
+              <c:numFmt formatCode="0.0%" sourceLinked="0"/>
+              <c:spPr>
+                <a:noFill/>
+                <a:ln>
+                  <a:noFill/>
+                </a:ln>
+                <a:effectLst/>
+              </c:spPr>
+              <c:txPr>
+                <a:bodyPr rot="0" spcFirstLastPara="1" vertOverflow="ellipsis" vert="horz" wrap="square" anchor="ctr" anchorCtr="1"/>
+                <a:lstStyle/>
+                <a:p>
+                  <a:pPr>
+                    <a:defRPr sz="2000" b="0" i="0" u="none" strike="noStrike" kern="1200" baseline="0">
+                      <a:solidFill>
+                        <a:schemeClr val="tx1"/>
+                      </a:solidFill>
+                      <a:latin typeface="+mn-lt"/>
+                      <a:ea typeface="+mn-ea"/>
+                      <a:cs typeface="+mn-cs"/>
+                    </a:defRPr>
+                  </a:pPr>
+                  <a:endParaRPr lang="en-US"/>
+                </a:p>
+              </c:txPr>
+              <c:dLblPos val="outEnd"/>
+              <c:showLegendKey val="0"/>
+              <c:showVal val="1"/>
+              <c:showCatName val="0"/>
+              <c:showSerName val="0"/>
+              <c:showPercent val="0"/>
+              <c:showBubbleSize val="0"/>
+              <c:extLst>
+                <c:ext xmlns:c16="http://schemas.microsoft.com/office/drawing/2014/chart" uri="{C3380CC4-5D6E-409C-BE32-E72D297353CC}">
+                  <c16:uniqueId val="{00000002-6266-4084-92C3-B99AD3EF74FB}"/>
+                </c:ext>
+              </c:extLst>
+            </c:dLbl>
+            <c:spPr>
+              <a:noFill/>
+              <a:ln>
+                <a:noFill/>
+              </a:ln>
+              <a:effectLst/>
+            </c:spPr>
+            <c:txPr>
+              <a:bodyPr rot="0" spcFirstLastPara="1" vertOverflow="ellipsis" vert="horz" wrap="square" anchor="ctr" anchorCtr="1"/>
+              <a:lstStyle/>
+              <a:p>
+                <a:pPr>
+                  <a:defRPr sz="2000" b="0" i="0" u="none" strike="noStrike" kern="1200" baseline="0">
+                    <a:solidFill>
+                      <a:schemeClr val="tx1"/>
+                    </a:solidFill>
+                    <a:latin typeface="+mn-lt"/>
+                    <a:ea typeface="+mn-ea"/>
+                    <a:cs typeface="+mn-cs"/>
+                  </a:defRPr>
+                </a:pPr>
+                <a:endParaRPr lang="en-US"/>
+              </a:p>
+            </c:txPr>
+            <c:dLblPos val="outEnd"/>
+            <c:showLegendKey val="0"/>
+            <c:showVal val="1"/>
+            <c:showCatName val="0"/>
+            <c:showSerName val="0"/>
+            <c:showPercent val="0"/>
+            <c:showBubbleSize val="0"/>
+            <c:showLeaderLines val="0"/>
+            <c:extLst>
+              <c:ext xmlns:c15="http://schemas.microsoft.com/office/drawing/2012/chart" uri="{CE6537A1-D6FC-4f65-9D91-7224C49458BB}">
+                <c15:showLeaderLines val="1"/>
+                <c15:leaderLines>
+                  <c:spPr>
+                    <a:ln w="9525" cap="flat" cmpd="sng" algn="ctr">
+                      <a:solidFill>
+                        <a:schemeClr val="tx1">
+                          <a:lumMod val="35000"/>
+                          <a:lumOff val="65000"/>
+                        </a:schemeClr>
+                      </a:solidFill>
+                      <a:round/>
+                    </a:ln>
+                    <a:effectLst/>
+                  </c:spPr>
+                </c15:leaderLines>
+              </c:ext>
+            </c:extLst>
+          </c:dLbls>
+          <c:cat>
+            <c:strRef>
+              <c:f>Sheet1!$G$2:$G$3</c:f>
+              <c:strCache>
+                <c:ptCount val="2"/>
+                <c:pt idx="0">
+                  <c:v>Autoimmune</c:v>
+                </c:pt>
+                <c:pt idx="1">
+                  <c:v>Other</c:v>
+                </c:pt>
+              </c:strCache>
+            </c:strRef>
+          </c:cat>
+          <c:val>
+            <c:numRef>
+              <c:f>Sheet1!$H$2:$H$3</c:f>
+              <c:numCache>
+                <c:formatCode>0.00%</c:formatCode>
+                <c:ptCount val="2"/>
+                <c:pt idx="0">
+                  <c:v>0.42699999999999999</c:v>
+                </c:pt>
+                <c:pt idx="1">
+                  <c:v>0.57299999999999995</c:v>
+                </c:pt>
+              </c:numCache>
+            </c:numRef>
+          </c:val>
+          <c:extLst>
+            <c:ext xmlns:c16="http://schemas.microsoft.com/office/drawing/2014/chart" uri="{C3380CC4-5D6E-409C-BE32-E72D297353CC}">
+              <c16:uniqueId val="{00000000-6266-4084-92C3-B99AD3EF74FB}"/>
+            </c:ext>
+          </c:extLst>
+        </c:ser>
+        <c:dLbls>
+          <c:dLblPos val="outEnd"/>
+          <c:showLegendKey val="0"/>
+          <c:showVal val="1"/>
+          <c:showCatName val="0"/>
+          <c:showSerName val="0"/>
+          <c:showPercent val="0"/>
+          <c:showBubbleSize val="0"/>
+        </c:dLbls>
+        <c:gapWidth val="219"/>
+        <c:overlap val="-27"/>
+        <c:axId val="758943480"/>
+        <c:axId val="758892280"/>
+      </c:barChart>
+      <c:catAx>
+        <c:axId val="758943480"/>
+        <c:scaling>
+          <c:orientation val="minMax"/>
+        </c:scaling>
+        <c:delete val="0"/>
+        <c:axPos val="b"/>
+        <c:title>
+          <c:tx>
+            <c:rich>
+              <a:bodyPr rot="0" spcFirstLastPara="1" vertOverflow="ellipsis" vert="horz" wrap="square" anchor="ctr" anchorCtr="1"/>
+              <a:lstStyle/>
+              <a:p>
+                <a:pPr>
+                  <a:defRPr sz="2000" b="0" i="0" u="none" strike="noStrike" kern="1200" baseline="0">
+                    <a:solidFill>
+                      <a:schemeClr val="tx1"/>
+                    </a:solidFill>
+                    <a:latin typeface="+mn-lt"/>
+                    <a:ea typeface="+mn-ea"/>
+                    <a:cs typeface="+mn-cs"/>
+                  </a:defRPr>
+                </a:pPr>
+                <a:r>
+                  <a:rPr lang="en-US" dirty="0">
+                    <a:solidFill>
+                      <a:schemeClr val="tx1"/>
+                    </a:solidFill>
+                  </a:rPr>
+                  <a:t>Related Disorders</a:t>
+                </a:r>
+              </a:p>
+            </c:rich>
+          </c:tx>
+          <c:overlay val="0"/>
+          <c:spPr>
+            <a:noFill/>
+            <a:ln>
+              <a:noFill/>
+            </a:ln>
+            <a:effectLst/>
+          </c:spPr>
+          <c:txPr>
+            <a:bodyPr rot="0" spcFirstLastPara="1" vertOverflow="ellipsis" vert="horz" wrap="square" anchor="ctr" anchorCtr="1"/>
+            <a:lstStyle/>
+            <a:p>
+              <a:pPr>
+                <a:defRPr sz="2000" b="0" i="0" u="none" strike="noStrike" kern="1200" baseline="0">
+                  <a:solidFill>
+                    <a:schemeClr val="tx1"/>
+                  </a:solidFill>
+                  <a:latin typeface="+mn-lt"/>
+                  <a:ea typeface="+mn-ea"/>
+                  <a:cs typeface="+mn-cs"/>
+                </a:defRPr>
+              </a:pPr>
+              <a:endParaRPr lang="en-US"/>
+            </a:p>
+          </c:txPr>
+        </c:title>
+        <c:numFmt formatCode="General" sourceLinked="1"/>
+        <c:majorTickMark val="none"/>
+        <c:minorTickMark val="none"/>
+        <c:tickLblPos val="nextTo"/>
+        <c:spPr>
+          <a:noFill/>
+          <a:ln w="9525" cap="flat" cmpd="sng" algn="ctr">
+            <a:solidFill>
+              <a:schemeClr val="tx1"/>
+            </a:solidFill>
+            <a:round/>
+          </a:ln>
+          <a:effectLst/>
+        </c:spPr>
+        <c:txPr>
+          <a:bodyPr rot="-60000000" spcFirstLastPara="1" vertOverflow="ellipsis" vert="horz" wrap="square" anchor="ctr" anchorCtr="1"/>
+          <a:lstStyle/>
+          <a:p>
+            <a:pPr>
+              <a:defRPr sz="2000" b="0" i="0" u="none" strike="noStrike" kern="1200" baseline="0">
+                <a:solidFill>
+                  <a:schemeClr val="tx1"/>
+                </a:solidFill>
+                <a:latin typeface="+mn-lt"/>
+                <a:ea typeface="+mn-ea"/>
+                <a:cs typeface="+mn-cs"/>
+              </a:defRPr>
+            </a:pPr>
+            <a:endParaRPr lang="en-US"/>
+          </a:p>
+        </c:txPr>
+        <c:crossAx val="758892280"/>
+        <c:crosses val="autoZero"/>
+        <c:auto val="1"/>
+        <c:lblAlgn val="ctr"/>
+        <c:lblOffset val="100"/>
+        <c:noMultiLvlLbl val="0"/>
+      </c:catAx>
+      <c:valAx>
+        <c:axId val="758892280"/>
+        <c:scaling>
+          <c:orientation val="minMax"/>
+          <c:max val="1"/>
+        </c:scaling>
+        <c:delete val="0"/>
+        <c:axPos val="l"/>
+        <c:title>
+          <c:tx>
+            <c:rich>
+              <a:bodyPr rot="-5400000" spcFirstLastPara="1" vertOverflow="ellipsis" vert="horz" wrap="square" anchor="ctr" anchorCtr="1"/>
+              <a:lstStyle/>
+              <a:p>
+                <a:pPr>
+                  <a:defRPr sz="2000" b="0" i="0" u="none" strike="noStrike" kern="1200" baseline="0">
+                    <a:solidFill>
+                      <a:schemeClr val="tx1"/>
+                    </a:solidFill>
+                    <a:latin typeface="+mn-lt"/>
+                    <a:ea typeface="+mn-ea"/>
+                    <a:cs typeface="+mn-cs"/>
+                  </a:defRPr>
+                </a:pPr>
+                <a:r>
+                  <a:rPr lang="en-US" dirty="0">
+                    <a:solidFill>
+                      <a:schemeClr val="tx1"/>
+                    </a:solidFill>
+                  </a:rPr>
+                  <a:t>Percent of Disorders</a:t>
+                </a:r>
+              </a:p>
+            </c:rich>
+          </c:tx>
+          <c:layout>
+            <c:manualLayout>
+              <c:xMode val="edge"/>
+              <c:yMode val="edge"/>
+              <c:x val="2.7532733240189351E-2"/>
+              <c:y val="0.2438600771424593"/>
+            </c:manualLayout>
+          </c:layout>
+          <c:overlay val="0"/>
+          <c:spPr>
+            <a:noFill/>
+            <a:ln>
+              <a:noFill/>
+            </a:ln>
+            <a:effectLst/>
+          </c:spPr>
+          <c:txPr>
+            <a:bodyPr rot="-5400000" spcFirstLastPara="1" vertOverflow="ellipsis" vert="horz" wrap="square" anchor="ctr" anchorCtr="1"/>
+            <a:lstStyle/>
+            <a:p>
+              <a:pPr>
+                <a:defRPr sz="2000" b="0" i="0" u="none" strike="noStrike" kern="1200" baseline="0">
+                  <a:solidFill>
+                    <a:schemeClr val="tx1"/>
+                  </a:solidFill>
+                  <a:latin typeface="+mn-lt"/>
+                  <a:ea typeface="+mn-ea"/>
+                  <a:cs typeface="+mn-cs"/>
+                </a:defRPr>
+              </a:pPr>
+              <a:endParaRPr lang="en-US"/>
+            </a:p>
+          </c:txPr>
+        </c:title>
+        <c:numFmt formatCode="0%" sourceLinked="0"/>
+        <c:majorTickMark val="none"/>
+        <c:minorTickMark val="none"/>
+        <c:tickLblPos val="nextTo"/>
+        <c:spPr>
+          <a:noFill/>
+          <a:ln>
+            <a:noFill/>
+          </a:ln>
+          <a:effectLst/>
+        </c:spPr>
+        <c:txPr>
+          <a:bodyPr rot="-60000000" spcFirstLastPara="1" vertOverflow="ellipsis" vert="horz" wrap="square" anchor="ctr" anchorCtr="1"/>
+          <a:lstStyle/>
+          <a:p>
+            <a:pPr>
+              <a:defRPr sz="2000" b="0" i="0" u="none" strike="noStrike" kern="1200" baseline="0">
+                <a:solidFill>
+                  <a:schemeClr val="tx1"/>
+                </a:solidFill>
+                <a:latin typeface="+mn-lt"/>
+                <a:ea typeface="+mn-ea"/>
+                <a:cs typeface="+mn-cs"/>
+              </a:defRPr>
+            </a:pPr>
+            <a:endParaRPr lang="en-US"/>
+          </a:p>
+        </c:txPr>
+        <c:crossAx val="758943480"/>
+        <c:crosses val="autoZero"/>
+        <c:crossBetween val="between"/>
+        <c:majorUnit val="0.2"/>
+      </c:valAx>
+      <c:spPr>
+        <a:noFill/>
+        <a:ln>
+          <a:noFill/>
+        </a:ln>
+        <a:effectLst/>
+      </c:spPr>
+    </c:plotArea>
+    <c:plotVisOnly val="1"/>
+    <c:dispBlanksAs val="gap"/>
+    <c:extLst>
+      <c:ext xmlns:c16r3="http://schemas.microsoft.com/office/drawing/2017/03/chart" uri="{56B9EC1D-385E-4148-901F-78D8002777C0}">
+        <c16r3:dataDisplayOptions16>
+          <c16r3:dispNaAsBlank val="1"/>
+        </c16r3:dataDisplayOptions16>
+      </c:ext>
+    </c:extLst>
+    <c:showDLblsOverMax val="0"/>
+  </c:chart>
+  <c:spPr>
+    <a:noFill/>
+    <a:ln>
+      <a:noFill/>
+    </a:ln>
+    <a:effectLst/>
+  </c:spPr>
+  <c:txPr>
+    <a:bodyPr/>
+    <a:lstStyle/>
+    <a:p>
+      <a:pPr>
+        <a:defRPr sz="2000"/>
+      </a:pPr>
+      <a:endParaRPr lang="en-US"/>
+    </a:p>
+  </c:txPr>
+  <c:externalData r:id="rId3">
+    <c:autoUpdate val="0"/>
+  </c:externalData>
+</c:chartSpace>
+</file>
+
+<file path=ppt/charts/chart3.xml><?xml version="1.0" encoding="utf-8"?>
+<c:chartSpace xmlns:c="http://schemas.openxmlformats.org/drawingml/2006/chart" xmlns:a="http://schemas.openxmlformats.org/drawingml/2006/main" xmlns:r="http://schemas.openxmlformats.org/officeDocument/2006/relationships" xmlns:c16r2="http://schemas.microsoft.com/office/drawing/2015/06/chart">
+  <c:date1904 val="0"/>
+  <c:lang val="en-US"/>
+  <c:roundedCorners val="0"/>
+  <mc:AlternateContent xmlns:mc="http://schemas.openxmlformats.org/markup-compatibility/2006">
+    <mc:Choice xmlns:c14="http://schemas.microsoft.com/office/drawing/2007/8/2/chart" Requires="c14">
+      <c14:style val="107"/>
+    </mc:Choice>
+    <mc:Fallback>
+      <c:style val="7"/>
+    </mc:Fallback>
+  </mc:AlternateContent>
+  <c:chart>
+    <c:autoTitleDeleted val="1"/>
+    <c:plotArea>
+      <c:layout/>
+      <c:barChart>
+        <c:barDir val="bar"/>
+        <c:grouping val="clustered"/>
+        <c:varyColors val="0"/>
+        <c:ser>
+          <c:idx val="0"/>
+          <c:order val="0"/>
+          <c:spPr>
+            <a:solidFill>
+              <a:schemeClr val="accent5">
+                <a:lumMod val="60000"/>
+                <a:lumOff val="40000"/>
+              </a:schemeClr>
+            </a:solidFill>
+            <a:ln>
+              <a:noFill/>
+            </a:ln>
+            <a:effectLst/>
+          </c:spPr>
+          <c:invertIfNegative val="0"/>
+          <c:dLbls>
+            <c:numFmt formatCode="#,##0.00" sourceLinked="0"/>
+            <c:spPr>
+              <a:noFill/>
+              <a:ln>
+                <a:noFill/>
+              </a:ln>
+              <a:effectLst/>
+            </c:spPr>
+            <c:txPr>
+              <a:bodyPr rot="0" spcFirstLastPara="1" vertOverflow="ellipsis" vert="horz" wrap="square" anchor="ctr" anchorCtr="1"/>
+              <a:lstStyle/>
+              <a:p>
+                <a:pPr>
+                  <a:defRPr sz="2000" b="0" i="0" u="none" strike="noStrike" kern="1200" baseline="0">
+                    <a:solidFill>
+                      <a:schemeClr val="tx1"/>
+                    </a:solidFill>
+                    <a:latin typeface="+mn-lt"/>
+                    <a:ea typeface="+mn-ea"/>
+                    <a:cs typeface="+mn-cs"/>
+                  </a:defRPr>
+                </a:pPr>
+                <a:endParaRPr lang="en-US"/>
+              </a:p>
+            </c:txPr>
+            <c:showLegendKey val="0"/>
+            <c:showVal val="1"/>
+            <c:showCatName val="0"/>
+            <c:showSerName val="0"/>
+            <c:showPercent val="0"/>
+            <c:showBubbleSize val="0"/>
+            <c:showLeaderLines val="0"/>
+            <c:extLst>
+              <c:ext xmlns:c15="http://schemas.microsoft.com/office/drawing/2012/chart" uri="{CE6537A1-D6FC-4f65-9D91-7224C49458BB}">
+                <c15:showLeaderLines val="0"/>
+              </c:ext>
+            </c:extLst>
+          </c:dLbls>
           <c:cat>
             <c:strRef>
               <c:f>Sheet1!$C$2:$C$6</c:f>
@@ -374,39 +1968,38 @@
                 <c:formatCode>General</c:formatCode>
                 <c:ptCount val="5"/>
                 <c:pt idx="0">
-                  <c:v>58</c:v>
+                  <c:v>0.35365853658536578</c:v>
                 </c:pt>
                 <c:pt idx="1">
-                  <c:v>58</c:v>
+                  <c:v>0.35365853658536578</c:v>
                 </c:pt>
                 <c:pt idx="2">
-                  <c:v>51</c:v>
+                  <c:v>0.29878048780487798</c:v>
                 </c:pt>
                 <c:pt idx="3">
-                  <c:v>36</c:v>
+                  <c:v>0.21951219512195119</c:v>
                 </c:pt>
                 <c:pt idx="4">
-                  <c:v>36</c:v>
+                  <c:v>0.21951219512195119</c:v>
                 </c:pt>
               </c:numCache>
             </c:numRef>
           </c:val>
           <c:extLst>
             <c:ext xmlns:c16="http://schemas.microsoft.com/office/drawing/2014/chart" uri="{C3380CC4-5D6E-409C-BE32-E72D297353CC}">
-              <c16:uniqueId val="{00000000-46DC-4A36-A2E9-9BE1D683A740}"/>
+              <c16:uniqueId val="{00000000-5773-49EA-90F7-06D2C0712152}"/>
             </c:ext>
           </c:extLst>
         </c:ser>
         <c:dLbls>
           <c:showLegendKey val="0"/>
-          <c:showVal val="0"/>
+          <c:showVal val="1"/>
           <c:showCatName val="0"/>
           <c:showSerName val="0"/>
           <c:showPercent val="0"/>
           <c:showBubbleSize val="0"/>
         </c:dLbls>
         <c:gapWidth val="219"/>
-        <c:overlap val="-27"/>
         <c:axId val="758901240"/>
         <c:axId val="758899640"/>
       </c:barChart>
@@ -416,7 +2009,60 @@
           <c:orientation val="minMax"/>
         </c:scaling>
         <c:delete val="0"/>
-        <c:axPos val="b"/>
+        <c:axPos val="l"/>
+        <c:title>
+          <c:tx>
+            <c:rich>
+              <a:bodyPr rot="-5400000" spcFirstLastPara="1" vertOverflow="ellipsis" vert="horz" wrap="square" anchor="ctr" anchorCtr="1"/>
+              <a:lstStyle/>
+              <a:p>
+                <a:pPr>
+                  <a:defRPr sz="2000" b="0" i="0" u="none" strike="noStrike" kern="1200" baseline="0">
+                    <a:solidFill>
+                      <a:schemeClr val="tx1"/>
+                    </a:solidFill>
+                    <a:latin typeface="+mn-lt"/>
+                    <a:ea typeface="+mn-ea"/>
+                    <a:cs typeface="+mn-cs"/>
+                  </a:defRPr>
+                </a:pPr>
+                <a:r>
+                  <a:rPr lang="en-US" dirty="0">
+                    <a:solidFill>
+                      <a:schemeClr val="tx1"/>
+                    </a:solidFill>
+                  </a:rPr>
+                  <a:t>Common Term</a:t>
+                </a:r>
+              </a:p>
+            </c:rich>
+          </c:tx>
+          <c:overlay val="0"/>
+          <c:spPr>
+            <a:noFill/>
+            <a:ln>
+              <a:noFill/>
+            </a:ln>
+            <a:effectLst/>
+          </c:spPr>
+          <c:txPr>
+            <a:bodyPr rot="-5400000" spcFirstLastPara="1" vertOverflow="ellipsis" vert="horz" wrap="square" anchor="ctr" anchorCtr="1"/>
+            <a:lstStyle/>
+            <a:p>
+              <a:pPr>
+                <a:defRPr sz="2000" b="0" i="0" u="none" strike="noStrike" kern="1200" baseline="0">
+                  <a:solidFill>
+                    <a:schemeClr val="tx1"/>
+                  </a:solidFill>
+                  <a:latin typeface="+mn-lt"/>
+                  <a:ea typeface="+mn-ea"/>
+                  <a:cs typeface="+mn-cs"/>
+                </a:defRPr>
+              </a:pPr>
+              <a:endParaRPr lang="en-US"/>
+            </a:p>
+          </c:txPr>
+        </c:title>
         <c:numFmt formatCode="General" sourceLinked="1"/>
         <c:majorTickMark val="none"/>
         <c:minorTickMark val="none"/>
@@ -436,7 +2082,7 @@
           <a:lstStyle/>
           <a:p>
             <a:pPr>
-              <a:defRPr sz="1800" b="0" i="0" u="none" strike="noStrike" kern="1200" baseline="0">
+              <a:defRPr sz="2000" b="0" i="0" u="none" strike="noStrike" kern="1200" baseline="0">
                 <a:solidFill>
                   <a:schemeClr val="tx1"/>
                 </a:solidFill>
@@ -460,16 +2106,16 @@
         <c:scaling>
           <c:orientation val="minMax"/>
         </c:scaling>
-        <c:delete val="0"/>
-        <c:axPos val="l"/>
+        <c:delete val="1"/>
+        <c:axPos val="b"/>
         <c:title>
           <c:tx>
             <c:rich>
-              <a:bodyPr rot="-5400000" spcFirstLastPara="1" vertOverflow="ellipsis" vert="horz" wrap="square" anchor="ctr" anchorCtr="1"/>
+              <a:bodyPr rot="0" spcFirstLastPara="1" vertOverflow="ellipsis" vert="horz" wrap="square" anchor="ctr" anchorCtr="1"/>
               <a:lstStyle/>
               <a:p>
                 <a:pPr>
-                  <a:defRPr sz="1800" b="0" i="0" u="none" strike="noStrike" kern="1200" baseline="0">
+                  <a:defRPr sz="2000" b="0" i="0" u="none" strike="noStrike" kern="1200" baseline="0">
                     <a:solidFill>
                       <a:schemeClr val="tx1"/>
                     </a:solidFill>
@@ -479,24 +2125,16 @@
                   </a:defRPr>
                 </a:pPr>
                 <a:r>
-                  <a:rPr lang="en-US" sz="1800">
+                  <a:rPr lang="en-US" dirty="0">
                     <a:solidFill>
                       <a:schemeClr val="tx1"/>
                     </a:solidFill>
                   </a:rPr>
-                  <a:t>Count</a:t>
+                  <a:t>Relative Frequency (AU)</a:t>
                 </a:r>
               </a:p>
             </c:rich>
           </c:tx>
-          <c:layout>
-            <c:manualLayout>
-              <c:xMode val="edge"/>
-              <c:yMode val="edge"/>
-              <c:x val="1.1911213180677459E-2"/>
-              <c:y val="0.31587480587839761"/>
-            </c:manualLayout>
-          </c:layout>
           <c:overlay val="0"/>
           <c:spPr>
             <a:noFill/>
@@ -506,11 +2144,11 @@
             <a:effectLst/>
           </c:spPr>
           <c:txPr>
-            <a:bodyPr rot="-5400000" spcFirstLastPara="1" vertOverflow="ellipsis" vert="horz" wrap="square" anchor="ctr" anchorCtr="1"/>
+            <a:bodyPr rot="0" spcFirstLastPara="1" vertOverflow="ellipsis" vert="horz" wrap="square" anchor="ctr" anchorCtr="1"/>
             <a:lstStyle/>
             <a:p>
               <a:pPr>
-                <a:defRPr sz="1800" b="0" i="0" u="none" strike="noStrike" kern="1200" baseline="0">
+                <a:defRPr sz="2000" b="0" i="0" u="none" strike="noStrike" kern="1200" baseline="0">
                   <a:solidFill>
                     <a:schemeClr val="tx1"/>
                   </a:solidFill>
@@ -527,30 +2165,6 @@
         <c:majorTickMark val="none"/>
         <c:minorTickMark val="none"/>
         <c:tickLblPos val="nextTo"/>
-        <c:spPr>
-          <a:noFill/>
-          <a:ln>
-            <a:noFill/>
-          </a:ln>
-          <a:effectLst/>
-        </c:spPr>
-        <c:txPr>
-          <a:bodyPr rot="-60000000" spcFirstLastPara="1" vertOverflow="ellipsis" vert="horz" wrap="square" anchor="ctr" anchorCtr="1"/>
-          <a:lstStyle/>
-          <a:p>
-            <a:pPr>
-              <a:defRPr sz="1800" b="0" i="0" u="none" strike="noStrike" kern="1200" baseline="0">
-                <a:solidFill>
-                  <a:schemeClr val="tx1"/>
-                </a:solidFill>
-                <a:latin typeface="+mn-lt"/>
-                <a:ea typeface="+mn-ea"/>
-                <a:cs typeface="+mn-cs"/>
-              </a:defRPr>
-            </a:pPr>
-            <a:endParaRPr lang="en-US"/>
-          </a:p>
-        </c:txPr>
         <c:crossAx val="758901240"/>
         <c:crosses val="autoZero"/>
         <c:crossBetween val="between"/>
@@ -586,322 +2200,7 @@
     <a:lstStyle/>
     <a:p>
       <a:pPr>
-        <a:defRPr/>
-      </a:pPr>
-      <a:endParaRPr lang="en-US"/>
-    </a:p>
-  </c:txPr>
-  <c:externalData r:id="rId3">
-    <c:autoUpdate val="0"/>
-  </c:externalData>
-</c:chartSpace>
-</file>
-
-<file path=ppt/charts/chart2.xml><?xml version="1.0" encoding="utf-8"?>
-<c:chartSpace xmlns:c="http://schemas.openxmlformats.org/drawingml/2006/chart" xmlns:a="http://schemas.openxmlformats.org/drawingml/2006/main" xmlns:r="http://schemas.openxmlformats.org/officeDocument/2006/relationships" xmlns:c16r2="http://schemas.microsoft.com/office/drawing/2015/06/chart">
-  <c:date1904 val="0"/>
-  <c:lang val="en-US"/>
-  <c:roundedCorners val="0"/>
-  <mc:AlternateContent xmlns:mc="http://schemas.openxmlformats.org/markup-compatibility/2006">
-    <mc:Choice xmlns:c14="http://schemas.microsoft.com/office/drawing/2007/8/2/chart" Requires="c14">
-      <c14:style val="102"/>
-    </mc:Choice>
-    <mc:Fallback>
-      <c:style val="2"/>
-    </mc:Fallback>
-  </mc:AlternateContent>
-  <c:chart>
-    <c:autoTitleDeleted val="1"/>
-    <c:plotArea>
-      <c:layout/>
-      <c:barChart>
-        <c:barDir val="col"/>
-        <c:grouping val="clustered"/>
-        <c:varyColors val="0"/>
-        <c:ser>
-          <c:idx val="0"/>
-          <c:order val="0"/>
-          <c:spPr>
-            <a:solidFill>
-              <a:srgbClr val="A4343A"/>
-            </a:solidFill>
-            <a:ln>
-              <a:noFill/>
-            </a:ln>
-            <a:effectLst/>
-          </c:spPr>
-          <c:invertIfNegative val="0"/>
-          <c:cat>
-            <c:strRef>
-              <c:f>Sheet1!$G$2:$G$3</c:f>
-              <c:strCache>
-                <c:ptCount val="2"/>
-                <c:pt idx="0">
-                  <c:v>Autoimmune</c:v>
-                </c:pt>
-                <c:pt idx="1">
-                  <c:v>Other</c:v>
-                </c:pt>
-              </c:strCache>
-            </c:strRef>
-          </c:cat>
-          <c:val>
-            <c:numRef>
-              <c:f>Sheet1!$H$2:$H$3</c:f>
-              <c:numCache>
-                <c:formatCode>General</c:formatCode>
-                <c:ptCount val="2"/>
-                <c:pt idx="0">
-                  <c:v>42.7</c:v>
-                </c:pt>
-                <c:pt idx="1">
-                  <c:v>57.3</c:v>
-                </c:pt>
-              </c:numCache>
-            </c:numRef>
-          </c:val>
-          <c:extLst>
-            <c:ext xmlns:c16="http://schemas.microsoft.com/office/drawing/2014/chart" uri="{C3380CC4-5D6E-409C-BE32-E72D297353CC}">
-              <c16:uniqueId val="{00000000-8676-4DEF-BD75-37FAED50F980}"/>
-            </c:ext>
-          </c:extLst>
-        </c:ser>
-        <c:dLbls>
-          <c:showLegendKey val="0"/>
-          <c:showVal val="0"/>
-          <c:showCatName val="0"/>
-          <c:showSerName val="0"/>
-          <c:showPercent val="0"/>
-          <c:showBubbleSize val="0"/>
-        </c:dLbls>
-        <c:gapWidth val="219"/>
-        <c:overlap val="-27"/>
-        <c:axId val="758943480"/>
-        <c:axId val="758892280"/>
-      </c:barChart>
-      <c:catAx>
-        <c:axId val="758943480"/>
-        <c:scaling>
-          <c:orientation val="minMax"/>
-        </c:scaling>
-        <c:delete val="0"/>
-        <c:axPos val="b"/>
-        <c:title>
-          <c:tx>
-            <c:rich>
-              <a:bodyPr rot="0" spcFirstLastPara="1" vertOverflow="ellipsis" vert="horz" wrap="square" anchor="ctr" anchorCtr="1"/>
-              <a:lstStyle/>
-              <a:p>
-                <a:pPr>
-                  <a:defRPr sz="1800" b="0" i="0" u="none" strike="noStrike" kern="1200" baseline="0">
-                    <a:solidFill>
-                      <a:schemeClr val="tx1"/>
-                    </a:solidFill>
-                    <a:latin typeface="+mn-lt"/>
-                    <a:ea typeface="+mn-ea"/>
-                    <a:cs typeface="+mn-cs"/>
-                  </a:defRPr>
-                </a:pPr>
-                <a:r>
-                  <a:rPr lang="en-US" sz="1800">
-                    <a:solidFill>
-                      <a:schemeClr val="tx1"/>
-                    </a:solidFill>
-                  </a:rPr>
-                  <a:t>Related Diseases</a:t>
-                </a:r>
-              </a:p>
-            </c:rich>
-          </c:tx>
-          <c:overlay val="0"/>
-          <c:spPr>
-            <a:noFill/>
-            <a:ln>
-              <a:noFill/>
-            </a:ln>
-            <a:effectLst/>
-          </c:spPr>
-          <c:txPr>
-            <a:bodyPr rot="0" spcFirstLastPara="1" vertOverflow="ellipsis" vert="horz" wrap="square" anchor="ctr" anchorCtr="1"/>
-            <a:lstStyle/>
-            <a:p>
-              <a:pPr>
-                <a:defRPr sz="1800" b="0" i="0" u="none" strike="noStrike" kern="1200" baseline="0">
-                  <a:solidFill>
-                    <a:schemeClr val="tx1"/>
-                  </a:solidFill>
-                  <a:latin typeface="+mn-lt"/>
-                  <a:ea typeface="+mn-ea"/>
-                  <a:cs typeface="+mn-cs"/>
-                </a:defRPr>
-              </a:pPr>
-              <a:endParaRPr lang="en-US"/>
-            </a:p>
-          </c:txPr>
-        </c:title>
-        <c:numFmt formatCode="General" sourceLinked="1"/>
-        <c:majorTickMark val="none"/>
-        <c:minorTickMark val="none"/>
-        <c:tickLblPos val="nextTo"/>
-        <c:spPr>
-          <a:noFill/>
-          <a:ln w="9525" cap="flat" cmpd="sng" algn="ctr">
-            <a:solidFill>
-              <a:schemeClr val="tx1"/>
-            </a:solidFill>
-            <a:round/>
-          </a:ln>
-          <a:effectLst/>
-        </c:spPr>
-        <c:txPr>
-          <a:bodyPr rot="-60000000" spcFirstLastPara="1" vertOverflow="ellipsis" vert="horz" wrap="square" anchor="ctr" anchorCtr="1"/>
-          <a:lstStyle/>
-          <a:p>
-            <a:pPr>
-              <a:defRPr sz="1800" b="0" i="0" u="none" strike="noStrike" kern="1200" baseline="0">
-                <a:solidFill>
-                  <a:schemeClr val="tx1"/>
-                </a:solidFill>
-                <a:latin typeface="+mn-lt"/>
-                <a:ea typeface="+mn-ea"/>
-                <a:cs typeface="+mn-cs"/>
-              </a:defRPr>
-            </a:pPr>
-            <a:endParaRPr lang="en-US"/>
-          </a:p>
-        </c:txPr>
-        <c:crossAx val="758892280"/>
-        <c:crosses val="autoZero"/>
-        <c:auto val="1"/>
-        <c:lblAlgn val="ctr"/>
-        <c:lblOffset val="100"/>
-        <c:noMultiLvlLbl val="0"/>
-      </c:catAx>
-      <c:valAx>
-        <c:axId val="758892280"/>
-        <c:scaling>
-          <c:orientation val="minMax"/>
-          <c:max val="100"/>
-        </c:scaling>
-        <c:delete val="0"/>
-        <c:axPos val="l"/>
-        <c:title>
-          <c:tx>
-            <c:rich>
-              <a:bodyPr rot="-5400000" spcFirstLastPara="1" vertOverflow="ellipsis" vert="horz" wrap="square" anchor="ctr" anchorCtr="1"/>
-              <a:lstStyle/>
-              <a:p>
-                <a:pPr>
-                  <a:defRPr sz="1800" b="0" i="0" u="none" strike="noStrike" kern="1200" baseline="0">
-                    <a:solidFill>
-                      <a:schemeClr val="tx1"/>
-                    </a:solidFill>
-                    <a:latin typeface="+mn-lt"/>
-                    <a:ea typeface="+mn-ea"/>
-                    <a:cs typeface="+mn-cs"/>
-                  </a:defRPr>
-                </a:pPr>
-                <a:r>
-                  <a:rPr lang="en-US" sz="1800">
-                    <a:solidFill>
-                      <a:schemeClr val="tx1"/>
-                    </a:solidFill>
-                  </a:rPr>
-                  <a:t>Percent</a:t>
-                </a:r>
-              </a:p>
-            </c:rich>
-          </c:tx>
-          <c:overlay val="0"/>
-          <c:spPr>
-            <a:noFill/>
-            <a:ln>
-              <a:noFill/>
-            </a:ln>
-            <a:effectLst/>
-          </c:spPr>
-          <c:txPr>
-            <a:bodyPr rot="-5400000" spcFirstLastPara="1" vertOverflow="ellipsis" vert="horz" wrap="square" anchor="ctr" anchorCtr="1"/>
-            <a:lstStyle/>
-            <a:p>
-              <a:pPr>
-                <a:defRPr sz="1800" b="0" i="0" u="none" strike="noStrike" kern="1200" baseline="0">
-                  <a:solidFill>
-                    <a:schemeClr val="tx1"/>
-                  </a:solidFill>
-                  <a:latin typeface="+mn-lt"/>
-                  <a:ea typeface="+mn-ea"/>
-                  <a:cs typeface="+mn-cs"/>
-                </a:defRPr>
-              </a:pPr>
-              <a:endParaRPr lang="en-US"/>
-            </a:p>
-          </c:txPr>
-        </c:title>
-        <c:numFmt formatCode="General" sourceLinked="1"/>
-        <c:majorTickMark val="none"/>
-        <c:minorTickMark val="none"/>
-        <c:tickLblPos val="nextTo"/>
-        <c:spPr>
-          <a:noFill/>
-          <a:ln>
-            <a:noFill/>
-          </a:ln>
-          <a:effectLst/>
-        </c:spPr>
-        <c:txPr>
-          <a:bodyPr rot="-60000000" spcFirstLastPara="1" vertOverflow="ellipsis" vert="horz" wrap="square" anchor="ctr" anchorCtr="1"/>
-          <a:lstStyle/>
-          <a:p>
-            <a:pPr>
-              <a:defRPr sz="1800" b="0" i="0" u="none" strike="noStrike" kern="1200" baseline="0">
-                <a:solidFill>
-                  <a:schemeClr val="tx1"/>
-                </a:solidFill>
-                <a:latin typeface="+mn-lt"/>
-                <a:ea typeface="+mn-ea"/>
-                <a:cs typeface="+mn-cs"/>
-              </a:defRPr>
-            </a:pPr>
-            <a:endParaRPr lang="en-US"/>
-          </a:p>
-        </c:txPr>
-        <c:crossAx val="758943480"/>
-        <c:crosses val="autoZero"/>
-        <c:crossBetween val="between"/>
-      </c:valAx>
-      <c:spPr>
-        <a:noFill/>
-        <a:ln>
-          <a:noFill/>
-        </a:ln>
-        <a:effectLst/>
-      </c:spPr>
-    </c:plotArea>
-    <c:plotVisOnly val="1"/>
-    <c:dispBlanksAs val="gap"/>
-    <c:extLst>
-      <c:ext xmlns:c16r3="http://schemas.microsoft.com/office/drawing/2017/03/chart" uri="{56B9EC1D-385E-4148-901F-78D8002777C0}">
-        <c16r3:dataDisplayOptions16>
-          <c16r3:dispNaAsBlank val="1"/>
-        </c16r3:dataDisplayOptions16>
-      </c:ext>
-    </c:extLst>
-    <c:showDLblsOverMax val="0"/>
-  </c:chart>
-  <c:spPr>
-    <a:noFill/>
-    <a:ln>
-      <a:noFill/>
-    </a:ln>
-    <a:effectLst/>
-  </c:spPr>
-  <c:txPr>
-    <a:bodyPr/>
-    <a:lstStyle/>
-    <a:p>
-      <a:pPr>
-        <a:defRPr/>
+        <a:defRPr sz="2000"/>
       </a:pPr>
       <a:endParaRPr lang="en-US"/>
     </a:p>
@@ -953,46 +2252,534 @@
 </file>
 
 <file path=ppt/charts/colors2.xml><?xml version="1.0" encoding="utf-8"?>
-<cs:colorStyle xmlns:cs="http://schemas.microsoft.com/office/drawing/2012/chartStyle" xmlns:a="http://schemas.openxmlformats.org/drawingml/2006/main" meth="cycle" id="10">
-  <a:schemeClr val="accent1"/>
-  <a:schemeClr val="accent2"/>
-  <a:schemeClr val="accent3"/>
-  <a:schemeClr val="accent4"/>
+<cs:colorStyle xmlns:cs="http://schemas.microsoft.com/office/drawing/2012/chartStyle" xmlns:a="http://schemas.openxmlformats.org/drawingml/2006/main" meth="withinLinear" id="18">
   <a:schemeClr val="accent5"/>
-  <a:schemeClr val="accent6"/>
-  <cs:variation/>
-  <cs:variation>
-    <a:lumMod val="60000"/>
-  </cs:variation>
-  <cs:variation>
-    <a:lumMod val="80000"/>
-    <a:lumOff val="20000"/>
-  </cs:variation>
-  <cs:variation>
-    <a:lumMod val="80000"/>
-  </cs:variation>
-  <cs:variation>
-    <a:lumMod val="60000"/>
-    <a:lumOff val="40000"/>
-  </cs:variation>
-  <cs:variation>
-    <a:lumMod val="50000"/>
-  </cs:variation>
-  <cs:variation>
-    <a:lumMod val="70000"/>
-    <a:lumOff val="30000"/>
-  </cs:variation>
-  <cs:variation>
-    <a:lumMod val="70000"/>
-  </cs:variation>
-  <cs:variation>
-    <a:lumMod val="50000"/>
-    <a:lumOff val="50000"/>
-  </cs:variation>
+</cs:colorStyle>
+</file>
+
+<file path=ppt/charts/colors3.xml><?xml version="1.0" encoding="utf-8"?>
+<cs:colorStyle xmlns:cs="http://schemas.microsoft.com/office/drawing/2012/chartStyle" xmlns:a="http://schemas.openxmlformats.org/drawingml/2006/main" meth="withinLinear" id="18">
+  <a:schemeClr val="accent5"/>
 </cs:colorStyle>
 </file>
 
 <file path=ppt/charts/style1.xml><?xml version="1.0" encoding="utf-8"?>
+<cs:chartStyle xmlns:cs="http://schemas.microsoft.com/office/drawing/2012/chartStyle" xmlns:a="http://schemas.openxmlformats.org/drawingml/2006/main" id="227">
+  <cs:axisTitle>
+    <cs:lnRef idx="0"/>
+    <cs:fillRef idx="0"/>
+    <cs:effectRef idx="0"/>
+    <cs:fontRef idx="minor">
+      <a:schemeClr val="tx1">
+        <a:lumMod val="65000"/>
+        <a:lumOff val="35000"/>
+      </a:schemeClr>
+    </cs:fontRef>
+    <cs:defRPr sz="1000" kern="1200"/>
+  </cs:axisTitle>
+  <cs:categoryAxis>
+    <cs:lnRef idx="0"/>
+    <cs:fillRef idx="0"/>
+    <cs:effectRef idx="0"/>
+    <cs:fontRef idx="minor">
+      <a:schemeClr val="tx1">
+        <a:lumMod val="65000"/>
+        <a:lumOff val="35000"/>
+      </a:schemeClr>
+    </cs:fontRef>
+    <cs:spPr>
+      <a:ln w="9525" cap="flat" cmpd="sng" algn="ctr">
+        <a:solidFill>
+          <a:schemeClr val="tx1">
+            <a:lumMod val="15000"/>
+            <a:lumOff val="85000"/>
+          </a:schemeClr>
+        </a:solidFill>
+        <a:round/>
+      </a:ln>
+    </cs:spPr>
+    <cs:defRPr sz="900" kern="1200"/>
+  </cs:categoryAxis>
+  <cs:chartArea mods="allowNoFillOverride allowNoLineOverride">
+    <cs:lnRef idx="0"/>
+    <cs:fillRef idx="0"/>
+    <cs:effectRef idx="0"/>
+    <cs:fontRef idx="minor">
+      <a:schemeClr val="tx1"/>
+    </cs:fontRef>
+    <cs:spPr>
+      <a:solidFill>
+        <a:schemeClr val="bg1"/>
+      </a:solidFill>
+      <a:ln w="9525" cap="flat" cmpd="sng" algn="ctr">
+        <a:solidFill>
+          <a:schemeClr val="tx1">
+            <a:lumMod val="15000"/>
+            <a:lumOff val="85000"/>
+          </a:schemeClr>
+        </a:solidFill>
+        <a:round/>
+      </a:ln>
+    </cs:spPr>
+    <cs:defRPr sz="1000" kern="1200"/>
+  </cs:chartArea>
+  <cs:dataLabel>
+    <cs:lnRef idx="0"/>
+    <cs:fillRef idx="0"/>
+    <cs:effectRef idx="0"/>
+    <cs:fontRef idx="minor">
+      <a:schemeClr val="tx1">
+        <a:lumMod val="75000"/>
+        <a:lumOff val="25000"/>
+      </a:schemeClr>
+    </cs:fontRef>
+    <cs:defRPr sz="900" kern="1200"/>
+  </cs:dataLabel>
+  <cs:dataLabelCallout>
+    <cs:lnRef idx="0"/>
+    <cs:fillRef idx="0"/>
+    <cs:effectRef idx="0"/>
+    <cs:fontRef idx="minor">
+      <a:schemeClr val="dk1">
+        <a:lumMod val="65000"/>
+        <a:lumOff val="35000"/>
+      </a:schemeClr>
+    </cs:fontRef>
+    <cs:spPr>
+      <a:solidFill>
+        <a:schemeClr val="lt1"/>
+      </a:solidFill>
+      <a:ln>
+        <a:solidFill>
+          <a:schemeClr val="dk1">
+            <a:lumMod val="25000"/>
+            <a:lumOff val="75000"/>
+          </a:schemeClr>
+        </a:solidFill>
+      </a:ln>
+    </cs:spPr>
+    <cs:defRPr sz="900" kern="1200"/>
+    <cs:bodyPr rot="0" spcFirstLastPara="1" vertOverflow="clip" horzOverflow="clip" vert="horz" wrap="square" lIns="36576" tIns="18288" rIns="36576" bIns="18288" anchor="ctr" anchorCtr="1">
+      <a:spAutoFit/>
+    </cs:bodyPr>
+  </cs:dataLabelCallout>
+  <cs:dataPoint>
+    <cs:lnRef idx="0"/>
+    <cs:fillRef idx="1">
+      <cs:styleClr val="auto"/>
+    </cs:fillRef>
+    <cs:effectRef idx="0"/>
+    <cs:fontRef idx="minor">
+      <a:schemeClr val="tx1"/>
+    </cs:fontRef>
+    <cs:spPr>
+      <a:solidFill>
+        <a:schemeClr val="phClr"/>
+      </a:solidFill>
+    </cs:spPr>
+  </cs:dataPoint>
+  <cs:dataPoint3D>
+    <cs:lnRef idx="0"/>
+    <cs:fillRef idx="1">
+      <cs:styleClr val="auto"/>
+    </cs:fillRef>
+    <cs:effectRef idx="0"/>
+    <cs:fontRef idx="minor">
+      <a:schemeClr val="tx1"/>
+    </cs:fontRef>
+    <cs:spPr>
+      <a:solidFill>
+        <a:schemeClr val="phClr"/>
+      </a:solidFill>
+    </cs:spPr>
+  </cs:dataPoint3D>
+  <cs:dataPointLine>
+    <cs:lnRef idx="0">
+      <cs:styleClr val="auto"/>
+    </cs:lnRef>
+    <cs:fillRef idx="1"/>
+    <cs:effectRef idx="0"/>
+    <cs:fontRef idx="minor">
+      <a:schemeClr val="tx1"/>
+    </cs:fontRef>
+    <cs:spPr>
+      <a:ln w="28575" cap="rnd">
+        <a:solidFill>
+          <a:schemeClr val="phClr"/>
+        </a:solidFill>
+        <a:round/>
+      </a:ln>
+    </cs:spPr>
+  </cs:dataPointLine>
+  <cs:dataPointMarker>
+    <cs:lnRef idx="0">
+      <cs:styleClr val="auto"/>
+    </cs:lnRef>
+    <cs:fillRef idx="1">
+      <cs:styleClr val="auto"/>
+    </cs:fillRef>
+    <cs:effectRef idx="0"/>
+    <cs:fontRef idx="minor">
+      <a:schemeClr val="tx1"/>
+    </cs:fontRef>
+    <cs:spPr>
+      <a:solidFill>
+        <a:schemeClr val="phClr"/>
+      </a:solidFill>
+      <a:ln w="9525">
+        <a:solidFill>
+          <a:schemeClr val="phClr"/>
+        </a:solidFill>
+      </a:ln>
+    </cs:spPr>
+  </cs:dataPointMarker>
+  <cs:dataPointMarkerLayout symbol="circle" size="5"/>
+  <cs:dataPointWireframe>
+    <cs:lnRef idx="0">
+      <cs:styleClr val="auto"/>
+    </cs:lnRef>
+    <cs:fillRef idx="1"/>
+    <cs:effectRef idx="0"/>
+    <cs:fontRef idx="minor">
+      <a:schemeClr val="tx1"/>
+    </cs:fontRef>
+    <cs:spPr>
+      <a:ln w="9525" cap="rnd">
+        <a:solidFill>
+          <a:schemeClr val="phClr"/>
+        </a:solidFill>
+        <a:round/>
+      </a:ln>
+    </cs:spPr>
+  </cs:dataPointWireframe>
+  <cs:dataTable>
+    <cs:lnRef idx="0"/>
+    <cs:fillRef idx="0"/>
+    <cs:effectRef idx="0"/>
+    <cs:fontRef idx="minor">
+      <a:schemeClr val="tx1">
+        <a:lumMod val="65000"/>
+        <a:lumOff val="35000"/>
+      </a:schemeClr>
+    </cs:fontRef>
+    <cs:spPr>
+      <a:noFill/>
+      <a:ln w="9525" cap="flat" cmpd="sng" algn="ctr">
+        <a:solidFill>
+          <a:schemeClr val="tx1">
+            <a:lumMod val="15000"/>
+            <a:lumOff val="85000"/>
+          </a:schemeClr>
+        </a:solidFill>
+        <a:round/>
+      </a:ln>
+    </cs:spPr>
+    <cs:defRPr sz="900" kern="1200"/>
+  </cs:dataTable>
+  <cs:downBar>
+    <cs:lnRef idx="0"/>
+    <cs:fillRef idx="0"/>
+    <cs:effectRef idx="0"/>
+    <cs:fontRef idx="minor">
+      <a:schemeClr val="dk1"/>
+    </cs:fontRef>
+    <cs:spPr>
+      <a:solidFill>
+        <a:schemeClr val="dk1">
+          <a:lumMod val="65000"/>
+          <a:lumOff val="35000"/>
+        </a:schemeClr>
+      </a:solidFill>
+      <a:ln w="9525">
+        <a:solidFill>
+          <a:schemeClr val="tx1">
+            <a:lumMod val="65000"/>
+            <a:lumOff val="35000"/>
+          </a:schemeClr>
+        </a:solidFill>
+      </a:ln>
+    </cs:spPr>
+  </cs:downBar>
+  <cs:dropLine>
+    <cs:lnRef idx="0"/>
+    <cs:fillRef idx="0"/>
+    <cs:effectRef idx="0"/>
+    <cs:fontRef idx="minor">
+      <a:schemeClr val="tx1"/>
+    </cs:fontRef>
+    <cs:spPr>
+      <a:ln w="9525" cap="flat" cmpd="sng" algn="ctr">
+        <a:solidFill>
+          <a:schemeClr val="tx1">
+            <a:lumMod val="35000"/>
+            <a:lumOff val="65000"/>
+          </a:schemeClr>
+        </a:solidFill>
+        <a:round/>
+      </a:ln>
+    </cs:spPr>
+  </cs:dropLine>
+  <cs:errorBar>
+    <cs:lnRef idx="0"/>
+    <cs:fillRef idx="0"/>
+    <cs:effectRef idx="0"/>
+    <cs:fontRef idx="minor">
+      <a:schemeClr val="tx1"/>
+    </cs:fontRef>
+    <cs:spPr>
+      <a:ln w="9525" cap="flat" cmpd="sng" algn="ctr">
+        <a:solidFill>
+          <a:schemeClr val="tx1">
+            <a:lumMod val="65000"/>
+            <a:lumOff val="35000"/>
+          </a:schemeClr>
+        </a:solidFill>
+        <a:round/>
+      </a:ln>
+    </cs:spPr>
+  </cs:errorBar>
+  <cs:floor>
+    <cs:lnRef idx="0"/>
+    <cs:fillRef idx="0"/>
+    <cs:effectRef idx="0"/>
+    <cs:fontRef idx="minor">
+      <a:schemeClr val="tx1"/>
+    </cs:fontRef>
+    <cs:spPr>
+      <a:noFill/>
+      <a:ln>
+        <a:noFill/>
+      </a:ln>
+    </cs:spPr>
+  </cs:floor>
+  <cs:gridlineMajor>
+    <cs:lnRef idx="0"/>
+    <cs:fillRef idx="0"/>
+    <cs:effectRef idx="0"/>
+    <cs:fontRef idx="minor">
+      <a:schemeClr val="tx1"/>
+    </cs:fontRef>
+    <cs:spPr>
+      <a:ln w="9525" cap="flat" cmpd="sng" algn="ctr">
+        <a:solidFill>
+          <a:schemeClr val="tx1">
+            <a:lumMod val="15000"/>
+            <a:lumOff val="85000"/>
+          </a:schemeClr>
+        </a:solidFill>
+        <a:round/>
+      </a:ln>
+    </cs:spPr>
+  </cs:gridlineMajor>
+  <cs:gridlineMinor>
+    <cs:lnRef idx="0"/>
+    <cs:fillRef idx="0"/>
+    <cs:effectRef idx="0"/>
+    <cs:fontRef idx="minor">
+      <a:schemeClr val="tx1"/>
+    </cs:fontRef>
+    <cs:spPr>
+      <a:ln w="9525" cap="flat" cmpd="sng" algn="ctr">
+        <a:solidFill>
+          <a:schemeClr val="tx1">
+            <a:lumMod val="5000"/>
+            <a:lumOff val="95000"/>
+          </a:schemeClr>
+        </a:solidFill>
+        <a:round/>
+      </a:ln>
+    </cs:spPr>
+  </cs:gridlineMinor>
+  <cs:hiLoLine>
+    <cs:lnRef idx="0"/>
+    <cs:fillRef idx="0"/>
+    <cs:effectRef idx="0"/>
+    <cs:fontRef idx="minor">
+      <a:schemeClr val="tx1"/>
+    </cs:fontRef>
+    <cs:spPr>
+      <a:ln w="9525" cap="flat" cmpd="sng" algn="ctr">
+        <a:solidFill>
+          <a:schemeClr val="tx1">
+            <a:lumMod val="75000"/>
+            <a:lumOff val="25000"/>
+          </a:schemeClr>
+        </a:solidFill>
+        <a:round/>
+      </a:ln>
+    </cs:spPr>
+  </cs:hiLoLine>
+  <cs:leaderLine>
+    <cs:lnRef idx="0"/>
+    <cs:fillRef idx="0"/>
+    <cs:effectRef idx="0"/>
+    <cs:fontRef idx="minor">
+      <a:schemeClr val="tx1"/>
+    </cs:fontRef>
+    <cs:spPr>
+      <a:ln w="9525" cap="flat" cmpd="sng" algn="ctr">
+        <a:solidFill>
+          <a:schemeClr val="tx1">
+            <a:lumMod val="35000"/>
+            <a:lumOff val="65000"/>
+          </a:schemeClr>
+        </a:solidFill>
+        <a:round/>
+      </a:ln>
+    </cs:spPr>
+  </cs:leaderLine>
+  <cs:legend>
+    <cs:lnRef idx="0"/>
+    <cs:fillRef idx="0"/>
+    <cs:effectRef idx="0"/>
+    <cs:fontRef idx="minor">
+      <a:schemeClr val="tx1">
+        <a:lumMod val="65000"/>
+        <a:lumOff val="35000"/>
+      </a:schemeClr>
+    </cs:fontRef>
+    <cs:defRPr sz="900" kern="1200"/>
+  </cs:legend>
+  <cs:plotArea mods="allowNoFillOverride allowNoLineOverride">
+    <cs:lnRef idx="0"/>
+    <cs:fillRef idx="0"/>
+    <cs:effectRef idx="0"/>
+    <cs:fontRef idx="minor">
+      <a:schemeClr val="tx1"/>
+    </cs:fontRef>
+  </cs:plotArea>
+  <cs:plotArea3D mods="allowNoFillOverride allowNoLineOverride">
+    <cs:lnRef idx="0"/>
+    <cs:fillRef idx="0"/>
+    <cs:effectRef idx="0"/>
+    <cs:fontRef idx="minor">
+      <a:schemeClr val="tx1"/>
+    </cs:fontRef>
+  </cs:plotArea3D>
+  <cs:seriesAxis>
+    <cs:lnRef idx="0"/>
+    <cs:fillRef idx="0"/>
+    <cs:effectRef idx="0"/>
+    <cs:fontRef idx="minor">
+      <a:schemeClr val="tx1">
+        <a:lumMod val="65000"/>
+        <a:lumOff val="35000"/>
+      </a:schemeClr>
+    </cs:fontRef>
+    <cs:defRPr sz="900" kern="1200"/>
+  </cs:seriesAxis>
+  <cs:seriesLine>
+    <cs:lnRef idx="0"/>
+    <cs:fillRef idx="0"/>
+    <cs:effectRef idx="0"/>
+    <cs:fontRef idx="minor">
+      <a:schemeClr val="tx1"/>
+    </cs:fontRef>
+    <cs:spPr>
+      <a:ln w="9525" cap="flat" cmpd="sng" algn="ctr">
+        <a:solidFill>
+          <a:schemeClr val="tx1">
+            <a:lumMod val="35000"/>
+            <a:lumOff val="65000"/>
+          </a:schemeClr>
+        </a:solidFill>
+        <a:round/>
+      </a:ln>
+    </cs:spPr>
+  </cs:seriesLine>
+  <cs:title>
+    <cs:lnRef idx="0"/>
+    <cs:fillRef idx="0"/>
+    <cs:effectRef idx="0"/>
+    <cs:fontRef idx="minor">
+      <a:schemeClr val="tx1">
+        <a:lumMod val="65000"/>
+        <a:lumOff val="35000"/>
+      </a:schemeClr>
+    </cs:fontRef>
+    <cs:defRPr sz="1400" b="0" kern="1200" spc="0" baseline="0"/>
+  </cs:title>
+  <cs:trendline>
+    <cs:lnRef idx="0">
+      <cs:styleClr val="auto"/>
+    </cs:lnRef>
+    <cs:fillRef idx="0"/>
+    <cs:effectRef idx="0"/>
+    <cs:fontRef idx="minor">
+      <a:schemeClr val="tx1"/>
+    </cs:fontRef>
+    <cs:spPr>
+      <a:ln w="19050" cap="rnd">
+        <a:solidFill>
+          <a:schemeClr val="phClr"/>
+        </a:solidFill>
+        <a:prstDash val="sysDot"/>
+      </a:ln>
+    </cs:spPr>
+  </cs:trendline>
+  <cs:trendlineLabel>
+    <cs:lnRef idx="0"/>
+    <cs:fillRef idx="0"/>
+    <cs:effectRef idx="0"/>
+    <cs:fontRef idx="minor">
+      <a:schemeClr val="tx1">
+        <a:lumMod val="65000"/>
+        <a:lumOff val="35000"/>
+      </a:schemeClr>
+    </cs:fontRef>
+    <cs:defRPr sz="900" kern="1200"/>
+  </cs:trendlineLabel>
+  <cs:upBar>
+    <cs:lnRef idx="0"/>
+    <cs:fillRef idx="0"/>
+    <cs:effectRef idx="0"/>
+    <cs:fontRef idx="minor">
+      <a:schemeClr val="dk1"/>
+    </cs:fontRef>
+    <cs:spPr>
+      <a:solidFill>
+        <a:schemeClr val="lt1"/>
+      </a:solidFill>
+      <a:ln w="9525">
+        <a:solidFill>
+          <a:schemeClr val="tx1">
+            <a:lumMod val="15000"/>
+            <a:lumOff val="85000"/>
+          </a:schemeClr>
+        </a:solidFill>
+      </a:ln>
+    </cs:spPr>
+  </cs:upBar>
+  <cs:valueAxis>
+    <cs:lnRef idx="0"/>
+    <cs:fillRef idx="0"/>
+    <cs:effectRef idx="0"/>
+    <cs:fontRef idx="minor">
+      <a:schemeClr val="tx1">
+        <a:lumMod val="65000"/>
+        <a:lumOff val="35000"/>
+      </a:schemeClr>
+    </cs:fontRef>
+    <cs:defRPr sz="900" kern="1200"/>
+  </cs:valueAxis>
+  <cs:wall>
+    <cs:lnRef idx="0"/>
+    <cs:fillRef idx="0"/>
+    <cs:effectRef idx="0"/>
+    <cs:fontRef idx="minor">
+      <a:schemeClr val="tx1"/>
+    </cs:fontRef>
+    <cs:spPr>
+      <a:noFill/>
+      <a:ln>
+        <a:noFill/>
+      </a:ln>
+    </cs:spPr>
+  </cs:wall>
+</cs:chartStyle>
+</file>
+
+<file path=ppt/charts/style2.xml><?xml version="1.0" encoding="utf-8"?>
 <cs:chartStyle xmlns:cs="http://schemas.microsoft.com/office/drawing/2012/chartStyle" xmlns:a="http://schemas.openxmlformats.org/drawingml/2006/main" id="201">
   <cs:axisTitle>
     <cs:lnRef idx="0"/>
@@ -1495,7 +3282,7 @@
 </cs:chartStyle>
 </file>
 
-<file path=ppt/charts/style2.xml><?xml version="1.0" encoding="utf-8"?>
+<file path=ppt/charts/style3.xml><?xml version="1.0" encoding="utf-8"?>
 <cs:chartStyle xmlns:cs="http://schemas.microsoft.com/office/drawing/2012/chartStyle" xmlns:a="http://schemas.openxmlformats.org/drawingml/2006/main" id="201">
   <cs:axisTitle>
     <cs:lnRef idx="0"/>
@@ -2756,7 +4543,10 @@
       <dgm:prSet phldrT="[Text]" custT="1"/>
       <dgm:spPr>
         <a:solidFill>
-          <a:srgbClr val="A4343A"/>
+          <a:schemeClr val="accent4">
+            <a:lumMod val="40000"/>
+            <a:lumOff val="60000"/>
+          </a:schemeClr>
         </a:solidFill>
         <a:ln>
           <a:noFill/>
@@ -2767,7 +4557,10 @@
         <a:lstStyle/>
         <a:p>
           <a:r>
-            <a:rPr lang="en-US" sz="2300" i="0" dirty="0">
+            <a:rPr lang="en-US" sz="2400" i="0" dirty="0">
+              <a:solidFill>
+                <a:schemeClr val="tx1"/>
+              </a:solidFill>
               <a:latin typeface="+mn-lt"/>
             </a:rPr>
             <a:t>Data was extracted from research articles and transformed to fit into a single data frame using R software environment.</a:t>
@@ -2782,7 +4575,7 @@
         <a:bodyPr/>
         <a:lstStyle/>
         <a:p>
-          <a:endParaRPr lang="en-US" sz="2300"/>
+          <a:endParaRPr lang="en-US" sz="2400"/>
         </a:p>
       </dgm:t>
     </dgm:pt>
@@ -2806,14 +4599,18 @@
       <dgm:spPr>
         <a:ln w="38100">
           <a:headEnd type="none" w="med" len="med"/>
-          <a:tailEnd type="triangle" w="lg" len="lg"/>
+          <a:tailEnd type="arrow" w="med" len="med"/>
         </a:ln>
       </dgm:spPr>
       <dgm:t>
         <a:bodyPr/>
         <a:lstStyle/>
         <a:p>
-          <a:endParaRPr lang="en-US" sz="2300" dirty="0"/>
+          <a:endParaRPr lang="en-US" sz="2400" dirty="0">
+            <a:solidFill>
+              <a:schemeClr val="tx1"/>
+            </a:solidFill>
+          </a:endParaRPr>
         </a:p>
       </dgm:t>
     </dgm:pt>
@@ -2821,7 +4618,10 @@
       <dgm:prSet phldrT="[Text]" custT="1"/>
       <dgm:spPr>
         <a:solidFill>
-          <a:srgbClr val="A4343A"/>
+          <a:schemeClr val="accent4">
+            <a:lumMod val="40000"/>
+            <a:lumOff val="60000"/>
+          </a:schemeClr>
         </a:solidFill>
         <a:ln>
           <a:noFill/>
@@ -2832,7 +4632,11 @@
         <a:lstStyle/>
         <a:p>
           <a:r>
-            <a:rPr lang="en-US" sz="2300" i="0" dirty="0"/>
+            <a:rPr lang="en-US" sz="2400" i="0" dirty="0">
+              <a:solidFill>
+                <a:schemeClr val="tx1"/>
+              </a:solidFill>
+            </a:rPr>
             <a:t>Statistical tests were performed to determine chromosomes with significant numbers of SNPs.</a:t>
           </a:r>
         </a:p>
@@ -2845,12 +4649,12 @@
         <a:bodyPr/>
         <a:lstStyle/>
         <a:p>
-          <a:endParaRPr lang="en-US"/>
+          <a:endParaRPr lang="en-US" sz="2400"/>
         </a:p>
       </dgm:t>
     </dgm:pt>
     <dgm:pt modelId="{86409B7A-2C57-4DF4-9043-F54A303D4B27}" type="sibTrans" cxnId="{EF250199-92E7-4858-B910-D32FCF53F3D5}">
-      <dgm:prSet>
+      <dgm:prSet custT="1">
         <dgm:style>
           <a:lnRef idx="1">
             <a:schemeClr val="dk1"/>
@@ -2873,7 +4677,11 @@
         <a:bodyPr/>
         <a:lstStyle/>
         <a:p>
-          <a:endParaRPr lang="en-US"/>
+          <a:endParaRPr lang="en-US" sz="2400" dirty="0">
+            <a:solidFill>
+              <a:schemeClr val="tx1"/>
+            </a:solidFill>
+          </a:endParaRPr>
         </a:p>
       </dgm:t>
     </dgm:pt>
@@ -2881,7 +4689,10 @@
       <dgm:prSet phldrT="[Text]" custT="1"/>
       <dgm:spPr>
         <a:solidFill>
-          <a:srgbClr val="A4343A"/>
+          <a:schemeClr val="accent4">
+            <a:lumMod val="40000"/>
+            <a:lumOff val="60000"/>
+          </a:schemeClr>
         </a:solidFill>
         <a:ln>
           <a:noFill/>
@@ -2892,7 +4703,11 @@
         <a:lstStyle/>
         <a:p>
           <a:r>
-            <a:rPr lang="en-US" sz="2300" i="0" dirty="0"/>
+            <a:rPr lang="en-US" sz="2400" i="0" dirty="0">
+              <a:solidFill>
+                <a:schemeClr val="tx1"/>
+              </a:solidFill>
+            </a:rPr>
             <a:t>Statistical tests were performed to determine significant SNP groupings.</a:t>
           </a:r>
         </a:p>
@@ -2905,12 +4720,12 @@
         <a:bodyPr/>
         <a:lstStyle/>
         <a:p>
-          <a:endParaRPr lang="en-US"/>
+          <a:endParaRPr lang="en-US" sz="2400"/>
         </a:p>
       </dgm:t>
     </dgm:pt>
     <dgm:pt modelId="{91193CD2-4B85-4DCE-BE3D-2FC018EB47FC}" type="sibTrans" cxnId="{C311B07A-92B0-4B22-888A-B3A580CD72FF}">
-      <dgm:prSet>
+      <dgm:prSet custT="1">
         <dgm:style>
           <a:lnRef idx="1">
             <a:schemeClr val="dk1"/>
@@ -2933,7 +4748,11 @@
         <a:bodyPr/>
         <a:lstStyle/>
         <a:p>
-          <a:endParaRPr lang="en-US"/>
+          <a:endParaRPr lang="en-US" sz="2400" dirty="0">
+            <a:solidFill>
+              <a:schemeClr val="tx1"/>
+            </a:solidFill>
+          </a:endParaRPr>
         </a:p>
       </dgm:t>
     </dgm:pt>
@@ -2941,7 +4760,10 @@
       <dgm:prSet phldrT="[Text]" custT="1"/>
       <dgm:spPr>
         <a:solidFill>
-          <a:srgbClr val="A4343A"/>
+          <a:schemeClr val="accent4">
+            <a:lumMod val="40000"/>
+            <a:lumOff val="60000"/>
+          </a:schemeClr>
         </a:solidFill>
         <a:ln>
           <a:noFill/>
@@ -2952,8 +4774,12 @@
         <a:lstStyle/>
         <a:p>
           <a:r>
-            <a:rPr lang="en-US" sz="2300" i="0" dirty="0"/>
-            <a:t>Significant SNP groupings were compared to NCBI known genes.</a:t>
+            <a:rPr lang="en-US" sz="2400" i="0" dirty="0">
+              <a:solidFill>
+                <a:schemeClr val="tx1"/>
+              </a:solidFill>
+            </a:rPr>
+            <a:t>Significant SNP groupings were compared to NCBI [14] known genes.</a:t>
           </a:r>
         </a:p>
       </dgm:t>
@@ -2965,12 +4791,12 @@
         <a:bodyPr/>
         <a:lstStyle/>
         <a:p>
-          <a:endParaRPr lang="en-US"/>
+          <a:endParaRPr lang="en-US" sz="2400"/>
         </a:p>
       </dgm:t>
     </dgm:pt>
     <dgm:pt modelId="{0B4E7C84-F8DB-4867-B3EE-99D7B489CA10}" type="sibTrans" cxnId="{3888DCCA-9A53-4D22-B4FE-FF4315EA0B16}">
-      <dgm:prSet>
+      <dgm:prSet custT="1">
         <dgm:style>
           <a:lnRef idx="1">
             <a:schemeClr val="dk1"/>
@@ -2993,7 +4819,11 @@
         <a:bodyPr/>
         <a:lstStyle/>
         <a:p>
-          <a:endParaRPr lang="en-US"/>
+          <a:endParaRPr lang="en-US" sz="2400" dirty="0">
+            <a:solidFill>
+              <a:schemeClr val="tx1"/>
+            </a:solidFill>
+          </a:endParaRPr>
         </a:p>
       </dgm:t>
     </dgm:pt>
@@ -3001,7 +4831,10 @@
       <dgm:prSet phldrT="[Text]" custT="1"/>
       <dgm:spPr>
         <a:solidFill>
-          <a:srgbClr val="A4343A"/>
+          <a:schemeClr val="accent4">
+            <a:lumMod val="40000"/>
+            <a:lumOff val="60000"/>
+          </a:schemeClr>
         </a:solidFill>
         <a:ln>
           <a:noFill/>
@@ -3012,8 +4845,12 @@
         <a:lstStyle/>
         <a:p>
           <a:r>
-            <a:rPr lang="en-US" sz="2300" i="0" dirty="0"/>
-            <a:t>Common words in the pathways were calculated.</a:t>
+            <a:rPr lang="en-US" sz="2400" i="0" dirty="0">
+              <a:solidFill>
+                <a:schemeClr val="tx1"/>
+              </a:solidFill>
+            </a:rPr>
+            <a:t>Common terms in the pathways were calculated.</a:t>
           </a:r>
         </a:p>
       </dgm:t>
@@ -3025,12 +4862,12 @@
         <a:bodyPr/>
         <a:lstStyle/>
         <a:p>
-          <a:endParaRPr lang="en-US"/>
+          <a:endParaRPr lang="en-US" sz="2400"/>
         </a:p>
       </dgm:t>
     </dgm:pt>
     <dgm:pt modelId="{B92DA0D3-FDAA-4D85-8BBB-E1196FCDF32B}" type="sibTrans" cxnId="{46572992-5F7B-4FBC-9502-609B494869D9}">
-      <dgm:prSet>
+      <dgm:prSet custT="1">
         <dgm:style>
           <a:lnRef idx="1">
             <a:schemeClr val="dk1"/>
@@ -3053,7 +4890,11 @@
         <a:bodyPr/>
         <a:lstStyle/>
         <a:p>
-          <a:endParaRPr lang="en-US"/>
+          <a:endParaRPr lang="en-US" sz="2400" dirty="0">
+            <a:solidFill>
+              <a:schemeClr val="tx1"/>
+            </a:solidFill>
+          </a:endParaRPr>
         </a:p>
       </dgm:t>
     </dgm:pt>
@@ -3061,7 +4902,10 @@
       <dgm:prSet phldrT="[Text]" custT="1"/>
       <dgm:spPr>
         <a:solidFill>
-          <a:srgbClr val="A4343A"/>
+          <a:schemeClr val="accent4">
+            <a:lumMod val="40000"/>
+            <a:lumOff val="60000"/>
+          </a:schemeClr>
         </a:solidFill>
         <a:ln>
           <a:noFill/>
@@ -3072,8 +4916,12 @@
         <a:lstStyle/>
         <a:p>
           <a:r>
-            <a:rPr lang="en-US" sz="2300" i="0" dirty="0"/>
-            <a:t>These genes and their pathways were extracted.</a:t>
+            <a:rPr lang="en-US" sz="2400" i="0" dirty="0">
+              <a:solidFill>
+                <a:schemeClr val="tx1"/>
+              </a:solidFill>
+            </a:rPr>
+            <a:t>These genes and their pathways were extracted from NDEx [15-17].</a:t>
           </a:r>
         </a:p>
       </dgm:t>
@@ -3085,12 +4933,12 @@
         <a:bodyPr/>
         <a:lstStyle/>
         <a:p>
-          <a:endParaRPr lang="en-US"/>
+          <a:endParaRPr lang="en-US" sz="2400"/>
         </a:p>
       </dgm:t>
     </dgm:pt>
     <dgm:pt modelId="{88090164-E822-4749-A170-3D738AF1973B}" type="sibTrans" cxnId="{B274977B-5AA8-4717-80CB-CE6088BF6F14}">
-      <dgm:prSet>
+      <dgm:prSet custT="1">
         <dgm:style>
           <a:lnRef idx="1">
             <a:schemeClr val="dk1"/>
@@ -3113,7 +4961,11 @@
         <a:bodyPr/>
         <a:lstStyle/>
         <a:p>
-          <a:endParaRPr lang="en-US"/>
+          <a:endParaRPr lang="en-US" sz="2400" dirty="0">
+            <a:solidFill>
+              <a:schemeClr val="tx1"/>
+            </a:solidFill>
+          </a:endParaRPr>
         </a:p>
       </dgm:t>
     </dgm:pt>
@@ -3121,7 +4973,10 @@
       <dgm:prSet phldrT="[Text]" custT="1"/>
       <dgm:spPr>
         <a:solidFill>
-          <a:srgbClr val="A4343A"/>
+          <a:schemeClr val="accent4">
+            <a:lumMod val="40000"/>
+            <a:lumOff val="60000"/>
+          </a:schemeClr>
         </a:solidFill>
         <a:ln>
           <a:noFill/>
@@ -3132,7 +4987,11 @@
         <a:lstStyle/>
         <a:p>
           <a:r>
-            <a:rPr lang="en-US" sz="2300" i="0" dirty="0"/>
+            <a:rPr lang="en-US" sz="2400" i="0" dirty="0">
+              <a:solidFill>
+                <a:schemeClr val="tx1"/>
+              </a:solidFill>
+            </a:rPr>
             <a:t>Diseases associated with these pathways were extracted and compared.</a:t>
           </a:r>
         </a:p>
@@ -3145,12 +5004,12 @@
         <a:bodyPr/>
         <a:lstStyle/>
         <a:p>
-          <a:endParaRPr lang="en-US"/>
+          <a:endParaRPr lang="en-US" sz="2400"/>
         </a:p>
       </dgm:t>
     </dgm:pt>
     <dgm:pt modelId="{BBCAB5DD-A194-424F-BA36-E75ED9FD61DA}" type="sibTrans" cxnId="{1BE25165-E762-4045-8CE9-F34FB6024990}">
-      <dgm:prSet>
+      <dgm:prSet custT="1">
         <dgm:style>
           <a:lnRef idx="1">
             <a:schemeClr val="dk1"/>
@@ -3173,7 +5032,11 @@
         <a:bodyPr/>
         <a:lstStyle/>
         <a:p>
-          <a:endParaRPr lang="en-US"/>
+          <a:endParaRPr lang="en-US" sz="2400" dirty="0">
+            <a:solidFill>
+              <a:schemeClr val="tx1"/>
+            </a:solidFill>
+          </a:endParaRPr>
         </a:p>
       </dgm:t>
     </dgm:pt>
@@ -3181,7 +5044,10 @@
       <dgm:prSet phldrT="[Text]" custT="1"/>
       <dgm:spPr>
         <a:solidFill>
-          <a:srgbClr val="A4343A"/>
+          <a:schemeClr val="accent4">
+            <a:lumMod val="40000"/>
+            <a:lumOff val="60000"/>
+          </a:schemeClr>
         </a:solidFill>
         <a:ln>
           <a:noFill/>
@@ -3192,8 +5058,12 @@
         <a:lstStyle/>
         <a:p>
           <a:r>
-            <a:rPr lang="en-US" sz="2300" i="0" dirty="0"/>
-            <a:t>Histocompatibility complex genes were examined for overlap with Chr 6</a:t>
+            <a:rPr lang="en-US" sz="2400" i="0" dirty="0">
+              <a:solidFill>
+                <a:schemeClr val="tx1"/>
+              </a:solidFill>
+            </a:rPr>
+            <a:t>Histocompatibility complex genes were examined for overlap with Chr 6.</a:t>
           </a:r>
         </a:p>
       </dgm:t>
@@ -3205,7 +5075,7 @@
         <a:bodyPr/>
         <a:lstStyle/>
         <a:p>
-          <a:endParaRPr lang="en-US"/>
+          <a:endParaRPr lang="en-US" sz="2400"/>
         </a:p>
       </dgm:t>
     </dgm:pt>
@@ -3216,7 +5086,7 @@
         <a:bodyPr/>
         <a:lstStyle/>
         <a:p>
-          <a:endParaRPr lang="en-US"/>
+          <a:endParaRPr lang="en-US" sz="2400"/>
         </a:p>
       </dgm:t>
     </dgm:pt>
@@ -3246,7 +5116,7 @@
       <dgm:spPr/>
     </dgm:pt>
     <dgm:pt modelId="{2E913CCF-7391-4A21-80A2-130070063456}" type="pres">
-      <dgm:prSet presAssocID="{F96C16A0-FF45-47A5-B22E-0404139BF3A0}" presName="node" presStyleLbl="node1" presStyleIdx="1" presStyleCnt="8" custScaleX="185800" custScaleY="220879">
+      <dgm:prSet presAssocID="{F96C16A0-FF45-47A5-B22E-0404139BF3A0}" presName="node" presStyleLbl="node1" presStyleIdx="1" presStyleCnt="8" custScaleX="185800" custScaleY="220879" custLinFactNeighborX="-229" custLinFactNeighborY="2443">
         <dgm:presLayoutVars>
           <dgm:bulletEnabled val="1"/>
         </dgm:presLayoutVars>
@@ -3262,7 +5132,7 @@
       <dgm:spPr/>
     </dgm:pt>
     <dgm:pt modelId="{E4212C6C-0052-46BE-9D14-D023ACB9E385}" type="pres">
-      <dgm:prSet presAssocID="{BA27C79C-3A80-4803-BE2C-42DF29676F9C}" presName="node" presStyleLbl="node1" presStyleIdx="2" presStyleCnt="8" custScaleX="185800" custScaleY="220879">
+      <dgm:prSet presAssocID="{BA27C79C-3A80-4803-BE2C-42DF29676F9C}" presName="node" presStyleLbl="node1" presStyleIdx="2" presStyleCnt="8" custScaleX="185800" custScaleY="220879" custLinFactNeighborX="-229" custLinFactNeighborY="2443">
         <dgm:presLayoutVars>
           <dgm:bulletEnabled val="1"/>
         </dgm:presLayoutVars>
@@ -3278,7 +5148,7 @@
       <dgm:spPr/>
     </dgm:pt>
     <dgm:pt modelId="{5BD52017-6367-484A-805C-3F720716D521}" type="pres">
-      <dgm:prSet presAssocID="{054D3CCC-9BCD-484C-B9D3-5D69A90CADB3}" presName="node" presStyleLbl="node1" presStyleIdx="3" presStyleCnt="8" custScaleX="185800" custScaleY="220879">
+      <dgm:prSet presAssocID="{054D3CCC-9BCD-484C-B9D3-5D69A90CADB3}" presName="node" presStyleLbl="node1" presStyleIdx="3" presStyleCnt="8" custScaleX="185800" custScaleY="220879" custLinFactNeighborX="-229" custLinFactNeighborY="2443">
         <dgm:presLayoutVars>
           <dgm:bulletEnabled val="1"/>
         </dgm:presLayoutVars>
@@ -3409,7 +5279,7 @@
   <dgm:whole/>
   <dgm:extLst>
     <a:ext uri="http://schemas.microsoft.com/office/drawing/2008/diagram">
-      <dsp:dataModelExt xmlns:dsp="http://schemas.microsoft.com/office/drawing/2008/diagram" relId="rId11" minVer="http://schemas.openxmlformats.org/drawingml/2006/diagram"/>
+      <dsp:dataModelExt xmlns:dsp="http://schemas.microsoft.com/office/drawing/2008/diagram" relId="rId14" minVer="http://schemas.openxmlformats.org/drawingml/2006/diagram"/>
     </a:ext>
   </dgm:extLst>
 </dgm:dataModel>
@@ -3430,8 +5300,8 @@
       </dsp:nvSpPr>
       <dsp:spPr>
         <a:xfrm>
-          <a:off x="3041025" y="1126998"/>
-          <a:ext cx="345672" cy="91440"/>
+          <a:off x="3098728" y="1062578"/>
+          <a:ext cx="348214" cy="91440"/>
         </a:xfrm>
         <a:custGeom>
           <a:avLst/>
@@ -3445,7 +5315,13 @@
                 <a:pt x="0" y="45720"/>
               </a:moveTo>
               <a:lnTo>
-                <a:pt x="345672" y="45720"/>
+                <a:pt x="191207" y="45720"/>
+              </a:lnTo>
+              <a:lnTo>
+                <a:pt x="191207" y="70104"/>
+              </a:lnTo>
+              <a:lnTo>
+                <a:pt x="348214" y="70104"/>
               </a:lnTo>
             </a:path>
           </a:pathLst>
@@ -3460,7 +5336,7 @@
           </a:solidFill>
           <a:prstDash val="solid"/>
           <a:headEnd type="none" w="med" len="med"/>
-          <a:tailEnd type="triangle" w="lg" len="lg"/>
+          <a:tailEnd type="arrow" w="med" len="med"/>
         </a:ln>
         <a:effectLst/>
       </dsp:spPr>
@@ -3484,7 +5360,7 @@
         </a:bodyPr>
         <a:lstStyle/>
         <a:p>
-          <a:pPr marL="0" lvl="0" indent="0" algn="ctr" defTabSz="1022350">
+          <a:pPr marL="0" lvl="0" indent="0" algn="ctr" defTabSz="1066800">
             <a:lnSpc>
               <a:spcPct val="90000"/>
             </a:lnSpc>
@@ -3496,12 +5372,16 @@
             </a:spcAft>
             <a:buNone/>
           </a:pPr>
-          <a:endParaRPr lang="en-US" sz="2300" kern="1200" dirty="0"/>
+          <a:endParaRPr lang="en-US" sz="2400" kern="1200" dirty="0">
+            <a:solidFill>
+              <a:schemeClr val="tx1"/>
+            </a:solidFill>
+          </a:endParaRPr>
         </a:p>
       </dsp:txBody>
       <dsp:txXfrm>
-        <a:off x="3204454" y="1170835"/>
-        <a:ext cx="18813" cy="3766"/>
+        <a:off x="3263345" y="1106383"/>
+        <a:ext cx="18979" cy="3829"/>
       </dsp:txXfrm>
     </dsp:sp>
     <dsp:sp modelId="{0921CE44-1854-4D52-96D6-8D4463B31907}">
@@ -3511,14 +5391,17 @@
       </dsp:nvSpPr>
       <dsp:spPr>
         <a:xfrm>
-          <a:off x="3196" y="88665"/>
-          <a:ext cx="3039628" cy="2168106"/>
+          <a:off x="9592" y="5947"/>
+          <a:ext cx="3090935" cy="2204701"/>
         </a:xfrm>
         <a:prstGeom prst="rect">
           <a:avLst/>
         </a:prstGeom>
         <a:solidFill>
-          <a:srgbClr val="A4343A"/>
+          <a:schemeClr val="accent4">
+            <a:lumMod val="40000"/>
+            <a:lumOff val="60000"/>
+          </a:schemeClr>
         </a:solidFill>
         <a:ln w="25400" cap="flat" cmpd="sng" algn="ctr">
           <a:noFill/>
@@ -3541,12 +5424,12 @@
         </a:fontRef>
       </dsp:style>
       <dsp:txBody>
-        <a:bodyPr spcFirstLastPara="0" vert="horz" wrap="square" lIns="163576" tIns="163576" rIns="163576" bIns="163576" numCol="1" spcCol="1270" anchor="ctr" anchorCtr="0">
+        <a:bodyPr spcFirstLastPara="0" vert="horz" wrap="square" lIns="170688" tIns="170688" rIns="170688" bIns="170688" numCol="1" spcCol="1270" anchor="ctr" anchorCtr="0">
           <a:noAutofit/>
         </a:bodyPr>
         <a:lstStyle/>
         <a:p>
-          <a:pPr marL="0" lvl="0" indent="0" algn="ctr" defTabSz="1022350">
+          <a:pPr marL="0" lvl="0" indent="0" algn="ctr" defTabSz="1066800">
             <a:lnSpc>
               <a:spcPct val="90000"/>
             </a:lnSpc>
@@ -3559,7 +5442,10 @@
             <a:buNone/>
           </a:pPr>
           <a:r>
-            <a:rPr lang="en-US" sz="2300" i="0" kern="1200" dirty="0">
+            <a:rPr lang="en-US" sz="2400" i="0" kern="1200" dirty="0">
+              <a:solidFill>
+                <a:schemeClr val="tx1"/>
+              </a:solidFill>
               <a:latin typeface="+mn-lt"/>
             </a:rPr>
             <a:t>Data was extracted from research articles and transformed to fit into a single data frame using R software environment.</a:t>
@@ -3567,8 +5453,8 @@
         </a:p>
       </dsp:txBody>
       <dsp:txXfrm>
-        <a:off x="3196" y="88665"/>
-        <a:ext cx="3039628" cy="2168106"/>
+        <a:off x="9592" y="5947"/>
+        <a:ext cx="3090935" cy="2204701"/>
       </dsp:txXfrm>
     </dsp:sp>
     <dsp:sp modelId="{3E6F31A3-81AF-4CED-8635-B1AD41191F50}">
@@ -3578,8 +5464,8 @@
       </dsp:nvSpPr>
       <dsp:spPr>
         <a:xfrm>
-          <a:off x="1523010" y="2254971"/>
-          <a:ext cx="3415901" cy="345672"/>
+          <a:off x="1551250" y="2233234"/>
+          <a:ext cx="3473559" cy="352023"/>
         </a:xfrm>
         <a:custGeom>
           <a:avLst/>
@@ -3590,16 +5476,16 @@
           <a:pathLst>
             <a:path>
               <a:moveTo>
-                <a:pt x="3415901" y="0"/>
+                <a:pt x="3473559" y="0"/>
               </a:moveTo>
               <a:lnTo>
-                <a:pt x="3415901" y="189936"/>
+                <a:pt x="3473559" y="193111"/>
               </a:lnTo>
               <a:lnTo>
-                <a:pt x="0" y="189936"/>
+                <a:pt x="0" y="193111"/>
               </a:lnTo>
               <a:lnTo>
-                <a:pt x="0" y="345672"/>
+                <a:pt x="0" y="352023"/>
               </a:lnTo>
             </a:path>
           </a:pathLst>
@@ -3637,7 +5523,7 @@
         </a:bodyPr>
         <a:lstStyle/>
         <a:p>
-          <a:pPr marL="0" lvl="0" indent="0" algn="ctr" defTabSz="222250">
+          <a:pPr marL="0" lvl="0" indent="0" algn="ctr" defTabSz="1066800">
             <a:lnSpc>
               <a:spcPct val="90000"/>
             </a:lnSpc>
@@ -3649,12 +5535,16 @@
             </a:spcAft>
             <a:buNone/>
           </a:pPr>
-          <a:endParaRPr lang="en-US" sz="500" kern="1200"/>
+          <a:endParaRPr lang="en-US" sz="2400" kern="1200" dirty="0">
+            <a:solidFill>
+              <a:schemeClr val="tx1"/>
+            </a:solidFill>
+          </a:endParaRPr>
         </a:p>
       </dsp:txBody>
       <dsp:txXfrm>
-        <a:off x="3145047" y="2425924"/>
-        <a:ext cx="171828" cy="3766"/>
+        <a:off x="3200666" y="2407331"/>
+        <a:ext cx="174728" cy="3829"/>
       </dsp:txXfrm>
     </dsp:sp>
     <dsp:sp modelId="{2E913CCF-7391-4A21-80A2-130070063456}">
@@ -3664,14 +5554,17 @@
       </dsp:nvSpPr>
       <dsp:spPr>
         <a:xfrm>
-          <a:off x="3419097" y="88665"/>
-          <a:ext cx="3039628" cy="2168106"/>
+          <a:off x="3479342" y="30332"/>
+          <a:ext cx="3090935" cy="2204701"/>
         </a:xfrm>
         <a:prstGeom prst="rect">
           <a:avLst/>
         </a:prstGeom>
         <a:solidFill>
-          <a:srgbClr val="A4343A"/>
+          <a:schemeClr val="accent4">
+            <a:lumMod val="40000"/>
+            <a:lumOff val="60000"/>
+          </a:schemeClr>
         </a:solidFill>
         <a:ln w="25400" cap="flat" cmpd="sng" algn="ctr">
           <a:noFill/>
@@ -3694,12 +5587,12 @@
         </a:fontRef>
       </dsp:style>
       <dsp:txBody>
-        <a:bodyPr spcFirstLastPara="0" vert="horz" wrap="square" lIns="163576" tIns="163576" rIns="163576" bIns="163576" numCol="1" spcCol="1270" anchor="ctr" anchorCtr="0">
+        <a:bodyPr spcFirstLastPara="0" vert="horz" wrap="square" lIns="170688" tIns="170688" rIns="170688" bIns="170688" numCol="1" spcCol="1270" anchor="ctr" anchorCtr="0">
           <a:noAutofit/>
         </a:bodyPr>
         <a:lstStyle/>
         <a:p>
-          <a:pPr marL="0" lvl="0" indent="0" algn="ctr" defTabSz="1022350">
+          <a:pPr marL="0" lvl="0" indent="0" algn="ctr" defTabSz="1066800">
             <a:lnSpc>
               <a:spcPct val="90000"/>
             </a:lnSpc>
@@ -3712,14 +5605,18 @@
             <a:buNone/>
           </a:pPr>
           <a:r>
-            <a:rPr lang="en-US" sz="2300" i="0" kern="1200" dirty="0"/>
+            <a:rPr lang="en-US" sz="2400" i="0" kern="1200" dirty="0">
+              <a:solidFill>
+                <a:schemeClr val="tx1"/>
+              </a:solidFill>
+            </a:rPr>
             <a:t>Statistical tests were performed to determine chromosomes with significant numbers of SNPs.</a:t>
           </a:r>
         </a:p>
       </dsp:txBody>
       <dsp:txXfrm>
-        <a:off x="3419097" y="88665"/>
-        <a:ext cx="3039628" cy="2168106"/>
+        <a:off x="3479342" y="30332"/>
+        <a:ext cx="3090935" cy="2204701"/>
       </dsp:txXfrm>
     </dsp:sp>
     <dsp:sp modelId="{BB64D7AD-62E6-499A-B839-B38862440A96}">
@@ -3729,8 +5626,8 @@
       </dsp:nvSpPr>
       <dsp:spPr>
         <a:xfrm>
-          <a:off x="3041025" y="3671377"/>
-          <a:ext cx="345672" cy="91440"/>
+          <a:off x="3094918" y="3674288"/>
+          <a:ext cx="352023" cy="91440"/>
         </a:xfrm>
         <a:custGeom>
           <a:avLst/>
@@ -3744,7 +5641,7 @@
                 <a:pt x="0" y="45720"/>
               </a:moveTo>
               <a:lnTo>
-                <a:pt x="345672" y="45720"/>
+                <a:pt x="352023" y="45720"/>
               </a:lnTo>
             </a:path>
           </a:pathLst>
@@ -3782,7 +5679,7 @@
         </a:bodyPr>
         <a:lstStyle/>
         <a:p>
-          <a:pPr marL="0" lvl="0" indent="0" algn="ctr" defTabSz="222250">
+          <a:pPr marL="0" lvl="0" indent="0" algn="ctr" defTabSz="1066800">
             <a:lnSpc>
               <a:spcPct val="90000"/>
             </a:lnSpc>
@@ -3794,12 +5691,16 @@
             </a:spcAft>
             <a:buNone/>
           </a:pPr>
-          <a:endParaRPr lang="en-US" sz="500" kern="1200"/>
+          <a:endParaRPr lang="en-US" sz="2400" kern="1200" dirty="0">
+            <a:solidFill>
+              <a:schemeClr val="tx1"/>
+            </a:solidFill>
+          </a:endParaRPr>
         </a:p>
       </dsp:txBody>
       <dsp:txXfrm>
-        <a:off x="3204454" y="3715214"/>
-        <a:ext cx="18813" cy="3766"/>
+        <a:off x="3261364" y="3718093"/>
+        <a:ext cx="19131" cy="3829"/>
       </dsp:txXfrm>
     </dsp:sp>
     <dsp:sp modelId="{E4212C6C-0052-46BE-9D14-D023ACB9E385}">
@@ -3809,14 +5710,17 @@
       </dsp:nvSpPr>
       <dsp:spPr>
         <a:xfrm>
-          <a:off x="3196" y="2633044"/>
-          <a:ext cx="3039628" cy="2168106"/>
+          <a:off x="5783" y="2617657"/>
+          <a:ext cx="3090935" cy="2204701"/>
         </a:xfrm>
         <a:prstGeom prst="rect">
           <a:avLst/>
         </a:prstGeom>
         <a:solidFill>
-          <a:srgbClr val="A4343A"/>
+          <a:schemeClr val="accent4">
+            <a:lumMod val="40000"/>
+            <a:lumOff val="60000"/>
+          </a:schemeClr>
         </a:solidFill>
         <a:ln w="25400" cap="flat" cmpd="sng" algn="ctr">
           <a:noFill/>
@@ -3839,12 +5743,12 @@
         </a:fontRef>
       </dsp:style>
       <dsp:txBody>
-        <a:bodyPr spcFirstLastPara="0" vert="horz" wrap="square" lIns="163576" tIns="163576" rIns="163576" bIns="163576" numCol="1" spcCol="1270" anchor="ctr" anchorCtr="0">
+        <a:bodyPr spcFirstLastPara="0" vert="horz" wrap="square" lIns="170688" tIns="170688" rIns="170688" bIns="170688" numCol="1" spcCol="1270" anchor="ctr" anchorCtr="0">
           <a:noAutofit/>
         </a:bodyPr>
         <a:lstStyle/>
         <a:p>
-          <a:pPr marL="0" lvl="0" indent="0" algn="ctr" defTabSz="1022350">
+          <a:pPr marL="0" lvl="0" indent="0" algn="ctr" defTabSz="1066800">
             <a:lnSpc>
               <a:spcPct val="90000"/>
             </a:lnSpc>
@@ -3857,14 +5761,18 @@
             <a:buNone/>
           </a:pPr>
           <a:r>
-            <a:rPr lang="en-US" sz="2300" i="0" kern="1200" dirty="0"/>
+            <a:rPr lang="en-US" sz="2400" i="0" kern="1200" dirty="0">
+              <a:solidFill>
+                <a:schemeClr val="tx1"/>
+              </a:solidFill>
+            </a:rPr>
             <a:t>Statistical tests were performed to determine significant SNP groupings.</a:t>
           </a:r>
         </a:p>
       </dsp:txBody>
       <dsp:txXfrm>
-        <a:off x="3196" y="2633044"/>
-        <a:ext cx="3039628" cy="2168106"/>
+        <a:off x="5783" y="2617657"/>
+        <a:ext cx="3090935" cy="2204701"/>
       </dsp:txXfrm>
     </dsp:sp>
     <dsp:sp modelId="{64E55B85-4714-4CFB-B3D0-8445C7336D7A}">
@@ -3874,8 +5782,8 @@
       </dsp:nvSpPr>
       <dsp:spPr>
         <a:xfrm>
-          <a:off x="1523010" y="4799350"/>
-          <a:ext cx="3415901" cy="345672"/>
+          <a:off x="1555060" y="4820559"/>
+          <a:ext cx="3469749" cy="327639"/>
         </a:xfrm>
         <a:custGeom>
           <a:avLst/>
@@ -3886,16 +5794,16 @@
           <a:pathLst>
             <a:path>
               <a:moveTo>
-                <a:pt x="3415901" y="0"/>
+                <a:pt x="3469749" y="0"/>
               </a:moveTo>
               <a:lnTo>
-                <a:pt x="3415901" y="189936"/>
+                <a:pt x="3469749" y="180919"/>
               </a:lnTo>
               <a:lnTo>
-                <a:pt x="0" y="189936"/>
+                <a:pt x="0" y="180919"/>
               </a:lnTo>
               <a:lnTo>
-                <a:pt x="0" y="345672"/>
+                <a:pt x="0" y="327639"/>
               </a:lnTo>
             </a:path>
           </a:pathLst>
@@ -3933,7 +5841,7 @@
         </a:bodyPr>
         <a:lstStyle/>
         <a:p>
-          <a:pPr marL="0" lvl="0" indent="0" algn="ctr" defTabSz="222250">
+          <a:pPr marL="0" lvl="0" indent="0" algn="ctr" defTabSz="1066800">
             <a:lnSpc>
               <a:spcPct val="90000"/>
             </a:lnSpc>
@@ -3945,12 +5853,16 @@
             </a:spcAft>
             <a:buNone/>
           </a:pPr>
-          <a:endParaRPr lang="en-US" sz="500" kern="1200"/>
+          <a:endParaRPr lang="en-US" sz="2400" kern="1200" dirty="0">
+            <a:solidFill>
+              <a:schemeClr val="tx1"/>
+            </a:solidFill>
+          </a:endParaRPr>
         </a:p>
       </dsp:txBody>
       <dsp:txXfrm>
-        <a:off x="3145047" y="4970303"/>
-        <a:ext cx="171828" cy="3766"/>
+        <a:off x="3202730" y="4982464"/>
+        <a:ext cx="174409" cy="3829"/>
       </dsp:txXfrm>
     </dsp:sp>
     <dsp:sp modelId="{5BD52017-6367-484A-805C-3F720716D521}">
@@ -3960,14 +5872,17 @@
       </dsp:nvSpPr>
       <dsp:spPr>
         <a:xfrm>
-          <a:off x="3419097" y="2633044"/>
-          <a:ext cx="3039628" cy="2168106"/>
+          <a:off x="3479342" y="2617657"/>
+          <a:ext cx="3090935" cy="2204701"/>
         </a:xfrm>
         <a:prstGeom prst="rect">
           <a:avLst/>
         </a:prstGeom>
         <a:solidFill>
-          <a:srgbClr val="A4343A"/>
+          <a:schemeClr val="accent4">
+            <a:lumMod val="40000"/>
+            <a:lumOff val="60000"/>
+          </a:schemeClr>
         </a:solidFill>
         <a:ln w="25400" cap="flat" cmpd="sng" algn="ctr">
           <a:noFill/>
@@ -3990,12 +5905,12 @@
         </a:fontRef>
       </dsp:style>
       <dsp:txBody>
-        <a:bodyPr spcFirstLastPara="0" vert="horz" wrap="square" lIns="163576" tIns="163576" rIns="163576" bIns="163576" numCol="1" spcCol="1270" anchor="ctr" anchorCtr="0">
+        <a:bodyPr spcFirstLastPara="0" vert="horz" wrap="square" lIns="170688" tIns="170688" rIns="170688" bIns="170688" numCol="1" spcCol="1270" anchor="ctr" anchorCtr="0">
           <a:noAutofit/>
         </a:bodyPr>
         <a:lstStyle/>
         <a:p>
-          <a:pPr marL="0" lvl="0" indent="0" algn="ctr" defTabSz="1022350">
+          <a:pPr marL="0" lvl="0" indent="0" algn="ctr" defTabSz="1066800">
             <a:lnSpc>
               <a:spcPct val="90000"/>
             </a:lnSpc>
@@ -4008,14 +5923,18 @@
             <a:buNone/>
           </a:pPr>
           <a:r>
-            <a:rPr lang="en-US" sz="2300" i="0" kern="1200" dirty="0"/>
-            <a:t>Significant SNP groupings were compared to NCBI known genes.</a:t>
+            <a:rPr lang="en-US" sz="2400" i="0" kern="1200" dirty="0">
+              <a:solidFill>
+                <a:schemeClr val="tx1"/>
+              </a:solidFill>
+            </a:rPr>
+            <a:t>Significant SNP groupings were compared to NCBI [14] known genes.</a:t>
           </a:r>
         </a:p>
       </dsp:txBody>
       <dsp:txXfrm>
-        <a:off x="3419097" y="2633044"/>
-        <a:ext cx="3039628" cy="2168106"/>
+        <a:off x="3479342" y="2617657"/>
+        <a:ext cx="3090935" cy="2204701"/>
       </dsp:txXfrm>
     </dsp:sp>
     <dsp:sp modelId="{5173012F-D33B-4A24-8370-B5593FFE1103}">
@@ -4025,8 +5944,8 @@
       </dsp:nvSpPr>
       <dsp:spPr>
         <a:xfrm>
-          <a:off x="3041025" y="6215756"/>
-          <a:ext cx="345672" cy="91440"/>
+          <a:off x="3098728" y="6237229"/>
+          <a:ext cx="352023" cy="91440"/>
         </a:xfrm>
         <a:custGeom>
           <a:avLst/>
@@ -4040,7 +5959,7 @@
                 <a:pt x="0" y="45720"/>
               </a:moveTo>
               <a:lnTo>
-                <a:pt x="345672" y="45720"/>
+                <a:pt x="352023" y="45720"/>
               </a:lnTo>
             </a:path>
           </a:pathLst>
@@ -4078,7 +5997,7 @@
         </a:bodyPr>
         <a:lstStyle/>
         <a:p>
-          <a:pPr marL="0" lvl="0" indent="0" algn="ctr" defTabSz="222250">
+          <a:pPr marL="0" lvl="0" indent="0" algn="ctr" defTabSz="1066800">
             <a:lnSpc>
               <a:spcPct val="90000"/>
             </a:lnSpc>
@@ -4090,12 +6009,16 @@
             </a:spcAft>
             <a:buNone/>
           </a:pPr>
-          <a:endParaRPr lang="en-US" sz="500" kern="1200"/>
+          <a:endParaRPr lang="en-US" sz="2400" kern="1200" dirty="0">
+            <a:solidFill>
+              <a:schemeClr val="tx1"/>
+            </a:solidFill>
+          </a:endParaRPr>
         </a:p>
       </dsp:txBody>
       <dsp:txXfrm>
-        <a:off x="3204454" y="6259593"/>
-        <a:ext cx="18813" cy="3766"/>
+        <a:off x="3265174" y="6281034"/>
+        <a:ext cx="19131" cy="3829"/>
       </dsp:txXfrm>
     </dsp:sp>
     <dsp:sp modelId="{F541EC4E-BFC6-4CE8-9732-9E200344B8F8}">
@@ -4105,14 +6028,17 @@
       </dsp:nvSpPr>
       <dsp:spPr>
         <a:xfrm>
-          <a:off x="3196" y="5177423"/>
-          <a:ext cx="3039628" cy="2168106"/>
+          <a:off x="9592" y="5180598"/>
+          <a:ext cx="3090935" cy="2204701"/>
         </a:xfrm>
         <a:prstGeom prst="rect">
           <a:avLst/>
         </a:prstGeom>
         <a:solidFill>
-          <a:srgbClr val="A4343A"/>
+          <a:schemeClr val="accent4">
+            <a:lumMod val="40000"/>
+            <a:lumOff val="60000"/>
+          </a:schemeClr>
         </a:solidFill>
         <a:ln w="25400" cap="flat" cmpd="sng" algn="ctr">
           <a:noFill/>
@@ -4135,12 +6061,12 @@
         </a:fontRef>
       </dsp:style>
       <dsp:txBody>
-        <a:bodyPr spcFirstLastPara="0" vert="horz" wrap="square" lIns="163576" tIns="163576" rIns="163576" bIns="163576" numCol="1" spcCol="1270" anchor="ctr" anchorCtr="0">
+        <a:bodyPr spcFirstLastPara="0" vert="horz" wrap="square" lIns="170688" tIns="170688" rIns="170688" bIns="170688" numCol="1" spcCol="1270" anchor="ctr" anchorCtr="0">
           <a:noAutofit/>
         </a:bodyPr>
         <a:lstStyle/>
         <a:p>
-          <a:pPr marL="0" lvl="0" indent="0" algn="ctr" defTabSz="1022350">
+          <a:pPr marL="0" lvl="0" indent="0" algn="ctr" defTabSz="1066800">
             <a:lnSpc>
               <a:spcPct val="90000"/>
             </a:lnSpc>
@@ -4153,14 +6079,18 @@
             <a:buNone/>
           </a:pPr>
           <a:r>
-            <a:rPr lang="en-US" sz="2300" i="0" kern="1200" dirty="0"/>
-            <a:t>These genes and their pathways were extracted.</a:t>
+            <a:rPr lang="en-US" sz="2400" i="0" kern="1200" dirty="0">
+              <a:solidFill>
+                <a:schemeClr val="tx1"/>
+              </a:solidFill>
+            </a:rPr>
+            <a:t>These genes and their pathways were extracted from NDEx [15-17].</a:t>
           </a:r>
         </a:p>
       </dsp:txBody>
       <dsp:txXfrm>
-        <a:off x="3196" y="5177423"/>
-        <a:ext cx="3039628" cy="2168106"/>
+        <a:off x="9592" y="5180598"/>
+        <a:ext cx="3090935" cy="2204701"/>
       </dsp:txXfrm>
     </dsp:sp>
     <dsp:sp modelId="{00E16FC0-B4C0-482A-8AC5-A640BE5A5A04}">
@@ -4170,8 +6100,8 @@
       </dsp:nvSpPr>
       <dsp:spPr>
         <a:xfrm>
-          <a:off x="1523010" y="7343729"/>
-          <a:ext cx="3415901" cy="345672"/>
+          <a:off x="1555060" y="7383500"/>
+          <a:ext cx="3473559" cy="352023"/>
         </a:xfrm>
         <a:custGeom>
           <a:avLst/>
@@ -4182,16 +6112,16 @@
           <a:pathLst>
             <a:path>
               <a:moveTo>
-                <a:pt x="3415901" y="0"/>
+                <a:pt x="3473559" y="0"/>
               </a:moveTo>
               <a:lnTo>
-                <a:pt x="3415901" y="189936"/>
+                <a:pt x="3473559" y="193111"/>
               </a:lnTo>
               <a:lnTo>
-                <a:pt x="0" y="189936"/>
+                <a:pt x="0" y="193111"/>
               </a:lnTo>
               <a:lnTo>
-                <a:pt x="0" y="345672"/>
+                <a:pt x="0" y="352023"/>
               </a:lnTo>
             </a:path>
           </a:pathLst>
@@ -4229,7 +6159,7 @@
         </a:bodyPr>
         <a:lstStyle/>
         <a:p>
-          <a:pPr marL="0" lvl="0" indent="0" algn="ctr" defTabSz="222250">
+          <a:pPr marL="0" lvl="0" indent="0" algn="ctr" defTabSz="1066800">
             <a:lnSpc>
               <a:spcPct val="90000"/>
             </a:lnSpc>
@@ -4241,12 +6171,16 @@
             </a:spcAft>
             <a:buNone/>
           </a:pPr>
-          <a:endParaRPr lang="en-US" sz="500" kern="1200"/>
+          <a:endParaRPr lang="en-US" sz="2400" kern="1200" dirty="0">
+            <a:solidFill>
+              <a:schemeClr val="tx1"/>
+            </a:solidFill>
+          </a:endParaRPr>
         </a:p>
       </dsp:txBody>
       <dsp:txXfrm>
-        <a:off x="3145047" y="7514682"/>
-        <a:ext cx="171828" cy="3766"/>
+        <a:off x="3204475" y="7557597"/>
+        <a:ext cx="174728" cy="3829"/>
       </dsp:txXfrm>
     </dsp:sp>
     <dsp:sp modelId="{DDCAC61C-D988-4172-B367-983CB857B5BB}">
@@ -4256,14 +6190,17 @@
       </dsp:nvSpPr>
       <dsp:spPr>
         <a:xfrm>
-          <a:off x="3419097" y="5177423"/>
-          <a:ext cx="3039628" cy="2168106"/>
+          <a:off x="3483151" y="5180598"/>
+          <a:ext cx="3090935" cy="2204701"/>
         </a:xfrm>
         <a:prstGeom prst="rect">
           <a:avLst/>
         </a:prstGeom>
         <a:solidFill>
-          <a:srgbClr val="A4343A"/>
+          <a:schemeClr val="accent4">
+            <a:lumMod val="40000"/>
+            <a:lumOff val="60000"/>
+          </a:schemeClr>
         </a:solidFill>
         <a:ln w="25400" cap="flat" cmpd="sng" algn="ctr">
           <a:noFill/>
@@ -4286,12 +6223,12 @@
         </a:fontRef>
       </dsp:style>
       <dsp:txBody>
-        <a:bodyPr spcFirstLastPara="0" vert="horz" wrap="square" lIns="163576" tIns="163576" rIns="163576" bIns="163576" numCol="1" spcCol="1270" anchor="ctr" anchorCtr="0">
+        <a:bodyPr spcFirstLastPara="0" vert="horz" wrap="square" lIns="170688" tIns="170688" rIns="170688" bIns="170688" numCol="1" spcCol="1270" anchor="ctr" anchorCtr="0">
           <a:noAutofit/>
         </a:bodyPr>
         <a:lstStyle/>
         <a:p>
-          <a:pPr marL="0" lvl="0" indent="0" algn="ctr" defTabSz="1022350">
+          <a:pPr marL="0" lvl="0" indent="0" algn="ctr" defTabSz="1066800">
             <a:lnSpc>
               <a:spcPct val="90000"/>
             </a:lnSpc>
@@ -4304,14 +6241,18 @@
             <a:buNone/>
           </a:pPr>
           <a:r>
-            <a:rPr lang="en-US" sz="2300" i="0" kern="1200" dirty="0"/>
-            <a:t>Common words in the pathways were calculated.</a:t>
+            <a:rPr lang="en-US" sz="2400" i="0" kern="1200" dirty="0">
+              <a:solidFill>
+                <a:schemeClr val="tx1"/>
+              </a:solidFill>
+            </a:rPr>
+            <a:t>Common terms in the pathways were calculated.</a:t>
           </a:r>
         </a:p>
       </dsp:txBody>
       <dsp:txXfrm>
-        <a:off x="3419097" y="5177423"/>
-        <a:ext cx="3039628" cy="2168106"/>
+        <a:off x="3483151" y="5180598"/>
+        <a:ext cx="3090935" cy="2204701"/>
       </dsp:txXfrm>
     </dsp:sp>
     <dsp:sp modelId="{33C3B9AE-AEC9-412D-B4C5-57845B03DB3A}">
@@ -4321,8 +6262,8 @@
       </dsp:nvSpPr>
       <dsp:spPr>
         <a:xfrm>
-          <a:off x="3041025" y="8760135"/>
-          <a:ext cx="345672" cy="91440"/>
+          <a:off x="3098728" y="8824555"/>
+          <a:ext cx="352023" cy="91440"/>
         </a:xfrm>
         <a:custGeom>
           <a:avLst/>
@@ -4336,7 +6277,7 @@
                 <a:pt x="0" y="45720"/>
               </a:moveTo>
               <a:lnTo>
-                <a:pt x="345672" y="45720"/>
+                <a:pt x="352023" y="45720"/>
               </a:lnTo>
             </a:path>
           </a:pathLst>
@@ -4374,7 +6315,7 @@
         </a:bodyPr>
         <a:lstStyle/>
         <a:p>
-          <a:pPr marL="0" lvl="0" indent="0" algn="ctr" defTabSz="222250">
+          <a:pPr marL="0" lvl="0" indent="0" algn="ctr" defTabSz="1066800">
             <a:lnSpc>
               <a:spcPct val="90000"/>
             </a:lnSpc>
@@ -4386,12 +6327,16 @@
             </a:spcAft>
             <a:buNone/>
           </a:pPr>
-          <a:endParaRPr lang="en-US" sz="500" kern="1200"/>
+          <a:endParaRPr lang="en-US" sz="2400" kern="1200" dirty="0">
+            <a:solidFill>
+              <a:schemeClr val="tx1"/>
+            </a:solidFill>
+          </a:endParaRPr>
         </a:p>
       </dsp:txBody>
       <dsp:txXfrm>
-        <a:off x="3204454" y="8803972"/>
-        <a:ext cx="18813" cy="3766"/>
+        <a:off x="3265174" y="8868360"/>
+        <a:ext cx="19131" cy="3829"/>
       </dsp:txXfrm>
     </dsp:sp>
     <dsp:sp modelId="{00954CB9-AA08-484B-B162-9CF09FD30EBA}">
@@ -4401,14 +6346,17 @@
       </dsp:nvSpPr>
       <dsp:spPr>
         <a:xfrm>
-          <a:off x="3196" y="7721802"/>
-          <a:ext cx="3039628" cy="2168106"/>
+          <a:off x="9592" y="7767924"/>
+          <a:ext cx="3090935" cy="2204701"/>
         </a:xfrm>
         <a:prstGeom prst="rect">
           <a:avLst/>
         </a:prstGeom>
         <a:solidFill>
-          <a:srgbClr val="A4343A"/>
+          <a:schemeClr val="accent4">
+            <a:lumMod val="40000"/>
+            <a:lumOff val="60000"/>
+          </a:schemeClr>
         </a:solidFill>
         <a:ln w="25400" cap="flat" cmpd="sng" algn="ctr">
           <a:noFill/>
@@ -4431,12 +6379,12 @@
         </a:fontRef>
       </dsp:style>
       <dsp:txBody>
-        <a:bodyPr spcFirstLastPara="0" vert="horz" wrap="square" lIns="163576" tIns="163576" rIns="163576" bIns="163576" numCol="1" spcCol="1270" anchor="ctr" anchorCtr="0">
+        <a:bodyPr spcFirstLastPara="0" vert="horz" wrap="square" lIns="170688" tIns="170688" rIns="170688" bIns="170688" numCol="1" spcCol="1270" anchor="ctr" anchorCtr="0">
           <a:noAutofit/>
         </a:bodyPr>
         <a:lstStyle/>
         <a:p>
-          <a:pPr marL="0" lvl="0" indent="0" algn="ctr" defTabSz="1022350">
+          <a:pPr marL="0" lvl="0" indent="0" algn="ctr" defTabSz="1066800">
             <a:lnSpc>
               <a:spcPct val="90000"/>
             </a:lnSpc>
@@ -4449,14 +6397,18 @@
             <a:buNone/>
           </a:pPr>
           <a:r>
-            <a:rPr lang="en-US" sz="2300" i="0" kern="1200" dirty="0"/>
+            <a:rPr lang="en-US" sz="2400" i="0" kern="1200" dirty="0">
+              <a:solidFill>
+                <a:schemeClr val="tx1"/>
+              </a:solidFill>
+            </a:rPr>
             <a:t>Diseases associated with these pathways were extracted and compared.</a:t>
           </a:r>
         </a:p>
       </dsp:txBody>
       <dsp:txXfrm>
-        <a:off x="3196" y="7721802"/>
-        <a:ext cx="3039628" cy="2168106"/>
+        <a:off x="9592" y="7767924"/>
+        <a:ext cx="3090935" cy="2204701"/>
       </dsp:txXfrm>
     </dsp:sp>
     <dsp:sp modelId="{B55B3888-3D7E-4672-9E9E-DFDD38391C3E}">
@@ -4466,14 +6418,17 @@
       </dsp:nvSpPr>
       <dsp:spPr>
         <a:xfrm>
-          <a:off x="3419097" y="7721802"/>
-          <a:ext cx="3039628" cy="2168106"/>
+          <a:off x="3483151" y="7767924"/>
+          <a:ext cx="3090935" cy="2204701"/>
         </a:xfrm>
         <a:prstGeom prst="rect">
           <a:avLst/>
         </a:prstGeom>
         <a:solidFill>
-          <a:srgbClr val="A4343A"/>
+          <a:schemeClr val="accent4">
+            <a:lumMod val="40000"/>
+            <a:lumOff val="60000"/>
+          </a:schemeClr>
         </a:solidFill>
         <a:ln w="25400" cap="flat" cmpd="sng" algn="ctr">
           <a:noFill/>
@@ -4496,12 +6451,12 @@
         </a:fontRef>
       </dsp:style>
       <dsp:txBody>
-        <a:bodyPr spcFirstLastPara="0" vert="horz" wrap="square" lIns="163576" tIns="163576" rIns="163576" bIns="163576" numCol="1" spcCol="1270" anchor="ctr" anchorCtr="0">
+        <a:bodyPr spcFirstLastPara="0" vert="horz" wrap="square" lIns="170688" tIns="170688" rIns="170688" bIns="170688" numCol="1" spcCol="1270" anchor="ctr" anchorCtr="0">
           <a:noAutofit/>
         </a:bodyPr>
         <a:lstStyle/>
         <a:p>
-          <a:pPr marL="0" lvl="0" indent="0" algn="ctr" defTabSz="1022350">
+          <a:pPr marL="0" lvl="0" indent="0" algn="ctr" defTabSz="1066800">
             <a:lnSpc>
               <a:spcPct val="90000"/>
             </a:lnSpc>
@@ -4514,14 +6469,18 @@
             <a:buNone/>
           </a:pPr>
           <a:r>
-            <a:rPr lang="en-US" sz="2300" i="0" kern="1200" dirty="0"/>
-            <a:t>Histocompatibility complex genes were examined for overlap with Chr 6</a:t>
+            <a:rPr lang="en-US" sz="2400" i="0" kern="1200" dirty="0">
+              <a:solidFill>
+                <a:schemeClr val="tx1"/>
+              </a:solidFill>
+            </a:rPr>
+            <a:t>Histocompatibility complex genes were examined for overlap with Chr 6.</a:t>
           </a:r>
         </a:p>
       </dsp:txBody>
       <dsp:txXfrm>
-        <a:off x="3419097" y="7721802"/>
-        <a:ext cx="3039628" cy="2168106"/>
+        <a:off x="3483151" y="7767924"/>
+        <a:ext cx="3090935" cy="2204701"/>
       </dsp:txXfrm>
     </dsp:sp>
   </dsp:spTree>
@@ -5832,7 +7791,7 @@
           <a:p>
             <a:fld id="{8A27B708-2555-834C-97B8-35CDF758D659}" type="datetimeFigureOut">
               <a:rPr lang="en-US" smtClean="0"/>
-              <a:t>11/13/2022</a:t>
+              <a:t>11/16/2022</a:t>
             </a:fld>
             <a:endParaRPr lang="en-US" dirty="0"/>
           </a:p>
@@ -6025,7 +7984,7 @@
           <a:p>
             <a:fld id="{209E9D5A-13DE-45E4-9C09-B892E3D327AF}" type="datetimeFigureOut">
               <a:rPr lang="en-US" smtClean="0"/>
-              <a:t>11/13/2022</a:t>
+              <a:t>11/16/2022</a:t>
             </a:fld>
             <a:endParaRPr lang="en-US" dirty="0"/>
           </a:p>
@@ -7889,7 +9848,20 @@
                 <a:effectLst/>
                 <a:latin typeface="+mn-lt"/>
               </a:rPr>
-              <a:t>The dopamine hypothesis is outdated: a meta-analysis of the complexities in the biochemistry of schizophrenia</a:t>
+              <a:t>The dopamine hypothesis is outdated: A meta-analysis of the complexities in the biochemistry of schizophrenia</a:t>
+            </a:r>
+            <a:br>
+              <a:rPr lang="en-US" sz="2400" b="0" i="0" dirty="0">
+                <a:effectLst/>
+                <a:latin typeface="+mn-lt"/>
+              </a:rPr>
+            </a:br>
+            <a:r>
+              <a:rPr lang="en-US" sz="3200" b="0" i="0" dirty="0">
+                <a:effectLst/>
+                <a:latin typeface="+mn-lt"/>
+              </a:rPr>
+              <a:t>Whitney Domico</a:t>
             </a:r>
             <a:br>
               <a:rPr lang="en-US" sz="2400" b="0" i="0" dirty="0">
@@ -7902,29 +9874,16 @@
                 <a:effectLst/>
                 <a:latin typeface="+mn-lt"/>
               </a:rPr>
-              <a:t>Whitney Domico</a:t>
+              <a:t>Department of Biochemistry, Washington &amp; Jefferson College</a:t>
             </a:r>
             <a:br>
-              <a:rPr lang="en-US" sz="2400" b="0" i="0" dirty="0">
+              <a:rPr lang="en-US" sz="2800" b="0" i="0" dirty="0">
                 <a:effectLst/>
                 <a:latin typeface="+mn-lt"/>
               </a:rPr>
             </a:br>
             <a:r>
-              <a:rPr lang="en-US" sz="2400" b="0" i="0" dirty="0">
-                <a:effectLst/>
-                <a:latin typeface="+mn-lt"/>
-              </a:rPr>
-              <a:t>Department of Biochemistry, Washington &amp; Jefferson College</a:t>
-            </a:r>
-            <a:br>
-              <a:rPr lang="en-US" sz="2400" b="0" i="0" dirty="0">
-                <a:effectLst/>
-                <a:latin typeface="+mn-lt"/>
-              </a:rPr>
-            </a:br>
-            <a:r>
-              <a:rPr lang="en-US" sz="2400" b="0" i="0" dirty="0">
+              <a:rPr lang="en-US" sz="2800" b="0" i="0" dirty="0">
                 <a:effectLst/>
                 <a:latin typeface="+mn-lt"/>
               </a:rPr>
@@ -8033,2260 +9992,2957 @@
           </p:pic>
         </mc:Fallback>
       </mc:AlternateContent>
-      <p:sp>
-        <p:nvSpPr>
-          <p:cNvPr id="2" name="TextBox 1">
+      <p:grpSp>
+        <p:nvGrpSpPr>
+          <p:cNvPr id="20" name="Group 19">
             <a:extLst>
               <a:ext uri="{FF2B5EF4-FFF2-40B4-BE49-F238E27FC236}">
-                <a16:creationId xmlns:a16="http://schemas.microsoft.com/office/drawing/2014/main" id="{02B9A90D-78CF-496A-A662-5FF0FB6F0206}"/>
+                <a16:creationId xmlns:a16="http://schemas.microsoft.com/office/drawing/2014/main" id="{BDDEE017-989C-04C2-E669-D2A1E67B19D7}"/>
               </a:ext>
             </a:extLst>
           </p:cNvPr>
-          <p:cNvSpPr txBox="1"/>
+          <p:cNvGrpSpPr/>
           <p:nvPr/>
-        </p:nvSpPr>
-        <p:spPr>
+        </p:nvGrpSpPr>
+        <p:grpSpPr>
           <a:xfrm>
-            <a:off x="24765000" y="16089868"/>
-            <a:ext cx="2590800" cy="369332"/>
+            <a:off x="326019" y="2479040"/>
+            <a:ext cx="6480881" cy="13751560"/>
+            <a:chOff x="326019" y="2479040"/>
+            <a:chExt cx="6480881" cy="13751560"/>
           </a:xfrm>
-          <a:prstGeom prst="rect">
-            <a:avLst/>
-          </a:prstGeom>
-          <a:solidFill>
-            <a:schemeClr val="bg1"/>
-          </a:solidFill>
-        </p:spPr>
-        <p:txBody>
-          <a:bodyPr wrap="square" rtlCol="0">
-            <a:spAutoFit/>
-          </a:bodyPr>
-          <a:lstStyle/>
-          <a:p>
-            <a:r>
-              <a:rPr lang="en-US" sz="1800" dirty="0">
-                <a:solidFill>
-                  <a:schemeClr val="bg1"/>
-                </a:solidFill>
-              </a:rPr>
-              <a:t>a</a:t>
-            </a:r>
-          </a:p>
-        </p:txBody>
-      </p:sp>
-      <p:sp>
-        <p:nvSpPr>
-          <p:cNvPr id="41" name="Text Placeholder 5">
+        </p:grpSpPr>
+        <p:sp>
+          <p:nvSpPr>
+            <p:cNvPr id="41" name="Text Placeholder 5">
+              <a:extLst>
+                <a:ext uri="{FF2B5EF4-FFF2-40B4-BE49-F238E27FC236}">
+                  <a16:creationId xmlns:a16="http://schemas.microsoft.com/office/drawing/2014/main" id="{5E27A5FB-79E2-4CF0-9E75-902C418F2DE5}"/>
+                </a:ext>
+              </a:extLst>
+            </p:cNvPr>
+            <p:cNvSpPr txBox="1">
+              <a:spLocks/>
+            </p:cNvSpPr>
+            <p:nvPr/>
+          </p:nvSpPr>
+          <p:spPr>
+            <a:xfrm>
+              <a:off x="326019" y="2981842"/>
+              <a:ext cx="6412740" cy="13248758"/>
+            </a:xfrm>
+            <a:prstGeom prst="rect">
+              <a:avLst/>
+            </a:prstGeom>
+          </p:spPr>
+          <p:txBody>
+            <a:bodyPr vert="horz" lIns="88844" tIns="44422" rIns="88844" bIns="44422"/>
+            <a:lstStyle>
+              <a:lvl1pPr marL="0" marR="0" indent="0" algn="l" defTabSz="1979898" rtl="0" eaLnBrk="1" fontAlgn="auto" latinLnBrk="0" hangingPunct="1">
+                <a:lnSpc>
+                  <a:spcPct val="100000"/>
+                </a:lnSpc>
+                <a:spcBef>
+                  <a:spcPct val="20000"/>
+                </a:spcBef>
+                <a:spcAft>
+                  <a:spcPts val="0"/>
+                </a:spcAft>
+                <a:buClrTx/>
+                <a:buSzTx/>
+                <a:buFont typeface="Arial" pitchFamily="34" charset="0"/>
+                <a:buNone/>
+                <a:tabLst/>
+                <a:defRPr sz="1500" kern="1200">
+                  <a:solidFill>
+                    <a:schemeClr val="tx1"/>
+                  </a:solidFill>
+                  <a:latin typeface="+mn-lt"/>
+                  <a:ea typeface="+mn-ea"/>
+                  <a:cs typeface="+mn-cs"/>
+                </a:defRPr>
+              </a:lvl1pPr>
+              <a:lvl2pPr marL="1608668" indent="-618719" algn="l" defTabSz="1979898" rtl="0" eaLnBrk="1" latinLnBrk="0" hangingPunct="1">
+                <a:spcBef>
+                  <a:spcPct val="20000"/>
+                </a:spcBef>
+                <a:buFont typeface="Arial" pitchFamily="34" charset="0"/>
+                <a:buChar char="–"/>
+                <a:defRPr sz="1500" kern="1200">
+                  <a:solidFill>
+                    <a:schemeClr val="tx1"/>
+                  </a:solidFill>
+                  <a:latin typeface="+mn-lt"/>
+                  <a:ea typeface="+mn-ea"/>
+                  <a:cs typeface="+mn-cs"/>
+                </a:defRPr>
+              </a:lvl2pPr>
+              <a:lvl3pPr marL="2474875" indent="-494975" algn="l" defTabSz="1979898" rtl="0" eaLnBrk="1" latinLnBrk="0" hangingPunct="1">
+                <a:spcBef>
+                  <a:spcPct val="20000"/>
+                </a:spcBef>
+                <a:buFont typeface="Arial" pitchFamily="34" charset="0"/>
+                <a:buChar char="•"/>
+                <a:defRPr sz="1500" kern="1200">
+                  <a:solidFill>
+                    <a:schemeClr val="tx1"/>
+                  </a:solidFill>
+                  <a:latin typeface="+mn-lt"/>
+                  <a:ea typeface="+mn-ea"/>
+                  <a:cs typeface="+mn-cs"/>
+                </a:defRPr>
+              </a:lvl3pPr>
+              <a:lvl4pPr marL="3464824" indent="-494975" algn="l" defTabSz="1979898" rtl="0" eaLnBrk="1" latinLnBrk="0" hangingPunct="1">
+                <a:spcBef>
+                  <a:spcPct val="20000"/>
+                </a:spcBef>
+                <a:buFont typeface="Arial" pitchFamily="34" charset="0"/>
+                <a:buChar char="–"/>
+                <a:defRPr sz="1500" kern="1200">
+                  <a:solidFill>
+                    <a:schemeClr val="tx1"/>
+                  </a:solidFill>
+                  <a:latin typeface="+mn-lt"/>
+                  <a:ea typeface="+mn-ea"/>
+                  <a:cs typeface="+mn-cs"/>
+                </a:defRPr>
+              </a:lvl4pPr>
+              <a:lvl5pPr marL="4454773" indent="-494975" algn="l" defTabSz="1979898" rtl="0" eaLnBrk="1" latinLnBrk="0" hangingPunct="1">
+                <a:spcBef>
+                  <a:spcPct val="20000"/>
+                </a:spcBef>
+                <a:buFont typeface="Arial" pitchFamily="34" charset="0"/>
+                <a:buChar char="»"/>
+                <a:defRPr sz="1500" kern="1200">
+                  <a:solidFill>
+                    <a:schemeClr val="tx1"/>
+                  </a:solidFill>
+                  <a:latin typeface="+mn-lt"/>
+                  <a:ea typeface="+mn-ea"/>
+                  <a:cs typeface="+mn-cs"/>
+                </a:defRPr>
+              </a:lvl5pPr>
+              <a:lvl6pPr marL="5444722" indent="-494975" algn="l" defTabSz="1979898" rtl="0" eaLnBrk="1" latinLnBrk="0" hangingPunct="1">
+                <a:spcBef>
+                  <a:spcPct val="20000"/>
+                </a:spcBef>
+                <a:buFont typeface="Arial" pitchFamily="34" charset="0"/>
+                <a:buChar char="•"/>
+                <a:defRPr sz="4400" kern="1200">
+                  <a:solidFill>
+                    <a:schemeClr val="tx1"/>
+                  </a:solidFill>
+                  <a:latin typeface="+mn-lt"/>
+                  <a:ea typeface="+mn-ea"/>
+                  <a:cs typeface="+mn-cs"/>
+                </a:defRPr>
+              </a:lvl6pPr>
+              <a:lvl7pPr marL="6434671" indent="-494975" algn="l" defTabSz="1979898" rtl="0" eaLnBrk="1" latinLnBrk="0" hangingPunct="1">
+                <a:spcBef>
+                  <a:spcPct val="20000"/>
+                </a:spcBef>
+                <a:buFont typeface="Arial" pitchFamily="34" charset="0"/>
+                <a:buChar char="•"/>
+                <a:defRPr sz="4400" kern="1200">
+                  <a:solidFill>
+                    <a:schemeClr val="tx1"/>
+                  </a:solidFill>
+                  <a:latin typeface="+mn-lt"/>
+                  <a:ea typeface="+mn-ea"/>
+                  <a:cs typeface="+mn-cs"/>
+                </a:defRPr>
+              </a:lvl7pPr>
+              <a:lvl8pPr marL="7424622" indent="-494975" algn="l" defTabSz="1979898" rtl="0" eaLnBrk="1" latinLnBrk="0" hangingPunct="1">
+                <a:spcBef>
+                  <a:spcPct val="20000"/>
+                </a:spcBef>
+                <a:buFont typeface="Arial" pitchFamily="34" charset="0"/>
+                <a:buChar char="•"/>
+                <a:defRPr sz="4400" kern="1200">
+                  <a:solidFill>
+                    <a:schemeClr val="tx1"/>
+                  </a:solidFill>
+                  <a:latin typeface="+mn-lt"/>
+                  <a:ea typeface="+mn-ea"/>
+                  <a:cs typeface="+mn-cs"/>
+                </a:defRPr>
+              </a:lvl8pPr>
+              <a:lvl9pPr marL="8414571" indent="-494975" algn="l" defTabSz="1979898" rtl="0" eaLnBrk="1" latinLnBrk="0" hangingPunct="1">
+                <a:spcBef>
+                  <a:spcPct val="20000"/>
+                </a:spcBef>
+                <a:buFont typeface="Arial" pitchFamily="34" charset="0"/>
+                <a:buChar char="•"/>
+                <a:defRPr sz="4400" kern="1200">
+                  <a:solidFill>
+                    <a:schemeClr val="tx1"/>
+                  </a:solidFill>
+                  <a:latin typeface="+mn-lt"/>
+                  <a:ea typeface="+mn-ea"/>
+                  <a:cs typeface="+mn-cs"/>
+                </a:defRPr>
+              </a:lvl9pPr>
+            </a:lstStyle>
+            <a:p>
+              <a:pPr algn="just"/>
+              <a:r>
+                <a:rPr lang="en-US" sz="2800" dirty="0"/>
+                <a:t>Schizophrenia is a mental disorder that affects roughly 1% of the United States’ population [1]. It is characterized by two or more of the following – delusion, hallucinations, disorganized speech, and catatonia – and it usually manifests in a patient’s late adolescence or young adulthood [2]. Currently, schizophrenia is incurable, and, for some patients, untreatable. The leading theory for the mechanism of schizophrenia is the “dopamine hypothesis,” which states that schizophrenia may be caused by an overabundance of dopamine in the cerebral fluid; however, it is becoming clearer that this cannot be the entire mechanism [3]. Unfortunately, the first-line treatment are antipsychotics – more specifically, dopamine antagonists – which aim to reduce the concentration of dopamine in the cerebral fluid [1]. Some patients respond well to this treatment, but others respond only slightly or not at all. Therefore, it is increasingly more important that the comprehensive mechanism of schizophrenia is explored so that other treatments may be introduced. This project aims to organize current research to provide a more complete picture of schizophrenia as a multi-faceted disorder.</a:t>
+              </a:r>
+            </a:p>
+          </p:txBody>
+        </p:sp>
+        <p:sp>
+          <p:nvSpPr>
+            <p:cNvPr id="48" name="Text Placeholder 4">
+              <a:extLst>
+                <a:ext uri="{FF2B5EF4-FFF2-40B4-BE49-F238E27FC236}">
+                  <a16:creationId xmlns:a16="http://schemas.microsoft.com/office/drawing/2014/main" id="{768B6E46-5BEE-472A-9B3D-03FBF389B835}"/>
+                </a:ext>
+              </a:extLst>
+            </p:cNvPr>
+            <p:cNvSpPr txBox="1">
+              <a:spLocks/>
+            </p:cNvSpPr>
+            <p:nvPr/>
+          </p:nvSpPr>
+          <p:spPr>
+            <a:xfrm>
+              <a:off x="326020" y="2479040"/>
+              <a:ext cx="6480880" cy="487680"/>
+            </a:xfrm>
+            <a:prstGeom prst="rect">
+              <a:avLst/>
+            </a:prstGeom>
+            <a:solidFill>
+              <a:schemeClr val="accent6">
+                <a:lumMod val="60000"/>
+                <a:lumOff val="40000"/>
+              </a:schemeClr>
+            </a:solidFill>
+            <a:ln>
+              <a:noFill/>
+            </a:ln>
+          </p:spPr>
+          <p:txBody>
+            <a:bodyPr vert="horz" lIns="88844" tIns="44422" rIns="88844" bIns="44422"/>
+            <a:lstStyle>
+              <a:lvl1pPr marL="0" indent="0" algn="l" defTabSz="1979898" rtl="0" eaLnBrk="1" latinLnBrk="0" hangingPunct="1">
+                <a:spcBef>
+                  <a:spcPct val="20000"/>
+                </a:spcBef>
+                <a:buFont typeface="Arial" pitchFamily="34" charset="0"/>
+                <a:buNone/>
+                <a:defRPr sz="2400" b="1" kern="1200" baseline="0">
+                  <a:solidFill>
+                    <a:schemeClr val="bg1"/>
+                  </a:solidFill>
+                  <a:latin typeface="Arial"/>
+                  <a:ea typeface="+mn-ea"/>
+                  <a:cs typeface="Arial"/>
+                </a:defRPr>
+              </a:lvl1pPr>
+              <a:lvl2pPr marL="1608668" indent="-618719" algn="l" defTabSz="1979898" rtl="0" eaLnBrk="1" latinLnBrk="0" hangingPunct="1">
+                <a:spcBef>
+                  <a:spcPct val="20000"/>
+                </a:spcBef>
+                <a:buFont typeface="Arial" pitchFamily="34" charset="0"/>
+                <a:buChar char="–"/>
+                <a:defRPr sz="6100" kern="1200">
+                  <a:solidFill>
+                    <a:schemeClr val="tx1"/>
+                  </a:solidFill>
+                  <a:latin typeface="+mn-lt"/>
+                  <a:ea typeface="+mn-ea"/>
+                  <a:cs typeface="+mn-cs"/>
+                </a:defRPr>
+              </a:lvl2pPr>
+              <a:lvl3pPr marL="2474875" indent="-494975" algn="l" defTabSz="1979898" rtl="0" eaLnBrk="1" latinLnBrk="0" hangingPunct="1">
+                <a:spcBef>
+                  <a:spcPct val="20000"/>
+                </a:spcBef>
+                <a:buFont typeface="Arial" pitchFamily="34" charset="0"/>
+                <a:buChar char="•"/>
+                <a:defRPr sz="5100" kern="1200">
+                  <a:solidFill>
+                    <a:schemeClr val="tx1"/>
+                  </a:solidFill>
+                  <a:latin typeface="+mn-lt"/>
+                  <a:ea typeface="+mn-ea"/>
+                  <a:cs typeface="+mn-cs"/>
+                </a:defRPr>
+              </a:lvl3pPr>
+              <a:lvl4pPr marL="3464824" indent="-494975" algn="l" defTabSz="1979898" rtl="0" eaLnBrk="1" latinLnBrk="0" hangingPunct="1">
+                <a:spcBef>
+                  <a:spcPct val="20000"/>
+                </a:spcBef>
+                <a:buFont typeface="Arial" pitchFamily="34" charset="0"/>
+                <a:buChar char="–"/>
+                <a:defRPr sz="4400" kern="1200">
+                  <a:solidFill>
+                    <a:schemeClr val="tx1"/>
+                  </a:solidFill>
+                  <a:latin typeface="+mn-lt"/>
+                  <a:ea typeface="+mn-ea"/>
+                  <a:cs typeface="+mn-cs"/>
+                </a:defRPr>
+              </a:lvl4pPr>
+              <a:lvl5pPr marL="4454773" indent="-494975" algn="l" defTabSz="1979898" rtl="0" eaLnBrk="1" latinLnBrk="0" hangingPunct="1">
+                <a:spcBef>
+                  <a:spcPct val="20000"/>
+                </a:spcBef>
+                <a:buFont typeface="Arial" pitchFamily="34" charset="0"/>
+                <a:buChar char="»"/>
+                <a:defRPr sz="4400" kern="1200">
+                  <a:solidFill>
+                    <a:schemeClr val="tx1"/>
+                  </a:solidFill>
+                  <a:latin typeface="+mn-lt"/>
+                  <a:ea typeface="+mn-ea"/>
+                  <a:cs typeface="+mn-cs"/>
+                </a:defRPr>
+              </a:lvl5pPr>
+              <a:lvl6pPr marL="5444722" indent="-494975" algn="l" defTabSz="1979898" rtl="0" eaLnBrk="1" latinLnBrk="0" hangingPunct="1">
+                <a:spcBef>
+                  <a:spcPct val="20000"/>
+                </a:spcBef>
+                <a:buFont typeface="Arial" pitchFamily="34" charset="0"/>
+                <a:buChar char="•"/>
+                <a:defRPr sz="4400" kern="1200">
+                  <a:solidFill>
+                    <a:schemeClr val="tx1"/>
+                  </a:solidFill>
+                  <a:latin typeface="+mn-lt"/>
+                  <a:ea typeface="+mn-ea"/>
+                  <a:cs typeface="+mn-cs"/>
+                </a:defRPr>
+              </a:lvl6pPr>
+              <a:lvl7pPr marL="6434671" indent="-494975" algn="l" defTabSz="1979898" rtl="0" eaLnBrk="1" latinLnBrk="0" hangingPunct="1">
+                <a:spcBef>
+                  <a:spcPct val="20000"/>
+                </a:spcBef>
+                <a:buFont typeface="Arial" pitchFamily="34" charset="0"/>
+                <a:buChar char="•"/>
+                <a:defRPr sz="4400" kern="1200">
+                  <a:solidFill>
+                    <a:schemeClr val="tx1"/>
+                  </a:solidFill>
+                  <a:latin typeface="+mn-lt"/>
+                  <a:ea typeface="+mn-ea"/>
+                  <a:cs typeface="+mn-cs"/>
+                </a:defRPr>
+              </a:lvl7pPr>
+              <a:lvl8pPr marL="7424622" indent="-494975" algn="l" defTabSz="1979898" rtl="0" eaLnBrk="1" latinLnBrk="0" hangingPunct="1">
+                <a:spcBef>
+                  <a:spcPct val="20000"/>
+                </a:spcBef>
+                <a:buFont typeface="Arial" pitchFamily="34" charset="0"/>
+                <a:buChar char="•"/>
+                <a:defRPr sz="4400" kern="1200">
+                  <a:solidFill>
+                    <a:schemeClr val="tx1"/>
+                  </a:solidFill>
+                  <a:latin typeface="+mn-lt"/>
+                  <a:ea typeface="+mn-ea"/>
+                  <a:cs typeface="+mn-cs"/>
+                </a:defRPr>
+              </a:lvl8pPr>
+              <a:lvl9pPr marL="8414571" indent="-494975" algn="l" defTabSz="1979898" rtl="0" eaLnBrk="1" latinLnBrk="0" hangingPunct="1">
+                <a:spcBef>
+                  <a:spcPct val="20000"/>
+                </a:spcBef>
+                <a:buFont typeface="Arial" pitchFamily="34" charset="0"/>
+                <a:buChar char="•"/>
+                <a:defRPr sz="4400" kern="1200">
+                  <a:solidFill>
+                    <a:schemeClr val="tx1"/>
+                  </a:solidFill>
+                  <a:latin typeface="+mn-lt"/>
+                  <a:ea typeface="+mn-ea"/>
+                  <a:cs typeface="+mn-cs"/>
+                </a:defRPr>
+              </a:lvl9pPr>
+            </a:lstStyle>
+            <a:p>
+              <a:r>
+                <a:rPr lang="en-US" sz="2800" dirty="0">
+                  <a:solidFill>
+                    <a:schemeClr val="tx1"/>
+                  </a:solidFill>
+                  <a:latin typeface="+mn-lt"/>
+                </a:rPr>
+                <a:t>Introduction</a:t>
+              </a:r>
+            </a:p>
+          </p:txBody>
+        </p:sp>
+      </p:grpSp>
+      <p:grpSp>
+        <p:nvGrpSpPr>
+          <p:cNvPr id="15" name="Group 14">
             <a:extLst>
               <a:ext uri="{FF2B5EF4-FFF2-40B4-BE49-F238E27FC236}">
-                <a16:creationId xmlns:a16="http://schemas.microsoft.com/office/drawing/2014/main" id="{5E27A5FB-79E2-4CF0-9E75-902C418F2DE5}"/>
+                <a16:creationId xmlns:a16="http://schemas.microsoft.com/office/drawing/2014/main" id="{9764D7D3-5450-AA88-8E99-7E915E77BF69}"/>
               </a:ext>
             </a:extLst>
           </p:cNvPr>
-          <p:cNvSpPr txBox="1">
-            <a:spLocks/>
-          </p:cNvSpPr>
+          <p:cNvGrpSpPr/>
           <p:nvPr/>
-        </p:nvSpPr>
-        <p:spPr>
+        </p:nvGrpSpPr>
+        <p:grpSpPr>
           <a:xfrm>
-            <a:off x="330200" y="2981843"/>
-            <a:ext cx="6453398" cy="12807920"/>
+            <a:off x="13563600" y="2478923"/>
+            <a:ext cx="7086599" cy="13294477"/>
+            <a:chOff x="13563600" y="2478923"/>
+            <a:chExt cx="7086599" cy="13294477"/>
           </a:xfrm>
-          <a:prstGeom prst="rect">
-            <a:avLst/>
-          </a:prstGeom>
-        </p:spPr>
-        <p:txBody>
-          <a:bodyPr vert="horz" lIns="88844" tIns="44422" rIns="88844" bIns="44422"/>
-          <a:lstStyle>
-            <a:lvl1pPr marL="0" marR="0" indent="0" algn="l" defTabSz="1979898" rtl="0" eaLnBrk="1" fontAlgn="auto" latinLnBrk="0" hangingPunct="1">
-              <a:lnSpc>
-                <a:spcPct val="100000"/>
-              </a:lnSpc>
-              <a:spcBef>
-                <a:spcPct val="20000"/>
-              </a:spcBef>
-              <a:spcAft>
-                <a:spcPts val="0"/>
-              </a:spcAft>
-              <a:buClrTx/>
-              <a:buSzTx/>
-              <a:buFont typeface="Arial" pitchFamily="34" charset="0"/>
-              <a:buNone/>
-              <a:tabLst/>
-              <a:defRPr sz="1500" kern="1200">
+        </p:grpSpPr>
+        <p:grpSp>
+          <p:nvGrpSpPr>
+            <p:cNvPr id="13" name="Group 12">
+              <a:extLst>
+                <a:ext uri="{FF2B5EF4-FFF2-40B4-BE49-F238E27FC236}">
+                  <a16:creationId xmlns:a16="http://schemas.microsoft.com/office/drawing/2014/main" id="{66D784EE-46EC-B3AB-426B-325A0F65F268}"/>
+                </a:ext>
+              </a:extLst>
+            </p:cNvPr>
+            <p:cNvGrpSpPr/>
+            <p:nvPr/>
+          </p:nvGrpSpPr>
+          <p:grpSpPr>
+            <a:xfrm>
+              <a:off x="13563600" y="3256162"/>
+              <a:ext cx="7086599" cy="12517238"/>
+              <a:chOff x="13563600" y="3256162"/>
+              <a:chExt cx="7086599" cy="12517238"/>
+            </a:xfrm>
+          </p:grpSpPr>
+          <p:grpSp>
+            <p:nvGrpSpPr>
+              <p:cNvPr id="9" name="Group 8">
+                <a:extLst>
+                  <a:ext uri="{FF2B5EF4-FFF2-40B4-BE49-F238E27FC236}">
+                    <a16:creationId xmlns:a16="http://schemas.microsoft.com/office/drawing/2014/main" id="{23DCB799-1D91-F2DB-8E6E-508E10904247}"/>
+                  </a:ext>
+                </a:extLst>
+              </p:cNvPr>
+              <p:cNvGrpSpPr/>
+              <p:nvPr/>
+            </p:nvGrpSpPr>
+            <p:grpSpPr>
+              <a:xfrm>
+                <a:off x="13817363" y="10736635"/>
+                <a:ext cx="6832836" cy="5036765"/>
+                <a:chOff x="14005732" y="10753361"/>
+                <a:chExt cx="6919036" cy="5036765"/>
+              </a:xfrm>
+              <a:solidFill>
+                <a:schemeClr val="accent5">
+                  <a:lumMod val="60000"/>
+                  <a:lumOff val="40000"/>
+                </a:schemeClr>
+              </a:solidFill>
+            </p:grpSpPr>
+            <p:graphicFrame>
+              <p:nvGraphicFramePr>
+                <p:cNvPr id="26" name="Chart 25">
+                  <a:extLst>
+                    <a:ext uri="{FF2B5EF4-FFF2-40B4-BE49-F238E27FC236}">
+                      <a16:creationId xmlns:a16="http://schemas.microsoft.com/office/drawing/2014/main" id="{267FF879-69DB-A031-8C40-379911374E1C}"/>
+                    </a:ext>
+                  </a:extLst>
+                </p:cNvPr>
+                <p:cNvGraphicFramePr>
+                  <a:graphicFrameLocks/>
+                </p:cNvGraphicFramePr>
+                <p:nvPr>
+                  <p:extLst>
+                    <p:ext uri="{D42A27DB-BD31-4B8C-83A1-F6EECF244321}">
+                      <p14:modId xmlns:p14="http://schemas.microsoft.com/office/powerpoint/2010/main" val="1365279463"/>
+                    </p:ext>
+                  </p:extLst>
+                </p:nvPr>
+              </p:nvGraphicFramePr>
+              <p:xfrm>
+                <a:off x="14005732" y="10753361"/>
+                <a:ext cx="6919036" cy="4917565"/>
+              </p:xfrm>
+              <a:graphic>
+                <a:graphicData uri="http://schemas.openxmlformats.org/drawingml/2006/chart">
+                  <c:chart xmlns:c="http://schemas.openxmlformats.org/drawingml/2006/chart" xmlns:r="http://schemas.openxmlformats.org/officeDocument/2006/relationships" r:id="rId7"/>
+                </a:graphicData>
+              </a:graphic>
+            </p:graphicFrame>
+            <p:grpSp>
+              <p:nvGrpSpPr>
+                <p:cNvPr id="27" name="Group 26">
+                  <a:extLst>
+                    <a:ext uri="{FF2B5EF4-FFF2-40B4-BE49-F238E27FC236}">
+                      <a16:creationId xmlns:a16="http://schemas.microsoft.com/office/drawing/2014/main" id="{8AFE825D-F400-CB14-5A3E-A33B2A91F408}"/>
+                    </a:ext>
+                  </a:extLst>
+                </p:cNvPr>
+                <p:cNvGrpSpPr/>
+                <p:nvPr/>
+              </p:nvGrpSpPr>
+              <p:grpSpPr>
+                <a:xfrm>
+                  <a:off x="14886174" y="10913326"/>
+                  <a:ext cx="5868917" cy="4876800"/>
+                  <a:chOff x="15135382" y="10927630"/>
+                  <a:chExt cx="5868917" cy="4876800"/>
+                </a:xfrm>
+                <a:grpFill/>
+              </p:grpSpPr>
+              <p:cxnSp>
+                <p:nvCxnSpPr>
+                  <p:cNvPr id="11" name="Straight Arrow Connector 10">
+                    <a:extLst>
+                      <a:ext uri="{FF2B5EF4-FFF2-40B4-BE49-F238E27FC236}">
+                        <a16:creationId xmlns:a16="http://schemas.microsoft.com/office/drawing/2014/main" id="{79F3088E-BDCA-BC9A-8B05-B2702DCD3BA2}"/>
+                      </a:ext>
+                    </a:extLst>
+                  </p:cNvPr>
+                  <p:cNvCxnSpPr/>
+                  <p:nvPr/>
+                </p:nvCxnSpPr>
+                <p:spPr>
+                  <a:xfrm>
+                    <a:off x="15626156" y="11537230"/>
+                    <a:ext cx="0" cy="746721"/>
+                  </a:xfrm>
+                  <a:prstGeom prst="straightConnector1">
+                    <a:avLst/>
+                  </a:prstGeom>
+                  <a:grpFill/>
+                  <a:ln w="38100">
+                    <a:tailEnd type="triangle"/>
+                  </a:ln>
+                </p:spPr>
+                <p:style>
+                  <a:lnRef idx="1">
+                    <a:schemeClr val="dk1"/>
+                  </a:lnRef>
+                  <a:fillRef idx="0">
+                    <a:schemeClr val="dk1"/>
+                  </a:fillRef>
+                  <a:effectRef idx="0">
+                    <a:schemeClr val="dk1"/>
+                  </a:effectRef>
+                  <a:fontRef idx="minor">
+                    <a:schemeClr val="tx1"/>
+                  </a:fontRef>
+                </p:style>
+              </p:cxnSp>
+              <p:cxnSp>
+                <p:nvCxnSpPr>
+                  <p:cNvPr id="12" name="Straight Arrow Connector 11">
+                    <a:extLst>
+                      <a:ext uri="{FF2B5EF4-FFF2-40B4-BE49-F238E27FC236}">
+                        <a16:creationId xmlns:a16="http://schemas.microsoft.com/office/drawing/2014/main" id="{0C74AF53-AD8A-2BE3-C01A-6D5E81654097}"/>
+                      </a:ext>
+                    </a:extLst>
+                  </p:cNvPr>
+                  <p:cNvCxnSpPr>
+                    <a:cxnSpLocks/>
+                  </p:cNvCxnSpPr>
+                  <p:nvPr/>
+                </p:nvCxnSpPr>
+                <p:spPr>
+                  <a:xfrm flipV="1">
+                    <a:off x="16846609" y="14605235"/>
+                    <a:ext cx="0" cy="665795"/>
+                  </a:xfrm>
+                  <a:prstGeom prst="straightConnector1">
+                    <a:avLst/>
+                  </a:prstGeom>
+                  <a:grpFill/>
+                  <a:ln w="38100">
+                    <a:tailEnd type="triangle"/>
+                  </a:ln>
+                </p:spPr>
+                <p:style>
+                  <a:lnRef idx="1">
+                    <a:schemeClr val="dk1"/>
+                  </a:lnRef>
+                  <a:fillRef idx="0">
+                    <a:schemeClr val="dk1"/>
+                  </a:fillRef>
+                  <a:effectRef idx="0">
+                    <a:schemeClr val="dk1"/>
+                  </a:effectRef>
+                  <a:fontRef idx="minor">
+                    <a:schemeClr val="tx1"/>
+                  </a:fontRef>
+                </p:style>
+              </p:cxnSp>
+              <p:cxnSp>
+                <p:nvCxnSpPr>
+                  <p:cNvPr id="14" name="Straight Arrow Connector 13">
+                    <a:extLst>
+                      <a:ext uri="{FF2B5EF4-FFF2-40B4-BE49-F238E27FC236}">
+                        <a16:creationId xmlns:a16="http://schemas.microsoft.com/office/drawing/2014/main" id="{BEC0E7E2-D9E4-03CF-5CCE-9E8B3ABFCF78}"/>
+                      </a:ext>
+                    </a:extLst>
+                  </p:cNvPr>
+                  <p:cNvCxnSpPr>
+                    <a:cxnSpLocks/>
+                  </p:cNvCxnSpPr>
+                  <p:nvPr/>
+                </p:nvCxnSpPr>
+                <p:spPr>
+                  <a:xfrm flipH="1" flipV="1">
+                    <a:off x="17930331" y="12663504"/>
+                    <a:ext cx="361236" cy="463018"/>
+                  </a:xfrm>
+                  <a:prstGeom prst="straightConnector1">
+                    <a:avLst/>
+                  </a:prstGeom>
+                  <a:grpFill/>
+                  <a:ln w="38100">
+                    <a:tailEnd type="triangle"/>
+                  </a:ln>
+                </p:spPr>
+                <p:style>
+                  <a:lnRef idx="1">
+                    <a:schemeClr val="dk1"/>
+                  </a:lnRef>
+                  <a:fillRef idx="0">
+                    <a:schemeClr val="dk1"/>
+                  </a:fillRef>
+                  <a:effectRef idx="0">
+                    <a:schemeClr val="dk1"/>
+                  </a:effectRef>
+                  <a:fontRef idx="minor">
+                    <a:schemeClr val="tx1"/>
+                  </a:fontRef>
+                </p:style>
+              </p:cxnSp>
+              <p:sp>
+                <p:nvSpPr>
+                  <p:cNvPr id="16" name="TextBox 15">
+                    <a:extLst>
+                      <a:ext uri="{FF2B5EF4-FFF2-40B4-BE49-F238E27FC236}">
+                        <a16:creationId xmlns:a16="http://schemas.microsoft.com/office/drawing/2014/main" id="{F6546A72-91E4-1BED-B6DE-B4E3A8095E5B}"/>
+                      </a:ext>
+                    </a:extLst>
+                  </p:cNvPr>
+                  <p:cNvSpPr txBox="1"/>
+                  <p:nvPr/>
+                </p:nvSpPr>
+                <p:spPr>
+                  <a:xfrm>
+                    <a:off x="15135382" y="10927630"/>
+                    <a:ext cx="4243872" cy="384721"/>
+                  </a:xfrm>
+                  <a:prstGeom prst="rect">
+                    <a:avLst/>
+                  </a:prstGeom>
+                  <a:solidFill>
+                    <a:schemeClr val="accent5">
+                      <a:lumMod val="60000"/>
+                      <a:lumOff val="40000"/>
+                    </a:schemeClr>
+                  </a:solidFill>
+                  <a:ln>
+                    <a:noFill/>
+                  </a:ln>
+                </p:spPr>
+                <p:txBody>
+                  <a:bodyPr wrap="square" rtlCol="0">
+                    <a:spAutoFit/>
+                  </a:bodyPr>
+                  <a:lstStyle/>
+                  <a:p>
+                    <a:r>
+                      <a:rPr lang="en-US" sz="1900" dirty="0"/>
+                      <a:t>Histocompatibility complex approx. end</a:t>
+                    </a:r>
+                  </a:p>
+                </p:txBody>
+              </p:sp>
+              <p:sp>
+                <p:nvSpPr>
+                  <p:cNvPr id="17" name="TextBox 16">
+                    <a:extLst>
+                      <a:ext uri="{FF2B5EF4-FFF2-40B4-BE49-F238E27FC236}">
+                        <a16:creationId xmlns:a16="http://schemas.microsoft.com/office/drawing/2014/main" id="{536F245E-3DA5-3A1E-9DD8-E8A91FC704B3}"/>
+                      </a:ext>
+                    </a:extLst>
+                  </p:cNvPr>
+                  <p:cNvSpPr txBox="1"/>
+                  <p:nvPr/>
+                </p:nvSpPr>
+                <p:spPr>
+                  <a:xfrm>
+                    <a:off x="15627809" y="15419709"/>
+                    <a:ext cx="4465802" cy="384721"/>
+                  </a:xfrm>
+                  <a:prstGeom prst="rect">
+                    <a:avLst/>
+                  </a:prstGeom>
+                  <a:solidFill>
+                    <a:schemeClr val="accent5">
+                      <a:lumMod val="60000"/>
+                      <a:lumOff val="40000"/>
+                    </a:schemeClr>
+                  </a:solidFill>
+                  <a:ln>
+                    <a:noFill/>
+                  </a:ln>
+                </p:spPr>
+                <p:txBody>
+                  <a:bodyPr wrap="square" rtlCol="0">
+                    <a:spAutoFit/>
+                  </a:bodyPr>
+                  <a:lstStyle/>
+                  <a:p>
+                    <a:r>
+                      <a:rPr lang="en-US" sz="1900" dirty="0"/>
+                      <a:t>Histocompatibility complex approx. start</a:t>
+                    </a:r>
+                  </a:p>
+                </p:txBody>
+              </p:sp>
+              <p:sp>
+                <p:nvSpPr>
+                  <p:cNvPr id="18" name="TextBox 17">
+                    <a:extLst>
+                      <a:ext uri="{FF2B5EF4-FFF2-40B4-BE49-F238E27FC236}">
+                        <a16:creationId xmlns:a16="http://schemas.microsoft.com/office/drawing/2014/main" id="{DD3CAB15-A8FB-A3F4-204D-60C2BA403CEA}"/>
+                      </a:ext>
+                    </a:extLst>
+                  </p:cNvPr>
+                  <p:cNvSpPr txBox="1"/>
+                  <p:nvPr/>
+                </p:nvSpPr>
+                <p:spPr>
+                  <a:xfrm>
+                    <a:off x="17058168" y="13152853"/>
+                    <a:ext cx="3946131" cy="384721"/>
+                  </a:xfrm>
+                  <a:prstGeom prst="rect">
+                    <a:avLst/>
+                  </a:prstGeom>
+                  <a:solidFill>
+                    <a:schemeClr val="accent5">
+                      <a:lumMod val="60000"/>
+                      <a:lumOff val="40000"/>
+                    </a:schemeClr>
+                  </a:solidFill>
+                  <a:ln>
+                    <a:noFill/>
+                  </a:ln>
+                </p:spPr>
+                <p:txBody>
+                  <a:bodyPr wrap="square" rtlCol="0">
+                    <a:spAutoFit/>
+                  </a:bodyPr>
+                  <a:lstStyle/>
+                  <a:p>
+                    <a:r>
+                      <a:rPr lang="en-US" sz="1900" dirty="0"/>
+                      <a:t>Common schizophrenia Chr 6 SNPs</a:t>
+                    </a:r>
+                  </a:p>
+                </p:txBody>
+              </p:sp>
+            </p:grpSp>
+          </p:grpSp>
+          <p:graphicFrame>
+            <p:nvGraphicFramePr>
+              <p:cNvPr id="24" name="Chart 23">
+                <a:extLst>
+                  <a:ext uri="{FF2B5EF4-FFF2-40B4-BE49-F238E27FC236}">
+                    <a16:creationId xmlns:a16="http://schemas.microsoft.com/office/drawing/2014/main" id="{A301776B-562C-D9E5-350E-4F67339AE9DF}"/>
+                  </a:ext>
+                </a:extLst>
+              </p:cNvPr>
+              <p:cNvGraphicFramePr>
+                <a:graphicFrameLocks/>
+              </p:cNvGraphicFramePr>
+              <p:nvPr>
+                <p:extLst>
+                  <p:ext uri="{D42A27DB-BD31-4B8C-83A1-F6EECF244321}">
+                    <p14:modId xmlns:p14="http://schemas.microsoft.com/office/powerpoint/2010/main" val="3129847871"/>
+                  </p:ext>
+                </p:extLst>
+              </p:nvPr>
+            </p:nvGraphicFramePr>
+            <p:xfrm>
+              <a:off x="13563600" y="6553200"/>
+              <a:ext cx="6919037" cy="4373467"/>
+            </p:xfrm>
+            <a:graphic>
+              <a:graphicData uri="http://schemas.openxmlformats.org/drawingml/2006/chart">
+                <c:chart xmlns:c="http://schemas.openxmlformats.org/drawingml/2006/chart" xmlns:r="http://schemas.openxmlformats.org/officeDocument/2006/relationships" r:id="rId8"/>
+              </a:graphicData>
+            </a:graphic>
+          </p:graphicFrame>
+          <p:graphicFrame>
+            <p:nvGraphicFramePr>
+              <p:cNvPr id="25" name="Chart 24">
+                <a:extLst>
+                  <a:ext uri="{FF2B5EF4-FFF2-40B4-BE49-F238E27FC236}">
+                    <a16:creationId xmlns:a16="http://schemas.microsoft.com/office/drawing/2014/main" id="{B8C1C5E6-E2EB-D62E-48B5-622F08B0612F}"/>
+                  </a:ext>
+                </a:extLst>
+              </p:cNvPr>
+              <p:cNvGraphicFramePr>
+                <a:graphicFrameLocks/>
+              </p:cNvGraphicFramePr>
+              <p:nvPr>
+                <p:extLst>
+                  <p:ext uri="{D42A27DB-BD31-4B8C-83A1-F6EECF244321}">
+                    <p14:modId xmlns:p14="http://schemas.microsoft.com/office/powerpoint/2010/main" val="3037242883"/>
+                  </p:ext>
+                </p:extLst>
+              </p:nvPr>
+            </p:nvGraphicFramePr>
+            <p:xfrm>
+              <a:off x="13639800" y="3256162"/>
+              <a:ext cx="6849520" cy="3753527"/>
+            </p:xfrm>
+            <a:graphic>
+              <a:graphicData uri="http://schemas.openxmlformats.org/drawingml/2006/chart">
+                <c:chart xmlns:c="http://schemas.openxmlformats.org/drawingml/2006/chart" xmlns:r="http://schemas.openxmlformats.org/officeDocument/2006/relationships" r:id="rId9"/>
+              </a:graphicData>
+            </a:graphic>
+          </p:graphicFrame>
+        </p:grpSp>
+        <p:sp>
+          <p:nvSpPr>
+            <p:cNvPr id="55" name="Text Placeholder 4">
+              <a:extLst>
+                <a:ext uri="{FF2B5EF4-FFF2-40B4-BE49-F238E27FC236}">
+                  <a16:creationId xmlns:a16="http://schemas.microsoft.com/office/drawing/2014/main" id="{8C153193-5525-4D94-B630-79C8222FD287}"/>
+                </a:ext>
+              </a:extLst>
+            </p:cNvPr>
+            <p:cNvSpPr txBox="1">
+              <a:spLocks/>
+            </p:cNvSpPr>
+            <p:nvPr/>
+          </p:nvSpPr>
+          <p:spPr>
+            <a:xfrm>
+              <a:off x="13871448" y="2478923"/>
+              <a:ext cx="6473952" cy="502920"/>
+            </a:xfrm>
+            <a:prstGeom prst="rect">
+              <a:avLst/>
+            </a:prstGeom>
+            <a:solidFill>
+              <a:schemeClr val="accent5">
+                <a:lumMod val="60000"/>
+                <a:lumOff val="40000"/>
+              </a:schemeClr>
+            </a:solidFill>
+            <a:ln>
+              <a:noFill/>
+            </a:ln>
+          </p:spPr>
+          <p:txBody>
+            <a:bodyPr vert="horz" lIns="88844" tIns="44422" rIns="88844" bIns="44422"/>
+            <a:lstStyle>
+              <a:lvl1pPr marL="0" indent="0" algn="l" defTabSz="1979898" rtl="0" eaLnBrk="1" latinLnBrk="0" hangingPunct="1">
+                <a:spcBef>
+                  <a:spcPct val="20000"/>
+                </a:spcBef>
+                <a:buFont typeface="Arial" pitchFamily="34" charset="0"/>
+                <a:buNone/>
+                <a:defRPr sz="2400" b="1" kern="1200" baseline="0">
+                  <a:solidFill>
+                    <a:schemeClr val="bg1"/>
+                  </a:solidFill>
+                  <a:latin typeface="Arial"/>
+                  <a:ea typeface="+mn-ea"/>
+                  <a:cs typeface="Arial"/>
+                </a:defRPr>
+              </a:lvl1pPr>
+              <a:lvl2pPr marL="1608668" indent="-618719" algn="l" defTabSz="1979898" rtl="0" eaLnBrk="1" latinLnBrk="0" hangingPunct="1">
+                <a:spcBef>
+                  <a:spcPct val="20000"/>
+                </a:spcBef>
+                <a:buFont typeface="Arial" pitchFamily="34" charset="0"/>
+                <a:buChar char="–"/>
+                <a:defRPr sz="6100" kern="1200">
+                  <a:solidFill>
+                    <a:schemeClr val="tx1"/>
+                  </a:solidFill>
+                  <a:latin typeface="+mn-lt"/>
+                  <a:ea typeface="+mn-ea"/>
+                  <a:cs typeface="+mn-cs"/>
+                </a:defRPr>
+              </a:lvl2pPr>
+              <a:lvl3pPr marL="2474875" indent="-494975" algn="l" defTabSz="1979898" rtl="0" eaLnBrk="1" latinLnBrk="0" hangingPunct="1">
+                <a:spcBef>
+                  <a:spcPct val="20000"/>
+                </a:spcBef>
+                <a:buFont typeface="Arial" pitchFamily="34" charset="0"/>
+                <a:buChar char="•"/>
+                <a:defRPr sz="5100" kern="1200">
+                  <a:solidFill>
+                    <a:schemeClr val="tx1"/>
+                  </a:solidFill>
+                  <a:latin typeface="+mn-lt"/>
+                  <a:ea typeface="+mn-ea"/>
+                  <a:cs typeface="+mn-cs"/>
+                </a:defRPr>
+              </a:lvl3pPr>
+              <a:lvl4pPr marL="3464824" indent="-494975" algn="l" defTabSz="1979898" rtl="0" eaLnBrk="1" latinLnBrk="0" hangingPunct="1">
+                <a:spcBef>
+                  <a:spcPct val="20000"/>
+                </a:spcBef>
+                <a:buFont typeface="Arial" pitchFamily="34" charset="0"/>
+                <a:buChar char="–"/>
+                <a:defRPr sz="4400" kern="1200">
+                  <a:solidFill>
+                    <a:schemeClr val="tx1"/>
+                  </a:solidFill>
+                  <a:latin typeface="+mn-lt"/>
+                  <a:ea typeface="+mn-ea"/>
+                  <a:cs typeface="+mn-cs"/>
+                </a:defRPr>
+              </a:lvl4pPr>
+              <a:lvl5pPr marL="4454773" indent="-494975" algn="l" defTabSz="1979898" rtl="0" eaLnBrk="1" latinLnBrk="0" hangingPunct="1">
+                <a:spcBef>
+                  <a:spcPct val="20000"/>
+                </a:spcBef>
+                <a:buFont typeface="Arial" pitchFamily="34" charset="0"/>
+                <a:buChar char="»"/>
+                <a:defRPr sz="4400" kern="1200">
+                  <a:solidFill>
+                    <a:schemeClr val="tx1"/>
+                  </a:solidFill>
+                  <a:latin typeface="+mn-lt"/>
+                  <a:ea typeface="+mn-ea"/>
+                  <a:cs typeface="+mn-cs"/>
+                </a:defRPr>
+              </a:lvl5pPr>
+              <a:lvl6pPr marL="5444722" indent="-494975" algn="l" defTabSz="1979898" rtl="0" eaLnBrk="1" latinLnBrk="0" hangingPunct="1">
+                <a:spcBef>
+                  <a:spcPct val="20000"/>
+                </a:spcBef>
+                <a:buFont typeface="Arial" pitchFamily="34" charset="0"/>
+                <a:buChar char="•"/>
+                <a:defRPr sz="4400" kern="1200">
+                  <a:solidFill>
+                    <a:schemeClr val="tx1"/>
+                  </a:solidFill>
+                  <a:latin typeface="+mn-lt"/>
+                  <a:ea typeface="+mn-ea"/>
+                  <a:cs typeface="+mn-cs"/>
+                </a:defRPr>
+              </a:lvl6pPr>
+              <a:lvl7pPr marL="6434671" indent="-494975" algn="l" defTabSz="1979898" rtl="0" eaLnBrk="1" latinLnBrk="0" hangingPunct="1">
+                <a:spcBef>
+                  <a:spcPct val="20000"/>
+                </a:spcBef>
+                <a:buFont typeface="Arial" pitchFamily="34" charset="0"/>
+                <a:buChar char="•"/>
+                <a:defRPr sz="4400" kern="1200">
+                  <a:solidFill>
+                    <a:schemeClr val="tx1"/>
+                  </a:solidFill>
+                  <a:latin typeface="+mn-lt"/>
+                  <a:ea typeface="+mn-ea"/>
+                  <a:cs typeface="+mn-cs"/>
+                </a:defRPr>
+              </a:lvl7pPr>
+              <a:lvl8pPr marL="7424622" indent="-494975" algn="l" defTabSz="1979898" rtl="0" eaLnBrk="1" latinLnBrk="0" hangingPunct="1">
+                <a:spcBef>
+                  <a:spcPct val="20000"/>
+                </a:spcBef>
+                <a:buFont typeface="Arial" pitchFamily="34" charset="0"/>
+                <a:buChar char="•"/>
+                <a:defRPr sz="4400" kern="1200">
+                  <a:solidFill>
+                    <a:schemeClr val="tx1"/>
+                  </a:solidFill>
+                  <a:latin typeface="+mn-lt"/>
+                  <a:ea typeface="+mn-ea"/>
+                  <a:cs typeface="+mn-cs"/>
+                </a:defRPr>
+              </a:lvl8pPr>
+              <a:lvl9pPr marL="8414571" indent="-494975" algn="l" defTabSz="1979898" rtl="0" eaLnBrk="1" latinLnBrk="0" hangingPunct="1">
+                <a:spcBef>
+                  <a:spcPct val="20000"/>
+                </a:spcBef>
+                <a:buFont typeface="Arial" pitchFamily="34" charset="0"/>
+                <a:buChar char="•"/>
+                <a:defRPr sz="4400" kern="1200">
+                  <a:solidFill>
+                    <a:schemeClr val="tx1"/>
+                  </a:solidFill>
+                  <a:latin typeface="+mn-lt"/>
+                  <a:ea typeface="+mn-ea"/>
+                  <a:cs typeface="+mn-cs"/>
+                </a:defRPr>
+              </a:lvl9pPr>
+            </a:lstStyle>
+            <a:p>
+              <a:r>
+                <a:rPr lang="en-US" sz="2800" dirty="0">
+                  <a:solidFill>
+                    <a:schemeClr val="tx1"/>
+                  </a:solidFill>
+                  <a:latin typeface="+mn-lt"/>
+                </a:rPr>
+                <a:t>Results</a:t>
+              </a:r>
+            </a:p>
+          </p:txBody>
+        </p:sp>
+      </p:grpSp>
+      <p:grpSp>
+        <p:nvGrpSpPr>
+          <p:cNvPr id="19" name="Group 18">
+            <a:extLst>
+              <a:ext uri="{FF2B5EF4-FFF2-40B4-BE49-F238E27FC236}">
+                <a16:creationId xmlns:a16="http://schemas.microsoft.com/office/drawing/2014/main" id="{5F16ECAD-2530-E735-1AC3-BC201EFA4E44}"/>
+              </a:ext>
+            </a:extLst>
+          </p:cNvPr>
+          <p:cNvGrpSpPr/>
+          <p:nvPr/>
+        </p:nvGrpSpPr>
+        <p:grpSpPr>
+          <a:xfrm>
+            <a:off x="6962763" y="2475245"/>
+            <a:ext cx="6849520" cy="13308357"/>
+            <a:chOff x="6962763" y="2475245"/>
+            <a:chExt cx="6849520" cy="13308357"/>
+          </a:xfrm>
+        </p:grpSpPr>
+        <p:sp>
+          <p:nvSpPr>
+            <p:cNvPr id="51" name="Text Placeholder 13">
+              <a:extLst>
+                <a:ext uri="{FF2B5EF4-FFF2-40B4-BE49-F238E27FC236}">
+                  <a16:creationId xmlns:a16="http://schemas.microsoft.com/office/drawing/2014/main" id="{01C23284-D674-4478-9CB0-A3C75420A05D}"/>
+                </a:ext>
+              </a:extLst>
+            </p:cNvPr>
+            <p:cNvSpPr txBox="1">
+              <a:spLocks/>
+            </p:cNvSpPr>
+            <p:nvPr/>
+          </p:nvSpPr>
+          <p:spPr>
+            <a:xfrm>
+              <a:off x="7057964" y="2981843"/>
+              <a:ext cx="6388193" cy="2171740"/>
+            </a:xfrm>
+            <a:prstGeom prst="rect">
+              <a:avLst/>
+            </a:prstGeom>
+          </p:spPr>
+          <p:txBody>
+            <a:bodyPr vert="horz" lIns="88844" tIns="44422" rIns="88844" bIns="44422"/>
+            <a:lstStyle>
+              <a:lvl1pPr marL="0" indent="0" algn="l" defTabSz="1979898" rtl="0" eaLnBrk="1" latinLnBrk="0" hangingPunct="1">
+                <a:spcBef>
+                  <a:spcPct val="20000"/>
+                </a:spcBef>
+                <a:buFont typeface="Arial" pitchFamily="34" charset="0"/>
+                <a:buNone/>
+                <a:defRPr sz="1500" kern="1200" baseline="0">
+                  <a:solidFill>
+                    <a:schemeClr val="tx1"/>
+                  </a:solidFill>
+                  <a:latin typeface="+mn-lt"/>
+                  <a:ea typeface="+mn-ea"/>
+                  <a:cs typeface="+mn-cs"/>
+                </a:defRPr>
+              </a:lvl1pPr>
+              <a:lvl2pPr marL="225196" indent="0" algn="l" defTabSz="1979898" rtl="0" eaLnBrk="1" latinLnBrk="0" hangingPunct="1">
+                <a:spcBef>
+                  <a:spcPct val="20000"/>
+                </a:spcBef>
+                <a:buFont typeface="Arial" pitchFamily="34" charset="0"/>
+                <a:buNone/>
+                <a:defRPr sz="1500" kern="1200">
+                  <a:solidFill>
+                    <a:schemeClr val="tx1"/>
+                  </a:solidFill>
+                  <a:latin typeface="+mn-lt"/>
+                  <a:ea typeface="+mn-ea"/>
+                  <a:cs typeface="+mn-cs"/>
+                </a:defRPr>
+              </a:lvl2pPr>
+              <a:lvl3pPr marL="2474875" indent="-494975" algn="l" defTabSz="1979898" rtl="0" eaLnBrk="1" latinLnBrk="0" hangingPunct="1">
+                <a:spcBef>
+                  <a:spcPct val="20000"/>
+                </a:spcBef>
+                <a:buFont typeface="Arial" pitchFamily="34" charset="0"/>
+                <a:buChar char="•"/>
+                <a:defRPr sz="1500" kern="1200">
+                  <a:solidFill>
+                    <a:schemeClr val="tx1"/>
+                  </a:solidFill>
+                  <a:latin typeface="+mn-lt"/>
+                  <a:ea typeface="+mn-ea"/>
+                  <a:cs typeface="+mn-cs"/>
+                </a:defRPr>
+              </a:lvl3pPr>
+              <a:lvl4pPr marL="3464824" indent="-494975" algn="l" defTabSz="1979898" rtl="0" eaLnBrk="1" latinLnBrk="0" hangingPunct="1">
+                <a:spcBef>
+                  <a:spcPct val="20000"/>
+                </a:spcBef>
+                <a:buFont typeface="Arial" pitchFamily="34" charset="0"/>
+                <a:buChar char="–"/>
+                <a:defRPr sz="1500" kern="1200">
+                  <a:solidFill>
+                    <a:schemeClr val="tx1"/>
+                  </a:solidFill>
+                  <a:latin typeface="+mn-lt"/>
+                  <a:ea typeface="+mn-ea"/>
+                  <a:cs typeface="+mn-cs"/>
+                </a:defRPr>
+              </a:lvl4pPr>
+              <a:lvl5pPr marL="4454773" indent="-494975" algn="l" defTabSz="1979898" rtl="0" eaLnBrk="1" latinLnBrk="0" hangingPunct="1">
+                <a:spcBef>
+                  <a:spcPct val="20000"/>
+                </a:spcBef>
+                <a:buFont typeface="Arial" pitchFamily="34" charset="0"/>
+                <a:buChar char="»"/>
+                <a:defRPr sz="1500" kern="1200">
+                  <a:solidFill>
+                    <a:schemeClr val="tx1"/>
+                  </a:solidFill>
+                  <a:latin typeface="+mn-lt"/>
+                  <a:ea typeface="+mn-ea"/>
+                  <a:cs typeface="+mn-cs"/>
+                </a:defRPr>
+              </a:lvl5pPr>
+              <a:lvl6pPr marL="5444722" indent="-494975" algn="l" defTabSz="1979898" rtl="0" eaLnBrk="1" latinLnBrk="0" hangingPunct="1">
+                <a:spcBef>
+                  <a:spcPct val="20000"/>
+                </a:spcBef>
+                <a:buFont typeface="Arial" pitchFamily="34" charset="0"/>
+                <a:buChar char="•"/>
+                <a:defRPr sz="4400" kern="1200">
+                  <a:solidFill>
+                    <a:schemeClr val="tx1"/>
+                  </a:solidFill>
+                  <a:latin typeface="+mn-lt"/>
+                  <a:ea typeface="+mn-ea"/>
+                  <a:cs typeface="+mn-cs"/>
+                </a:defRPr>
+              </a:lvl6pPr>
+              <a:lvl7pPr marL="6434671" indent="-494975" algn="l" defTabSz="1979898" rtl="0" eaLnBrk="1" latinLnBrk="0" hangingPunct="1">
+                <a:spcBef>
+                  <a:spcPct val="20000"/>
+                </a:spcBef>
+                <a:buFont typeface="Arial" pitchFamily="34" charset="0"/>
+                <a:buChar char="•"/>
+                <a:defRPr sz="4400" kern="1200">
+                  <a:solidFill>
+                    <a:schemeClr val="tx1"/>
+                  </a:solidFill>
+                  <a:latin typeface="+mn-lt"/>
+                  <a:ea typeface="+mn-ea"/>
+                  <a:cs typeface="+mn-cs"/>
+                </a:defRPr>
+              </a:lvl7pPr>
+              <a:lvl8pPr marL="7424622" indent="-494975" algn="l" defTabSz="1979898" rtl="0" eaLnBrk="1" latinLnBrk="0" hangingPunct="1">
+                <a:spcBef>
+                  <a:spcPct val="20000"/>
+                </a:spcBef>
+                <a:buFont typeface="Arial" pitchFamily="34" charset="0"/>
+                <a:buChar char="•"/>
+                <a:defRPr sz="4400" kern="1200">
+                  <a:solidFill>
+                    <a:schemeClr val="tx1"/>
+                  </a:solidFill>
+                  <a:latin typeface="+mn-lt"/>
+                  <a:ea typeface="+mn-ea"/>
+                  <a:cs typeface="+mn-cs"/>
+                </a:defRPr>
+              </a:lvl8pPr>
+              <a:lvl9pPr marL="8414571" indent="-494975" algn="l" defTabSz="1979898" rtl="0" eaLnBrk="1" latinLnBrk="0" hangingPunct="1">
+                <a:spcBef>
+                  <a:spcPct val="20000"/>
+                </a:spcBef>
+                <a:buFont typeface="Arial" pitchFamily="34" charset="0"/>
+                <a:buChar char="•"/>
+                <a:defRPr sz="4400" kern="1200">
+                  <a:solidFill>
+                    <a:schemeClr val="tx1"/>
+                  </a:solidFill>
+                  <a:latin typeface="+mn-lt"/>
+                  <a:ea typeface="+mn-ea"/>
+                  <a:cs typeface="+mn-cs"/>
+                </a:defRPr>
+              </a:lvl9pPr>
+            </a:lstStyle>
+            <a:p>
+              <a:pPr algn="just"/>
+              <a:r>
+                <a:rPr lang="en-US" sz="2800" dirty="0"/>
+                <a:t>This study was executed as a meta-analysis of past research on common single nucleotide polymorphisms (SNPs) found in schizophrenia patients [4-13]. </a:t>
+              </a:r>
+            </a:p>
+            <a:p>
+              <a:pPr algn="just"/>
+              <a:endParaRPr lang="en-US" sz="2800" dirty="0"/>
+            </a:p>
+            <a:p>
+              <a:pPr algn="just"/>
+              <a:endParaRPr lang="en-US" sz="2800" dirty="0"/>
+            </a:p>
+          </p:txBody>
+        </p:sp>
+        <p:sp>
+          <p:nvSpPr>
+            <p:cNvPr id="52" name="Text Placeholder 4">
+              <a:extLst>
+                <a:ext uri="{FF2B5EF4-FFF2-40B4-BE49-F238E27FC236}">
+                  <a16:creationId xmlns:a16="http://schemas.microsoft.com/office/drawing/2014/main" id="{3BBDE86C-EF45-4D75-AA32-87BE79906AD5}"/>
+                </a:ext>
+              </a:extLst>
+            </p:cNvPr>
+            <p:cNvSpPr txBox="1">
+              <a:spLocks/>
+            </p:cNvSpPr>
+            <p:nvPr/>
+          </p:nvSpPr>
+          <p:spPr>
+            <a:xfrm>
+              <a:off x="7086600" y="2475245"/>
+              <a:ext cx="6480880" cy="483712"/>
+            </a:xfrm>
+            <a:prstGeom prst="rect">
+              <a:avLst/>
+            </a:prstGeom>
+            <a:solidFill>
+              <a:schemeClr val="accent4">
+                <a:lumMod val="40000"/>
+                <a:lumOff val="60000"/>
+              </a:schemeClr>
+            </a:solidFill>
+            <a:ln>
+              <a:noFill/>
+            </a:ln>
+          </p:spPr>
+          <p:txBody>
+            <a:bodyPr vert="horz" lIns="88844" tIns="44422" rIns="88844" bIns="44422"/>
+            <a:lstStyle>
+              <a:lvl1pPr marL="0" indent="0" algn="l" defTabSz="1979898" rtl="0" eaLnBrk="1" latinLnBrk="0" hangingPunct="1">
+                <a:spcBef>
+                  <a:spcPct val="20000"/>
+                </a:spcBef>
+                <a:buFont typeface="Arial" pitchFamily="34" charset="0"/>
+                <a:buNone/>
+                <a:defRPr sz="2400" b="1" kern="1200" baseline="0">
+                  <a:solidFill>
+                    <a:schemeClr val="bg1"/>
+                  </a:solidFill>
+                  <a:latin typeface="Arial"/>
+                  <a:ea typeface="+mn-ea"/>
+                  <a:cs typeface="Arial"/>
+                </a:defRPr>
+              </a:lvl1pPr>
+              <a:lvl2pPr marL="1608668" indent="-618719" algn="l" defTabSz="1979898" rtl="0" eaLnBrk="1" latinLnBrk="0" hangingPunct="1">
+                <a:spcBef>
+                  <a:spcPct val="20000"/>
+                </a:spcBef>
+                <a:buFont typeface="Arial" pitchFamily="34" charset="0"/>
+                <a:buChar char="–"/>
+                <a:defRPr sz="6100" kern="1200">
+                  <a:solidFill>
+                    <a:schemeClr val="tx1"/>
+                  </a:solidFill>
+                  <a:latin typeface="+mn-lt"/>
+                  <a:ea typeface="+mn-ea"/>
+                  <a:cs typeface="+mn-cs"/>
+                </a:defRPr>
+              </a:lvl2pPr>
+              <a:lvl3pPr marL="2474875" indent="-494975" algn="l" defTabSz="1979898" rtl="0" eaLnBrk="1" latinLnBrk="0" hangingPunct="1">
+                <a:spcBef>
+                  <a:spcPct val="20000"/>
+                </a:spcBef>
+                <a:buFont typeface="Arial" pitchFamily="34" charset="0"/>
+                <a:buChar char="•"/>
+                <a:defRPr sz="5100" kern="1200">
+                  <a:solidFill>
+                    <a:schemeClr val="tx1"/>
+                  </a:solidFill>
+                  <a:latin typeface="+mn-lt"/>
+                  <a:ea typeface="+mn-ea"/>
+                  <a:cs typeface="+mn-cs"/>
+                </a:defRPr>
+              </a:lvl3pPr>
+              <a:lvl4pPr marL="3464824" indent="-494975" algn="l" defTabSz="1979898" rtl="0" eaLnBrk="1" latinLnBrk="0" hangingPunct="1">
+                <a:spcBef>
+                  <a:spcPct val="20000"/>
+                </a:spcBef>
+                <a:buFont typeface="Arial" pitchFamily="34" charset="0"/>
+                <a:buChar char="–"/>
+                <a:defRPr sz="4400" kern="1200">
+                  <a:solidFill>
+                    <a:schemeClr val="tx1"/>
+                  </a:solidFill>
+                  <a:latin typeface="+mn-lt"/>
+                  <a:ea typeface="+mn-ea"/>
+                  <a:cs typeface="+mn-cs"/>
+                </a:defRPr>
+              </a:lvl4pPr>
+              <a:lvl5pPr marL="4454773" indent="-494975" algn="l" defTabSz="1979898" rtl="0" eaLnBrk="1" latinLnBrk="0" hangingPunct="1">
+                <a:spcBef>
+                  <a:spcPct val="20000"/>
+                </a:spcBef>
+                <a:buFont typeface="Arial" pitchFamily="34" charset="0"/>
+                <a:buChar char="»"/>
+                <a:defRPr sz="4400" kern="1200">
+                  <a:solidFill>
+                    <a:schemeClr val="tx1"/>
+                  </a:solidFill>
+                  <a:latin typeface="+mn-lt"/>
+                  <a:ea typeface="+mn-ea"/>
+                  <a:cs typeface="+mn-cs"/>
+                </a:defRPr>
+              </a:lvl5pPr>
+              <a:lvl6pPr marL="5444722" indent="-494975" algn="l" defTabSz="1979898" rtl="0" eaLnBrk="1" latinLnBrk="0" hangingPunct="1">
+                <a:spcBef>
+                  <a:spcPct val="20000"/>
+                </a:spcBef>
+                <a:buFont typeface="Arial" pitchFamily="34" charset="0"/>
+                <a:buChar char="•"/>
+                <a:defRPr sz="4400" kern="1200">
+                  <a:solidFill>
+                    <a:schemeClr val="tx1"/>
+                  </a:solidFill>
+                  <a:latin typeface="+mn-lt"/>
+                  <a:ea typeface="+mn-ea"/>
+                  <a:cs typeface="+mn-cs"/>
+                </a:defRPr>
+              </a:lvl6pPr>
+              <a:lvl7pPr marL="6434671" indent="-494975" algn="l" defTabSz="1979898" rtl="0" eaLnBrk="1" latinLnBrk="0" hangingPunct="1">
+                <a:spcBef>
+                  <a:spcPct val="20000"/>
+                </a:spcBef>
+                <a:buFont typeface="Arial" pitchFamily="34" charset="0"/>
+                <a:buChar char="•"/>
+                <a:defRPr sz="4400" kern="1200">
+                  <a:solidFill>
+                    <a:schemeClr val="tx1"/>
+                  </a:solidFill>
+                  <a:latin typeface="+mn-lt"/>
+                  <a:ea typeface="+mn-ea"/>
+                  <a:cs typeface="+mn-cs"/>
+                </a:defRPr>
+              </a:lvl7pPr>
+              <a:lvl8pPr marL="7424622" indent="-494975" algn="l" defTabSz="1979898" rtl="0" eaLnBrk="1" latinLnBrk="0" hangingPunct="1">
+                <a:spcBef>
+                  <a:spcPct val="20000"/>
+                </a:spcBef>
+                <a:buFont typeface="Arial" pitchFamily="34" charset="0"/>
+                <a:buChar char="•"/>
+                <a:defRPr sz="4400" kern="1200">
+                  <a:solidFill>
+                    <a:schemeClr val="tx1"/>
+                  </a:solidFill>
+                  <a:latin typeface="+mn-lt"/>
+                  <a:ea typeface="+mn-ea"/>
+                  <a:cs typeface="+mn-cs"/>
+                </a:defRPr>
+              </a:lvl8pPr>
+              <a:lvl9pPr marL="8414571" indent="-494975" algn="l" defTabSz="1979898" rtl="0" eaLnBrk="1" latinLnBrk="0" hangingPunct="1">
+                <a:spcBef>
+                  <a:spcPct val="20000"/>
+                </a:spcBef>
+                <a:buFont typeface="Arial" pitchFamily="34" charset="0"/>
+                <a:buChar char="•"/>
+                <a:defRPr sz="4400" kern="1200">
+                  <a:solidFill>
+                    <a:schemeClr val="tx1"/>
+                  </a:solidFill>
+                  <a:latin typeface="+mn-lt"/>
+                  <a:ea typeface="+mn-ea"/>
+                  <a:cs typeface="+mn-cs"/>
+                </a:defRPr>
+              </a:lvl9pPr>
+            </a:lstStyle>
+            <a:p>
+              <a:r>
+                <a:rPr lang="en-US" sz="2800" dirty="0">
+                  <a:solidFill>
+                    <a:schemeClr val="tx1"/>
+                  </a:solidFill>
+                  <a:latin typeface="+mn-lt"/>
+                </a:rPr>
+                <a:t>Materials and Methods</a:t>
+              </a:r>
+            </a:p>
+          </p:txBody>
+        </p:sp>
+        <p:graphicFrame>
+          <p:nvGraphicFramePr>
+            <p:cNvPr id="6" name="Diagram 5">
+              <a:extLst>
+                <a:ext uri="{FF2B5EF4-FFF2-40B4-BE49-F238E27FC236}">
+                  <a16:creationId xmlns:a16="http://schemas.microsoft.com/office/drawing/2014/main" id="{13E3458A-D992-05CA-A401-ABEE1B0E8766}"/>
+                </a:ext>
+              </a:extLst>
+            </p:cNvPr>
+            <p:cNvGraphicFramePr/>
+            <p:nvPr>
+              <p:extLst>
+                <p:ext uri="{D42A27DB-BD31-4B8C-83A1-F6EECF244321}">
+                  <p14:modId xmlns:p14="http://schemas.microsoft.com/office/powerpoint/2010/main" val="1462626256"/>
+                </p:ext>
+              </p:extLst>
+            </p:nvPr>
+          </p:nvGraphicFramePr>
+          <p:xfrm>
+            <a:off x="7049438" y="4804226"/>
+            <a:ext cx="6583680" cy="9978574"/>
+          </p:xfrm>
+          <a:graphic>
+            <a:graphicData uri="http://schemas.openxmlformats.org/drawingml/2006/diagram">
+              <dgm:relIds xmlns:dgm="http://schemas.openxmlformats.org/drawingml/2006/diagram" xmlns:r="http://schemas.openxmlformats.org/officeDocument/2006/relationships" r:dm="rId10" r:lo="rId11" r:qs="rId12" r:cs="rId13"/>
+            </a:graphicData>
+          </a:graphic>
+        </p:graphicFrame>
+        <p:sp>
+          <p:nvSpPr>
+            <p:cNvPr id="7" name="Text Placeholder 13">
+              <a:extLst>
+                <a:ext uri="{FF2B5EF4-FFF2-40B4-BE49-F238E27FC236}">
+                  <a16:creationId xmlns:a16="http://schemas.microsoft.com/office/drawing/2014/main" id="{79AC7C38-5AEA-D9F4-E8E5-13B518E215E6}"/>
+                </a:ext>
+              </a:extLst>
+            </p:cNvPr>
+            <p:cNvSpPr txBox="1">
+              <a:spLocks/>
+            </p:cNvSpPr>
+            <p:nvPr/>
+          </p:nvSpPr>
+          <p:spPr>
+            <a:xfrm>
+              <a:off x="6962763" y="14913399"/>
+              <a:ext cx="6849520" cy="870203"/>
+            </a:xfrm>
+            <a:prstGeom prst="rect">
+              <a:avLst/>
+            </a:prstGeom>
+          </p:spPr>
+          <p:txBody>
+            <a:bodyPr vert="horz" lIns="88844" tIns="44422" rIns="88844" bIns="44422"/>
+            <a:lstStyle>
+              <a:lvl1pPr marL="0" indent="0" algn="l" defTabSz="1979898" rtl="0" eaLnBrk="1" latinLnBrk="0" hangingPunct="1">
+                <a:spcBef>
+                  <a:spcPct val="20000"/>
+                </a:spcBef>
+                <a:buFont typeface="Arial" pitchFamily="34" charset="0"/>
+                <a:buNone/>
+                <a:defRPr sz="1500" kern="1200" baseline="0">
+                  <a:solidFill>
+                    <a:schemeClr val="tx1"/>
+                  </a:solidFill>
+                  <a:latin typeface="+mn-lt"/>
+                  <a:ea typeface="+mn-ea"/>
+                  <a:cs typeface="+mn-cs"/>
+                </a:defRPr>
+              </a:lvl1pPr>
+              <a:lvl2pPr marL="225196" indent="0" algn="l" defTabSz="1979898" rtl="0" eaLnBrk="1" latinLnBrk="0" hangingPunct="1">
+                <a:spcBef>
+                  <a:spcPct val="20000"/>
+                </a:spcBef>
+                <a:buFont typeface="Arial" pitchFamily="34" charset="0"/>
+                <a:buNone/>
+                <a:defRPr sz="1500" kern="1200">
+                  <a:solidFill>
+                    <a:schemeClr val="tx1"/>
+                  </a:solidFill>
+                  <a:latin typeface="+mn-lt"/>
+                  <a:ea typeface="+mn-ea"/>
+                  <a:cs typeface="+mn-cs"/>
+                </a:defRPr>
+              </a:lvl2pPr>
+              <a:lvl3pPr marL="2474875" indent="-494975" algn="l" defTabSz="1979898" rtl="0" eaLnBrk="1" latinLnBrk="0" hangingPunct="1">
+                <a:spcBef>
+                  <a:spcPct val="20000"/>
+                </a:spcBef>
+                <a:buFont typeface="Arial" pitchFamily="34" charset="0"/>
+                <a:buChar char="•"/>
+                <a:defRPr sz="1500" kern="1200">
+                  <a:solidFill>
+                    <a:schemeClr val="tx1"/>
+                  </a:solidFill>
+                  <a:latin typeface="+mn-lt"/>
+                  <a:ea typeface="+mn-ea"/>
+                  <a:cs typeface="+mn-cs"/>
+                </a:defRPr>
+              </a:lvl3pPr>
+              <a:lvl4pPr marL="3464824" indent="-494975" algn="l" defTabSz="1979898" rtl="0" eaLnBrk="1" latinLnBrk="0" hangingPunct="1">
+                <a:spcBef>
+                  <a:spcPct val="20000"/>
+                </a:spcBef>
+                <a:buFont typeface="Arial" pitchFamily="34" charset="0"/>
+                <a:buChar char="–"/>
+                <a:defRPr sz="1500" kern="1200">
+                  <a:solidFill>
+                    <a:schemeClr val="tx1"/>
+                  </a:solidFill>
+                  <a:latin typeface="+mn-lt"/>
+                  <a:ea typeface="+mn-ea"/>
+                  <a:cs typeface="+mn-cs"/>
+                </a:defRPr>
+              </a:lvl4pPr>
+              <a:lvl5pPr marL="4454773" indent="-494975" algn="l" defTabSz="1979898" rtl="0" eaLnBrk="1" latinLnBrk="0" hangingPunct="1">
+                <a:spcBef>
+                  <a:spcPct val="20000"/>
+                </a:spcBef>
+                <a:buFont typeface="Arial" pitchFamily="34" charset="0"/>
+                <a:buChar char="»"/>
+                <a:defRPr sz="1500" kern="1200">
+                  <a:solidFill>
+                    <a:schemeClr val="tx1"/>
+                  </a:solidFill>
+                  <a:latin typeface="+mn-lt"/>
+                  <a:ea typeface="+mn-ea"/>
+                  <a:cs typeface="+mn-cs"/>
+                </a:defRPr>
+              </a:lvl5pPr>
+              <a:lvl6pPr marL="5444722" indent="-494975" algn="l" defTabSz="1979898" rtl="0" eaLnBrk="1" latinLnBrk="0" hangingPunct="1">
+                <a:spcBef>
+                  <a:spcPct val="20000"/>
+                </a:spcBef>
+                <a:buFont typeface="Arial" pitchFamily="34" charset="0"/>
+                <a:buChar char="•"/>
+                <a:defRPr sz="4400" kern="1200">
+                  <a:solidFill>
+                    <a:schemeClr val="tx1"/>
+                  </a:solidFill>
+                  <a:latin typeface="+mn-lt"/>
+                  <a:ea typeface="+mn-ea"/>
+                  <a:cs typeface="+mn-cs"/>
+                </a:defRPr>
+              </a:lvl6pPr>
+              <a:lvl7pPr marL="6434671" indent="-494975" algn="l" defTabSz="1979898" rtl="0" eaLnBrk="1" latinLnBrk="0" hangingPunct="1">
+                <a:spcBef>
+                  <a:spcPct val="20000"/>
+                </a:spcBef>
+                <a:buFont typeface="Arial" pitchFamily="34" charset="0"/>
+                <a:buChar char="•"/>
+                <a:defRPr sz="4400" kern="1200">
+                  <a:solidFill>
+                    <a:schemeClr val="tx1"/>
+                  </a:solidFill>
+                  <a:latin typeface="+mn-lt"/>
+                  <a:ea typeface="+mn-ea"/>
+                  <a:cs typeface="+mn-cs"/>
+                </a:defRPr>
+              </a:lvl7pPr>
+              <a:lvl8pPr marL="7424622" indent="-494975" algn="l" defTabSz="1979898" rtl="0" eaLnBrk="1" latinLnBrk="0" hangingPunct="1">
+                <a:spcBef>
+                  <a:spcPct val="20000"/>
+                </a:spcBef>
+                <a:buFont typeface="Arial" pitchFamily="34" charset="0"/>
+                <a:buChar char="•"/>
+                <a:defRPr sz="4400" kern="1200">
+                  <a:solidFill>
+                    <a:schemeClr val="tx1"/>
+                  </a:solidFill>
+                  <a:latin typeface="+mn-lt"/>
+                  <a:ea typeface="+mn-ea"/>
+                  <a:cs typeface="+mn-cs"/>
+                </a:defRPr>
+              </a:lvl8pPr>
+              <a:lvl9pPr marL="8414571" indent="-494975" algn="l" defTabSz="1979898" rtl="0" eaLnBrk="1" latinLnBrk="0" hangingPunct="1">
+                <a:spcBef>
+                  <a:spcPct val="20000"/>
+                </a:spcBef>
+                <a:buFont typeface="Arial" pitchFamily="34" charset="0"/>
+                <a:buChar char="•"/>
+                <a:defRPr sz="4400" kern="1200">
+                  <a:solidFill>
+                    <a:schemeClr val="tx1"/>
+                  </a:solidFill>
+                  <a:latin typeface="+mn-lt"/>
+                  <a:ea typeface="+mn-ea"/>
+                  <a:cs typeface="+mn-cs"/>
+                </a:defRPr>
+              </a:lvl9pPr>
+            </a:lstStyle>
+            <a:p>
+              <a:pPr algn="just"/>
+              <a:r>
+                <a:rPr lang="en-US" sz="2800" dirty="0"/>
+                <a:t>The full R script for this analysis can be found at https://github.com/domicowe/BIO247.</a:t>
+              </a:r>
+            </a:p>
+          </p:txBody>
+        </p:sp>
+      </p:grpSp>
+      <p:grpSp>
+        <p:nvGrpSpPr>
+          <p:cNvPr id="23" name="Group 22">
+            <a:extLst>
+              <a:ext uri="{FF2B5EF4-FFF2-40B4-BE49-F238E27FC236}">
+                <a16:creationId xmlns:a16="http://schemas.microsoft.com/office/drawing/2014/main" id="{D9D9CDC4-CCE9-64E4-EE94-3F8FBE9F8912}"/>
+              </a:ext>
+            </a:extLst>
+          </p:cNvPr>
+          <p:cNvGrpSpPr/>
+          <p:nvPr/>
+        </p:nvGrpSpPr>
+        <p:grpSpPr>
+          <a:xfrm>
+            <a:off x="20644393" y="2478923"/>
+            <a:ext cx="6711407" cy="13980277"/>
+            <a:chOff x="20644393" y="2478923"/>
+            <a:chExt cx="6711407" cy="13980277"/>
+          </a:xfrm>
+        </p:grpSpPr>
+        <p:sp>
+          <p:nvSpPr>
+            <p:cNvPr id="2" name="TextBox 1">
+              <a:extLst>
+                <a:ext uri="{FF2B5EF4-FFF2-40B4-BE49-F238E27FC236}">
+                  <a16:creationId xmlns:a16="http://schemas.microsoft.com/office/drawing/2014/main" id="{02B9A90D-78CF-496A-A662-5FF0FB6F0206}"/>
+                </a:ext>
+              </a:extLst>
+            </p:cNvPr>
+            <p:cNvSpPr txBox="1"/>
+            <p:nvPr/>
+          </p:nvSpPr>
+          <p:spPr>
+            <a:xfrm>
+              <a:off x="24765000" y="16089868"/>
+              <a:ext cx="2590800" cy="369332"/>
+            </a:xfrm>
+            <a:prstGeom prst="rect">
+              <a:avLst/>
+            </a:prstGeom>
+            <a:solidFill>
+              <a:schemeClr val="bg1"/>
+            </a:solidFill>
+          </p:spPr>
+          <p:txBody>
+            <a:bodyPr wrap="square" rtlCol="0">
+              <a:spAutoFit/>
+            </a:bodyPr>
+            <a:lstStyle/>
+            <a:p>
+              <a:r>
+                <a:rPr lang="en-US" sz="1800" dirty="0">
+                  <a:solidFill>
+                    <a:schemeClr val="bg1"/>
+                  </a:solidFill>
+                </a:rPr>
+                <a:t>a</a:t>
+              </a:r>
+            </a:p>
+          </p:txBody>
+        </p:sp>
+        <p:sp>
+          <p:nvSpPr>
+            <p:cNvPr id="60" name="Text Placeholder 11">
+              <a:extLst>
+                <a:ext uri="{FF2B5EF4-FFF2-40B4-BE49-F238E27FC236}">
+                  <a16:creationId xmlns:a16="http://schemas.microsoft.com/office/drawing/2014/main" id="{45E7D324-ED52-405F-BD1A-021A9C63B36B}"/>
+                </a:ext>
+              </a:extLst>
+            </p:cNvPr>
+            <p:cNvSpPr txBox="1">
+              <a:spLocks/>
+            </p:cNvSpPr>
+            <p:nvPr/>
+          </p:nvSpPr>
+          <p:spPr>
+            <a:xfrm>
+              <a:off x="20646320" y="8004062"/>
+              <a:ext cx="6388193" cy="5711938"/>
+            </a:xfrm>
+            <a:prstGeom prst="rect">
+              <a:avLst/>
+            </a:prstGeom>
+          </p:spPr>
+          <p:txBody>
+            <a:bodyPr vert="horz" lIns="88844" tIns="44422" rIns="88844" bIns="44422"/>
+            <a:lstStyle>
+              <a:lvl1pPr marL="742463" indent="-742463" algn="l" defTabSz="1979898" rtl="0" eaLnBrk="1" latinLnBrk="0" hangingPunct="1">
+                <a:spcBef>
+                  <a:spcPct val="20000"/>
+                </a:spcBef>
+                <a:buFont typeface="Arial" pitchFamily="34" charset="0"/>
+                <a:buChar char="•"/>
+                <a:defRPr sz="1500" kern="1200">
+                  <a:solidFill>
+                    <a:schemeClr val="tx1"/>
+                  </a:solidFill>
+                  <a:latin typeface="+mn-lt"/>
+                  <a:ea typeface="+mn-ea"/>
+                  <a:cs typeface="+mn-cs"/>
+                </a:defRPr>
+              </a:lvl1pPr>
+              <a:lvl2pPr marL="1608668" indent="-618719" algn="l" defTabSz="1979898" rtl="0" eaLnBrk="1" latinLnBrk="0" hangingPunct="1">
+                <a:spcBef>
+                  <a:spcPct val="20000"/>
+                </a:spcBef>
+                <a:buFont typeface="Arial" pitchFamily="34" charset="0"/>
+                <a:buChar char="–"/>
+                <a:defRPr sz="1500" kern="1200">
+                  <a:solidFill>
+                    <a:schemeClr val="tx1"/>
+                  </a:solidFill>
+                  <a:latin typeface="+mn-lt"/>
+                  <a:ea typeface="+mn-ea"/>
+                  <a:cs typeface="+mn-cs"/>
+                </a:defRPr>
+              </a:lvl2pPr>
+              <a:lvl3pPr marL="2474875" indent="-494975" algn="l" defTabSz="1979898" rtl="0" eaLnBrk="1" latinLnBrk="0" hangingPunct="1">
+                <a:spcBef>
+                  <a:spcPct val="20000"/>
+                </a:spcBef>
+                <a:buFont typeface="Arial" pitchFamily="34" charset="0"/>
+                <a:buChar char="•"/>
+                <a:defRPr sz="1500" kern="1200">
+                  <a:solidFill>
+                    <a:schemeClr val="tx1"/>
+                  </a:solidFill>
+                  <a:latin typeface="+mn-lt"/>
+                  <a:ea typeface="+mn-ea"/>
+                  <a:cs typeface="+mn-cs"/>
+                </a:defRPr>
+              </a:lvl3pPr>
+              <a:lvl4pPr marL="3464824" indent="-494975" algn="l" defTabSz="1979898" rtl="0" eaLnBrk="1" latinLnBrk="0" hangingPunct="1">
+                <a:spcBef>
+                  <a:spcPct val="20000"/>
+                </a:spcBef>
+                <a:buFont typeface="Arial" pitchFamily="34" charset="0"/>
+                <a:buChar char="–"/>
+                <a:defRPr sz="1500" kern="1200">
+                  <a:solidFill>
+                    <a:schemeClr val="tx1"/>
+                  </a:solidFill>
+                  <a:latin typeface="+mn-lt"/>
+                  <a:ea typeface="+mn-ea"/>
+                  <a:cs typeface="+mn-cs"/>
+                </a:defRPr>
+              </a:lvl4pPr>
+              <a:lvl5pPr marL="4454773" indent="-494975" algn="l" defTabSz="1979898" rtl="0" eaLnBrk="1" latinLnBrk="0" hangingPunct="1">
+                <a:spcBef>
+                  <a:spcPct val="20000"/>
+                </a:spcBef>
+                <a:buFont typeface="Arial" pitchFamily="34" charset="0"/>
+                <a:buChar char="»"/>
+                <a:defRPr sz="1500" kern="1200">
+                  <a:solidFill>
+                    <a:schemeClr val="tx1"/>
+                  </a:solidFill>
+                  <a:latin typeface="+mn-lt"/>
+                  <a:ea typeface="+mn-ea"/>
+                  <a:cs typeface="+mn-cs"/>
+                </a:defRPr>
+              </a:lvl5pPr>
+              <a:lvl6pPr marL="5444722" indent="-494975" algn="l" defTabSz="1979898" rtl="0" eaLnBrk="1" latinLnBrk="0" hangingPunct="1">
+                <a:spcBef>
+                  <a:spcPct val="20000"/>
+                </a:spcBef>
+                <a:buFont typeface="Arial" pitchFamily="34" charset="0"/>
+                <a:buChar char="•"/>
+                <a:defRPr sz="4400" kern="1200">
+                  <a:solidFill>
+                    <a:schemeClr val="tx1"/>
+                  </a:solidFill>
+                  <a:latin typeface="+mn-lt"/>
+                  <a:ea typeface="+mn-ea"/>
+                  <a:cs typeface="+mn-cs"/>
+                </a:defRPr>
+              </a:lvl6pPr>
+              <a:lvl7pPr marL="6434671" indent="-494975" algn="l" defTabSz="1979898" rtl="0" eaLnBrk="1" latinLnBrk="0" hangingPunct="1">
+                <a:spcBef>
+                  <a:spcPct val="20000"/>
+                </a:spcBef>
+                <a:buFont typeface="Arial" pitchFamily="34" charset="0"/>
+                <a:buChar char="•"/>
+                <a:defRPr sz="4400" kern="1200">
+                  <a:solidFill>
+                    <a:schemeClr val="tx1"/>
+                  </a:solidFill>
+                  <a:latin typeface="+mn-lt"/>
+                  <a:ea typeface="+mn-ea"/>
+                  <a:cs typeface="+mn-cs"/>
+                </a:defRPr>
+              </a:lvl7pPr>
+              <a:lvl8pPr marL="7424622" indent="-494975" algn="l" defTabSz="1979898" rtl="0" eaLnBrk="1" latinLnBrk="0" hangingPunct="1">
+                <a:spcBef>
+                  <a:spcPct val="20000"/>
+                </a:spcBef>
+                <a:buFont typeface="Arial" pitchFamily="34" charset="0"/>
+                <a:buChar char="•"/>
+                <a:defRPr sz="4400" kern="1200">
+                  <a:solidFill>
+                    <a:schemeClr val="tx1"/>
+                  </a:solidFill>
+                  <a:latin typeface="+mn-lt"/>
+                  <a:ea typeface="+mn-ea"/>
+                  <a:cs typeface="+mn-cs"/>
+                </a:defRPr>
+              </a:lvl8pPr>
+              <a:lvl9pPr marL="8414571" indent="-494975" algn="l" defTabSz="1979898" rtl="0" eaLnBrk="1" latinLnBrk="0" hangingPunct="1">
+                <a:spcBef>
+                  <a:spcPct val="20000"/>
+                </a:spcBef>
+                <a:buFont typeface="Arial" pitchFamily="34" charset="0"/>
+                <a:buChar char="•"/>
+                <a:defRPr sz="4400" kern="1200">
+                  <a:solidFill>
+                    <a:schemeClr val="tx1"/>
+                  </a:solidFill>
+                  <a:latin typeface="+mn-lt"/>
+                  <a:ea typeface="+mn-ea"/>
+                  <a:cs typeface="+mn-cs"/>
+                </a:defRPr>
+              </a:lvl9pPr>
+            </a:lstStyle>
+            <a:p>
+              <a:pPr marL="0" indent="0" algn="just">
+                <a:buFont typeface="Arial" pitchFamily="34" charset="0"/>
+                <a:buNone/>
+              </a:pPr>
+              <a:r>
+                <a:rPr lang="en-US" sz="2800" dirty="0"/>
+                <a:t>Overall, this meta-analysis supports the conclusion that the dopamine hypothesis is not a comprehensive mechanism for schizophrenia. While dopamine is involved in the HPA axis, it appears that the histocompatibility complex, which is also involved in autoimmune disorders [18], may also play a major role. In fact, further research in this area may support the argument that schizophrenia could be classified as both a mental disorder and an autoimmune disorder, which may lead to better and more specialized treatments.</a:t>
+              </a:r>
+            </a:p>
+          </p:txBody>
+        </p:sp>
+        <p:sp>
+          <p:nvSpPr>
+            <p:cNvPr id="61" name="Text Placeholder 4">
+              <a:extLst>
+                <a:ext uri="{FF2B5EF4-FFF2-40B4-BE49-F238E27FC236}">
+                  <a16:creationId xmlns:a16="http://schemas.microsoft.com/office/drawing/2014/main" id="{C0E1695A-5CF8-43B9-A2FF-512CD78280E2}"/>
+                </a:ext>
+              </a:extLst>
+            </p:cNvPr>
+            <p:cNvSpPr txBox="1">
+              <a:spLocks/>
+            </p:cNvSpPr>
+            <p:nvPr/>
+          </p:nvSpPr>
+          <p:spPr>
+            <a:xfrm>
+              <a:off x="20645121" y="7421880"/>
+              <a:ext cx="6388194" cy="502920"/>
+            </a:xfrm>
+            <a:prstGeom prst="rect">
+              <a:avLst/>
+            </a:prstGeom>
+            <a:solidFill>
+              <a:schemeClr val="accent2">
+                <a:lumMod val="40000"/>
+                <a:lumOff val="60000"/>
+              </a:schemeClr>
+            </a:solidFill>
+            <a:ln>
+              <a:noFill/>
+            </a:ln>
+          </p:spPr>
+          <p:txBody>
+            <a:bodyPr vert="horz" lIns="88844" tIns="44422" rIns="88844" bIns="44422"/>
+            <a:lstStyle>
+              <a:lvl1pPr marL="0" indent="0" algn="l" defTabSz="1979898" rtl="0" eaLnBrk="1" latinLnBrk="0" hangingPunct="1">
+                <a:spcBef>
+                  <a:spcPct val="20000"/>
+                </a:spcBef>
+                <a:buFont typeface="Arial" pitchFamily="34" charset="0"/>
+                <a:buNone/>
+                <a:defRPr sz="2400" b="1" kern="1200" baseline="0">
+                  <a:solidFill>
+                    <a:schemeClr val="bg1"/>
+                  </a:solidFill>
+                  <a:latin typeface="Arial"/>
+                  <a:ea typeface="+mn-ea"/>
+                  <a:cs typeface="Arial"/>
+                </a:defRPr>
+              </a:lvl1pPr>
+              <a:lvl2pPr marL="1608668" indent="-618719" algn="l" defTabSz="1979898" rtl="0" eaLnBrk="1" latinLnBrk="0" hangingPunct="1">
+                <a:spcBef>
+                  <a:spcPct val="20000"/>
+                </a:spcBef>
+                <a:buFont typeface="Arial" pitchFamily="34" charset="0"/>
+                <a:buChar char="–"/>
+                <a:defRPr sz="6100" kern="1200">
+                  <a:solidFill>
+                    <a:schemeClr val="tx1"/>
+                  </a:solidFill>
+                  <a:latin typeface="+mn-lt"/>
+                  <a:ea typeface="+mn-ea"/>
+                  <a:cs typeface="+mn-cs"/>
+                </a:defRPr>
+              </a:lvl2pPr>
+              <a:lvl3pPr marL="2474875" indent="-494975" algn="l" defTabSz="1979898" rtl="0" eaLnBrk="1" latinLnBrk="0" hangingPunct="1">
+                <a:spcBef>
+                  <a:spcPct val="20000"/>
+                </a:spcBef>
+                <a:buFont typeface="Arial" pitchFamily="34" charset="0"/>
+                <a:buChar char="•"/>
+                <a:defRPr sz="5100" kern="1200">
+                  <a:solidFill>
+                    <a:schemeClr val="tx1"/>
+                  </a:solidFill>
+                  <a:latin typeface="+mn-lt"/>
+                  <a:ea typeface="+mn-ea"/>
+                  <a:cs typeface="+mn-cs"/>
+                </a:defRPr>
+              </a:lvl3pPr>
+              <a:lvl4pPr marL="3464824" indent="-494975" algn="l" defTabSz="1979898" rtl="0" eaLnBrk="1" latinLnBrk="0" hangingPunct="1">
+                <a:spcBef>
+                  <a:spcPct val="20000"/>
+                </a:spcBef>
+                <a:buFont typeface="Arial" pitchFamily="34" charset="0"/>
+                <a:buChar char="–"/>
+                <a:defRPr sz="4400" kern="1200">
+                  <a:solidFill>
+                    <a:schemeClr val="tx1"/>
+                  </a:solidFill>
+                  <a:latin typeface="+mn-lt"/>
+                  <a:ea typeface="+mn-ea"/>
+                  <a:cs typeface="+mn-cs"/>
+                </a:defRPr>
+              </a:lvl4pPr>
+              <a:lvl5pPr marL="4454773" indent="-494975" algn="l" defTabSz="1979898" rtl="0" eaLnBrk="1" latinLnBrk="0" hangingPunct="1">
+                <a:spcBef>
+                  <a:spcPct val="20000"/>
+                </a:spcBef>
+                <a:buFont typeface="Arial" pitchFamily="34" charset="0"/>
+                <a:buChar char="»"/>
+                <a:defRPr sz="4400" kern="1200">
+                  <a:solidFill>
+                    <a:schemeClr val="tx1"/>
+                  </a:solidFill>
+                  <a:latin typeface="+mn-lt"/>
+                  <a:ea typeface="+mn-ea"/>
+                  <a:cs typeface="+mn-cs"/>
+                </a:defRPr>
+              </a:lvl5pPr>
+              <a:lvl6pPr marL="5444722" indent="-494975" algn="l" defTabSz="1979898" rtl="0" eaLnBrk="1" latinLnBrk="0" hangingPunct="1">
+                <a:spcBef>
+                  <a:spcPct val="20000"/>
+                </a:spcBef>
+                <a:buFont typeface="Arial" pitchFamily="34" charset="0"/>
+                <a:buChar char="•"/>
+                <a:defRPr sz="4400" kern="1200">
+                  <a:solidFill>
+                    <a:schemeClr val="tx1"/>
+                  </a:solidFill>
+                  <a:latin typeface="+mn-lt"/>
+                  <a:ea typeface="+mn-ea"/>
+                  <a:cs typeface="+mn-cs"/>
+                </a:defRPr>
+              </a:lvl6pPr>
+              <a:lvl7pPr marL="6434671" indent="-494975" algn="l" defTabSz="1979898" rtl="0" eaLnBrk="1" latinLnBrk="0" hangingPunct="1">
+                <a:spcBef>
+                  <a:spcPct val="20000"/>
+                </a:spcBef>
+                <a:buFont typeface="Arial" pitchFamily="34" charset="0"/>
+                <a:buChar char="•"/>
+                <a:defRPr sz="4400" kern="1200">
+                  <a:solidFill>
+                    <a:schemeClr val="tx1"/>
+                  </a:solidFill>
+                  <a:latin typeface="+mn-lt"/>
+                  <a:ea typeface="+mn-ea"/>
+                  <a:cs typeface="+mn-cs"/>
+                </a:defRPr>
+              </a:lvl7pPr>
+              <a:lvl8pPr marL="7424622" indent="-494975" algn="l" defTabSz="1979898" rtl="0" eaLnBrk="1" latinLnBrk="0" hangingPunct="1">
+                <a:spcBef>
+                  <a:spcPct val="20000"/>
+                </a:spcBef>
+                <a:buFont typeface="Arial" pitchFamily="34" charset="0"/>
+                <a:buChar char="•"/>
+                <a:defRPr sz="4400" kern="1200">
+                  <a:solidFill>
+                    <a:schemeClr val="tx1"/>
+                  </a:solidFill>
+                  <a:latin typeface="+mn-lt"/>
+                  <a:ea typeface="+mn-ea"/>
+                  <a:cs typeface="+mn-cs"/>
+                </a:defRPr>
+              </a:lvl8pPr>
+              <a:lvl9pPr marL="8414571" indent="-494975" algn="l" defTabSz="1979898" rtl="0" eaLnBrk="1" latinLnBrk="0" hangingPunct="1">
+                <a:spcBef>
+                  <a:spcPct val="20000"/>
+                </a:spcBef>
+                <a:buFont typeface="Arial" pitchFamily="34" charset="0"/>
+                <a:buChar char="•"/>
+                <a:defRPr sz="4400" kern="1200">
+                  <a:solidFill>
+                    <a:schemeClr val="tx1"/>
+                  </a:solidFill>
+                  <a:latin typeface="+mn-lt"/>
+                  <a:ea typeface="+mn-ea"/>
+                  <a:cs typeface="+mn-cs"/>
+                </a:defRPr>
+              </a:lvl9pPr>
+            </a:lstStyle>
+            <a:p>
+              <a:r>
+                <a:rPr lang="en-US" sz="2800" dirty="0">
+                  <a:solidFill>
+                    <a:schemeClr val="tx1"/>
+                  </a:solidFill>
+                  <a:latin typeface="+mn-lt"/>
+                </a:rPr>
+                <a:t>Discussion</a:t>
+              </a:r>
+              <a:endParaRPr lang="en-US" sz="2600" dirty="0">
                 <a:solidFill>
                   <a:schemeClr val="tx1"/>
                 </a:solidFill>
                 <a:latin typeface="+mn-lt"/>
-                <a:ea typeface="+mn-ea"/>
-                <a:cs typeface="+mn-cs"/>
-              </a:defRPr>
-            </a:lvl1pPr>
-            <a:lvl2pPr marL="1608668" indent="-618719" algn="l" defTabSz="1979898" rtl="0" eaLnBrk="1" latinLnBrk="0" hangingPunct="1">
-              <a:spcBef>
-                <a:spcPct val="20000"/>
-              </a:spcBef>
-              <a:buFont typeface="Arial" pitchFamily="34" charset="0"/>
-              <a:buChar char="–"/>
-              <a:defRPr sz="1500" kern="1200">
+              </a:endParaRPr>
+            </a:p>
+          </p:txBody>
+        </p:sp>
+        <p:sp>
+          <p:nvSpPr>
+            <p:cNvPr id="67" name="Text Placeholder 4">
+              <a:extLst>
+                <a:ext uri="{FF2B5EF4-FFF2-40B4-BE49-F238E27FC236}">
+                  <a16:creationId xmlns:a16="http://schemas.microsoft.com/office/drawing/2014/main" id="{12DCA909-9C58-496E-AA38-3F763995EEA7}"/>
+                </a:ext>
+              </a:extLst>
+            </p:cNvPr>
+            <p:cNvSpPr txBox="1">
+              <a:spLocks/>
+            </p:cNvSpPr>
+            <p:nvPr/>
+          </p:nvSpPr>
+          <p:spPr>
+            <a:xfrm>
+              <a:off x="20645120" y="13822680"/>
+              <a:ext cx="4317647" cy="502920"/>
+            </a:xfrm>
+            <a:prstGeom prst="rect">
+              <a:avLst/>
+            </a:prstGeom>
+            <a:solidFill>
+              <a:schemeClr val="accent2">
+                <a:lumMod val="40000"/>
+                <a:lumOff val="60000"/>
+              </a:schemeClr>
+            </a:solidFill>
+            <a:ln>
+              <a:noFill/>
+            </a:ln>
+          </p:spPr>
+          <p:txBody>
+            <a:bodyPr vert="horz" lIns="88844" tIns="44422" rIns="88844" bIns="44422"/>
+            <a:lstStyle>
+              <a:lvl1pPr marL="0" indent="0" algn="l" defTabSz="1979898" rtl="0" eaLnBrk="1" latinLnBrk="0" hangingPunct="1">
+                <a:spcBef>
+                  <a:spcPct val="20000"/>
+                </a:spcBef>
+                <a:buFont typeface="Arial" pitchFamily="34" charset="0"/>
+                <a:buNone/>
+                <a:defRPr sz="2400" b="1" kern="1200" baseline="0">
+                  <a:solidFill>
+                    <a:schemeClr val="bg1"/>
+                  </a:solidFill>
+                  <a:latin typeface="Arial"/>
+                  <a:ea typeface="+mn-ea"/>
+                  <a:cs typeface="Arial"/>
+                </a:defRPr>
+              </a:lvl1pPr>
+              <a:lvl2pPr marL="1608668" indent="-618719" algn="l" defTabSz="1979898" rtl="0" eaLnBrk="1" latinLnBrk="0" hangingPunct="1">
+                <a:spcBef>
+                  <a:spcPct val="20000"/>
+                </a:spcBef>
+                <a:buFont typeface="Arial" pitchFamily="34" charset="0"/>
+                <a:buChar char="–"/>
+                <a:defRPr sz="6100" kern="1200">
+                  <a:solidFill>
+                    <a:schemeClr val="tx1"/>
+                  </a:solidFill>
+                  <a:latin typeface="+mn-lt"/>
+                  <a:ea typeface="+mn-ea"/>
+                  <a:cs typeface="+mn-cs"/>
+                </a:defRPr>
+              </a:lvl2pPr>
+              <a:lvl3pPr marL="2474875" indent="-494975" algn="l" defTabSz="1979898" rtl="0" eaLnBrk="1" latinLnBrk="0" hangingPunct="1">
+                <a:spcBef>
+                  <a:spcPct val="20000"/>
+                </a:spcBef>
+                <a:buFont typeface="Arial" pitchFamily="34" charset="0"/>
+                <a:buChar char="•"/>
+                <a:defRPr sz="5100" kern="1200">
+                  <a:solidFill>
+                    <a:schemeClr val="tx1"/>
+                  </a:solidFill>
+                  <a:latin typeface="+mn-lt"/>
+                  <a:ea typeface="+mn-ea"/>
+                  <a:cs typeface="+mn-cs"/>
+                </a:defRPr>
+              </a:lvl3pPr>
+              <a:lvl4pPr marL="3464824" indent="-494975" algn="l" defTabSz="1979898" rtl="0" eaLnBrk="1" latinLnBrk="0" hangingPunct="1">
+                <a:spcBef>
+                  <a:spcPct val="20000"/>
+                </a:spcBef>
+                <a:buFont typeface="Arial" pitchFamily="34" charset="0"/>
+                <a:buChar char="–"/>
+                <a:defRPr sz="4400" kern="1200">
+                  <a:solidFill>
+                    <a:schemeClr val="tx1"/>
+                  </a:solidFill>
+                  <a:latin typeface="+mn-lt"/>
+                  <a:ea typeface="+mn-ea"/>
+                  <a:cs typeface="+mn-cs"/>
+                </a:defRPr>
+              </a:lvl4pPr>
+              <a:lvl5pPr marL="4454773" indent="-494975" algn="l" defTabSz="1979898" rtl="0" eaLnBrk="1" latinLnBrk="0" hangingPunct="1">
+                <a:spcBef>
+                  <a:spcPct val="20000"/>
+                </a:spcBef>
+                <a:buFont typeface="Arial" pitchFamily="34" charset="0"/>
+                <a:buChar char="»"/>
+                <a:defRPr sz="4400" kern="1200">
+                  <a:solidFill>
+                    <a:schemeClr val="tx1"/>
+                  </a:solidFill>
+                  <a:latin typeface="+mn-lt"/>
+                  <a:ea typeface="+mn-ea"/>
+                  <a:cs typeface="+mn-cs"/>
+                </a:defRPr>
+              </a:lvl5pPr>
+              <a:lvl6pPr marL="5444722" indent="-494975" algn="l" defTabSz="1979898" rtl="0" eaLnBrk="1" latinLnBrk="0" hangingPunct="1">
+                <a:spcBef>
+                  <a:spcPct val="20000"/>
+                </a:spcBef>
+                <a:buFont typeface="Arial" pitchFamily="34" charset="0"/>
+                <a:buChar char="•"/>
+                <a:defRPr sz="4400" kern="1200">
+                  <a:solidFill>
+                    <a:schemeClr val="tx1"/>
+                  </a:solidFill>
+                  <a:latin typeface="+mn-lt"/>
+                  <a:ea typeface="+mn-ea"/>
+                  <a:cs typeface="+mn-cs"/>
+                </a:defRPr>
+              </a:lvl6pPr>
+              <a:lvl7pPr marL="6434671" indent="-494975" algn="l" defTabSz="1979898" rtl="0" eaLnBrk="1" latinLnBrk="0" hangingPunct="1">
+                <a:spcBef>
+                  <a:spcPct val="20000"/>
+                </a:spcBef>
+                <a:buFont typeface="Arial" pitchFamily="34" charset="0"/>
+                <a:buChar char="•"/>
+                <a:defRPr sz="4400" kern="1200">
+                  <a:solidFill>
+                    <a:schemeClr val="tx1"/>
+                  </a:solidFill>
+                  <a:latin typeface="+mn-lt"/>
+                  <a:ea typeface="+mn-ea"/>
+                  <a:cs typeface="+mn-cs"/>
+                </a:defRPr>
+              </a:lvl7pPr>
+              <a:lvl8pPr marL="7424622" indent="-494975" algn="l" defTabSz="1979898" rtl="0" eaLnBrk="1" latinLnBrk="0" hangingPunct="1">
+                <a:spcBef>
+                  <a:spcPct val="20000"/>
+                </a:spcBef>
+                <a:buFont typeface="Arial" pitchFamily="34" charset="0"/>
+                <a:buChar char="•"/>
+                <a:defRPr sz="4400" kern="1200">
+                  <a:solidFill>
+                    <a:schemeClr val="tx1"/>
+                  </a:solidFill>
+                  <a:latin typeface="+mn-lt"/>
+                  <a:ea typeface="+mn-ea"/>
+                  <a:cs typeface="+mn-cs"/>
+                </a:defRPr>
+              </a:lvl8pPr>
+              <a:lvl9pPr marL="8414571" indent="-494975" algn="l" defTabSz="1979898" rtl="0" eaLnBrk="1" latinLnBrk="0" hangingPunct="1">
+                <a:spcBef>
+                  <a:spcPct val="20000"/>
+                </a:spcBef>
+                <a:buFont typeface="Arial" pitchFamily="34" charset="0"/>
+                <a:buChar char="•"/>
+                <a:defRPr sz="4400" kern="1200">
+                  <a:solidFill>
+                    <a:schemeClr val="tx1"/>
+                  </a:solidFill>
+                  <a:latin typeface="+mn-lt"/>
+                  <a:ea typeface="+mn-ea"/>
+                  <a:cs typeface="+mn-cs"/>
+                </a:defRPr>
+              </a:lvl9pPr>
+            </a:lstStyle>
+            <a:p>
+              <a:r>
+                <a:rPr lang="en-US" sz="2800" dirty="0">
+                  <a:solidFill>
+                    <a:schemeClr val="tx1"/>
+                  </a:solidFill>
+                  <a:latin typeface="+mn-lt"/>
+                </a:rPr>
+                <a:t>Acknowledgments</a:t>
+              </a:r>
+              <a:endParaRPr lang="en-US" sz="2600" dirty="0">
                 <a:solidFill>
                   <a:schemeClr val="tx1"/>
                 </a:solidFill>
                 <a:latin typeface="+mn-lt"/>
-                <a:ea typeface="+mn-ea"/>
-                <a:cs typeface="+mn-cs"/>
-              </a:defRPr>
-            </a:lvl2pPr>
-            <a:lvl3pPr marL="2474875" indent="-494975" algn="l" defTabSz="1979898" rtl="0" eaLnBrk="1" latinLnBrk="0" hangingPunct="1">
-              <a:spcBef>
-                <a:spcPct val="20000"/>
-              </a:spcBef>
-              <a:buFont typeface="Arial" pitchFamily="34" charset="0"/>
-              <a:buChar char="•"/>
-              <a:defRPr sz="1500" kern="1200">
+              </a:endParaRPr>
+            </a:p>
+          </p:txBody>
+        </p:sp>
+        <p:sp>
+          <p:nvSpPr>
+            <p:cNvPr id="21" name="Text Placeholder 4">
+              <a:extLst>
+                <a:ext uri="{FF2B5EF4-FFF2-40B4-BE49-F238E27FC236}">
+                  <a16:creationId xmlns:a16="http://schemas.microsoft.com/office/drawing/2014/main" id="{0D2D0237-D973-CB3F-A3F1-9F0805F7EE57}"/>
+                </a:ext>
+              </a:extLst>
+            </p:cNvPr>
+            <p:cNvSpPr txBox="1">
+              <a:spLocks/>
+            </p:cNvSpPr>
+            <p:nvPr/>
+          </p:nvSpPr>
+          <p:spPr>
+            <a:xfrm>
+              <a:off x="20645120" y="2478923"/>
+              <a:ext cx="6475152" cy="483712"/>
+            </a:xfrm>
+            <a:prstGeom prst="rect">
+              <a:avLst/>
+            </a:prstGeom>
+            <a:solidFill>
+              <a:schemeClr val="accent2">
+                <a:lumMod val="40000"/>
+                <a:lumOff val="60000"/>
+              </a:schemeClr>
+            </a:solidFill>
+            <a:ln>
+              <a:noFill/>
+            </a:ln>
+          </p:spPr>
+          <p:txBody>
+            <a:bodyPr vert="horz" lIns="88844" tIns="44422" rIns="88844" bIns="44422"/>
+            <a:lstStyle>
+              <a:lvl1pPr marL="0" indent="0" algn="l" defTabSz="1979898" rtl="0" eaLnBrk="1" latinLnBrk="0" hangingPunct="1">
+                <a:spcBef>
+                  <a:spcPct val="20000"/>
+                </a:spcBef>
+                <a:buFont typeface="Arial" pitchFamily="34" charset="0"/>
+                <a:buNone/>
+                <a:defRPr sz="2400" b="1" kern="1200" baseline="0">
+                  <a:solidFill>
+                    <a:schemeClr val="bg1"/>
+                  </a:solidFill>
+                  <a:latin typeface="Arial"/>
+                  <a:ea typeface="+mn-ea"/>
+                  <a:cs typeface="Arial"/>
+                </a:defRPr>
+              </a:lvl1pPr>
+              <a:lvl2pPr marL="1608668" indent="-618719" algn="l" defTabSz="1979898" rtl="0" eaLnBrk="1" latinLnBrk="0" hangingPunct="1">
+                <a:spcBef>
+                  <a:spcPct val="20000"/>
+                </a:spcBef>
+                <a:buFont typeface="Arial" pitchFamily="34" charset="0"/>
+                <a:buChar char="–"/>
+                <a:defRPr sz="6100" kern="1200">
+                  <a:solidFill>
+                    <a:schemeClr val="tx1"/>
+                  </a:solidFill>
+                  <a:latin typeface="+mn-lt"/>
+                  <a:ea typeface="+mn-ea"/>
+                  <a:cs typeface="+mn-cs"/>
+                </a:defRPr>
+              </a:lvl2pPr>
+              <a:lvl3pPr marL="2474875" indent="-494975" algn="l" defTabSz="1979898" rtl="0" eaLnBrk="1" latinLnBrk="0" hangingPunct="1">
+                <a:spcBef>
+                  <a:spcPct val="20000"/>
+                </a:spcBef>
+                <a:buFont typeface="Arial" pitchFamily="34" charset="0"/>
+                <a:buChar char="•"/>
+                <a:defRPr sz="5100" kern="1200">
+                  <a:solidFill>
+                    <a:schemeClr val="tx1"/>
+                  </a:solidFill>
+                  <a:latin typeface="+mn-lt"/>
+                  <a:ea typeface="+mn-ea"/>
+                  <a:cs typeface="+mn-cs"/>
+                </a:defRPr>
+              </a:lvl3pPr>
+              <a:lvl4pPr marL="3464824" indent="-494975" algn="l" defTabSz="1979898" rtl="0" eaLnBrk="1" latinLnBrk="0" hangingPunct="1">
+                <a:spcBef>
+                  <a:spcPct val="20000"/>
+                </a:spcBef>
+                <a:buFont typeface="Arial" pitchFamily="34" charset="0"/>
+                <a:buChar char="–"/>
+                <a:defRPr sz="4400" kern="1200">
+                  <a:solidFill>
+                    <a:schemeClr val="tx1"/>
+                  </a:solidFill>
+                  <a:latin typeface="+mn-lt"/>
+                  <a:ea typeface="+mn-ea"/>
+                  <a:cs typeface="+mn-cs"/>
+                </a:defRPr>
+              </a:lvl4pPr>
+              <a:lvl5pPr marL="4454773" indent="-494975" algn="l" defTabSz="1979898" rtl="0" eaLnBrk="1" latinLnBrk="0" hangingPunct="1">
+                <a:spcBef>
+                  <a:spcPct val="20000"/>
+                </a:spcBef>
+                <a:buFont typeface="Arial" pitchFamily="34" charset="0"/>
+                <a:buChar char="»"/>
+                <a:defRPr sz="4400" kern="1200">
+                  <a:solidFill>
+                    <a:schemeClr val="tx1"/>
+                  </a:solidFill>
+                  <a:latin typeface="+mn-lt"/>
+                  <a:ea typeface="+mn-ea"/>
+                  <a:cs typeface="+mn-cs"/>
+                </a:defRPr>
+              </a:lvl5pPr>
+              <a:lvl6pPr marL="5444722" indent="-494975" algn="l" defTabSz="1979898" rtl="0" eaLnBrk="1" latinLnBrk="0" hangingPunct="1">
+                <a:spcBef>
+                  <a:spcPct val="20000"/>
+                </a:spcBef>
+                <a:buFont typeface="Arial" pitchFamily="34" charset="0"/>
+                <a:buChar char="•"/>
+                <a:defRPr sz="4400" kern="1200">
+                  <a:solidFill>
+                    <a:schemeClr val="tx1"/>
+                  </a:solidFill>
+                  <a:latin typeface="+mn-lt"/>
+                  <a:ea typeface="+mn-ea"/>
+                  <a:cs typeface="+mn-cs"/>
+                </a:defRPr>
+              </a:lvl6pPr>
+              <a:lvl7pPr marL="6434671" indent="-494975" algn="l" defTabSz="1979898" rtl="0" eaLnBrk="1" latinLnBrk="0" hangingPunct="1">
+                <a:spcBef>
+                  <a:spcPct val="20000"/>
+                </a:spcBef>
+                <a:buFont typeface="Arial" pitchFamily="34" charset="0"/>
+                <a:buChar char="•"/>
+                <a:defRPr sz="4400" kern="1200">
+                  <a:solidFill>
+                    <a:schemeClr val="tx1"/>
+                  </a:solidFill>
+                  <a:latin typeface="+mn-lt"/>
+                  <a:ea typeface="+mn-ea"/>
+                  <a:cs typeface="+mn-cs"/>
+                </a:defRPr>
+              </a:lvl7pPr>
+              <a:lvl8pPr marL="7424622" indent="-494975" algn="l" defTabSz="1979898" rtl="0" eaLnBrk="1" latinLnBrk="0" hangingPunct="1">
+                <a:spcBef>
+                  <a:spcPct val="20000"/>
+                </a:spcBef>
+                <a:buFont typeface="Arial" pitchFamily="34" charset="0"/>
+                <a:buChar char="•"/>
+                <a:defRPr sz="4400" kern="1200">
+                  <a:solidFill>
+                    <a:schemeClr val="tx1"/>
+                  </a:solidFill>
+                  <a:latin typeface="+mn-lt"/>
+                  <a:ea typeface="+mn-ea"/>
+                  <a:cs typeface="+mn-cs"/>
+                </a:defRPr>
+              </a:lvl8pPr>
+              <a:lvl9pPr marL="8414571" indent="-494975" algn="l" defTabSz="1979898" rtl="0" eaLnBrk="1" latinLnBrk="0" hangingPunct="1">
+                <a:spcBef>
+                  <a:spcPct val="20000"/>
+                </a:spcBef>
+                <a:buFont typeface="Arial" pitchFamily="34" charset="0"/>
+                <a:buChar char="•"/>
+                <a:defRPr sz="4400" kern="1200">
+                  <a:solidFill>
+                    <a:schemeClr val="tx1"/>
+                  </a:solidFill>
+                  <a:latin typeface="+mn-lt"/>
+                  <a:ea typeface="+mn-ea"/>
+                  <a:cs typeface="+mn-cs"/>
+                </a:defRPr>
+              </a:lvl9pPr>
+            </a:lstStyle>
+            <a:p>
+              <a:r>
+                <a:rPr lang="en-US" sz="2800" dirty="0">
+                  <a:solidFill>
+                    <a:schemeClr val="tx1"/>
+                  </a:solidFill>
+                  <a:latin typeface="+mn-lt"/>
+                </a:rPr>
+                <a:t>Analysis</a:t>
+              </a:r>
+            </a:p>
+          </p:txBody>
+        </p:sp>
+        <p:sp>
+          <p:nvSpPr>
+            <p:cNvPr id="22" name="Text Placeholder 11">
+              <a:extLst>
+                <a:ext uri="{FF2B5EF4-FFF2-40B4-BE49-F238E27FC236}">
+                  <a16:creationId xmlns:a16="http://schemas.microsoft.com/office/drawing/2014/main" id="{A675FEAC-BB8C-9AB5-6A97-20BCD705272A}"/>
+                </a:ext>
+              </a:extLst>
+            </p:cNvPr>
+            <p:cNvSpPr txBox="1">
+              <a:spLocks/>
+            </p:cNvSpPr>
+            <p:nvPr/>
+          </p:nvSpPr>
+          <p:spPr>
+            <a:xfrm>
+              <a:off x="20646320" y="2981843"/>
+              <a:ext cx="6388193" cy="4345073"/>
+            </a:xfrm>
+            <a:prstGeom prst="rect">
+              <a:avLst/>
+            </a:prstGeom>
+          </p:spPr>
+          <p:txBody>
+            <a:bodyPr vert="horz" lIns="88844" tIns="44422" rIns="88844" bIns="44422"/>
+            <a:lstStyle>
+              <a:lvl1pPr marL="742463" indent="-742463" algn="l" defTabSz="1979898" rtl="0" eaLnBrk="1" latinLnBrk="0" hangingPunct="1">
+                <a:spcBef>
+                  <a:spcPct val="20000"/>
+                </a:spcBef>
+                <a:buFont typeface="Arial" pitchFamily="34" charset="0"/>
+                <a:buChar char="•"/>
+                <a:defRPr sz="1500" kern="1200">
+                  <a:solidFill>
+                    <a:schemeClr val="tx1"/>
+                  </a:solidFill>
+                  <a:latin typeface="+mn-lt"/>
+                  <a:ea typeface="+mn-ea"/>
+                  <a:cs typeface="+mn-cs"/>
+                </a:defRPr>
+              </a:lvl1pPr>
+              <a:lvl2pPr marL="1608668" indent="-618719" algn="l" defTabSz="1979898" rtl="0" eaLnBrk="1" latinLnBrk="0" hangingPunct="1">
+                <a:spcBef>
+                  <a:spcPct val="20000"/>
+                </a:spcBef>
+                <a:buFont typeface="Arial" pitchFamily="34" charset="0"/>
+                <a:buChar char="–"/>
+                <a:defRPr sz="1500" kern="1200">
+                  <a:solidFill>
+                    <a:schemeClr val="tx1"/>
+                  </a:solidFill>
+                  <a:latin typeface="+mn-lt"/>
+                  <a:ea typeface="+mn-ea"/>
+                  <a:cs typeface="+mn-cs"/>
+                </a:defRPr>
+              </a:lvl2pPr>
+              <a:lvl3pPr marL="2474875" indent="-494975" algn="l" defTabSz="1979898" rtl="0" eaLnBrk="1" latinLnBrk="0" hangingPunct="1">
+                <a:spcBef>
+                  <a:spcPct val="20000"/>
+                </a:spcBef>
+                <a:buFont typeface="Arial" pitchFamily="34" charset="0"/>
+                <a:buChar char="•"/>
+                <a:defRPr sz="1500" kern="1200">
+                  <a:solidFill>
+                    <a:schemeClr val="tx1"/>
+                  </a:solidFill>
+                  <a:latin typeface="+mn-lt"/>
+                  <a:ea typeface="+mn-ea"/>
+                  <a:cs typeface="+mn-cs"/>
+                </a:defRPr>
+              </a:lvl3pPr>
+              <a:lvl4pPr marL="3464824" indent="-494975" algn="l" defTabSz="1979898" rtl="0" eaLnBrk="1" latinLnBrk="0" hangingPunct="1">
+                <a:spcBef>
+                  <a:spcPct val="20000"/>
+                </a:spcBef>
+                <a:buFont typeface="Arial" pitchFamily="34" charset="0"/>
+                <a:buChar char="–"/>
+                <a:defRPr sz="1500" kern="1200">
+                  <a:solidFill>
+                    <a:schemeClr val="tx1"/>
+                  </a:solidFill>
+                  <a:latin typeface="+mn-lt"/>
+                  <a:ea typeface="+mn-ea"/>
+                  <a:cs typeface="+mn-cs"/>
+                </a:defRPr>
+              </a:lvl4pPr>
+              <a:lvl5pPr marL="4454773" indent="-494975" algn="l" defTabSz="1979898" rtl="0" eaLnBrk="1" latinLnBrk="0" hangingPunct="1">
+                <a:spcBef>
+                  <a:spcPct val="20000"/>
+                </a:spcBef>
+                <a:buFont typeface="Arial" pitchFamily="34" charset="0"/>
+                <a:buChar char="»"/>
+                <a:defRPr sz="1500" kern="1200">
+                  <a:solidFill>
+                    <a:schemeClr val="tx1"/>
+                  </a:solidFill>
+                  <a:latin typeface="+mn-lt"/>
+                  <a:ea typeface="+mn-ea"/>
+                  <a:cs typeface="+mn-cs"/>
+                </a:defRPr>
+              </a:lvl5pPr>
+              <a:lvl6pPr marL="5444722" indent="-494975" algn="l" defTabSz="1979898" rtl="0" eaLnBrk="1" latinLnBrk="0" hangingPunct="1">
+                <a:spcBef>
+                  <a:spcPct val="20000"/>
+                </a:spcBef>
+                <a:buFont typeface="Arial" pitchFamily="34" charset="0"/>
+                <a:buChar char="•"/>
+                <a:defRPr sz="4400" kern="1200">
+                  <a:solidFill>
+                    <a:schemeClr val="tx1"/>
+                  </a:solidFill>
+                  <a:latin typeface="+mn-lt"/>
+                  <a:ea typeface="+mn-ea"/>
+                  <a:cs typeface="+mn-cs"/>
+                </a:defRPr>
+              </a:lvl6pPr>
+              <a:lvl7pPr marL="6434671" indent="-494975" algn="l" defTabSz="1979898" rtl="0" eaLnBrk="1" latinLnBrk="0" hangingPunct="1">
+                <a:spcBef>
+                  <a:spcPct val="20000"/>
+                </a:spcBef>
+                <a:buFont typeface="Arial" pitchFamily="34" charset="0"/>
+                <a:buChar char="•"/>
+                <a:defRPr sz="4400" kern="1200">
+                  <a:solidFill>
+                    <a:schemeClr val="tx1"/>
+                  </a:solidFill>
+                  <a:latin typeface="+mn-lt"/>
+                  <a:ea typeface="+mn-ea"/>
+                  <a:cs typeface="+mn-cs"/>
+                </a:defRPr>
+              </a:lvl7pPr>
+              <a:lvl8pPr marL="7424622" indent="-494975" algn="l" defTabSz="1979898" rtl="0" eaLnBrk="1" latinLnBrk="0" hangingPunct="1">
+                <a:spcBef>
+                  <a:spcPct val="20000"/>
+                </a:spcBef>
+                <a:buFont typeface="Arial" pitchFamily="34" charset="0"/>
+                <a:buChar char="•"/>
+                <a:defRPr sz="4400" kern="1200">
+                  <a:solidFill>
+                    <a:schemeClr val="tx1"/>
+                  </a:solidFill>
+                  <a:latin typeface="+mn-lt"/>
+                  <a:ea typeface="+mn-ea"/>
+                  <a:cs typeface="+mn-cs"/>
+                </a:defRPr>
+              </a:lvl8pPr>
+              <a:lvl9pPr marL="8414571" indent="-494975" algn="l" defTabSz="1979898" rtl="0" eaLnBrk="1" latinLnBrk="0" hangingPunct="1">
+                <a:spcBef>
+                  <a:spcPct val="20000"/>
+                </a:spcBef>
+                <a:buFont typeface="Arial" pitchFamily="34" charset="0"/>
+                <a:buChar char="•"/>
+                <a:defRPr sz="4400" kern="1200">
+                  <a:solidFill>
+                    <a:schemeClr val="tx1"/>
+                  </a:solidFill>
+                  <a:latin typeface="+mn-lt"/>
+                  <a:ea typeface="+mn-ea"/>
+                  <a:cs typeface="+mn-cs"/>
+                </a:defRPr>
+              </a:lvl9pPr>
+            </a:lstStyle>
+            <a:p>
+              <a:pPr marL="0" indent="0" algn="just">
+                <a:buFont typeface="Arial" pitchFamily="34" charset="0"/>
+                <a:buNone/>
+              </a:pPr>
+              <a:r>
+                <a:rPr lang="en-US" sz="2800" dirty="0"/>
+                <a:t>This study found that 42.7% of disorders consistent with common schizophrenia SNPs are autoimmune and approximately 88% of the SNPs on Chr 6 were within the histocompatibility complex. This provides significant evidence that implicated genes in schizophrenia may be related to those involved in the hypothalamic-pituitary-adrenal (HPA) axis, autoimmune disorders, and the histocompatibility complex.</a:t>
+              </a:r>
+            </a:p>
+          </p:txBody>
+        </p:sp>
+        <p:sp>
+          <p:nvSpPr>
+            <p:cNvPr id="3" name="Text Placeholder 13">
+              <a:extLst>
+                <a:ext uri="{FF2B5EF4-FFF2-40B4-BE49-F238E27FC236}">
+                  <a16:creationId xmlns:a16="http://schemas.microsoft.com/office/drawing/2014/main" id="{94758D2D-7B0E-AB10-0C1A-9B611FB7D965}"/>
+                </a:ext>
+              </a:extLst>
+            </p:cNvPr>
+            <p:cNvSpPr txBox="1">
+              <a:spLocks/>
+            </p:cNvSpPr>
+            <p:nvPr/>
+          </p:nvSpPr>
+          <p:spPr>
+            <a:xfrm>
+              <a:off x="20644393" y="14478000"/>
+              <a:ext cx="4410167" cy="1557234"/>
+            </a:xfrm>
+            <a:prstGeom prst="rect">
+              <a:avLst/>
+            </a:prstGeom>
+          </p:spPr>
+          <p:txBody>
+            <a:bodyPr vert="horz" lIns="88844" tIns="44422" rIns="88844" bIns="44422"/>
+            <a:lstStyle>
+              <a:lvl1pPr marL="0" indent="0" algn="l" defTabSz="1979898" rtl="0" eaLnBrk="1" latinLnBrk="0" hangingPunct="1">
+                <a:spcBef>
+                  <a:spcPct val="20000"/>
+                </a:spcBef>
+                <a:buFont typeface="Arial" pitchFamily="34" charset="0"/>
+                <a:buNone/>
+                <a:defRPr sz="1500" kern="1200" baseline="0">
+                  <a:solidFill>
+                    <a:schemeClr val="tx1"/>
+                  </a:solidFill>
+                  <a:latin typeface="+mn-lt"/>
+                  <a:ea typeface="+mn-ea"/>
+                  <a:cs typeface="+mn-cs"/>
+                </a:defRPr>
+              </a:lvl1pPr>
+              <a:lvl2pPr marL="225196" indent="0" algn="l" defTabSz="1979898" rtl="0" eaLnBrk="1" latinLnBrk="0" hangingPunct="1">
+                <a:spcBef>
+                  <a:spcPct val="20000"/>
+                </a:spcBef>
+                <a:buFont typeface="Arial" pitchFamily="34" charset="0"/>
+                <a:buNone/>
+                <a:defRPr sz="1500" kern="1200">
+                  <a:solidFill>
+                    <a:schemeClr val="tx1"/>
+                  </a:solidFill>
+                  <a:latin typeface="+mn-lt"/>
+                  <a:ea typeface="+mn-ea"/>
+                  <a:cs typeface="+mn-cs"/>
+                </a:defRPr>
+              </a:lvl2pPr>
+              <a:lvl3pPr marL="2474875" indent="-494975" algn="l" defTabSz="1979898" rtl="0" eaLnBrk="1" latinLnBrk="0" hangingPunct="1">
+                <a:spcBef>
+                  <a:spcPct val="20000"/>
+                </a:spcBef>
+                <a:buFont typeface="Arial" pitchFamily="34" charset="0"/>
+                <a:buChar char="•"/>
+                <a:defRPr sz="1500" kern="1200">
+                  <a:solidFill>
+                    <a:schemeClr val="tx1"/>
+                  </a:solidFill>
+                  <a:latin typeface="+mn-lt"/>
+                  <a:ea typeface="+mn-ea"/>
+                  <a:cs typeface="+mn-cs"/>
+                </a:defRPr>
+              </a:lvl3pPr>
+              <a:lvl4pPr marL="3464824" indent="-494975" algn="l" defTabSz="1979898" rtl="0" eaLnBrk="1" latinLnBrk="0" hangingPunct="1">
+                <a:spcBef>
+                  <a:spcPct val="20000"/>
+                </a:spcBef>
+                <a:buFont typeface="Arial" pitchFamily="34" charset="0"/>
+                <a:buChar char="–"/>
+                <a:defRPr sz="1500" kern="1200">
+                  <a:solidFill>
+                    <a:schemeClr val="tx1"/>
+                  </a:solidFill>
+                  <a:latin typeface="+mn-lt"/>
+                  <a:ea typeface="+mn-ea"/>
+                  <a:cs typeface="+mn-cs"/>
+                </a:defRPr>
+              </a:lvl4pPr>
+              <a:lvl5pPr marL="4454773" indent="-494975" algn="l" defTabSz="1979898" rtl="0" eaLnBrk="1" latinLnBrk="0" hangingPunct="1">
+                <a:spcBef>
+                  <a:spcPct val="20000"/>
+                </a:spcBef>
+                <a:buFont typeface="Arial" pitchFamily="34" charset="0"/>
+                <a:buChar char="»"/>
+                <a:defRPr sz="1500" kern="1200">
+                  <a:solidFill>
+                    <a:schemeClr val="tx1"/>
+                  </a:solidFill>
+                  <a:latin typeface="+mn-lt"/>
+                  <a:ea typeface="+mn-ea"/>
+                  <a:cs typeface="+mn-cs"/>
+                </a:defRPr>
+              </a:lvl5pPr>
+              <a:lvl6pPr marL="5444722" indent="-494975" algn="l" defTabSz="1979898" rtl="0" eaLnBrk="1" latinLnBrk="0" hangingPunct="1">
+                <a:spcBef>
+                  <a:spcPct val="20000"/>
+                </a:spcBef>
+                <a:buFont typeface="Arial" pitchFamily="34" charset="0"/>
+                <a:buChar char="•"/>
+                <a:defRPr sz="4400" kern="1200">
+                  <a:solidFill>
+                    <a:schemeClr val="tx1"/>
+                  </a:solidFill>
+                  <a:latin typeface="+mn-lt"/>
+                  <a:ea typeface="+mn-ea"/>
+                  <a:cs typeface="+mn-cs"/>
+                </a:defRPr>
+              </a:lvl6pPr>
+              <a:lvl7pPr marL="6434671" indent="-494975" algn="l" defTabSz="1979898" rtl="0" eaLnBrk="1" latinLnBrk="0" hangingPunct="1">
+                <a:spcBef>
+                  <a:spcPct val="20000"/>
+                </a:spcBef>
+                <a:buFont typeface="Arial" pitchFamily="34" charset="0"/>
+                <a:buChar char="•"/>
+                <a:defRPr sz="4400" kern="1200">
+                  <a:solidFill>
+                    <a:schemeClr val="tx1"/>
+                  </a:solidFill>
+                  <a:latin typeface="+mn-lt"/>
+                  <a:ea typeface="+mn-ea"/>
+                  <a:cs typeface="+mn-cs"/>
+                </a:defRPr>
+              </a:lvl7pPr>
+              <a:lvl8pPr marL="7424622" indent="-494975" algn="l" defTabSz="1979898" rtl="0" eaLnBrk="1" latinLnBrk="0" hangingPunct="1">
+                <a:spcBef>
+                  <a:spcPct val="20000"/>
+                </a:spcBef>
+                <a:buFont typeface="Arial" pitchFamily="34" charset="0"/>
+                <a:buChar char="•"/>
+                <a:defRPr sz="4400" kern="1200">
+                  <a:solidFill>
+                    <a:schemeClr val="tx1"/>
+                  </a:solidFill>
+                  <a:latin typeface="+mn-lt"/>
+                  <a:ea typeface="+mn-ea"/>
+                  <a:cs typeface="+mn-cs"/>
+                </a:defRPr>
+              </a:lvl8pPr>
+              <a:lvl9pPr marL="8414571" indent="-494975" algn="l" defTabSz="1979898" rtl="0" eaLnBrk="1" latinLnBrk="0" hangingPunct="1">
+                <a:spcBef>
+                  <a:spcPct val="20000"/>
+                </a:spcBef>
+                <a:buFont typeface="Arial" pitchFamily="34" charset="0"/>
+                <a:buChar char="•"/>
+                <a:defRPr sz="4400" kern="1200">
+                  <a:solidFill>
+                    <a:schemeClr val="tx1"/>
+                  </a:solidFill>
+                  <a:latin typeface="+mn-lt"/>
+                  <a:ea typeface="+mn-ea"/>
+                  <a:cs typeface="+mn-cs"/>
+                </a:defRPr>
+              </a:lvl9pPr>
+            </a:lstStyle>
+            <a:p>
+              <a:pPr algn="just"/>
+              <a:r>
+                <a:rPr lang="en-US" sz="2800" dirty="0"/>
+                <a:t>Thank you to Dr. Casey Hansen for her guidance throughout this process.</a:t>
+              </a:r>
+            </a:p>
+          </p:txBody>
+        </p:sp>
+        <p:sp>
+          <p:nvSpPr>
+            <p:cNvPr id="4" name="Text Placeholder 4">
+              <a:extLst>
+                <a:ext uri="{FF2B5EF4-FFF2-40B4-BE49-F238E27FC236}">
+                  <a16:creationId xmlns:a16="http://schemas.microsoft.com/office/drawing/2014/main" id="{592F3E7D-E1F7-C0AA-FE44-A3F967E88A83}"/>
+                </a:ext>
+              </a:extLst>
+            </p:cNvPr>
+            <p:cNvSpPr txBox="1">
+              <a:spLocks/>
+            </p:cNvSpPr>
+            <p:nvPr/>
+          </p:nvSpPr>
+          <p:spPr>
+            <a:xfrm>
+              <a:off x="25146000" y="13825776"/>
+              <a:ext cx="1887315" cy="499824"/>
+            </a:xfrm>
+            <a:prstGeom prst="rect">
+              <a:avLst/>
+            </a:prstGeom>
+            <a:solidFill>
+              <a:schemeClr val="accent2">
+                <a:lumMod val="40000"/>
+                <a:lumOff val="60000"/>
+              </a:schemeClr>
+            </a:solidFill>
+            <a:ln>
+              <a:noFill/>
+            </a:ln>
+          </p:spPr>
+          <p:txBody>
+            <a:bodyPr vert="horz" lIns="88844" tIns="44422" rIns="88844" bIns="44422"/>
+            <a:lstStyle>
+              <a:lvl1pPr marL="0" indent="0" algn="l" defTabSz="1979898" rtl="0" eaLnBrk="1" latinLnBrk="0" hangingPunct="1">
+                <a:spcBef>
+                  <a:spcPct val="20000"/>
+                </a:spcBef>
+                <a:buFont typeface="Arial" pitchFamily="34" charset="0"/>
+                <a:buNone/>
+                <a:defRPr sz="2400" b="1" kern="1200" baseline="0">
+                  <a:solidFill>
+                    <a:schemeClr val="bg1"/>
+                  </a:solidFill>
+                  <a:latin typeface="Arial"/>
+                  <a:ea typeface="+mn-ea"/>
+                  <a:cs typeface="Arial"/>
+                </a:defRPr>
+              </a:lvl1pPr>
+              <a:lvl2pPr marL="1608668" indent="-618719" algn="l" defTabSz="1979898" rtl="0" eaLnBrk="1" latinLnBrk="0" hangingPunct="1">
+                <a:spcBef>
+                  <a:spcPct val="20000"/>
+                </a:spcBef>
+                <a:buFont typeface="Arial" pitchFamily="34" charset="0"/>
+                <a:buChar char="–"/>
+                <a:defRPr sz="6100" kern="1200">
+                  <a:solidFill>
+                    <a:schemeClr val="tx1"/>
+                  </a:solidFill>
+                  <a:latin typeface="+mn-lt"/>
+                  <a:ea typeface="+mn-ea"/>
+                  <a:cs typeface="+mn-cs"/>
+                </a:defRPr>
+              </a:lvl2pPr>
+              <a:lvl3pPr marL="2474875" indent="-494975" algn="l" defTabSz="1979898" rtl="0" eaLnBrk="1" latinLnBrk="0" hangingPunct="1">
+                <a:spcBef>
+                  <a:spcPct val="20000"/>
+                </a:spcBef>
+                <a:buFont typeface="Arial" pitchFamily="34" charset="0"/>
+                <a:buChar char="•"/>
+                <a:defRPr sz="5100" kern="1200">
+                  <a:solidFill>
+                    <a:schemeClr val="tx1"/>
+                  </a:solidFill>
+                  <a:latin typeface="+mn-lt"/>
+                  <a:ea typeface="+mn-ea"/>
+                  <a:cs typeface="+mn-cs"/>
+                </a:defRPr>
+              </a:lvl3pPr>
+              <a:lvl4pPr marL="3464824" indent="-494975" algn="l" defTabSz="1979898" rtl="0" eaLnBrk="1" latinLnBrk="0" hangingPunct="1">
+                <a:spcBef>
+                  <a:spcPct val="20000"/>
+                </a:spcBef>
+                <a:buFont typeface="Arial" pitchFamily="34" charset="0"/>
+                <a:buChar char="–"/>
+                <a:defRPr sz="4400" kern="1200">
+                  <a:solidFill>
+                    <a:schemeClr val="tx1"/>
+                  </a:solidFill>
+                  <a:latin typeface="+mn-lt"/>
+                  <a:ea typeface="+mn-ea"/>
+                  <a:cs typeface="+mn-cs"/>
+                </a:defRPr>
+              </a:lvl4pPr>
+              <a:lvl5pPr marL="4454773" indent="-494975" algn="l" defTabSz="1979898" rtl="0" eaLnBrk="1" latinLnBrk="0" hangingPunct="1">
+                <a:spcBef>
+                  <a:spcPct val="20000"/>
+                </a:spcBef>
+                <a:buFont typeface="Arial" pitchFamily="34" charset="0"/>
+                <a:buChar char="»"/>
+                <a:defRPr sz="4400" kern="1200">
+                  <a:solidFill>
+                    <a:schemeClr val="tx1"/>
+                  </a:solidFill>
+                  <a:latin typeface="+mn-lt"/>
+                  <a:ea typeface="+mn-ea"/>
+                  <a:cs typeface="+mn-cs"/>
+                </a:defRPr>
+              </a:lvl5pPr>
+              <a:lvl6pPr marL="5444722" indent="-494975" algn="l" defTabSz="1979898" rtl="0" eaLnBrk="1" latinLnBrk="0" hangingPunct="1">
+                <a:spcBef>
+                  <a:spcPct val="20000"/>
+                </a:spcBef>
+                <a:buFont typeface="Arial" pitchFamily="34" charset="0"/>
+                <a:buChar char="•"/>
+                <a:defRPr sz="4400" kern="1200">
+                  <a:solidFill>
+                    <a:schemeClr val="tx1"/>
+                  </a:solidFill>
+                  <a:latin typeface="+mn-lt"/>
+                  <a:ea typeface="+mn-ea"/>
+                  <a:cs typeface="+mn-cs"/>
+                </a:defRPr>
+              </a:lvl6pPr>
+              <a:lvl7pPr marL="6434671" indent="-494975" algn="l" defTabSz="1979898" rtl="0" eaLnBrk="1" latinLnBrk="0" hangingPunct="1">
+                <a:spcBef>
+                  <a:spcPct val="20000"/>
+                </a:spcBef>
+                <a:buFont typeface="Arial" pitchFamily="34" charset="0"/>
+                <a:buChar char="•"/>
+                <a:defRPr sz="4400" kern="1200">
+                  <a:solidFill>
+                    <a:schemeClr val="tx1"/>
+                  </a:solidFill>
+                  <a:latin typeface="+mn-lt"/>
+                  <a:ea typeface="+mn-ea"/>
+                  <a:cs typeface="+mn-cs"/>
+                </a:defRPr>
+              </a:lvl7pPr>
+              <a:lvl8pPr marL="7424622" indent="-494975" algn="l" defTabSz="1979898" rtl="0" eaLnBrk="1" latinLnBrk="0" hangingPunct="1">
+                <a:spcBef>
+                  <a:spcPct val="20000"/>
+                </a:spcBef>
+                <a:buFont typeface="Arial" pitchFamily="34" charset="0"/>
+                <a:buChar char="•"/>
+                <a:defRPr sz="4400" kern="1200">
+                  <a:solidFill>
+                    <a:schemeClr val="tx1"/>
+                  </a:solidFill>
+                  <a:latin typeface="+mn-lt"/>
+                  <a:ea typeface="+mn-ea"/>
+                  <a:cs typeface="+mn-cs"/>
+                </a:defRPr>
+              </a:lvl8pPr>
+              <a:lvl9pPr marL="8414571" indent="-494975" algn="l" defTabSz="1979898" rtl="0" eaLnBrk="1" latinLnBrk="0" hangingPunct="1">
+                <a:spcBef>
+                  <a:spcPct val="20000"/>
+                </a:spcBef>
+                <a:buFont typeface="Arial" pitchFamily="34" charset="0"/>
+                <a:buChar char="•"/>
+                <a:defRPr sz="4400" kern="1200">
+                  <a:solidFill>
+                    <a:schemeClr val="tx1"/>
+                  </a:solidFill>
+                  <a:latin typeface="+mn-lt"/>
+                  <a:ea typeface="+mn-ea"/>
+                  <a:cs typeface="+mn-cs"/>
+                </a:defRPr>
+              </a:lvl9pPr>
+            </a:lstStyle>
+            <a:p>
+              <a:r>
+                <a:rPr lang="en-US" sz="2800" dirty="0">
+                  <a:solidFill>
+                    <a:schemeClr val="tx1"/>
+                  </a:solidFill>
+                  <a:latin typeface="+mn-lt"/>
+                </a:rPr>
+                <a:t>References</a:t>
+              </a:r>
+              <a:endParaRPr lang="en-US" sz="2600" dirty="0">
                 <a:solidFill>
                   <a:schemeClr val="tx1"/>
                 </a:solidFill>
                 <a:latin typeface="+mn-lt"/>
-                <a:ea typeface="+mn-ea"/>
-                <a:cs typeface="+mn-cs"/>
-              </a:defRPr>
-            </a:lvl3pPr>
-            <a:lvl4pPr marL="3464824" indent="-494975" algn="l" defTabSz="1979898" rtl="0" eaLnBrk="1" latinLnBrk="0" hangingPunct="1">
-              <a:spcBef>
-                <a:spcPct val="20000"/>
-              </a:spcBef>
-              <a:buFont typeface="Arial" pitchFamily="34" charset="0"/>
-              <a:buChar char="–"/>
-              <a:defRPr sz="1500" kern="1200">
-                <a:solidFill>
-                  <a:schemeClr val="tx1"/>
-                </a:solidFill>
-                <a:latin typeface="+mn-lt"/>
-                <a:ea typeface="+mn-ea"/>
-                <a:cs typeface="+mn-cs"/>
-              </a:defRPr>
-            </a:lvl4pPr>
-            <a:lvl5pPr marL="4454773" indent="-494975" algn="l" defTabSz="1979898" rtl="0" eaLnBrk="1" latinLnBrk="0" hangingPunct="1">
-              <a:spcBef>
-                <a:spcPct val="20000"/>
-              </a:spcBef>
-              <a:buFont typeface="Arial" pitchFamily="34" charset="0"/>
-              <a:buChar char="»"/>
-              <a:defRPr sz="1500" kern="1200">
-                <a:solidFill>
-                  <a:schemeClr val="tx1"/>
-                </a:solidFill>
-                <a:latin typeface="+mn-lt"/>
-                <a:ea typeface="+mn-ea"/>
-                <a:cs typeface="+mn-cs"/>
-              </a:defRPr>
-            </a:lvl5pPr>
-            <a:lvl6pPr marL="5444722" indent="-494975" algn="l" defTabSz="1979898" rtl="0" eaLnBrk="1" latinLnBrk="0" hangingPunct="1">
-              <a:spcBef>
-                <a:spcPct val="20000"/>
-              </a:spcBef>
-              <a:buFont typeface="Arial" pitchFamily="34" charset="0"/>
-              <a:buChar char="•"/>
-              <a:defRPr sz="4400" kern="1200">
-                <a:solidFill>
-                  <a:schemeClr val="tx1"/>
-                </a:solidFill>
-                <a:latin typeface="+mn-lt"/>
-                <a:ea typeface="+mn-ea"/>
-                <a:cs typeface="+mn-cs"/>
-              </a:defRPr>
-            </a:lvl6pPr>
-            <a:lvl7pPr marL="6434671" indent="-494975" algn="l" defTabSz="1979898" rtl="0" eaLnBrk="1" latinLnBrk="0" hangingPunct="1">
-              <a:spcBef>
-                <a:spcPct val="20000"/>
-              </a:spcBef>
-              <a:buFont typeface="Arial" pitchFamily="34" charset="0"/>
-              <a:buChar char="•"/>
-              <a:defRPr sz="4400" kern="1200">
-                <a:solidFill>
-                  <a:schemeClr val="tx1"/>
-                </a:solidFill>
-                <a:latin typeface="+mn-lt"/>
-                <a:ea typeface="+mn-ea"/>
-                <a:cs typeface="+mn-cs"/>
-              </a:defRPr>
-            </a:lvl7pPr>
-            <a:lvl8pPr marL="7424622" indent="-494975" algn="l" defTabSz="1979898" rtl="0" eaLnBrk="1" latinLnBrk="0" hangingPunct="1">
-              <a:spcBef>
-                <a:spcPct val="20000"/>
-              </a:spcBef>
-              <a:buFont typeface="Arial" pitchFamily="34" charset="0"/>
-              <a:buChar char="•"/>
-              <a:defRPr sz="4400" kern="1200">
-                <a:solidFill>
-                  <a:schemeClr val="tx1"/>
-                </a:solidFill>
-                <a:latin typeface="+mn-lt"/>
-                <a:ea typeface="+mn-ea"/>
-                <a:cs typeface="+mn-cs"/>
-              </a:defRPr>
-            </a:lvl8pPr>
-            <a:lvl9pPr marL="8414571" indent="-494975" algn="l" defTabSz="1979898" rtl="0" eaLnBrk="1" latinLnBrk="0" hangingPunct="1">
-              <a:spcBef>
-                <a:spcPct val="20000"/>
-              </a:spcBef>
-              <a:buFont typeface="Arial" pitchFamily="34" charset="0"/>
-              <a:buChar char="•"/>
-              <a:defRPr sz="4400" kern="1200">
-                <a:solidFill>
-                  <a:schemeClr val="tx1"/>
-                </a:solidFill>
-                <a:latin typeface="+mn-lt"/>
-                <a:ea typeface="+mn-ea"/>
-                <a:cs typeface="+mn-cs"/>
-              </a:defRPr>
-            </a:lvl9pPr>
-          </a:lstStyle>
-          <a:p>
-            <a:pPr algn="just"/>
-            <a:r>
-              <a:rPr lang="en-US" sz="2800" dirty="0"/>
-              <a:t>Schizophrenia is a mental disorder that affects roughly 1% of the United States’ population [1]. It is characterized by two or more of the following -- delusion, hallucinations, disorganized speech, and catatonia – and it usually manifests in a patient’s late adolescence or young adulthood [2]. Currently, schizophrenia is incurable, and, for some patients, untreatable. The leading theory for the mechanism of schizophrenia is the “dopamine hypothesis,” which states that schizophrenia may be caused by an overabundance of dopamine in the cerebral fluid; however, it is becoming clearer that this cannot be the entire mechanism [3]. Unfortunately, the first-line treatment are antipsychotics – more specifically, dopamine antagonists – which aim to reduce the concentration of dopamine in the cerebral fluid [1]. Some patients respond well to this treatment, but others respond only slightly or not at all. Therefore, it is increasingly more important that the comprehensive mechanism of schizophrenia is explored so that other treatments may be introduced. This project aims to organize current research to provide a more complete picture of schizophrenia as a multi-faceted disorder.</a:t>
-            </a:r>
-          </a:p>
-        </p:txBody>
-      </p:sp>
-      <p:sp>
-        <p:nvSpPr>
-          <p:cNvPr id="48" name="Text Placeholder 4">
-            <a:extLst>
-              <a:ext uri="{FF2B5EF4-FFF2-40B4-BE49-F238E27FC236}">
-                <a16:creationId xmlns:a16="http://schemas.microsoft.com/office/drawing/2014/main" id="{768B6E46-5BEE-472A-9B3D-03FBF389B835}"/>
-              </a:ext>
-            </a:extLst>
-          </p:cNvPr>
-          <p:cNvSpPr txBox="1">
-            <a:spLocks/>
-          </p:cNvSpPr>
-          <p:nvPr/>
-        </p:nvSpPr>
-        <p:spPr>
-          <a:xfrm>
-            <a:off x="326020" y="2478923"/>
-            <a:ext cx="6473952" cy="502920"/>
-          </a:xfrm>
-          <a:prstGeom prst="rect">
-            <a:avLst/>
-          </a:prstGeom>
-          <a:solidFill>
-            <a:srgbClr val="A4343A"/>
-          </a:solidFill>
-          <a:ln>
-            <a:noFill/>
-          </a:ln>
-        </p:spPr>
-        <p:txBody>
-          <a:bodyPr vert="horz" lIns="88844" tIns="44422" rIns="88844" bIns="44422"/>
-          <a:lstStyle>
-            <a:lvl1pPr marL="0" indent="0" algn="l" defTabSz="1979898" rtl="0" eaLnBrk="1" latinLnBrk="0" hangingPunct="1">
-              <a:spcBef>
-                <a:spcPct val="20000"/>
-              </a:spcBef>
-              <a:buFont typeface="Arial" pitchFamily="34" charset="0"/>
-              <a:buNone/>
-              <a:defRPr sz="2400" b="1" kern="1200" baseline="0">
-                <a:solidFill>
-                  <a:schemeClr val="bg1"/>
-                </a:solidFill>
-                <a:latin typeface="Arial"/>
-                <a:ea typeface="+mn-ea"/>
-                <a:cs typeface="Arial"/>
-              </a:defRPr>
-            </a:lvl1pPr>
-            <a:lvl2pPr marL="1608668" indent="-618719" algn="l" defTabSz="1979898" rtl="0" eaLnBrk="1" latinLnBrk="0" hangingPunct="1">
-              <a:spcBef>
-                <a:spcPct val="20000"/>
-              </a:spcBef>
-              <a:buFont typeface="Arial" pitchFamily="34" charset="0"/>
-              <a:buChar char="–"/>
-              <a:defRPr sz="6100" kern="1200">
-                <a:solidFill>
-                  <a:schemeClr val="tx1"/>
-                </a:solidFill>
-                <a:latin typeface="+mn-lt"/>
-                <a:ea typeface="+mn-ea"/>
-                <a:cs typeface="+mn-cs"/>
-              </a:defRPr>
-            </a:lvl2pPr>
-            <a:lvl3pPr marL="2474875" indent="-494975" algn="l" defTabSz="1979898" rtl="0" eaLnBrk="1" latinLnBrk="0" hangingPunct="1">
-              <a:spcBef>
-                <a:spcPct val="20000"/>
-              </a:spcBef>
-              <a:buFont typeface="Arial" pitchFamily="34" charset="0"/>
-              <a:buChar char="•"/>
-              <a:defRPr sz="5100" kern="1200">
-                <a:solidFill>
-                  <a:schemeClr val="tx1"/>
-                </a:solidFill>
-                <a:latin typeface="+mn-lt"/>
-                <a:ea typeface="+mn-ea"/>
-                <a:cs typeface="+mn-cs"/>
-              </a:defRPr>
-            </a:lvl3pPr>
-            <a:lvl4pPr marL="3464824" indent="-494975" algn="l" defTabSz="1979898" rtl="0" eaLnBrk="1" latinLnBrk="0" hangingPunct="1">
-              <a:spcBef>
-                <a:spcPct val="20000"/>
-              </a:spcBef>
-              <a:buFont typeface="Arial" pitchFamily="34" charset="0"/>
-              <a:buChar char="–"/>
-              <a:defRPr sz="4400" kern="1200">
-                <a:solidFill>
-                  <a:schemeClr val="tx1"/>
-                </a:solidFill>
-                <a:latin typeface="+mn-lt"/>
-                <a:ea typeface="+mn-ea"/>
-                <a:cs typeface="+mn-cs"/>
-              </a:defRPr>
-            </a:lvl4pPr>
-            <a:lvl5pPr marL="4454773" indent="-494975" algn="l" defTabSz="1979898" rtl="0" eaLnBrk="1" latinLnBrk="0" hangingPunct="1">
-              <a:spcBef>
-                <a:spcPct val="20000"/>
-              </a:spcBef>
-              <a:buFont typeface="Arial" pitchFamily="34" charset="0"/>
-              <a:buChar char="»"/>
-              <a:defRPr sz="4400" kern="1200">
-                <a:solidFill>
-                  <a:schemeClr val="tx1"/>
-                </a:solidFill>
-                <a:latin typeface="+mn-lt"/>
-                <a:ea typeface="+mn-ea"/>
-                <a:cs typeface="+mn-cs"/>
-              </a:defRPr>
-            </a:lvl5pPr>
-            <a:lvl6pPr marL="5444722" indent="-494975" algn="l" defTabSz="1979898" rtl="0" eaLnBrk="1" latinLnBrk="0" hangingPunct="1">
-              <a:spcBef>
-                <a:spcPct val="20000"/>
-              </a:spcBef>
-              <a:buFont typeface="Arial" pitchFamily="34" charset="0"/>
-              <a:buChar char="•"/>
-              <a:defRPr sz="4400" kern="1200">
-                <a:solidFill>
-                  <a:schemeClr val="tx1"/>
-                </a:solidFill>
-                <a:latin typeface="+mn-lt"/>
-                <a:ea typeface="+mn-ea"/>
-                <a:cs typeface="+mn-cs"/>
-              </a:defRPr>
-            </a:lvl6pPr>
-            <a:lvl7pPr marL="6434671" indent="-494975" algn="l" defTabSz="1979898" rtl="0" eaLnBrk="1" latinLnBrk="0" hangingPunct="1">
-              <a:spcBef>
-                <a:spcPct val="20000"/>
-              </a:spcBef>
-              <a:buFont typeface="Arial" pitchFamily="34" charset="0"/>
-              <a:buChar char="•"/>
-              <a:defRPr sz="4400" kern="1200">
-                <a:solidFill>
-                  <a:schemeClr val="tx1"/>
-                </a:solidFill>
-                <a:latin typeface="+mn-lt"/>
-                <a:ea typeface="+mn-ea"/>
-                <a:cs typeface="+mn-cs"/>
-              </a:defRPr>
-            </a:lvl7pPr>
-            <a:lvl8pPr marL="7424622" indent="-494975" algn="l" defTabSz="1979898" rtl="0" eaLnBrk="1" latinLnBrk="0" hangingPunct="1">
-              <a:spcBef>
-                <a:spcPct val="20000"/>
-              </a:spcBef>
-              <a:buFont typeface="Arial" pitchFamily="34" charset="0"/>
-              <a:buChar char="•"/>
-              <a:defRPr sz="4400" kern="1200">
-                <a:solidFill>
-                  <a:schemeClr val="tx1"/>
-                </a:solidFill>
-                <a:latin typeface="+mn-lt"/>
-                <a:ea typeface="+mn-ea"/>
-                <a:cs typeface="+mn-cs"/>
-              </a:defRPr>
-            </a:lvl8pPr>
-            <a:lvl9pPr marL="8414571" indent="-494975" algn="l" defTabSz="1979898" rtl="0" eaLnBrk="1" latinLnBrk="0" hangingPunct="1">
-              <a:spcBef>
-                <a:spcPct val="20000"/>
-              </a:spcBef>
-              <a:buFont typeface="Arial" pitchFamily="34" charset="0"/>
-              <a:buChar char="•"/>
-              <a:defRPr sz="4400" kern="1200">
-                <a:solidFill>
-                  <a:schemeClr val="tx1"/>
-                </a:solidFill>
-                <a:latin typeface="+mn-lt"/>
-                <a:ea typeface="+mn-ea"/>
-                <a:cs typeface="+mn-cs"/>
-              </a:defRPr>
-            </a:lvl9pPr>
-          </a:lstStyle>
-          <a:p>
-            <a:r>
-              <a:rPr lang="en-US" sz="2800" dirty="0">
-                <a:latin typeface="+mn-lt"/>
-              </a:rPr>
-              <a:t>Introduction</a:t>
-            </a:r>
-          </a:p>
-        </p:txBody>
-      </p:sp>
-      <p:sp>
-        <p:nvSpPr>
-          <p:cNvPr id="51" name="Text Placeholder 13">
-            <a:extLst>
-              <a:ext uri="{FF2B5EF4-FFF2-40B4-BE49-F238E27FC236}">
-                <a16:creationId xmlns:a16="http://schemas.microsoft.com/office/drawing/2014/main" id="{01C23284-D674-4478-9CB0-A3C75420A05D}"/>
-              </a:ext>
-            </a:extLst>
-          </p:cNvPr>
-          <p:cNvSpPr txBox="1">
-            <a:spLocks/>
-          </p:cNvSpPr>
-          <p:nvPr/>
-        </p:nvSpPr>
-        <p:spPr>
-          <a:xfrm>
-            <a:off x="7057964" y="2981843"/>
-            <a:ext cx="6453398" cy="2171740"/>
-          </a:xfrm>
-          <a:prstGeom prst="rect">
-            <a:avLst/>
-          </a:prstGeom>
-        </p:spPr>
-        <p:txBody>
-          <a:bodyPr vert="horz" lIns="88844" tIns="44422" rIns="88844" bIns="44422"/>
-          <a:lstStyle>
-            <a:lvl1pPr marL="0" indent="0" algn="l" defTabSz="1979898" rtl="0" eaLnBrk="1" latinLnBrk="0" hangingPunct="1">
-              <a:spcBef>
-                <a:spcPct val="20000"/>
-              </a:spcBef>
-              <a:buFont typeface="Arial" pitchFamily="34" charset="0"/>
-              <a:buNone/>
-              <a:defRPr sz="1500" kern="1200" baseline="0">
-                <a:solidFill>
-                  <a:schemeClr val="tx1"/>
-                </a:solidFill>
-                <a:latin typeface="+mn-lt"/>
-                <a:ea typeface="+mn-ea"/>
-                <a:cs typeface="+mn-cs"/>
-              </a:defRPr>
-            </a:lvl1pPr>
-            <a:lvl2pPr marL="225196" indent="0" algn="l" defTabSz="1979898" rtl="0" eaLnBrk="1" latinLnBrk="0" hangingPunct="1">
-              <a:spcBef>
-                <a:spcPct val="20000"/>
-              </a:spcBef>
-              <a:buFont typeface="Arial" pitchFamily="34" charset="0"/>
-              <a:buNone/>
-              <a:defRPr sz="1500" kern="1200">
-                <a:solidFill>
-                  <a:schemeClr val="tx1"/>
-                </a:solidFill>
-                <a:latin typeface="+mn-lt"/>
-                <a:ea typeface="+mn-ea"/>
-                <a:cs typeface="+mn-cs"/>
-              </a:defRPr>
-            </a:lvl2pPr>
-            <a:lvl3pPr marL="2474875" indent="-494975" algn="l" defTabSz="1979898" rtl="0" eaLnBrk="1" latinLnBrk="0" hangingPunct="1">
-              <a:spcBef>
-                <a:spcPct val="20000"/>
-              </a:spcBef>
-              <a:buFont typeface="Arial" pitchFamily="34" charset="0"/>
-              <a:buChar char="•"/>
-              <a:defRPr sz="1500" kern="1200">
-                <a:solidFill>
-                  <a:schemeClr val="tx1"/>
-                </a:solidFill>
-                <a:latin typeface="+mn-lt"/>
-                <a:ea typeface="+mn-ea"/>
-                <a:cs typeface="+mn-cs"/>
-              </a:defRPr>
-            </a:lvl3pPr>
-            <a:lvl4pPr marL="3464824" indent="-494975" algn="l" defTabSz="1979898" rtl="0" eaLnBrk="1" latinLnBrk="0" hangingPunct="1">
-              <a:spcBef>
-                <a:spcPct val="20000"/>
-              </a:spcBef>
-              <a:buFont typeface="Arial" pitchFamily="34" charset="0"/>
-              <a:buChar char="–"/>
-              <a:defRPr sz="1500" kern="1200">
-                <a:solidFill>
-                  <a:schemeClr val="tx1"/>
-                </a:solidFill>
-                <a:latin typeface="+mn-lt"/>
-                <a:ea typeface="+mn-ea"/>
-                <a:cs typeface="+mn-cs"/>
-              </a:defRPr>
-            </a:lvl4pPr>
-            <a:lvl5pPr marL="4454773" indent="-494975" algn="l" defTabSz="1979898" rtl="0" eaLnBrk="1" latinLnBrk="0" hangingPunct="1">
-              <a:spcBef>
-                <a:spcPct val="20000"/>
-              </a:spcBef>
-              <a:buFont typeface="Arial" pitchFamily="34" charset="0"/>
-              <a:buChar char="»"/>
-              <a:defRPr sz="1500" kern="1200">
-                <a:solidFill>
-                  <a:schemeClr val="tx1"/>
-                </a:solidFill>
-                <a:latin typeface="+mn-lt"/>
-                <a:ea typeface="+mn-ea"/>
-                <a:cs typeface="+mn-cs"/>
-              </a:defRPr>
-            </a:lvl5pPr>
-            <a:lvl6pPr marL="5444722" indent="-494975" algn="l" defTabSz="1979898" rtl="0" eaLnBrk="1" latinLnBrk="0" hangingPunct="1">
-              <a:spcBef>
-                <a:spcPct val="20000"/>
-              </a:spcBef>
-              <a:buFont typeface="Arial" pitchFamily="34" charset="0"/>
-              <a:buChar char="•"/>
-              <a:defRPr sz="4400" kern="1200">
-                <a:solidFill>
-                  <a:schemeClr val="tx1"/>
-                </a:solidFill>
-                <a:latin typeface="+mn-lt"/>
-                <a:ea typeface="+mn-ea"/>
-                <a:cs typeface="+mn-cs"/>
-              </a:defRPr>
-            </a:lvl6pPr>
-            <a:lvl7pPr marL="6434671" indent="-494975" algn="l" defTabSz="1979898" rtl="0" eaLnBrk="1" latinLnBrk="0" hangingPunct="1">
-              <a:spcBef>
-                <a:spcPct val="20000"/>
-              </a:spcBef>
-              <a:buFont typeface="Arial" pitchFamily="34" charset="0"/>
-              <a:buChar char="•"/>
-              <a:defRPr sz="4400" kern="1200">
-                <a:solidFill>
-                  <a:schemeClr val="tx1"/>
-                </a:solidFill>
-                <a:latin typeface="+mn-lt"/>
-                <a:ea typeface="+mn-ea"/>
-                <a:cs typeface="+mn-cs"/>
-              </a:defRPr>
-            </a:lvl7pPr>
-            <a:lvl8pPr marL="7424622" indent="-494975" algn="l" defTabSz="1979898" rtl="0" eaLnBrk="1" latinLnBrk="0" hangingPunct="1">
-              <a:spcBef>
-                <a:spcPct val="20000"/>
-              </a:spcBef>
-              <a:buFont typeface="Arial" pitchFamily="34" charset="0"/>
-              <a:buChar char="•"/>
-              <a:defRPr sz="4400" kern="1200">
-                <a:solidFill>
-                  <a:schemeClr val="tx1"/>
-                </a:solidFill>
-                <a:latin typeface="+mn-lt"/>
-                <a:ea typeface="+mn-ea"/>
-                <a:cs typeface="+mn-cs"/>
-              </a:defRPr>
-            </a:lvl8pPr>
-            <a:lvl9pPr marL="8414571" indent="-494975" algn="l" defTabSz="1979898" rtl="0" eaLnBrk="1" latinLnBrk="0" hangingPunct="1">
-              <a:spcBef>
-                <a:spcPct val="20000"/>
-              </a:spcBef>
-              <a:buFont typeface="Arial" pitchFamily="34" charset="0"/>
-              <a:buChar char="•"/>
-              <a:defRPr sz="4400" kern="1200">
-                <a:solidFill>
-                  <a:schemeClr val="tx1"/>
-                </a:solidFill>
-                <a:latin typeface="+mn-lt"/>
-                <a:ea typeface="+mn-ea"/>
-                <a:cs typeface="+mn-cs"/>
-              </a:defRPr>
-            </a:lvl9pPr>
-          </a:lstStyle>
-          <a:p>
-            <a:pPr algn="just"/>
-            <a:r>
-              <a:rPr lang="en-US" sz="2800" dirty="0"/>
-              <a:t>This project was executed as a meta-analysis of past research on common single nucleotide polymorphisms (SNPs) found in schizophrenia patients [9-22]. </a:t>
-            </a:r>
-          </a:p>
-          <a:p>
-            <a:pPr algn="just"/>
-            <a:endParaRPr lang="en-US" sz="2800" dirty="0"/>
-          </a:p>
-          <a:p>
-            <a:pPr algn="just"/>
-            <a:endParaRPr lang="en-US" sz="2800" dirty="0"/>
-          </a:p>
-        </p:txBody>
-      </p:sp>
-      <p:sp>
-        <p:nvSpPr>
-          <p:cNvPr id="52" name="Text Placeholder 4">
-            <a:extLst>
-              <a:ext uri="{FF2B5EF4-FFF2-40B4-BE49-F238E27FC236}">
-                <a16:creationId xmlns:a16="http://schemas.microsoft.com/office/drawing/2014/main" id="{3BBDE86C-EF45-4D75-AA32-87BE79906AD5}"/>
-              </a:ext>
-            </a:extLst>
-          </p:cNvPr>
-          <p:cNvSpPr txBox="1">
-            <a:spLocks/>
-          </p:cNvSpPr>
-          <p:nvPr/>
-        </p:nvSpPr>
-        <p:spPr>
-          <a:xfrm>
-            <a:off x="7089648" y="2478923"/>
-            <a:ext cx="6473952" cy="502920"/>
-          </a:xfrm>
-          <a:prstGeom prst="rect">
-            <a:avLst/>
-          </a:prstGeom>
-          <a:solidFill>
-            <a:srgbClr val="A4343A"/>
-          </a:solidFill>
-          <a:ln>
-            <a:noFill/>
-          </a:ln>
-        </p:spPr>
-        <p:txBody>
-          <a:bodyPr vert="horz" lIns="88844" tIns="44422" rIns="88844" bIns="44422"/>
-          <a:lstStyle>
-            <a:lvl1pPr marL="0" indent="0" algn="l" defTabSz="1979898" rtl="0" eaLnBrk="1" latinLnBrk="0" hangingPunct="1">
-              <a:spcBef>
-                <a:spcPct val="20000"/>
-              </a:spcBef>
-              <a:buFont typeface="Arial" pitchFamily="34" charset="0"/>
-              <a:buNone/>
-              <a:defRPr sz="2400" b="1" kern="1200" baseline="0">
-                <a:solidFill>
-                  <a:schemeClr val="bg1"/>
-                </a:solidFill>
-                <a:latin typeface="Arial"/>
-                <a:ea typeface="+mn-ea"/>
-                <a:cs typeface="Arial"/>
-              </a:defRPr>
-            </a:lvl1pPr>
-            <a:lvl2pPr marL="1608668" indent="-618719" algn="l" defTabSz="1979898" rtl="0" eaLnBrk="1" latinLnBrk="0" hangingPunct="1">
-              <a:spcBef>
-                <a:spcPct val="20000"/>
-              </a:spcBef>
-              <a:buFont typeface="Arial" pitchFamily="34" charset="0"/>
-              <a:buChar char="–"/>
-              <a:defRPr sz="6100" kern="1200">
-                <a:solidFill>
-                  <a:schemeClr val="tx1"/>
-                </a:solidFill>
-                <a:latin typeface="+mn-lt"/>
-                <a:ea typeface="+mn-ea"/>
-                <a:cs typeface="+mn-cs"/>
-              </a:defRPr>
-            </a:lvl2pPr>
-            <a:lvl3pPr marL="2474875" indent="-494975" algn="l" defTabSz="1979898" rtl="0" eaLnBrk="1" latinLnBrk="0" hangingPunct="1">
-              <a:spcBef>
-                <a:spcPct val="20000"/>
-              </a:spcBef>
-              <a:buFont typeface="Arial" pitchFamily="34" charset="0"/>
-              <a:buChar char="•"/>
-              <a:defRPr sz="5100" kern="1200">
-                <a:solidFill>
-                  <a:schemeClr val="tx1"/>
-                </a:solidFill>
-                <a:latin typeface="+mn-lt"/>
-                <a:ea typeface="+mn-ea"/>
-                <a:cs typeface="+mn-cs"/>
-              </a:defRPr>
-            </a:lvl3pPr>
-            <a:lvl4pPr marL="3464824" indent="-494975" algn="l" defTabSz="1979898" rtl="0" eaLnBrk="1" latinLnBrk="0" hangingPunct="1">
-              <a:spcBef>
-                <a:spcPct val="20000"/>
-              </a:spcBef>
-              <a:buFont typeface="Arial" pitchFamily="34" charset="0"/>
-              <a:buChar char="–"/>
-              <a:defRPr sz="4400" kern="1200">
-                <a:solidFill>
-                  <a:schemeClr val="tx1"/>
-                </a:solidFill>
-                <a:latin typeface="+mn-lt"/>
-                <a:ea typeface="+mn-ea"/>
-                <a:cs typeface="+mn-cs"/>
-              </a:defRPr>
-            </a:lvl4pPr>
-            <a:lvl5pPr marL="4454773" indent="-494975" algn="l" defTabSz="1979898" rtl="0" eaLnBrk="1" latinLnBrk="0" hangingPunct="1">
-              <a:spcBef>
-                <a:spcPct val="20000"/>
-              </a:spcBef>
-              <a:buFont typeface="Arial" pitchFamily="34" charset="0"/>
-              <a:buChar char="»"/>
-              <a:defRPr sz="4400" kern="1200">
-                <a:solidFill>
-                  <a:schemeClr val="tx1"/>
-                </a:solidFill>
-                <a:latin typeface="+mn-lt"/>
-                <a:ea typeface="+mn-ea"/>
-                <a:cs typeface="+mn-cs"/>
-              </a:defRPr>
-            </a:lvl5pPr>
-            <a:lvl6pPr marL="5444722" indent="-494975" algn="l" defTabSz="1979898" rtl="0" eaLnBrk="1" latinLnBrk="0" hangingPunct="1">
-              <a:spcBef>
-                <a:spcPct val="20000"/>
-              </a:spcBef>
-              <a:buFont typeface="Arial" pitchFamily="34" charset="0"/>
-              <a:buChar char="•"/>
-              <a:defRPr sz="4400" kern="1200">
-                <a:solidFill>
-                  <a:schemeClr val="tx1"/>
-                </a:solidFill>
-                <a:latin typeface="+mn-lt"/>
-                <a:ea typeface="+mn-ea"/>
-                <a:cs typeface="+mn-cs"/>
-              </a:defRPr>
-            </a:lvl6pPr>
-            <a:lvl7pPr marL="6434671" indent="-494975" algn="l" defTabSz="1979898" rtl="0" eaLnBrk="1" latinLnBrk="0" hangingPunct="1">
-              <a:spcBef>
-                <a:spcPct val="20000"/>
-              </a:spcBef>
-              <a:buFont typeface="Arial" pitchFamily="34" charset="0"/>
-              <a:buChar char="•"/>
-              <a:defRPr sz="4400" kern="1200">
-                <a:solidFill>
-                  <a:schemeClr val="tx1"/>
-                </a:solidFill>
-                <a:latin typeface="+mn-lt"/>
-                <a:ea typeface="+mn-ea"/>
-                <a:cs typeface="+mn-cs"/>
-              </a:defRPr>
-            </a:lvl7pPr>
-            <a:lvl8pPr marL="7424622" indent="-494975" algn="l" defTabSz="1979898" rtl="0" eaLnBrk="1" latinLnBrk="0" hangingPunct="1">
-              <a:spcBef>
-                <a:spcPct val="20000"/>
-              </a:spcBef>
-              <a:buFont typeface="Arial" pitchFamily="34" charset="0"/>
-              <a:buChar char="•"/>
-              <a:defRPr sz="4400" kern="1200">
-                <a:solidFill>
-                  <a:schemeClr val="tx1"/>
-                </a:solidFill>
-                <a:latin typeface="+mn-lt"/>
-                <a:ea typeface="+mn-ea"/>
-                <a:cs typeface="+mn-cs"/>
-              </a:defRPr>
-            </a:lvl8pPr>
-            <a:lvl9pPr marL="8414571" indent="-494975" algn="l" defTabSz="1979898" rtl="0" eaLnBrk="1" latinLnBrk="0" hangingPunct="1">
-              <a:spcBef>
-                <a:spcPct val="20000"/>
-              </a:spcBef>
-              <a:buFont typeface="Arial" pitchFamily="34" charset="0"/>
-              <a:buChar char="•"/>
-              <a:defRPr sz="4400" kern="1200">
-                <a:solidFill>
-                  <a:schemeClr val="tx1"/>
-                </a:solidFill>
-                <a:latin typeface="+mn-lt"/>
-                <a:ea typeface="+mn-ea"/>
-                <a:cs typeface="+mn-cs"/>
-              </a:defRPr>
-            </a:lvl9pPr>
-          </a:lstStyle>
-          <a:p>
-            <a:r>
-              <a:rPr lang="en-US" sz="2800" dirty="0">
-                <a:latin typeface="+mn-lt"/>
-              </a:rPr>
-              <a:t>Materials and Methods</a:t>
-            </a:r>
-          </a:p>
-        </p:txBody>
-      </p:sp>
-      <p:sp>
-        <p:nvSpPr>
-          <p:cNvPr id="55" name="Text Placeholder 4">
-            <a:extLst>
-              <a:ext uri="{FF2B5EF4-FFF2-40B4-BE49-F238E27FC236}">
-                <a16:creationId xmlns:a16="http://schemas.microsoft.com/office/drawing/2014/main" id="{8C153193-5525-4D94-B630-79C8222FD287}"/>
-              </a:ext>
-            </a:extLst>
-          </p:cNvPr>
-          <p:cNvSpPr txBox="1">
-            <a:spLocks/>
-          </p:cNvSpPr>
-          <p:nvPr/>
-        </p:nvSpPr>
-        <p:spPr>
-          <a:xfrm>
-            <a:off x="13871448" y="2478923"/>
-            <a:ext cx="6473952" cy="502920"/>
-          </a:xfrm>
-          <a:prstGeom prst="rect">
-            <a:avLst/>
-          </a:prstGeom>
-          <a:solidFill>
-            <a:srgbClr val="A4343A"/>
-          </a:solidFill>
-          <a:ln>
-            <a:noFill/>
-          </a:ln>
-        </p:spPr>
-        <p:txBody>
-          <a:bodyPr vert="horz" lIns="88844" tIns="44422" rIns="88844" bIns="44422"/>
-          <a:lstStyle>
-            <a:lvl1pPr marL="0" indent="0" algn="l" defTabSz="1979898" rtl="0" eaLnBrk="1" latinLnBrk="0" hangingPunct="1">
-              <a:spcBef>
-                <a:spcPct val="20000"/>
-              </a:spcBef>
-              <a:buFont typeface="Arial" pitchFamily="34" charset="0"/>
-              <a:buNone/>
-              <a:defRPr sz="2400" b="1" kern="1200" baseline="0">
-                <a:solidFill>
-                  <a:schemeClr val="bg1"/>
-                </a:solidFill>
-                <a:latin typeface="Arial"/>
-                <a:ea typeface="+mn-ea"/>
-                <a:cs typeface="Arial"/>
-              </a:defRPr>
-            </a:lvl1pPr>
-            <a:lvl2pPr marL="1608668" indent="-618719" algn="l" defTabSz="1979898" rtl="0" eaLnBrk="1" latinLnBrk="0" hangingPunct="1">
-              <a:spcBef>
-                <a:spcPct val="20000"/>
-              </a:spcBef>
-              <a:buFont typeface="Arial" pitchFamily="34" charset="0"/>
-              <a:buChar char="–"/>
-              <a:defRPr sz="6100" kern="1200">
-                <a:solidFill>
-                  <a:schemeClr val="tx1"/>
-                </a:solidFill>
-                <a:latin typeface="+mn-lt"/>
-                <a:ea typeface="+mn-ea"/>
-                <a:cs typeface="+mn-cs"/>
-              </a:defRPr>
-            </a:lvl2pPr>
-            <a:lvl3pPr marL="2474875" indent="-494975" algn="l" defTabSz="1979898" rtl="0" eaLnBrk="1" latinLnBrk="0" hangingPunct="1">
-              <a:spcBef>
-                <a:spcPct val="20000"/>
-              </a:spcBef>
-              <a:buFont typeface="Arial" pitchFamily="34" charset="0"/>
-              <a:buChar char="•"/>
-              <a:defRPr sz="5100" kern="1200">
-                <a:solidFill>
-                  <a:schemeClr val="tx1"/>
-                </a:solidFill>
-                <a:latin typeface="+mn-lt"/>
-                <a:ea typeface="+mn-ea"/>
-                <a:cs typeface="+mn-cs"/>
-              </a:defRPr>
-            </a:lvl3pPr>
-            <a:lvl4pPr marL="3464824" indent="-494975" algn="l" defTabSz="1979898" rtl="0" eaLnBrk="1" latinLnBrk="0" hangingPunct="1">
-              <a:spcBef>
-                <a:spcPct val="20000"/>
-              </a:spcBef>
-              <a:buFont typeface="Arial" pitchFamily="34" charset="0"/>
-              <a:buChar char="–"/>
-              <a:defRPr sz="4400" kern="1200">
-                <a:solidFill>
-                  <a:schemeClr val="tx1"/>
-                </a:solidFill>
-                <a:latin typeface="+mn-lt"/>
-                <a:ea typeface="+mn-ea"/>
-                <a:cs typeface="+mn-cs"/>
-              </a:defRPr>
-            </a:lvl4pPr>
-            <a:lvl5pPr marL="4454773" indent="-494975" algn="l" defTabSz="1979898" rtl="0" eaLnBrk="1" latinLnBrk="0" hangingPunct="1">
-              <a:spcBef>
-                <a:spcPct val="20000"/>
-              </a:spcBef>
-              <a:buFont typeface="Arial" pitchFamily="34" charset="0"/>
-              <a:buChar char="»"/>
-              <a:defRPr sz="4400" kern="1200">
-                <a:solidFill>
-                  <a:schemeClr val="tx1"/>
-                </a:solidFill>
-                <a:latin typeface="+mn-lt"/>
-                <a:ea typeface="+mn-ea"/>
-                <a:cs typeface="+mn-cs"/>
-              </a:defRPr>
-            </a:lvl5pPr>
-            <a:lvl6pPr marL="5444722" indent="-494975" algn="l" defTabSz="1979898" rtl="0" eaLnBrk="1" latinLnBrk="0" hangingPunct="1">
-              <a:spcBef>
-                <a:spcPct val="20000"/>
-              </a:spcBef>
-              <a:buFont typeface="Arial" pitchFamily="34" charset="0"/>
-              <a:buChar char="•"/>
-              <a:defRPr sz="4400" kern="1200">
-                <a:solidFill>
-                  <a:schemeClr val="tx1"/>
-                </a:solidFill>
-                <a:latin typeface="+mn-lt"/>
-                <a:ea typeface="+mn-ea"/>
-                <a:cs typeface="+mn-cs"/>
-              </a:defRPr>
-            </a:lvl6pPr>
-            <a:lvl7pPr marL="6434671" indent="-494975" algn="l" defTabSz="1979898" rtl="0" eaLnBrk="1" latinLnBrk="0" hangingPunct="1">
-              <a:spcBef>
-                <a:spcPct val="20000"/>
-              </a:spcBef>
-              <a:buFont typeface="Arial" pitchFamily="34" charset="0"/>
-              <a:buChar char="•"/>
-              <a:defRPr sz="4400" kern="1200">
-                <a:solidFill>
-                  <a:schemeClr val="tx1"/>
-                </a:solidFill>
-                <a:latin typeface="+mn-lt"/>
-                <a:ea typeface="+mn-ea"/>
-                <a:cs typeface="+mn-cs"/>
-              </a:defRPr>
-            </a:lvl7pPr>
-            <a:lvl8pPr marL="7424622" indent="-494975" algn="l" defTabSz="1979898" rtl="0" eaLnBrk="1" latinLnBrk="0" hangingPunct="1">
-              <a:spcBef>
-                <a:spcPct val="20000"/>
-              </a:spcBef>
-              <a:buFont typeface="Arial" pitchFamily="34" charset="0"/>
-              <a:buChar char="•"/>
-              <a:defRPr sz="4400" kern="1200">
-                <a:solidFill>
-                  <a:schemeClr val="tx1"/>
-                </a:solidFill>
-                <a:latin typeface="+mn-lt"/>
-                <a:ea typeface="+mn-ea"/>
-                <a:cs typeface="+mn-cs"/>
-              </a:defRPr>
-            </a:lvl8pPr>
-            <a:lvl9pPr marL="8414571" indent="-494975" algn="l" defTabSz="1979898" rtl="0" eaLnBrk="1" latinLnBrk="0" hangingPunct="1">
-              <a:spcBef>
-                <a:spcPct val="20000"/>
-              </a:spcBef>
-              <a:buFont typeface="Arial" pitchFamily="34" charset="0"/>
-              <a:buChar char="•"/>
-              <a:defRPr sz="4400" kern="1200">
-                <a:solidFill>
-                  <a:schemeClr val="tx1"/>
-                </a:solidFill>
-                <a:latin typeface="+mn-lt"/>
-                <a:ea typeface="+mn-ea"/>
-                <a:cs typeface="+mn-cs"/>
-              </a:defRPr>
-            </a:lvl9pPr>
-          </a:lstStyle>
-          <a:p>
-            <a:r>
-              <a:rPr lang="en-US" sz="2800">
-                <a:latin typeface="+mn-lt"/>
-              </a:rPr>
-              <a:t>Results</a:t>
-            </a:r>
-            <a:endParaRPr lang="en-US" sz="2800" dirty="0">
-              <a:latin typeface="+mn-lt"/>
-            </a:endParaRPr>
-          </a:p>
-        </p:txBody>
-      </p:sp>
-      <p:sp>
-        <p:nvSpPr>
-          <p:cNvPr id="60" name="Text Placeholder 11">
-            <a:extLst>
-              <a:ext uri="{FF2B5EF4-FFF2-40B4-BE49-F238E27FC236}">
-                <a16:creationId xmlns:a16="http://schemas.microsoft.com/office/drawing/2014/main" id="{45E7D324-ED52-405F-BD1A-021A9C63B36B}"/>
-              </a:ext>
-            </a:extLst>
-          </p:cNvPr>
-          <p:cNvSpPr txBox="1">
-            <a:spLocks/>
-          </p:cNvSpPr>
-          <p:nvPr/>
-        </p:nvSpPr>
-        <p:spPr>
-          <a:xfrm>
-            <a:off x="20646320" y="3025162"/>
-            <a:ext cx="6388193" cy="5511629"/>
-          </a:xfrm>
-          <a:prstGeom prst="rect">
-            <a:avLst/>
-          </a:prstGeom>
-        </p:spPr>
-        <p:txBody>
-          <a:bodyPr vert="horz" lIns="88844" tIns="44422" rIns="88844" bIns="44422"/>
-          <a:lstStyle>
-            <a:lvl1pPr marL="742463" indent="-742463" algn="l" defTabSz="1979898" rtl="0" eaLnBrk="1" latinLnBrk="0" hangingPunct="1">
-              <a:spcBef>
-                <a:spcPct val="20000"/>
-              </a:spcBef>
-              <a:buFont typeface="Arial" pitchFamily="34" charset="0"/>
-              <a:buChar char="•"/>
-              <a:defRPr sz="1500" kern="1200">
-                <a:solidFill>
-                  <a:schemeClr val="tx1"/>
-                </a:solidFill>
-                <a:latin typeface="+mn-lt"/>
-                <a:ea typeface="+mn-ea"/>
-                <a:cs typeface="+mn-cs"/>
-              </a:defRPr>
-            </a:lvl1pPr>
-            <a:lvl2pPr marL="1608668" indent="-618719" algn="l" defTabSz="1979898" rtl="0" eaLnBrk="1" latinLnBrk="0" hangingPunct="1">
-              <a:spcBef>
-                <a:spcPct val="20000"/>
-              </a:spcBef>
-              <a:buFont typeface="Arial" pitchFamily="34" charset="0"/>
-              <a:buChar char="–"/>
-              <a:defRPr sz="1500" kern="1200">
-                <a:solidFill>
-                  <a:schemeClr val="tx1"/>
-                </a:solidFill>
-                <a:latin typeface="+mn-lt"/>
-                <a:ea typeface="+mn-ea"/>
-                <a:cs typeface="+mn-cs"/>
-              </a:defRPr>
-            </a:lvl2pPr>
-            <a:lvl3pPr marL="2474875" indent="-494975" algn="l" defTabSz="1979898" rtl="0" eaLnBrk="1" latinLnBrk="0" hangingPunct="1">
-              <a:spcBef>
-                <a:spcPct val="20000"/>
-              </a:spcBef>
-              <a:buFont typeface="Arial" pitchFamily="34" charset="0"/>
-              <a:buChar char="•"/>
-              <a:defRPr sz="1500" kern="1200">
-                <a:solidFill>
-                  <a:schemeClr val="tx1"/>
-                </a:solidFill>
-                <a:latin typeface="+mn-lt"/>
-                <a:ea typeface="+mn-ea"/>
-                <a:cs typeface="+mn-cs"/>
-              </a:defRPr>
-            </a:lvl3pPr>
-            <a:lvl4pPr marL="3464824" indent="-494975" algn="l" defTabSz="1979898" rtl="0" eaLnBrk="1" latinLnBrk="0" hangingPunct="1">
-              <a:spcBef>
-                <a:spcPct val="20000"/>
-              </a:spcBef>
-              <a:buFont typeface="Arial" pitchFamily="34" charset="0"/>
-              <a:buChar char="–"/>
-              <a:defRPr sz="1500" kern="1200">
-                <a:solidFill>
-                  <a:schemeClr val="tx1"/>
-                </a:solidFill>
-                <a:latin typeface="+mn-lt"/>
-                <a:ea typeface="+mn-ea"/>
-                <a:cs typeface="+mn-cs"/>
-              </a:defRPr>
-            </a:lvl4pPr>
-            <a:lvl5pPr marL="4454773" indent="-494975" algn="l" defTabSz="1979898" rtl="0" eaLnBrk="1" latinLnBrk="0" hangingPunct="1">
-              <a:spcBef>
-                <a:spcPct val="20000"/>
-              </a:spcBef>
-              <a:buFont typeface="Arial" pitchFamily="34" charset="0"/>
-              <a:buChar char="»"/>
-              <a:defRPr sz="1500" kern="1200">
-                <a:solidFill>
-                  <a:schemeClr val="tx1"/>
-                </a:solidFill>
-                <a:latin typeface="+mn-lt"/>
-                <a:ea typeface="+mn-ea"/>
-                <a:cs typeface="+mn-cs"/>
-              </a:defRPr>
-            </a:lvl5pPr>
-            <a:lvl6pPr marL="5444722" indent="-494975" algn="l" defTabSz="1979898" rtl="0" eaLnBrk="1" latinLnBrk="0" hangingPunct="1">
-              <a:spcBef>
-                <a:spcPct val="20000"/>
-              </a:spcBef>
-              <a:buFont typeface="Arial" pitchFamily="34" charset="0"/>
-              <a:buChar char="•"/>
-              <a:defRPr sz="4400" kern="1200">
-                <a:solidFill>
-                  <a:schemeClr val="tx1"/>
-                </a:solidFill>
-                <a:latin typeface="+mn-lt"/>
-                <a:ea typeface="+mn-ea"/>
-                <a:cs typeface="+mn-cs"/>
-              </a:defRPr>
-            </a:lvl6pPr>
-            <a:lvl7pPr marL="6434671" indent="-494975" algn="l" defTabSz="1979898" rtl="0" eaLnBrk="1" latinLnBrk="0" hangingPunct="1">
-              <a:spcBef>
-                <a:spcPct val="20000"/>
-              </a:spcBef>
-              <a:buFont typeface="Arial" pitchFamily="34" charset="0"/>
-              <a:buChar char="•"/>
-              <a:defRPr sz="4400" kern="1200">
-                <a:solidFill>
-                  <a:schemeClr val="tx1"/>
-                </a:solidFill>
-                <a:latin typeface="+mn-lt"/>
-                <a:ea typeface="+mn-ea"/>
-                <a:cs typeface="+mn-cs"/>
-              </a:defRPr>
-            </a:lvl7pPr>
-            <a:lvl8pPr marL="7424622" indent="-494975" algn="l" defTabSz="1979898" rtl="0" eaLnBrk="1" latinLnBrk="0" hangingPunct="1">
-              <a:spcBef>
-                <a:spcPct val="20000"/>
-              </a:spcBef>
-              <a:buFont typeface="Arial" pitchFamily="34" charset="0"/>
-              <a:buChar char="•"/>
-              <a:defRPr sz="4400" kern="1200">
-                <a:solidFill>
-                  <a:schemeClr val="tx1"/>
-                </a:solidFill>
-                <a:latin typeface="+mn-lt"/>
-                <a:ea typeface="+mn-ea"/>
-                <a:cs typeface="+mn-cs"/>
-              </a:defRPr>
-            </a:lvl8pPr>
-            <a:lvl9pPr marL="8414571" indent="-494975" algn="l" defTabSz="1979898" rtl="0" eaLnBrk="1" latinLnBrk="0" hangingPunct="1">
-              <a:spcBef>
-                <a:spcPct val="20000"/>
-              </a:spcBef>
-              <a:buFont typeface="Arial" pitchFamily="34" charset="0"/>
-              <a:buChar char="•"/>
-              <a:defRPr sz="4400" kern="1200">
-                <a:solidFill>
-                  <a:schemeClr val="tx1"/>
-                </a:solidFill>
-                <a:latin typeface="+mn-lt"/>
-                <a:ea typeface="+mn-ea"/>
-                <a:cs typeface="+mn-cs"/>
-              </a:defRPr>
-            </a:lvl9pPr>
-          </a:lstStyle>
-          <a:p>
-            <a:pPr marL="0" indent="0" algn="just">
-              <a:buFont typeface="Arial" pitchFamily="34" charset="0"/>
-              <a:buNone/>
-            </a:pPr>
-            <a:r>
-              <a:rPr lang="en-US" sz="2800" dirty="0"/>
-              <a:t>Overall, this meta-analysis supports the conclusion that the dopamine hypothesis is not a comprehensive mechanism for schizophrenia. While dopamine is involved in the HPA axis –  which the data has found to be significant – other significant research areas are deficiencies in the histocompatibility complex and general immunodeficiencies. In fact, further research in this area may support the argument that schizophrenia could be classified as both a mental disorder and an autoimmune disorder. </a:t>
-            </a:r>
-          </a:p>
-        </p:txBody>
-      </p:sp>
-      <p:sp>
-        <p:nvSpPr>
-          <p:cNvPr id="61" name="Text Placeholder 4">
-            <a:extLst>
-              <a:ext uri="{FF2B5EF4-FFF2-40B4-BE49-F238E27FC236}">
-                <a16:creationId xmlns:a16="http://schemas.microsoft.com/office/drawing/2014/main" id="{C0E1695A-5CF8-43B9-A2FF-512CD78280E2}"/>
-              </a:ext>
-            </a:extLst>
-          </p:cNvPr>
-          <p:cNvSpPr txBox="1">
-            <a:spLocks/>
-          </p:cNvSpPr>
-          <p:nvPr/>
-        </p:nvSpPr>
-        <p:spPr>
-          <a:xfrm>
-            <a:off x="20646320" y="2494219"/>
-            <a:ext cx="6473952" cy="502920"/>
-          </a:xfrm>
-          <a:prstGeom prst="rect">
-            <a:avLst/>
-          </a:prstGeom>
-          <a:solidFill>
-            <a:srgbClr val="A4343A"/>
-          </a:solidFill>
-          <a:ln>
-            <a:noFill/>
-          </a:ln>
-        </p:spPr>
-        <p:txBody>
-          <a:bodyPr vert="horz" lIns="88844" tIns="44422" rIns="88844" bIns="44422"/>
-          <a:lstStyle>
-            <a:lvl1pPr marL="0" indent="0" algn="l" defTabSz="1979898" rtl="0" eaLnBrk="1" latinLnBrk="0" hangingPunct="1">
-              <a:spcBef>
-                <a:spcPct val="20000"/>
-              </a:spcBef>
-              <a:buFont typeface="Arial" pitchFamily="34" charset="0"/>
-              <a:buNone/>
-              <a:defRPr sz="2400" b="1" kern="1200" baseline="0">
-                <a:solidFill>
-                  <a:schemeClr val="bg1"/>
-                </a:solidFill>
-                <a:latin typeface="Arial"/>
-                <a:ea typeface="+mn-ea"/>
-                <a:cs typeface="Arial"/>
-              </a:defRPr>
-            </a:lvl1pPr>
-            <a:lvl2pPr marL="1608668" indent="-618719" algn="l" defTabSz="1979898" rtl="0" eaLnBrk="1" latinLnBrk="0" hangingPunct="1">
-              <a:spcBef>
-                <a:spcPct val="20000"/>
-              </a:spcBef>
-              <a:buFont typeface="Arial" pitchFamily="34" charset="0"/>
-              <a:buChar char="–"/>
-              <a:defRPr sz="6100" kern="1200">
-                <a:solidFill>
-                  <a:schemeClr val="tx1"/>
-                </a:solidFill>
-                <a:latin typeface="+mn-lt"/>
-                <a:ea typeface="+mn-ea"/>
-                <a:cs typeface="+mn-cs"/>
-              </a:defRPr>
-            </a:lvl2pPr>
-            <a:lvl3pPr marL="2474875" indent="-494975" algn="l" defTabSz="1979898" rtl="0" eaLnBrk="1" latinLnBrk="0" hangingPunct="1">
-              <a:spcBef>
-                <a:spcPct val="20000"/>
-              </a:spcBef>
-              <a:buFont typeface="Arial" pitchFamily="34" charset="0"/>
-              <a:buChar char="•"/>
-              <a:defRPr sz="5100" kern="1200">
-                <a:solidFill>
-                  <a:schemeClr val="tx1"/>
-                </a:solidFill>
-                <a:latin typeface="+mn-lt"/>
-                <a:ea typeface="+mn-ea"/>
-                <a:cs typeface="+mn-cs"/>
-              </a:defRPr>
-            </a:lvl3pPr>
-            <a:lvl4pPr marL="3464824" indent="-494975" algn="l" defTabSz="1979898" rtl="0" eaLnBrk="1" latinLnBrk="0" hangingPunct="1">
-              <a:spcBef>
-                <a:spcPct val="20000"/>
-              </a:spcBef>
-              <a:buFont typeface="Arial" pitchFamily="34" charset="0"/>
-              <a:buChar char="–"/>
-              <a:defRPr sz="4400" kern="1200">
-                <a:solidFill>
-                  <a:schemeClr val="tx1"/>
-                </a:solidFill>
-                <a:latin typeface="+mn-lt"/>
-                <a:ea typeface="+mn-ea"/>
-                <a:cs typeface="+mn-cs"/>
-              </a:defRPr>
-            </a:lvl4pPr>
-            <a:lvl5pPr marL="4454773" indent="-494975" algn="l" defTabSz="1979898" rtl="0" eaLnBrk="1" latinLnBrk="0" hangingPunct="1">
-              <a:spcBef>
-                <a:spcPct val="20000"/>
-              </a:spcBef>
-              <a:buFont typeface="Arial" pitchFamily="34" charset="0"/>
-              <a:buChar char="»"/>
-              <a:defRPr sz="4400" kern="1200">
-                <a:solidFill>
-                  <a:schemeClr val="tx1"/>
-                </a:solidFill>
-                <a:latin typeface="+mn-lt"/>
-                <a:ea typeface="+mn-ea"/>
-                <a:cs typeface="+mn-cs"/>
-              </a:defRPr>
-            </a:lvl5pPr>
-            <a:lvl6pPr marL="5444722" indent="-494975" algn="l" defTabSz="1979898" rtl="0" eaLnBrk="1" latinLnBrk="0" hangingPunct="1">
-              <a:spcBef>
-                <a:spcPct val="20000"/>
-              </a:spcBef>
-              <a:buFont typeface="Arial" pitchFamily="34" charset="0"/>
-              <a:buChar char="•"/>
-              <a:defRPr sz="4400" kern="1200">
-                <a:solidFill>
-                  <a:schemeClr val="tx1"/>
-                </a:solidFill>
-                <a:latin typeface="+mn-lt"/>
-                <a:ea typeface="+mn-ea"/>
-                <a:cs typeface="+mn-cs"/>
-              </a:defRPr>
-            </a:lvl6pPr>
-            <a:lvl7pPr marL="6434671" indent="-494975" algn="l" defTabSz="1979898" rtl="0" eaLnBrk="1" latinLnBrk="0" hangingPunct="1">
-              <a:spcBef>
-                <a:spcPct val="20000"/>
-              </a:spcBef>
-              <a:buFont typeface="Arial" pitchFamily="34" charset="0"/>
-              <a:buChar char="•"/>
-              <a:defRPr sz="4400" kern="1200">
-                <a:solidFill>
-                  <a:schemeClr val="tx1"/>
-                </a:solidFill>
-                <a:latin typeface="+mn-lt"/>
-                <a:ea typeface="+mn-ea"/>
-                <a:cs typeface="+mn-cs"/>
-              </a:defRPr>
-            </a:lvl7pPr>
-            <a:lvl8pPr marL="7424622" indent="-494975" algn="l" defTabSz="1979898" rtl="0" eaLnBrk="1" latinLnBrk="0" hangingPunct="1">
-              <a:spcBef>
-                <a:spcPct val="20000"/>
-              </a:spcBef>
-              <a:buFont typeface="Arial" pitchFamily="34" charset="0"/>
-              <a:buChar char="•"/>
-              <a:defRPr sz="4400" kern="1200">
-                <a:solidFill>
-                  <a:schemeClr val="tx1"/>
-                </a:solidFill>
-                <a:latin typeface="+mn-lt"/>
-                <a:ea typeface="+mn-ea"/>
-                <a:cs typeface="+mn-cs"/>
-              </a:defRPr>
-            </a:lvl8pPr>
-            <a:lvl9pPr marL="8414571" indent="-494975" algn="l" defTabSz="1979898" rtl="0" eaLnBrk="1" latinLnBrk="0" hangingPunct="1">
-              <a:spcBef>
-                <a:spcPct val="20000"/>
-              </a:spcBef>
-              <a:buFont typeface="Arial" pitchFamily="34" charset="0"/>
-              <a:buChar char="•"/>
-              <a:defRPr sz="4400" kern="1200">
-                <a:solidFill>
-                  <a:schemeClr val="tx1"/>
-                </a:solidFill>
-                <a:latin typeface="+mn-lt"/>
-                <a:ea typeface="+mn-ea"/>
-                <a:cs typeface="+mn-cs"/>
-              </a:defRPr>
-            </a:lvl9pPr>
-          </a:lstStyle>
-          <a:p>
-            <a:r>
-              <a:rPr lang="en-US" sz="2600" dirty="0">
-                <a:latin typeface="+mn-lt"/>
-              </a:rPr>
-              <a:t>Conclusion</a:t>
-            </a:r>
-          </a:p>
-        </p:txBody>
-      </p:sp>
-      <p:sp>
-        <p:nvSpPr>
-          <p:cNvPr id="62" name="Text Placeholder 9">
-            <a:extLst>
-              <a:ext uri="{FF2B5EF4-FFF2-40B4-BE49-F238E27FC236}">
-                <a16:creationId xmlns:a16="http://schemas.microsoft.com/office/drawing/2014/main" id="{D44089E8-D180-48A0-81EA-5AA926E49466}"/>
-              </a:ext>
-            </a:extLst>
-          </p:cNvPr>
-          <p:cNvSpPr txBox="1">
-            <a:spLocks/>
-          </p:cNvSpPr>
-          <p:nvPr/>
-        </p:nvSpPr>
-        <p:spPr>
-          <a:xfrm>
-            <a:off x="20686824" y="9212547"/>
-            <a:ext cx="6470122" cy="2246769"/>
-          </a:xfrm>
-          <a:prstGeom prst="rect">
-            <a:avLst/>
-          </a:prstGeom>
-        </p:spPr>
-        <p:txBody>
-          <a:bodyPr vert="horz" lIns="88844" tIns="44422" rIns="88844" bIns="44422"/>
-          <a:lstStyle>
-            <a:lvl1pPr marL="742463" indent="-742463" algn="l" defTabSz="1979898" rtl="0" eaLnBrk="1" latinLnBrk="0" hangingPunct="1">
-              <a:spcBef>
-                <a:spcPct val="20000"/>
-              </a:spcBef>
-              <a:buFont typeface="Arial" pitchFamily="34" charset="0"/>
-              <a:buChar char="•"/>
-              <a:defRPr sz="1500" kern="1200">
-                <a:solidFill>
-                  <a:schemeClr val="tx1"/>
-                </a:solidFill>
-                <a:latin typeface="+mn-lt"/>
-                <a:ea typeface="+mn-ea"/>
-                <a:cs typeface="+mn-cs"/>
-              </a:defRPr>
-            </a:lvl1pPr>
-            <a:lvl2pPr marL="1608668" indent="-618719" algn="l" defTabSz="1979898" rtl="0" eaLnBrk="1" latinLnBrk="0" hangingPunct="1">
-              <a:spcBef>
-                <a:spcPct val="20000"/>
-              </a:spcBef>
-              <a:buFont typeface="Arial" pitchFamily="34" charset="0"/>
-              <a:buChar char="–"/>
-              <a:defRPr sz="1500" kern="1200">
-                <a:solidFill>
-                  <a:schemeClr val="tx1"/>
-                </a:solidFill>
-                <a:latin typeface="+mn-lt"/>
-                <a:ea typeface="+mn-ea"/>
-                <a:cs typeface="+mn-cs"/>
-              </a:defRPr>
-            </a:lvl2pPr>
-            <a:lvl3pPr marL="2474875" indent="-494975" algn="l" defTabSz="1979898" rtl="0" eaLnBrk="1" latinLnBrk="0" hangingPunct="1">
-              <a:spcBef>
-                <a:spcPct val="20000"/>
-              </a:spcBef>
-              <a:buFont typeface="Arial" pitchFamily="34" charset="0"/>
-              <a:buChar char="•"/>
-              <a:defRPr sz="1500" kern="1200">
-                <a:solidFill>
-                  <a:schemeClr val="tx1"/>
-                </a:solidFill>
-                <a:latin typeface="+mn-lt"/>
-                <a:ea typeface="+mn-ea"/>
-                <a:cs typeface="+mn-cs"/>
-              </a:defRPr>
-            </a:lvl3pPr>
-            <a:lvl4pPr marL="3464824" indent="-494975" algn="l" defTabSz="1979898" rtl="0" eaLnBrk="1" latinLnBrk="0" hangingPunct="1">
-              <a:spcBef>
-                <a:spcPct val="20000"/>
-              </a:spcBef>
-              <a:buFont typeface="Arial" pitchFamily="34" charset="0"/>
-              <a:buChar char="–"/>
-              <a:defRPr sz="1500" kern="1200">
-                <a:solidFill>
-                  <a:schemeClr val="tx1"/>
-                </a:solidFill>
-                <a:latin typeface="+mn-lt"/>
-                <a:ea typeface="+mn-ea"/>
-                <a:cs typeface="+mn-cs"/>
-              </a:defRPr>
-            </a:lvl4pPr>
-            <a:lvl5pPr marL="4454773" indent="-494975" algn="l" defTabSz="1979898" rtl="0" eaLnBrk="1" latinLnBrk="0" hangingPunct="1">
-              <a:spcBef>
-                <a:spcPct val="20000"/>
-              </a:spcBef>
-              <a:buFont typeface="Arial" pitchFamily="34" charset="0"/>
-              <a:buChar char="»"/>
-              <a:defRPr sz="1500" kern="1200">
-                <a:solidFill>
-                  <a:schemeClr val="tx1"/>
-                </a:solidFill>
-                <a:latin typeface="+mn-lt"/>
-                <a:ea typeface="+mn-ea"/>
-                <a:cs typeface="+mn-cs"/>
-              </a:defRPr>
-            </a:lvl5pPr>
-            <a:lvl6pPr marL="5444722" indent="-494975" algn="l" defTabSz="1979898" rtl="0" eaLnBrk="1" latinLnBrk="0" hangingPunct="1">
-              <a:spcBef>
-                <a:spcPct val="20000"/>
-              </a:spcBef>
-              <a:buFont typeface="Arial" pitchFamily="34" charset="0"/>
-              <a:buChar char="•"/>
-              <a:defRPr sz="4400" kern="1200">
-                <a:solidFill>
-                  <a:schemeClr val="tx1"/>
-                </a:solidFill>
-                <a:latin typeface="+mn-lt"/>
-                <a:ea typeface="+mn-ea"/>
-                <a:cs typeface="+mn-cs"/>
-              </a:defRPr>
-            </a:lvl6pPr>
-            <a:lvl7pPr marL="6434671" indent="-494975" algn="l" defTabSz="1979898" rtl="0" eaLnBrk="1" latinLnBrk="0" hangingPunct="1">
-              <a:spcBef>
-                <a:spcPct val="20000"/>
-              </a:spcBef>
-              <a:buFont typeface="Arial" pitchFamily="34" charset="0"/>
-              <a:buChar char="•"/>
-              <a:defRPr sz="4400" kern="1200">
-                <a:solidFill>
-                  <a:schemeClr val="tx1"/>
-                </a:solidFill>
-                <a:latin typeface="+mn-lt"/>
-                <a:ea typeface="+mn-ea"/>
-                <a:cs typeface="+mn-cs"/>
-              </a:defRPr>
-            </a:lvl7pPr>
-            <a:lvl8pPr marL="7424622" indent="-494975" algn="l" defTabSz="1979898" rtl="0" eaLnBrk="1" latinLnBrk="0" hangingPunct="1">
-              <a:spcBef>
-                <a:spcPct val="20000"/>
-              </a:spcBef>
-              <a:buFont typeface="Arial" pitchFamily="34" charset="0"/>
-              <a:buChar char="•"/>
-              <a:defRPr sz="4400" kern="1200">
-                <a:solidFill>
-                  <a:schemeClr val="tx1"/>
-                </a:solidFill>
-                <a:latin typeface="+mn-lt"/>
-                <a:ea typeface="+mn-ea"/>
-                <a:cs typeface="+mn-cs"/>
-              </a:defRPr>
-            </a:lvl8pPr>
-            <a:lvl9pPr marL="8414571" indent="-494975" algn="l" defTabSz="1979898" rtl="0" eaLnBrk="1" latinLnBrk="0" hangingPunct="1">
-              <a:spcBef>
-                <a:spcPct val="20000"/>
-              </a:spcBef>
-              <a:buFont typeface="Arial" pitchFamily="34" charset="0"/>
-              <a:buChar char="•"/>
-              <a:defRPr sz="4400" kern="1200">
-                <a:solidFill>
-                  <a:schemeClr val="tx1"/>
-                </a:solidFill>
-                <a:latin typeface="+mn-lt"/>
-                <a:ea typeface="+mn-ea"/>
-                <a:cs typeface="+mn-cs"/>
-              </a:defRPr>
-            </a:lvl9pPr>
-          </a:lstStyle>
-          <a:p>
-            <a:pPr marL="0" indent="0" algn="just">
-              <a:buFont typeface="Arial" pitchFamily="34" charset="0"/>
-              <a:buNone/>
-            </a:pPr>
-            <a:r>
-              <a:rPr lang="en-US" sz="2800" dirty="0">
-                <a:solidFill>
-                  <a:srgbClr val="303030"/>
-                </a:solidFill>
-              </a:rPr>
-              <a:t>a</a:t>
-            </a:r>
-            <a:endParaRPr lang="en-US" sz="2800" dirty="0"/>
-          </a:p>
-        </p:txBody>
-      </p:sp>
-      <p:sp>
-        <p:nvSpPr>
-          <p:cNvPr id="65" name="Text Placeholder 4">
-            <a:extLst>
-              <a:ext uri="{FF2B5EF4-FFF2-40B4-BE49-F238E27FC236}">
-                <a16:creationId xmlns:a16="http://schemas.microsoft.com/office/drawing/2014/main" id="{ADF07862-959B-4CA3-AE0C-BFF7CDB3A100}"/>
-              </a:ext>
-            </a:extLst>
-          </p:cNvPr>
-          <p:cNvSpPr txBox="1">
-            <a:spLocks/>
-          </p:cNvSpPr>
-          <p:nvPr/>
-        </p:nvSpPr>
-        <p:spPr>
-          <a:xfrm>
-            <a:off x="20701413" y="8681603"/>
-            <a:ext cx="6470122" cy="502920"/>
-          </a:xfrm>
-          <a:prstGeom prst="rect">
-            <a:avLst/>
-          </a:prstGeom>
-          <a:solidFill>
-            <a:srgbClr val="A4343A"/>
-          </a:solidFill>
-          <a:ln>
-            <a:noFill/>
-          </a:ln>
-        </p:spPr>
-        <p:txBody>
-          <a:bodyPr vert="horz" lIns="88844" tIns="44422" rIns="88844" bIns="44422"/>
-          <a:lstStyle>
-            <a:lvl1pPr marL="0" indent="0" algn="l" defTabSz="1979898" rtl="0" eaLnBrk="1" latinLnBrk="0" hangingPunct="1">
-              <a:spcBef>
-                <a:spcPct val="20000"/>
-              </a:spcBef>
-              <a:buFont typeface="Arial" pitchFamily="34" charset="0"/>
-              <a:buNone/>
-              <a:defRPr sz="2400" b="1" kern="1200" baseline="0">
-                <a:solidFill>
-                  <a:schemeClr val="bg1"/>
-                </a:solidFill>
-                <a:latin typeface="Arial"/>
-                <a:ea typeface="+mn-ea"/>
-                <a:cs typeface="Arial"/>
-              </a:defRPr>
-            </a:lvl1pPr>
-            <a:lvl2pPr marL="1608668" indent="-618719" algn="l" defTabSz="1979898" rtl="0" eaLnBrk="1" latinLnBrk="0" hangingPunct="1">
-              <a:spcBef>
-                <a:spcPct val="20000"/>
-              </a:spcBef>
-              <a:buFont typeface="Arial" pitchFamily="34" charset="0"/>
-              <a:buChar char="–"/>
-              <a:defRPr sz="6100" kern="1200">
-                <a:solidFill>
-                  <a:schemeClr val="tx1"/>
-                </a:solidFill>
-                <a:latin typeface="+mn-lt"/>
-                <a:ea typeface="+mn-ea"/>
-                <a:cs typeface="+mn-cs"/>
-              </a:defRPr>
-            </a:lvl2pPr>
-            <a:lvl3pPr marL="2474875" indent="-494975" algn="l" defTabSz="1979898" rtl="0" eaLnBrk="1" latinLnBrk="0" hangingPunct="1">
-              <a:spcBef>
-                <a:spcPct val="20000"/>
-              </a:spcBef>
-              <a:buFont typeface="Arial" pitchFamily="34" charset="0"/>
-              <a:buChar char="•"/>
-              <a:defRPr sz="5100" kern="1200">
-                <a:solidFill>
-                  <a:schemeClr val="tx1"/>
-                </a:solidFill>
-                <a:latin typeface="+mn-lt"/>
-                <a:ea typeface="+mn-ea"/>
-                <a:cs typeface="+mn-cs"/>
-              </a:defRPr>
-            </a:lvl3pPr>
-            <a:lvl4pPr marL="3464824" indent="-494975" algn="l" defTabSz="1979898" rtl="0" eaLnBrk="1" latinLnBrk="0" hangingPunct="1">
-              <a:spcBef>
-                <a:spcPct val="20000"/>
-              </a:spcBef>
-              <a:buFont typeface="Arial" pitchFamily="34" charset="0"/>
-              <a:buChar char="–"/>
-              <a:defRPr sz="4400" kern="1200">
-                <a:solidFill>
-                  <a:schemeClr val="tx1"/>
-                </a:solidFill>
-                <a:latin typeface="+mn-lt"/>
-                <a:ea typeface="+mn-ea"/>
-                <a:cs typeface="+mn-cs"/>
-              </a:defRPr>
-            </a:lvl4pPr>
-            <a:lvl5pPr marL="4454773" indent="-494975" algn="l" defTabSz="1979898" rtl="0" eaLnBrk="1" latinLnBrk="0" hangingPunct="1">
-              <a:spcBef>
-                <a:spcPct val="20000"/>
-              </a:spcBef>
-              <a:buFont typeface="Arial" pitchFamily="34" charset="0"/>
-              <a:buChar char="»"/>
-              <a:defRPr sz="4400" kern="1200">
-                <a:solidFill>
-                  <a:schemeClr val="tx1"/>
-                </a:solidFill>
-                <a:latin typeface="+mn-lt"/>
-                <a:ea typeface="+mn-ea"/>
-                <a:cs typeface="+mn-cs"/>
-              </a:defRPr>
-            </a:lvl5pPr>
-            <a:lvl6pPr marL="5444722" indent="-494975" algn="l" defTabSz="1979898" rtl="0" eaLnBrk="1" latinLnBrk="0" hangingPunct="1">
-              <a:spcBef>
-                <a:spcPct val="20000"/>
-              </a:spcBef>
-              <a:buFont typeface="Arial" pitchFamily="34" charset="0"/>
-              <a:buChar char="•"/>
-              <a:defRPr sz="4400" kern="1200">
-                <a:solidFill>
-                  <a:schemeClr val="tx1"/>
-                </a:solidFill>
-                <a:latin typeface="+mn-lt"/>
-                <a:ea typeface="+mn-ea"/>
-                <a:cs typeface="+mn-cs"/>
-              </a:defRPr>
-            </a:lvl6pPr>
-            <a:lvl7pPr marL="6434671" indent="-494975" algn="l" defTabSz="1979898" rtl="0" eaLnBrk="1" latinLnBrk="0" hangingPunct="1">
-              <a:spcBef>
-                <a:spcPct val="20000"/>
-              </a:spcBef>
-              <a:buFont typeface="Arial" pitchFamily="34" charset="0"/>
-              <a:buChar char="•"/>
-              <a:defRPr sz="4400" kern="1200">
-                <a:solidFill>
-                  <a:schemeClr val="tx1"/>
-                </a:solidFill>
-                <a:latin typeface="+mn-lt"/>
-                <a:ea typeface="+mn-ea"/>
-                <a:cs typeface="+mn-cs"/>
-              </a:defRPr>
-            </a:lvl7pPr>
-            <a:lvl8pPr marL="7424622" indent="-494975" algn="l" defTabSz="1979898" rtl="0" eaLnBrk="1" latinLnBrk="0" hangingPunct="1">
-              <a:spcBef>
-                <a:spcPct val="20000"/>
-              </a:spcBef>
-              <a:buFont typeface="Arial" pitchFamily="34" charset="0"/>
-              <a:buChar char="•"/>
-              <a:defRPr sz="4400" kern="1200">
-                <a:solidFill>
-                  <a:schemeClr val="tx1"/>
-                </a:solidFill>
-                <a:latin typeface="+mn-lt"/>
-                <a:ea typeface="+mn-ea"/>
-                <a:cs typeface="+mn-cs"/>
-              </a:defRPr>
-            </a:lvl8pPr>
-            <a:lvl9pPr marL="8414571" indent="-494975" algn="l" defTabSz="1979898" rtl="0" eaLnBrk="1" latinLnBrk="0" hangingPunct="1">
-              <a:spcBef>
-                <a:spcPct val="20000"/>
-              </a:spcBef>
-              <a:buFont typeface="Arial" pitchFamily="34" charset="0"/>
-              <a:buChar char="•"/>
-              <a:defRPr sz="4400" kern="1200">
-                <a:solidFill>
-                  <a:schemeClr val="tx1"/>
-                </a:solidFill>
-                <a:latin typeface="+mn-lt"/>
-                <a:ea typeface="+mn-ea"/>
-                <a:cs typeface="+mn-cs"/>
-              </a:defRPr>
-            </a:lvl9pPr>
-          </a:lstStyle>
-          <a:p>
-            <a:r>
-              <a:rPr lang="en-US" sz="2600" dirty="0">
-                <a:latin typeface="+mn-lt"/>
-              </a:rPr>
-              <a:t>Acknowledgments</a:t>
-            </a:r>
-          </a:p>
-        </p:txBody>
-      </p:sp>
-      <p:sp>
-        <p:nvSpPr>
-          <p:cNvPr id="67" name="Text Placeholder 4">
-            <a:extLst>
-              <a:ext uri="{FF2B5EF4-FFF2-40B4-BE49-F238E27FC236}">
-                <a16:creationId xmlns:a16="http://schemas.microsoft.com/office/drawing/2014/main" id="{12DCA909-9C58-496E-AA38-3F763995EEA7}"/>
-              </a:ext>
-            </a:extLst>
-          </p:cNvPr>
-          <p:cNvSpPr txBox="1">
-            <a:spLocks/>
-          </p:cNvSpPr>
-          <p:nvPr/>
-        </p:nvSpPr>
-        <p:spPr>
-          <a:xfrm>
-            <a:off x="20701413" y="11623336"/>
-            <a:ext cx="6473952" cy="502920"/>
-          </a:xfrm>
-          <a:prstGeom prst="rect">
-            <a:avLst/>
-          </a:prstGeom>
-          <a:solidFill>
-            <a:srgbClr val="A4343A"/>
-          </a:solidFill>
-          <a:ln>
-            <a:noFill/>
-          </a:ln>
-        </p:spPr>
-        <p:txBody>
-          <a:bodyPr vert="horz" lIns="88844" tIns="44422" rIns="88844" bIns="44422"/>
-          <a:lstStyle>
-            <a:lvl1pPr marL="0" indent="0" algn="l" defTabSz="1979898" rtl="0" eaLnBrk="1" latinLnBrk="0" hangingPunct="1">
-              <a:spcBef>
-                <a:spcPct val="20000"/>
-              </a:spcBef>
-              <a:buFont typeface="Arial" pitchFamily="34" charset="0"/>
-              <a:buNone/>
-              <a:defRPr sz="2400" b="1" kern="1200" baseline="0">
-                <a:solidFill>
-                  <a:schemeClr val="bg1"/>
-                </a:solidFill>
-                <a:latin typeface="Arial"/>
-                <a:ea typeface="+mn-ea"/>
-                <a:cs typeface="Arial"/>
-              </a:defRPr>
-            </a:lvl1pPr>
-            <a:lvl2pPr marL="1608668" indent="-618719" algn="l" defTabSz="1979898" rtl="0" eaLnBrk="1" latinLnBrk="0" hangingPunct="1">
-              <a:spcBef>
-                <a:spcPct val="20000"/>
-              </a:spcBef>
-              <a:buFont typeface="Arial" pitchFamily="34" charset="0"/>
-              <a:buChar char="–"/>
-              <a:defRPr sz="6100" kern="1200">
-                <a:solidFill>
-                  <a:schemeClr val="tx1"/>
-                </a:solidFill>
-                <a:latin typeface="+mn-lt"/>
-                <a:ea typeface="+mn-ea"/>
-                <a:cs typeface="+mn-cs"/>
-              </a:defRPr>
-            </a:lvl2pPr>
-            <a:lvl3pPr marL="2474875" indent="-494975" algn="l" defTabSz="1979898" rtl="0" eaLnBrk="1" latinLnBrk="0" hangingPunct="1">
-              <a:spcBef>
-                <a:spcPct val="20000"/>
-              </a:spcBef>
-              <a:buFont typeface="Arial" pitchFamily="34" charset="0"/>
-              <a:buChar char="•"/>
-              <a:defRPr sz="5100" kern="1200">
-                <a:solidFill>
-                  <a:schemeClr val="tx1"/>
-                </a:solidFill>
-                <a:latin typeface="+mn-lt"/>
-                <a:ea typeface="+mn-ea"/>
-                <a:cs typeface="+mn-cs"/>
-              </a:defRPr>
-            </a:lvl3pPr>
-            <a:lvl4pPr marL="3464824" indent="-494975" algn="l" defTabSz="1979898" rtl="0" eaLnBrk="1" latinLnBrk="0" hangingPunct="1">
-              <a:spcBef>
-                <a:spcPct val="20000"/>
-              </a:spcBef>
-              <a:buFont typeface="Arial" pitchFamily="34" charset="0"/>
-              <a:buChar char="–"/>
-              <a:defRPr sz="4400" kern="1200">
-                <a:solidFill>
-                  <a:schemeClr val="tx1"/>
-                </a:solidFill>
-                <a:latin typeface="+mn-lt"/>
-                <a:ea typeface="+mn-ea"/>
-                <a:cs typeface="+mn-cs"/>
-              </a:defRPr>
-            </a:lvl4pPr>
-            <a:lvl5pPr marL="4454773" indent="-494975" algn="l" defTabSz="1979898" rtl="0" eaLnBrk="1" latinLnBrk="0" hangingPunct="1">
-              <a:spcBef>
-                <a:spcPct val="20000"/>
-              </a:spcBef>
-              <a:buFont typeface="Arial" pitchFamily="34" charset="0"/>
-              <a:buChar char="»"/>
-              <a:defRPr sz="4400" kern="1200">
-                <a:solidFill>
-                  <a:schemeClr val="tx1"/>
-                </a:solidFill>
-                <a:latin typeface="+mn-lt"/>
-                <a:ea typeface="+mn-ea"/>
-                <a:cs typeface="+mn-cs"/>
-              </a:defRPr>
-            </a:lvl5pPr>
-            <a:lvl6pPr marL="5444722" indent="-494975" algn="l" defTabSz="1979898" rtl="0" eaLnBrk="1" latinLnBrk="0" hangingPunct="1">
-              <a:spcBef>
-                <a:spcPct val="20000"/>
-              </a:spcBef>
-              <a:buFont typeface="Arial" pitchFamily="34" charset="0"/>
-              <a:buChar char="•"/>
-              <a:defRPr sz="4400" kern="1200">
-                <a:solidFill>
-                  <a:schemeClr val="tx1"/>
-                </a:solidFill>
-                <a:latin typeface="+mn-lt"/>
-                <a:ea typeface="+mn-ea"/>
-                <a:cs typeface="+mn-cs"/>
-              </a:defRPr>
-            </a:lvl6pPr>
-            <a:lvl7pPr marL="6434671" indent="-494975" algn="l" defTabSz="1979898" rtl="0" eaLnBrk="1" latinLnBrk="0" hangingPunct="1">
-              <a:spcBef>
-                <a:spcPct val="20000"/>
-              </a:spcBef>
-              <a:buFont typeface="Arial" pitchFamily="34" charset="0"/>
-              <a:buChar char="•"/>
-              <a:defRPr sz="4400" kern="1200">
-                <a:solidFill>
-                  <a:schemeClr val="tx1"/>
-                </a:solidFill>
-                <a:latin typeface="+mn-lt"/>
-                <a:ea typeface="+mn-ea"/>
-                <a:cs typeface="+mn-cs"/>
-              </a:defRPr>
-            </a:lvl7pPr>
-            <a:lvl8pPr marL="7424622" indent="-494975" algn="l" defTabSz="1979898" rtl="0" eaLnBrk="1" latinLnBrk="0" hangingPunct="1">
-              <a:spcBef>
-                <a:spcPct val="20000"/>
-              </a:spcBef>
-              <a:buFont typeface="Arial" pitchFamily="34" charset="0"/>
-              <a:buChar char="•"/>
-              <a:defRPr sz="4400" kern="1200">
-                <a:solidFill>
-                  <a:schemeClr val="tx1"/>
-                </a:solidFill>
-                <a:latin typeface="+mn-lt"/>
-                <a:ea typeface="+mn-ea"/>
-                <a:cs typeface="+mn-cs"/>
-              </a:defRPr>
-            </a:lvl8pPr>
-            <a:lvl9pPr marL="8414571" indent="-494975" algn="l" defTabSz="1979898" rtl="0" eaLnBrk="1" latinLnBrk="0" hangingPunct="1">
-              <a:spcBef>
-                <a:spcPct val="20000"/>
-              </a:spcBef>
-              <a:buFont typeface="Arial" pitchFamily="34" charset="0"/>
-              <a:buChar char="•"/>
-              <a:defRPr sz="4400" kern="1200">
-                <a:solidFill>
-                  <a:schemeClr val="tx1"/>
-                </a:solidFill>
-                <a:latin typeface="+mn-lt"/>
-                <a:ea typeface="+mn-ea"/>
-                <a:cs typeface="+mn-cs"/>
-              </a:defRPr>
-            </a:lvl9pPr>
-          </a:lstStyle>
-          <a:p>
-            <a:r>
-              <a:rPr lang="en-US" sz="2600" dirty="0">
-                <a:latin typeface="+mn-lt"/>
-              </a:rPr>
-              <a:t>References</a:t>
-            </a:r>
-          </a:p>
-        </p:txBody>
-      </p:sp>
-      <p:sp>
-        <p:nvSpPr>
-          <p:cNvPr id="4" name="Text Placeholder 19">
-            <a:extLst>
-              <a:ext uri="{FF2B5EF4-FFF2-40B4-BE49-F238E27FC236}">
-                <a16:creationId xmlns:a16="http://schemas.microsoft.com/office/drawing/2014/main" id="{3B0CD16D-28B4-24F5-D05E-5C3FC5F83594}"/>
-              </a:ext>
-            </a:extLst>
-          </p:cNvPr>
-          <p:cNvSpPr txBox="1">
-            <a:spLocks/>
-          </p:cNvSpPr>
-          <p:nvPr/>
-        </p:nvSpPr>
-        <p:spPr>
-          <a:xfrm>
-            <a:off x="20686824" y="12290276"/>
-            <a:ext cx="6448361" cy="3499484"/>
-          </a:xfrm>
-          <a:prstGeom prst="rect">
-            <a:avLst/>
-          </a:prstGeom>
-        </p:spPr>
-        <p:txBody>
-          <a:bodyPr vert="horz" lIns="88844" tIns="44422" rIns="88844" bIns="44422"/>
-          <a:lstStyle>
-            <a:lvl1pPr marL="0" indent="0" algn="l" defTabSz="1979898" rtl="0" eaLnBrk="1" latinLnBrk="0" hangingPunct="1">
-              <a:spcBef>
-                <a:spcPct val="20000"/>
-              </a:spcBef>
-              <a:buFont typeface="Arial" pitchFamily="34" charset="0"/>
-              <a:buNone/>
-              <a:defRPr sz="1500" kern="1200" baseline="0">
-                <a:solidFill>
-                  <a:schemeClr val="tx1"/>
-                </a:solidFill>
-                <a:latin typeface="+mn-lt"/>
-                <a:ea typeface="+mn-ea"/>
-                <a:cs typeface="+mn-cs"/>
-              </a:defRPr>
-            </a:lvl1pPr>
-            <a:lvl2pPr marL="225196" indent="0" algn="l" defTabSz="1979898" rtl="0" eaLnBrk="1" latinLnBrk="0" hangingPunct="1">
-              <a:spcBef>
-                <a:spcPct val="20000"/>
-              </a:spcBef>
-              <a:buFont typeface="Arial" pitchFamily="34" charset="0"/>
-              <a:buNone/>
-              <a:defRPr sz="1500" kern="1200">
-                <a:solidFill>
-                  <a:schemeClr val="tx1"/>
-                </a:solidFill>
-                <a:latin typeface="+mn-lt"/>
-                <a:ea typeface="+mn-ea"/>
-                <a:cs typeface="+mn-cs"/>
-              </a:defRPr>
-            </a:lvl2pPr>
-            <a:lvl3pPr marL="2474875" indent="-494975" algn="l" defTabSz="1979898" rtl="0" eaLnBrk="1" latinLnBrk="0" hangingPunct="1">
-              <a:spcBef>
-                <a:spcPct val="20000"/>
-              </a:spcBef>
-              <a:buFont typeface="Arial" pitchFamily="34" charset="0"/>
-              <a:buChar char="•"/>
-              <a:defRPr sz="1500" kern="1200">
-                <a:solidFill>
-                  <a:schemeClr val="tx1"/>
-                </a:solidFill>
-                <a:latin typeface="+mn-lt"/>
-                <a:ea typeface="+mn-ea"/>
-                <a:cs typeface="+mn-cs"/>
-              </a:defRPr>
-            </a:lvl3pPr>
-            <a:lvl4pPr marL="3464824" indent="-494975" algn="l" defTabSz="1979898" rtl="0" eaLnBrk="1" latinLnBrk="0" hangingPunct="1">
-              <a:spcBef>
-                <a:spcPct val="20000"/>
-              </a:spcBef>
-              <a:buFont typeface="Arial" pitchFamily="34" charset="0"/>
-              <a:buChar char="–"/>
-              <a:defRPr sz="1500" kern="1200">
-                <a:solidFill>
-                  <a:schemeClr val="tx1"/>
-                </a:solidFill>
-                <a:latin typeface="+mn-lt"/>
-                <a:ea typeface="+mn-ea"/>
-                <a:cs typeface="+mn-cs"/>
-              </a:defRPr>
-            </a:lvl4pPr>
-            <a:lvl5pPr marL="4454773" indent="-494975" algn="l" defTabSz="1979898" rtl="0" eaLnBrk="1" latinLnBrk="0" hangingPunct="1">
-              <a:spcBef>
-                <a:spcPct val="20000"/>
-              </a:spcBef>
-              <a:buFont typeface="Arial" pitchFamily="34" charset="0"/>
-              <a:buChar char="»"/>
-              <a:defRPr sz="1500" kern="1200">
-                <a:solidFill>
-                  <a:schemeClr val="tx1"/>
-                </a:solidFill>
-                <a:latin typeface="+mn-lt"/>
-                <a:ea typeface="+mn-ea"/>
-                <a:cs typeface="+mn-cs"/>
-              </a:defRPr>
-            </a:lvl5pPr>
-            <a:lvl6pPr marL="5444722" indent="-494975" algn="l" defTabSz="1979898" rtl="0" eaLnBrk="1" latinLnBrk="0" hangingPunct="1">
-              <a:spcBef>
-                <a:spcPct val="20000"/>
-              </a:spcBef>
-              <a:buFont typeface="Arial" pitchFamily="34" charset="0"/>
-              <a:buChar char="•"/>
-              <a:defRPr sz="4400" kern="1200">
-                <a:solidFill>
-                  <a:schemeClr val="tx1"/>
-                </a:solidFill>
-                <a:latin typeface="+mn-lt"/>
-                <a:ea typeface="+mn-ea"/>
-                <a:cs typeface="+mn-cs"/>
-              </a:defRPr>
-            </a:lvl6pPr>
-            <a:lvl7pPr marL="6434671" indent="-494975" algn="l" defTabSz="1979898" rtl="0" eaLnBrk="1" latinLnBrk="0" hangingPunct="1">
-              <a:spcBef>
-                <a:spcPct val="20000"/>
-              </a:spcBef>
-              <a:buFont typeface="Arial" pitchFamily="34" charset="0"/>
-              <a:buChar char="•"/>
-              <a:defRPr sz="4400" kern="1200">
-                <a:solidFill>
-                  <a:schemeClr val="tx1"/>
-                </a:solidFill>
-                <a:latin typeface="+mn-lt"/>
-                <a:ea typeface="+mn-ea"/>
-                <a:cs typeface="+mn-cs"/>
-              </a:defRPr>
-            </a:lvl7pPr>
-            <a:lvl8pPr marL="7424622" indent="-494975" algn="l" defTabSz="1979898" rtl="0" eaLnBrk="1" latinLnBrk="0" hangingPunct="1">
-              <a:spcBef>
-                <a:spcPct val="20000"/>
-              </a:spcBef>
-              <a:buFont typeface="Arial" pitchFamily="34" charset="0"/>
-              <a:buChar char="•"/>
-              <a:defRPr sz="4400" kern="1200">
-                <a:solidFill>
-                  <a:schemeClr val="tx1"/>
-                </a:solidFill>
-                <a:latin typeface="+mn-lt"/>
-                <a:ea typeface="+mn-ea"/>
-                <a:cs typeface="+mn-cs"/>
-              </a:defRPr>
-            </a:lvl8pPr>
-            <a:lvl9pPr marL="8414571" indent="-494975" algn="l" defTabSz="1979898" rtl="0" eaLnBrk="1" latinLnBrk="0" hangingPunct="1">
-              <a:spcBef>
-                <a:spcPct val="20000"/>
-              </a:spcBef>
-              <a:buFont typeface="Arial" pitchFamily="34" charset="0"/>
-              <a:buChar char="•"/>
-              <a:defRPr sz="4400" kern="1200">
-                <a:solidFill>
-                  <a:schemeClr val="tx1"/>
-                </a:solidFill>
-                <a:latin typeface="+mn-lt"/>
-                <a:ea typeface="+mn-ea"/>
-                <a:cs typeface="+mn-cs"/>
-              </a:defRPr>
-            </a:lvl9pPr>
-          </a:lstStyle>
-          <a:p>
-            <a:pPr algn="just"/>
-            <a:r>
-              <a:rPr lang="en-US" sz="2800" dirty="0"/>
-              <a:t>a</a:t>
-            </a:r>
-          </a:p>
-        </p:txBody>
-      </p:sp>
-      <p:graphicFrame>
-        <p:nvGraphicFramePr>
-          <p:cNvPr id="6" name="Diagram 5">
-            <a:extLst>
-              <a:ext uri="{FF2B5EF4-FFF2-40B4-BE49-F238E27FC236}">
-                <a16:creationId xmlns:a16="http://schemas.microsoft.com/office/drawing/2014/main" id="{13E3458A-D992-05CA-A401-ABEE1B0E8766}"/>
-              </a:ext>
-            </a:extLst>
-          </p:cNvPr>
-          <p:cNvGraphicFramePr/>
-          <p:nvPr>
-            <p:extLst>
-              <p:ext uri="{D42A27DB-BD31-4B8C-83A1-F6EECF244321}">
-                <p14:modId xmlns:p14="http://schemas.microsoft.com/office/powerpoint/2010/main" val="732322067"/>
-              </p:ext>
-            </p:extLst>
-          </p:nvPr>
-        </p:nvGraphicFramePr>
-        <p:xfrm>
-          <a:off x="7049439" y="4804226"/>
-          <a:ext cx="6461923" cy="9978574"/>
-        </p:xfrm>
-        <a:graphic>
-          <a:graphicData uri="http://schemas.openxmlformats.org/drawingml/2006/diagram">
-            <dgm:relIds xmlns:dgm="http://schemas.openxmlformats.org/drawingml/2006/diagram" xmlns:r="http://schemas.openxmlformats.org/officeDocument/2006/relationships" r:dm="rId7" r:lo="rId8" r:qs="rId9" r:cs="rId10"/>
-          </a:graphicData>
-        </a:graphic>
-      </p:graphicFrame>
-      <p:sp>
-        <p:nvSpPr>
-          <p:cNvPr id="7" name="Text Placeholder 13">
-            <a:extLst>
-              <a:ext uri="{FF2B5EF4-FFF2-40B4-BE49-F238E27FC236}">
-                <a16:creationId xmlns:a16="http://schemas.microsoft.com/office/drawing/2014/main" id="{79AC7C38-5AEA-D9F4-E8E5-13B518E215E6}"/>
-              </a:ext>
-            </a:extLst>
-          </p:cNvPr>
-          <p:cNvSpPr txBox="1">
-            <a:spLocks/>
-          </p:cNvSpPr>
-          <p:nvPr/>
-        </p:nvSpPr>
-        <p:spPr>
-          <a:xfrm>
-            <a:off x="7089648" y="14782800"/>
-            <a:ext cx="6453398" cy="1006960"/>
-          </a:xfrm>
-          <a:prstGeom prst="rect">
-            <a:avLst/>
-          </a:prstGeom>
-        </p:spPr>
-        <p:txBody>
-          <a:bodyPr vert="horz" lIns="88844" tIns="44422" rIns="88844" bIns="44422"/>
-          <a:lstStyle>
-            <a:lvl1pPr marL="0" indent="0" algn="l" defTabSz="1979898" rtl="0" eaLnBrk="1" latinLnBrk="0" hangingPunct="1">
-              <a:spcBef>
-                <a:spcPct val="20000"/>
-              </a:spcBef>
-              <a:buFont typeface="Arial" pitchFamily="34" charset="0"/>
-              <a:buNone/>
-              <a:defRPr sz="1500" kern="1200" baseline="0">
-                <a:solidFill>
-                  <a:schemeClr val="tx1"/>
-                </a:solidFill>
-                <a:latin typeface="+mn-lt"/>
-                <a:ea typeface="+mn-ea"/>
-                <a:cs typeface="+mn-cs"/>
-              </a:defRPr>
-            </a:lvl1pPr>
-            <a:lvl2pPr marL="225196" indent="0" algn="l" defTabSz="1979898" rtl="0" eaLnBrk="1" latinLnBrk="0" hangingPunct="1">
-              <a:spcBef>
-                <a:spcPct val="20000"/>
-              </a:spcBef>
-              <a:buFont typeface="Arial" pitchFamily="34" charset="0"/>
-              <a:buNone/>
-              <a:defRPr sz="1500" kern="1200">
-                <a:solidFill>
-                  <a:schemeClr val="tx1"/>
-                </a:solidFill>
-                <a:latin typeface="+mn-lt"/>
-                <a:ea typeface="+mn-ea"/>
-                <a:cs typeface="+mn-cs"/>
-              </a:defRPr>
-            </a:lvl2pPr>
-            <a:lvl3pPr marL="2474875" indent="-494975" algn="l" defTabSz="1979898" rtl="0" eaLnBrk="1" latinLnBrk="0" hangingPunct="1">
-              <a:spcBef>
-                <a:spcPct val="20000"/>
-              </a:spcBef>
-              <a:buFont typeface="Arial" pitchFamily="34" charset="0"/>
-              <a:buChar char="•"/>
-              <a:defRPr sz="1500" kern="1200">
-                <a:solidFill>
-                  <a:schemeClr val="tx1"/>
-                </a:solidFill>
-                <a:latin typeface="+mn-lt"/>
-                <a:ea typeface="+mn-ea"/>
-                <a:cs typeface="+mn-cs"/>
-              </a:defRPr>
-            </a:lvl3pPr>
-            <a:lvl4pPr marL="3464824" indent="-494975" algn="l" defTabSz="1979898" rtl="0" eaLnBrk="1" latinLnBrk="0" hangingPunct="1">
-              <a:spcBef>
-                <a:spcPct val="20000"/>
-              </a:spcBef>
-              <a:buFont typeface="Arial" pitchFamily="34" charset="0"/>
-              <a:buChar char="–"/>
-              <a:defRPr sz="1500" kern="1200">
-                <a:solidFill>
-                  <a:schemeClr val="tx1"/>
-                </a:solidFill>
-                <a:latin typeface="+mn-lt"/>
-                <a:ea typeface="+mn-ea"/>
-                <a:cs typeface="+mn-cs"/>
-              </a:defRPr>
-            </a:lvl4pPr>
-            <a:lvl5pPr marL="4454773" indent="-494975" algn="l" defTabSz="1979898" rtl="0" eaLnBrk="1" latinLnBrk="0" hangingPunct="1">
-              <a:spcBef>
-                <a:spcPct val="20000"/>
-              </a:spcBef>
-              <a:buFont typeface="Arial" pitchFamily="34" charset="0"/>
-              <a:buChar char="»"/>
-              <a:defRPr sz="1500" kern="1200">
-                <a:solidFill>
-                  <a:schemeClr val="tx1"/>
-                </a:solidFill>
-                <a:latin typeface="+mn-lt"/>
-                <a:ea typeface="+mn-ea"/>
-                <a:cs typeface="+mn-cs"/>
-              </a:defRPr>
-            </a:lvl5pPr>
-            <a:lvl6pPr marL="5444722" indent="-494975" algn="l" defTabSz="1979898" rtl="0" eaLnBrk="1" latinLnBrk="0" hangingPunct="1">
-              <a:spcBef>
-                <a:spcPct val="20000"/>
-              </a:spcBef>
-              <a:buFont typeface="Arial" pitchFamily="34" charset="0"/>
-              <a:buChar char="•"/>
-              <a:defRPr sz="4400" kern="1200">
-                <a:solidFill>
-                  <a:schemeClr val="tx1"/>
-                </a:solidFill>
-                <a:latin typeface="+mn-lt"/>
-                <a:ea typeface="+mn-ea"/>
-                <a:cs typeface="+mn-cs"/>
-              </a:defRPr>
-            </a:lvl6pPr>
-            <a:lvl7pPr marL="6434671" indent="-494975" algn="l" defTabSz="1979898" rtl="0" eaLnBrk="1" latinLnBrk="0" hangingPunct="1">
-              <a:spcBef>
-                <a:spcPct val="20000"/>
-              </a:spcBef>
-              <a:buFont typeface="Arial" pitchFamily="34" charset="0"/>
-              <a:buChar char="•"/>
-              <a:defRPr sz="4400" kern="1200">
-                <a:solidFill>
-                  <a:schemeClr val="tx1"/>
-                </a:solidFill>
-                <a:latin typeface="+mn-lt"/>
-                <a:ea typeface="+mn-ea"/>
-                <a:cs typeface="+mn-cs"/>
-              </a:defRPr>
-            </a:lvl7pPr>
-            <a:lvl8pPr marL="7424622" indent="-494975" algn="l" defTabSz="1979898" rtl="0" eaLnBrk="1" latinLnBrk="0" hangingPunct="1">
-              <a:spcBef>
-                <a:spcPct val="20000"/>
-              </a:spcBef>
-              <a:buFont typeface="Arial" pitchFamily="34" charset="0"/>
-              <a:buChar char="•"/>
-              <a:defRPr sz="4400" kern="1200">
-                <a:solidFill>
-                  <a:schemeClr val="tx1"/>
-                </a:solidFill>
-                <a:latin typeface="+mn-lt"/>
-                <a:ea typeface="+mn-ea"/>
-                <a:cs typeface="+mn-cs"/>
-              </a:defRPr>
-            </a:lvl8pPr>
-            <a:lvl9pPr marL="8414571" indent="-494975" algn="l" defTabSz="1979898" rtl="0" eaLnBrk="1" latinLnBrk="0" hangingPunct="1">
-              <a:spcBef>
-                <a:spcPct val="20000"/>
-              </a:spcBef>
-              <a:buFont typeface="Arial" pitchFamily="34" charset="0"/>
-              <a:buChar char="•"/>
-              <a:defRPr sz="4400" kern="1200">
-                <a:solidFill>
-                  <a:schemeClr val="tx1"/>
-                </a:solidFill>
-                <a:latin typeface="+mn-lt"/>
-                <a:ea typeface="+mn-ea"/>
-                <a:cs typeface="+mn-cs"/>
-              </a:defRPr>
-            </a:lvl9pPr>
-          </a:lstStyle>
-          <a:p>
-            <a:pPr algn="just"/>
-            <a:r>
-              <a:rPr lang="en-US" sz="2800" dirty="0"/>
-              <a:t>Full R script for this analysis can be found at https://github.com/domicowe/BIO247.</a:t>
-            </a:r>
-          </a:p>
-        </p:txBody>
-      </p:sp>
-      <p:graphicFrame>
-        <p:nvGraphicFramePr>
-          <p:cNvPr id="9" name="Chart 8">
-            <a:extLst>
-              <a:ext uri="{FF2B5EF4-FFF2-40B4-BE49-F238E27FC236}">
-                <a16:creationId xmlns:a16="http://schemas.microsoft.com/office/drawing/2014/main" id="{B8C1C5E6-E2EB-D62E-48B5-622F08B0612F}"/>
-              </a:ext>
-            </a:extLst>
-          </p:cNvPr>
-          <p:cNvGraphicFramePr>
-            <a:graphicFrameLocks/>
-          </p:cNvGraphicFramePr>
-          <p:nvPr>
-            <p:extLst>
-              <p:ext uri="{D42A27DB-BD31-4B8C-83A1-F6EECF244321}">
-                <p14:modId xmlns:p14="http://schemas.microsoft.com/office/powerpoint/2010/main" val="2052924380"/>
-              </p:ext>
-            </p:extLst>
-          </p:nvPr>
-        </p:nvGraphicFramePr>
-        <p:xfrm>
-          <a:off x="13871448" y="3102766"/>
-          <a:ext cx="6473952" cy="4745834"/>
-        </p:xfrm>
-        <a:graphic>
-          <a:graphicData uri="http://schemas.openxmlformats.org/drawingml/2006/chart">
-            <c:chart xmlns:c="http://schemas.openxmlformats.org/drawingml/2006/chart" xmlns:r="http://schemas.openxmlformats.org/officeDocument/2006/relationships" r:id="rId12"/>
-          </a:graphicData>
-        </a:graphic>
-      </p:graphicFrame>
-      <p:graphicFrame>
-        <p:nvGraphicFramePr>
-          <p:cNvPr id="10" name="Chart 9">
-            <a:extLst>
-              <a:ext uri="{FF2B5EF4-FFF2-40B4-BE49-F238E27FC236}">
-                <a16:creationId xmlns:a16="http://schemas.microsoft.com/office/drawing/2014/main" id="{A301776B-562C-D9E5-350E-4F67339AE9DF}"/>
-              </a:ext>
-            </a:extLst>
-          </p:cNvPr>
-          <p:cNvGraphicFramePr>
-            <a:graphicFrameLocks/>
-          </p:cNvGraphicFramePr>
-          <p:nvPr>
-            <p:extLst>
-              <p:ext uri="{D42A27DB-BD31-4B8C-83A1-F6EECF244321}">
-                <p14:modId xmlns:p14="http://schemas.microsoft.com/office/powerpoint/2010/main" val="696333175"/>
-              </p:ext>
-            </p:extLst>
-          </p:nvPr>
-        </p:nvGraphicFramePr>
-        <p:xfrm>
-          <a:off x="13715998" y="7651221"/>
-          <a:ext cx="6388194" cy="2940579"/>
-        </p:xfrm>
-        <a:graphic>
-          <a:graphicData uri="http://schemas.openxmlformats.org/drawingml/2006/chart">
-            <c:chart xmlns:c="http://schemas.openxmlformats.org/drawingml/2006/chart" xmlns:r="http://schemas.openxmlformats.org/officeDocument/2006/relationships" r:id="rId13"/>
-          </a:graphicData>
-        </a:graphic>
-      </p:graphicFrame>
+              </a:endParaRPr>
+            </a:p>
+          </p:txBody>
+        </p:sp>
+        <p:pic>
+          <p:nvPicPr>
+            <p:cNvPr id="8" name="Picture 7">
+              <a:extLst>
+                <a:ext uri="{FF2B5EF4-FFF2-40B4-BE49-F238E27FC236}">
+                  <a16:creationId xmlns:a16="http://schemas.microsoft.com/office/drawing/2014/main" id="{2865B2A5-8B00-FDFB-7646-7403CBABDEF8}"/>
+                </a:ext>
+              </a:extLst>
+            </p:cNvPr>
+            <p:cNvPicPr>
+              <a:picLocks noChangeAspect="1"/>
+            </p:cNvPicPr>
+            <p:nvPr/>
+          </p:nvPicPr>
+          <p:blipFill>
+            <a:blip r:embed="rId15"/>
+            <a:stretch>
+              <a:fillRect/>
+            </a:stretch>
+          </p:blipFill>
+          <p:spPr>
+            <a:xfrm>
+              <a:off x="25396529" y="14431033"/>
+              <a:ext cx="1386256" cy="1390478"/>
+            </a:xfrm>
+            <a:prstGeom prst="rect">
+              <a:avLst/>
+            </a:prstGeom>
+          </p:spPr>
+        </p:pic>
+      </p:grpSp>
     </p:spTree>
     <p:extLst>
       <p:ext uri="{BB962C8B-B14F-4D97-AF65-F5344CB8AC3E}">
